--- a/slides/6. Normative Argumentation.pptx
+++ b/slides/6. Normative Argumentation.pptx
@@ -224,7 +224,7 @@
           <a:p>
             <a:fld id="{C20D082D-BBCD-481C-A7DE-212F37A75249}" type="datetimeFigureOut">
               <a:rPr lang="en-US" smtClean="0"/>
-              <a:t>11/17/2021</a:t>
+              <a:t>11/19/2021</a:t>
             </a:fld>
             <a:endParaRPr lang="en-US"/>
           </a:p>
@@ -614,7 +614,7 @@
                 <a:latin typeface="Arial" pitchFamily="-106" charset="0"/>
               </a:rPr>
               <a:pPr/>
-              <a:t>16</a:t>
+              <a:t>15</a:t>
             </a:fld>
             <a:endParaRPr lang="de-DE">
               <a:latin typeface="Arial" pitchFamily="-106" charset="0"/>
@@ -832,7 +832,7 @@
     </p:spTree>
     <p:extLst>
       <p:ext uri="{BB962C8B-B14F-4D97-AF65-F5344CB8AC3E}">
-        <p14:creationId xmlns:p14="http://schemas.microsoft.com/office/powerpoint/2010/main" val="935803130"/>
+        <p14:creationId xmlns:p14="http://schemas.microsoft.com/office/powerpoint/2010/main" val="1609927241"/>
       </p:ext>
     </p:extLst>
   </p:cSld>
@@ -881,7 +881,7 @@
                 <a:latin typeface="Arial" pitchFamily="-106" charset="0"/>
               </a:rPr>
               <a:pPr/>
-              <a:t>17</a:t>
+              <a:t>16</a:t>
             </a:fld>
             <a:endParaRPr lang="de-DE">
               <a:latin typeface="Arial" pitchFamily="-106" charset="0"/>
@@ -1099,7 +1099,7 @@
     </p:spTree>
     <p:extLst>
       <p:ext uri="{BB962C8B-B14F-4D97-AF65-F5344CB8AC3E}">
-        <p14:creationId xmlns:p14="http://schemas.microsoft.com/office/powerpoint/2010/main" val="762295406"/>
+        <p14:creationId xmlns:p14="http://schemas.microsoft.com/office/powerpoint/2010/main" val="935803130"/>
       </p:ext>
     </p:extLst>
   </p:cSld>
@@ -1148,7 +1148,7 @@
                 <a:latin typeface="Arial" pitchFamily="-106" charset="0"/>
               </a:rPr>
               <a:pPr/>
-              <a:t>18</a:t>
+              <a:t>17</a:t>
             </a:fld>
             <a:endParaRPr lang="de-DE">
               <a:latin typeface="Arial" pitchFamily="-106" charset="0"/>
@@ -1366,7 +1366,7 @@
     </p:spTree>
     <p:extLst>
       <p:ext uri="{BB962C8B-B14F-4D97-AF65-F5344CB8AC3E}">
-        <p14:creationId xmlns:p14="http://schemas.microsoft.com/office/powerpoint/2010/main" val="957397409"/>
+        <p14:creationId xmlns:p14="http://schemas.microsoft.com/office/powerpoint/2010/main" val="762295406"/>
       </p:ext>
     </p:extLst>
   </p:cSld>
@@ -1415,7 +1415,7 @@
                 <a:latin typeface="Arial" pitchFamily="-106" charset="0"/>
               </a:rPr>
               <a:pPr/>
-              <a:t>19</a:t>
+              <a:t>18</a:t>
             </a:fld>
             <a:endParaRPr lang="de-DE">
               <a:latin typeface="Arial" pitchFamily="-106" charset="0"/>
@@ -1633,7 +1633,7 @@
     </p:spTree>
     <p:extLst>
       <p:ext uri="{BB962C8B-B14F-4D97-AF65-F5344CB8AC3E}">
-        <p14:creationId xmlns:p14="http://schemas.microsoft.com/office/powerpoint/2010/main" val="1143646880"/>
+        <p14:creationId xmlns:p14="http://schemas.microsoft.com/office/powerpoint/2010/main" val="957397409"/>
       </p:ext>
     </p:extLst>
   </p:cSld>
@@ -1682,7 +1682,7 @@
                 <a:latin typeface="Arial" pitchFamily="-106" charset="0"/>
               </a:rPr>
               <a:pPr/>
-              <a:t>20</a:t>
+              <a:t>19</a:t>
             </a:fld>
             <a:endParaRPr lang="de-DE">
               <a:latin typeface="Arial" pitchFamily="-106" charset="0"/>
@@ -1732,7 +1732,7 @@
                 <a:ea typeface="ＭＳ Ｐゴシック" pitchFamily="-112" charset="-128"/>
                 <a:cs typeface="ＭＳ Ｐゴシック" pitchFamily="-112" charset="-128"/>
               </a:rPr>
-              <a:t>[dePoel&amp;Royakkers2011] Chapter 6, 7?, 8, 10?</a:t>
+              <a:t>[dePoel&amp;Royakkers2011] Chapter 3, 4, 5</a:t>
             </a:r>
           </a:p>
           <a:p>
@@ -1746,12 +1746,10 @@
                 <a:ea typeface="ＭＳ Ｐゴシック" pitchFamily="-112" charset="-128"/>
                 <a:cs typeface="ＭＳ Ｐゴシック" pitchFamily="-112" charset="-128"/>
               </a:rPr>
-              <a:t> </a:t>
-            </a:r>
-          </a:p>
-          <a:p>
-            <a:r>
-              <a:rPr lang="en-GB" sz="1200" kern="1200" dirty="0">
+              <a:t>[Pereira&amp;Saptawijaya2016] p. 110 </a:t>
+            </a:r>
+            <a:r>
+              <a:rPr lang="en-GB" sz="1200" kern="1200" dirty="0" err="1">
                 <a:solidFill>
                   <a:schemeClr val="tx1"/>
                 </a:solidFill>
@@ -1760,10 +1758,8 @@
                 <a:ea typeface="ＭＳ Ｐゴシック" pitchFamily="-112" charset="-128"/>
                 <a:cs typeface="ＭＳ Ｐゴシック" pitchFamily="-112" charset="-128"/>
               </a:rPr>
-              <a:t>[Fleddermann2013] p. 67 line charting</a:t>
-            </a:r>
-          </a:p>
-          <a:p>
+              <a:t>trolly</a:t>
+            </a:r>
             <a:r>
               <a:rPr lang="en-GB" sz="1200" kern="1200" dirty="0">
                 <a:solidFill>
@@ -1774,19 +1770,8 @@
                 <a:ea typeface="ＭＳ Ｐゴシック" pitchFamily="-112" charset="-128"/>
                 <a:cs typeface="ＭＳ Ｐゴシック" pitchFamily="-112" charset="-128"/>
               </a:rPr>
-              <a:t>[Fleddermann2013] p. 70 flow charting</a:t>
-            </a:r>
-          </a:p>
-          <a:p>
-            <a:endParaRPr lang="en-GB" sz="1200" kern="1200" dirty="0">
-              <a:solidFill>
-                <a:schemeClr val="tx1"/>
-              </a:solidFill>
-              <a:effectLst/>
-              <a:latin typeface="Arial" pitchFamily="-112" charset="0"/>
-              <a:ea typeface="ＭＳ Ｐゴシック" pitchFamily="-112" charset="-128"/>
-              <a:cs typeface="ＭＳ Ｐゴシック" pitchFamily="-112" charset="-128"/>
-            </a:endParaRPr>
+              <a:t> problem in different forms? Use to explain differences?</a:t>
+            </a:r>
           </a:p>
           <a:p>
             <a:r>
@@ -1799,7 +1784,7 @@
                 <a:ea typeface="ＭＳ Ｐゴシック" pitchFamily="-112" charset="-128"/>
                 <a:cs typeface="ＭＳ Ｐゴシック" pitchFamily="-112" charset="-128"/>
               </a:rPr>
-              <a:t>Trump = </a:t>
+              <a:t>[Pereira&amp;Saptawijaya2016] p. 20 double and triple effect &amp;  </a:t>
             </a:r>
             <a:r>
               <a:rPr lang="en-GB" sz="1200" kern="1200" dirty="0" err="1">
@@ -1811,17 +1796,96 @@
                 <a:ea typeface="ＭＳ Ｐゴシック" pitchFamily="-112" charset="-128"/>
                 <a:cs typeface="ＭＳ Ｐゴシック" pitchFamily="-112" charset="-128"/>
               </a:rPr>
-              <a:t>übertrumpfen</a:t>
-            </a:r>
-            <a:endParaRPr lang="en-GB" sz="1200" kern="1200" dirty="0">
-              <a:solidFill>
-                <a:schemeClr val="tx1"/>
-              </a:solidFill>
-              <a:effectLst/>
-              <a:latin typeface="Arial" pitchFamily="-112" charset="0"/>
-              <a:ea typeface="ＭＳ Ｐゴシック" pitchFamily="-112" charset="-128"/>
-              <a:cs typeface="ＭＳ Ｐゴシック" pitchFamily="-112" charset="-128"/>
-            </a:endParaRPr>
+              <a:t>trolly</a:t>
+            </a:r>
+            <a:r>
+              <a:rPr lang="en-GB" sz="1200" kern="1200" dirty="0">
+                <a:solidFill>
+                  <a:schemeClr val="tx1"/>
+                </a:solidFill>
+                <a:effectLst/>
+                <a:latin typeface="Arial" pitchFamily="-112" charset="0"/>
+                <a:ea typeface="ＭＳ Ｐゴシック" pitchFamily="-112" charset="-128"/>
+                <a:cs typeface="ＭＳ Ｐゴシック" pitchFamily="-112" charset="-128"/>
+              </a:rPr>
+              <a:t> problem </a:t>
+            </a:r>
+          </a:p>
+          <a:p>
+            <a:r>
+              <a:rPr lang="en-GB" sz="1200" kern="1200" dirty="0">
+                <a:solidFill>
+                  <a:schemeClr val="tx1"/>
+                </a:solidFill>
+                <a:effectLst/>
+                <a:latin typeface="Arial" pitchFamily="-112" charset="0"/>
+                <a:ea typeface="ＭＳ Ｐゴシック" pitchFamily="-112" charset="-128"/>
+                <a:cs typeface="ＭＳ Ｐゴシック" pitchFamily="-112" charset="-128"/>
+              </a:rPr>
+              <a:t> [Kizza2013] Chapter 3 Ethics </a:t>
+            </a:r>
+            <a:r>
+              <a:rPr lang="en-GB" sz="1200" kern="1200" dirty="0" err="1">
+                <a:solidFill>
+                  <a:schemeClr val="tx1"/>
+                </a:solidFill>
+                <a:effectLst/>
+                <a:latin typeface="Arial" pitchFamily="-112" charset="0"/>
+                <a:ea typeface="ＭＳ Ｐゴシック" pitchFamily="-112" charset="-128"/>
+                <a:cs typeface="ＭＳ Ｐゴシック" pitchFamily="-112" charset="-128"/>
+              </a:rPr>
+              <a:t>abd</a:t>
+            </a:r>
+            <a:r>
+              <a:rPr lang="en-GB" sz="1200" kern="1200" dirty="0">
+                <a:solidFill>
+                  <a:schemeClr val="tx1"/>
+                </a:solidFill>
+                <a:effectLst/>
+                <a:latin typeface="Arial" pitchFamily="-112" charset="0"/>
+                <a:ea typeface="ＭＳ Ｐゴシック" pitchFamily="-112" charset="-128"/>
+                <a:cs typeface="ＭＳ Ｐゴシック" pitchFamily="-112" charset="-128"/>
+              </a:rPr>
+              <a:t> </a:t>
+            </a:r>
+            <a:r>
+              <a:rPr lang="en-GB" sz="1200" kern="1200" dirty="0" err="1">
+                <a:solidFill>
+                  <a:schemeClr val="tx1"/>
+                </a:solidFill>
+                <a:effectLst/>
+                <a:latin typeface="Arial" pitchFamily="-112" charset="0"/>
+                <a:ea typeface="ＭＳ Ｐゴシック" pitchFamily="-112" charset="-128"/>
+                <a:cs typeface="ＭＳ Ｐゴシック" pitchFamily="-112" charset="-128"/>
+              </a:rPr>
+              <a:t>Ethecial</a:t>
+            </a:r>
+            <a:r>
+              <a:rPr lang="en-GB" sz="1200" kern="1200" dirty="0">
+                <a:solidFill>
+                  <a:schemeClr val="tx1"/>
+                </a:solidFill>
+                <a:effectLst/>
+                <a:latin typeface="Arial" pitchFamily="-112" charset="0"/>
+                <a:ea typeface="ＭＳ Ｐゴシック" pitchFamily="-112" charset="-128"/>
+                <a:cs typeface="ＭＳ Ｐゴシック" pitchFamily="-112" charset="-128"/>
+              </a:rPr>
+              <a:t> Analysis</a:t>
+            </a:r>
+          </a:p>
+          <a:p>
+            <a:r>
+              <a:rPr lang="en-GB" sz="1200" kern="1200" dirty="0">
+                <a:solidFill>
+                  <a:schemeClr val="tx1"/>
+                </a:solidFill>
+                <a:effectLst/>
+                <a:latin typeface="Arial" pitchFamily="-112" charset="0"/>
+                <a:ea typeface="ＭＳ Ｐゴシック" pitchFamily="-112" charset="-128"/>
+                <a:cs typeface="ＭＳ Ｐゴシック" pitchFamily="-112" charset="-128"/>
+              </a:rPr>
+              <a:t>[Reynolds2009] p. 19; overview</a:t>
+            </a:r>
           </a:p>
           <a:p>
             <a:pPr eaLnBrk="1" hangingPunct="1"/>
@@ -1836,7 +1900,7 @@
     </p:spTree>
     <p:extLst>
       <p:ext uri="{BB962C8B-B14F-4D97-AF65-F5344CB8AC3E}">
-        <p14:creationId xmlns:p14="http://schemas.microsoft.com/office/powerpoint/2010/main" val="1802591133"/>
+        <p14:creationId xmlns:p14="http://schemas.microsoft.com/office/powerpoint/2010/main" val="1143646880"/>
       </p:ext>
     </p:extLst>
   </p:cSld>
@@ -1885,7 +1949,7 @@
                 <a:latin typeface="Arial" pitchFamily="-106" charset="0"/>
               </a:rPr>
               <a:pPr/>
-              <a:t>21</a:t>
+              <a:t>20</a:t>
             </a:fld>
             <a:endParaRPr lang="de-DE">
               <a:latin typeface="Arial" pitchFamily="-106" charset="0"/>
@@ -1992,31 +2056,39 @@
             </a:endParaRPr>
           </a:p>
           <a:p>
-            <a:pPr eaLnBrk="1" hangingPunct="1">
-              <a:buClr>
-                <a:schemeClr val="accent1"/>
-              </a:buClr>
-              <a:buSzPct val="80000"/>
-              <a:buFont typeface=".AppleSDGothicNeoI-Regular" charset="-127"/>
-              <a:buChar char="◼︎"/>
-            </a:pPr>
-            <a:r>
-              <a:rPr lang="en-US" b="1" dirty="0">
-                <a:solidFill>
-                  <a:schemeClr val="accent1"/>
-                </a:solidFill>
-                <a:ea typeface="ＭＳ Ｐゴシック" pitchFamily="-106" charset="-128"/>
-                <a:cs typeface="ＭＳ Ｐゴシック" pitchFamily="-106" charset="-128"/>
-              </a:rPr>
-              <a:t>Discount Rate</a:t>
-            </a:r>
-            <a:r>
-              <a:rPr lang="en-US" dirty="0">
-                <a:ea typeface="ＭＳ Ｐゴシック" pitchFamily="-106" charset="-128"/>
-                <a:cs typeface="ＭＳ Ｐゴシック" pitchFamily="-106" charset="-128"/>
-              </a:rPr>
-              <a:t>: The rate that is used in cost-benefit analysis to discount future benefits (or costs). This is done because 1 dollar now is worth more than 1 dollar in 10 years.</a:t>
-            </a:r>
+            <a:r>
+              <a:rPr lang="en-GB" sz="1200" kern="1200" dirty="0">
+                <a:solidFill>
+                  <a:schemeClr val="tx1"/>
+                </a:solidFill>
+                <a:effectLst/>
+                <a:latin typeface="Arial" pitchFamily="-112" charset="0"/>
+                <a:ea typeface="ＭＳ Ｐゴシック" pitchFamily="-112" charset="-128"/>
+                <a:cs typeface="ＭＳ Ｐゴシック" pitchFamily="-112" charset="-128"/>
+              </a:rPr>
+              <a:t>Trump = </a:t>
+            </a:r>
+            <a:r>
+              <a:rPr lang="en-GB" sz="1200" kern="1200" dirty="0" err="1">
+                <a:solidFill>
+                  <a:schemeClr val="tx1"/>
+                </a:solidFill>
+                <a:effectLst/>
+                <a:latin typeface="Arial" pitchFamily="-112" charset="0"/>
+                <a:ea typeface="ＭＳ Ｐゴシック" pitchFamily="-112" charset="-128"/>
+                <a:cs typeface="ＭＳ Ｐゴシック" pitchFamily="-112" charset="-128"/>
+              </a:rPr>
+              <a:t>übertrumpfen</a:t>
+            </a:r>
+            <a:endParaRPr lang="en-GB" sz="1200" kern="1200" dirty="0">
+              <a:solidFill>
+                <a:schemeClr val="tx1"/>
+              </a:solidFill>
+              <a:effectLst/>
+              <a:latin typeface="Arial" pitchFamily="-112" charset="0"/>
+              <a:ea typeface="ＭＳ Ｐゴシック" pitchFamily="-112" charset="-128"/>
+              <a:cs typeface="ＭＳ Ｐゴシック" pitchFamily="-112" charset="-128"/>
+            </a:endParaRPr>
           </a:p>
           <a:p>
             <a:pPr eaLnBrk="1" hangingPunct="1"/>
@@ -2031,7 +2103,7 @@
     </p:spTree>
     <p:extLst>
       <p:ext uri="{BB962C8B-B14F-4D97-AF65-F5344CB8AC3E}">
-        <p14:creationId xmlns:p14="http://schemas.microsoft.com/office/powerpoint/2010/main" val="1905269944"/>
+        <p14:creationId xmlns:p14="http://schemas.microsoft.com/office/powerpoint/2010/main" val="1802591133"/>
       </p:ext>
     </p:extLst>
   </p:cSld>
@@ -2080,7 +2152,7 @@
                 <a:latin typeface="Arial" pitchFamily="-106" charset="0"/>
               </a:rPr>
               <a:pPr/>
-              <a:t>22</a:t>
+              <a:t>21</a:t>
             </a:fld>
             <a:endParaRPr lang="de-DE">
               <a:latin typeface="Arial" pitchFamily="-106" charset="0"/>
@@ -2187,39 +2259,31 @@
             </a:endParaRPr>
           </a:p>
           <a:p>
-            <a:r>
-              <a:rPr lang="en-GB" sz="1200" kern="1200" dirty="0">
-                <a:solidFill>
-                  <a:schemeClr val="tx1"/>
-                </a:solidFill>
-                <a:effectLst/>
-                <a:latin typeface="Arial" pitchFamily="-112" charset="0"/>
-                <a:ea typeface="ＭＳ Ｐゴシック" pitchFamily="-112" charset="-128"/>
-                <a:cs typeface="ＭＳ Ｐゴシック" pitchFamily="-112" charset="-128"/>
-              </a:rPr>
-              <a:t>Trump = </a:t>
-            </a:r>
-            <a:r>
-              <a:rPr lang="en-GB" sz="1200" kern="1200">
-                <a:solidFill>
-                  <a:schemeClr val="tx1"/>
-                </a:solidFill>
-                <a:effectLst/>
-                <a:latin typeface="Arial" pitchFamily="-112" charset="0"/>
-                <a:ea typeface="ＭＳ Ｐゴシック" pitchFamily="-112" charset="-128"/>
-                <a:cs typeface="ＭＳ Ｐゴシック" pitchFamily="-112" charset="-128"/>
-              </a:rPr>
-              <a:t>übertrumpfen</a:t>
-            </a:r>
-            <a:endParaRPr lang="en-GB" sz="1200" kern="1200" dirty="0">
-              <a:solidFill>
-                <a:schemeClr val="tx1"/>
-              </a:solidFill>
-              <a:effectLst/>
-              <a:latin typeface="Arial" pitchFamily="-112" charset="0"/>
-              <a:ea typeface="ＭＳ Ｐゴシック" pitchFamily="-112" charset="-128"/>
-              <a:cs typeface="ＭＳ Ｐゴシック" pitchFamily="-112" charset="-128"/>
-            </a:endParaRPr>
+            <a:pPr eaLnBrk="1" hangingPunct="1">
+              <a:buClr>
+                <a:schemeClr val="accent1"/>
+              </a:buClr>
+              <a:buSzPct val="80000"/>
+              <a:buFont typeface=".AppleSDGothicNeoI-Regular" charset="-127"/>
+              <a:buChar char="◼︎"/>
+            </a:pPr>
+            <a:r>
+              <a:rPr lang="en-US" b="1" dirty="0">
+                <a:solidFill>
+                  <a:schemeClr val="accent1"/>
+                </a:solidFill>
+                <a:ea typeface="ＭＳ Ｐゴシック" pitchFamily="-106" charset="-128"/>
+                <a:cs typeface="ＭＳ Ｐゴシック" pitchFamily="-106" charset="-128"/>
+              </a:rPr>
+              <a:t>Discount Rate</a:t>
+            </a:r>
+            <a:r>
+              <a:rPr lang="en-US" dirty="0">
+                <a:ea typeface="ＭＳ Ｐゴシック" pitchFamily="-106" charset="-128"/>
+                <a:cs typeface="ＭＳ Ｐゴシック" pitchFamily="-106" charset="-128"/>
+              </a:rPr>
+              <a:t>: The rate that is used in cost-benefit analysis to discount future benefits (or costs). This is done because 1 dollar now is worth more than 1 dollar in 10 years.</a:t>
+            </a:r>
           </a:p>
           <a:p>
             <a:pPr eaLnBrk="1" hangingPunct="1"/>
@@ -2234,7 +2298,7 @@
     </p:spTree>
     <p:extLst>
       <p:ext uri="{BB962C8B-B14F-4D97-AF65-F5344CB8AC3E}">
-        <p14:creationId xmlns:p14="http://schemas.microsoft.com/office/powerpoint/2010/main" val="933869147"/>
+        <p14:creationId xmlns:p14="http://schemas.microsoft.com/office/powerpoint/2010/main" val="1905269944"/>
       </p:ext>
     </p:extLst>
   </p:cSld>
@@ -2283,7 +2347,7 @@
                 <a:latin typeface="Arial" pitchFamily="-106" charset="0"/>
               </a:rPr>
               <a:pPr/>
-              <a:t>23</a:t>
+              <a:t>22</a:t>
             </a:fld>
             <a:endParaRPr lang="de-DE">
               <a:latin typeface="Arial" pitchFamily="-106" charset="0"/>
@@ -2437,7 +2501,7 @@
     </p:spTree>
     <p:extLst>
       <p:ext uri="{BB962C8B-B14F-4D97-AF65-F5344CB8AC3E}">
-        <p14:creationId xmlns:p14="http://schemas.microsoft.com/office/powerpoint/2010/main" val="1122729788"/>
+        <p14:creationId xmlns:p14="http://schemas.microsoft.com/office/powerpoint/2010/main" val="933869147"/>
       </p:ext>
     </p:extLst>
   </p:cSld>
@@ -2486,7 +2550,7 @@
                 <a:latin typeface="Arial" pitchFamily="-106" charset="0"/>
               </a:rPr>
               <a:pPr/>
-              <a:t>24</a:t>
+              <a:t>23</a:t>
             </a:fld>
             <a:endParaRPr lang="de-DE">
               <a:latin typeface="Arial" pitchFamily="-106" charset="0"/>
@@ -2640,7 +2704,7 @@
     </p:spTree>
     <p:extLst>
       <p:ext uri="{BB962C8B-B14F-4D97-AF65-F5344CB8AC3E}">
-        <p14:creationId xmlns:p14="http://schemas.microsoft.com/office/powerpoint/2010/main" val="606564473"/>
+        <p14:creationId xmlns:p14="http://schemas.microsoft.com/office/powerpoint/2010/main" val="1122729788"/>
       </p:ext>
     </p:extLst>
   </p:cSld>
@@ -2689,7 +2753,7 @@
                 <a:latin typeface="Arial" pitchFamily="-106" charset="0"/>
               </a:rPr>
               <a:pPr/>
-              <a:t>25</a:t>
+              <a:t>24</a:t>
             </a:fld>
             <a:endParaRPr lang="de-DE">
               <a:latin typeface="Arial" pitchFamily="-106" charset="0"/>
@@ -2843,7 +2907,7 @@
     </p:spTree>
     <p:extLst>
       <p:ext uri="{BB962C8B-B14F-4D97-AF65-F5344CB8AC3E}">
-        <p14:creationId xmlns:p14="http://schemas.microsoft.com/office/powerpoint/2010/main" val="673686891"/>
+        <p14:creationId xmlns:p14="http://schemas.microsoft.com/office/powerpoint/2010/main" val="606564473"/>
       </p:ext>
     </p:extLst>
   </p:cSld>
@@ -3159,6 +3223,209 @@
                 <a:latin typeface="Arial" pitchFamily="-106" charset="0"/>
               </a:rPr>
               <a:pPr/>
+              <a:t>25</a:t>
+            </a:fld>
+            <a:endParaRPr lang="de-DE">
+              <a:latin typeface="Arial" pitchFamily="-106" charset="0"/>
+            </a:endParaRPr>
+          </a:p>
+        </p:txBody>
+      </p:sp>
+      <p:sp>
+        <p:nvSpPr>
+          <p:cNvPr id="33795" name="Rectangle 2"/>
+          <p:cNvSpPr>
+            <a:spLocks noGrp="1" noRot="1" noChangeAspect="1" noChangeArrowheads="1" noTextEdit="1"/>
+          </p:cNvSpPr>
+          <p:nvPr>
+            <p:ph type="sldImg"/>
+          </p:nvPr>
+        </p:nvSpPr>
+        <p:spPr>
+          <a:ln/>
+        </p:spPr>
+      </p:sp>
+      <p:sp>
+        <p:nvSpPr>
+          <p:cNvPr id="33796" name="Rectangle 3"/>
+          <p:cNvSpPr>
+            <a:spLocks noGrp="1" noChangeArrowheads="1"/>
+          </p:cNvSpPr>
+          <p:nvPr>
+            <p:ph type="body" idx="1"/>
+          </p:nvPr>
+        </p:nvSpPr>
+        <p:spPr>
+          <a:noFill/>
+          <a:ln/>
+        </p:spPr>
+        <p:txBody>
+          <a:bodyPr/>
+          <a:lstStyle/>
+          <a:p>
+            <a:r>
+              <a:rPr lang="en-GB" sz="1200" kern="1200" dirty="0">
+                <a:solidFill>
+                  <a:schemeClr val="tx1"/>
+                </a:solidFill>
+                <a:effectLst/>
+                <a:latin typeface="Arial" pitchFamily="-112" charset="0"/>
+                <a:ea typeface="ＭＳ Ｐゴシック" pitchFamily="-112" charset="-128"/>
+                <a:cs typeface="ＭＳ Ｐゴシック" pitchFamily="-112" charset="-128"/>
+              </a:rPr>
+              <a:t>[dePoel&amp;Royakkers2011] Chapter 6, 7?, 8, 10?</a:t>
+            </a:r>
+          </a:p>
+          <a:p>
+            <a:r>
+              <a:rPr lang="en-GB" sz="1200" kern="1200" dirty="0">
+                <a:solidFill>
+                  <a:schemeClr val="tx1"/>
+                </a:solidFill>
+                <a:effectLst/>
+                <a:latin typeface="Arial" pitchFamily="-112" charset="0"/>
+                <a:ea typeface="ＭＳ Ｐゴシック" pitchFamily="-112" charset="-128"/>
+                <a:cs typeface="ＭＳ Ｐゴシック" pitchFamily="-112" charset="-128"/>
+              </a:rPr>
+              <a:t> </a:t>
+            </a:r>
+          </a:p>
+          <a:p>
+            <a:r>
+              <a:rPr lang="en-GB" sz="1200" kern="1200" dirty="0">
+                <a:solidFill>
+                  <a:schemeClr val="tx1"/>
+                </a:solidFill>
+                <a:effectLst/>
+                <a:latin typeface="Arial" pitchFamily="-112" charset="0"/>
+                <a:ea typeface="ＭＳ Ｐゴシック" pitchFamily="-112" charset="-128"/>
+                <a:cs typeface="ＭＳ Ｐゴシック" pitchFamily="-112" charset="-128"/>
+              </a:rPr>
+              <a:t>[Fleddermann2013] p. 67 line charting</a:t>
+            </a:r>
+          </a:p>
+          <a:p>
+            <a:r>
+              <a:rPr lang="en-GB" sz="1200" kern="1200" dirty="0">
+                <a:solidFill>
+                  <a:schemeClr val="tx1"/>
+                </a:solidFill>
+                <a:effectLst/>
+                <a:latin typeface="Arial" pitchFamily="-112" charset="0"/>
+                <a:ea typeface="ＭＳ Ｐゴシック" pitchFamily="-112" charset="-128"/>
+                <a:cs typeface="ＭＳ Ｐゴシック" pitchFamily="-112" charset="-128"/>
+              </a:rPr>
+              <a:t>[Fleddermann2013] p. 70 flow charting</a:t>
+            </a:r>
+          </a:p>
+          <a:p>
+            <a:endParaRPr lang="en-GB" sz="1200" kern="1200" dirty="0">
+              <a:solidFill>
+                <a:schemeClr val="tx1"/>
+              </a:solidFill>
+              <a:effectLst/>
+              <a:latin typeface="Arial" pitchFamily="-112" charset="0"/>
+              <a:ea typeface="ＭＳ Ｐゴシック" pitchFamily="-112" charset="-128"/>
+              <a:cs typeface="ＭＳ Ｐゴシック" pitchFamily="-112" charset="-128"/>
+            </a:endParaRPr>
+          </a:p>
+          <a:p>
+            <a:r>
+              <a:rPr lang="en-GB" sz="1200" kern="1200" dirty="0">
+                <a:solidFill>
+                  <a:schemeClr val="tx1"/>
+                </a:solidFill>
+                <a:effectLst/>
+                <a:latin typeface="Arial" pitchFamily="-112" charset="0"/>
+                <a:ea typeface="ＭＳ Ｐゴシック" pitchFamily="-112" charset="-128"/>
+                <a:cs typeface="ＭＳ Ｐゴシック" pitchFamily="-112" charset="-128"/>
+              </a:rPr>
+              <a:t>Trump = </a:t>
+            </a:r>
+            <a:r>
+              <a:rPr lang="en-GB" sz="1200" kern="1200">
+                <a:solidFill>
+                  <a:schemeClr val="tx1"/>
+                </a:solidFill>
+                <a:effectLst/>
+                <a:latin typeface="Arial" pitchFamily="-112" charset="0"/>
+                <a:ea typeface="ＭＳ Ｐゴシック" pitchFamily="-112" charset="-128"/>
+                <a:cs typeface="ＭＳ Ｐゴシック" pitchFamily="-112" charset="-128"/>
+              </a:rPr>
+              <a:t>übertrumpfen</a:t>
+            </a:r>
+            <a:endParaRPr lang="en-GB" sz="1200" kern="1200" dirty="0">
+              <a:solidFill>
+                <a:schemeClr val="tx1"/>
+              </a:solidFill>
+              <a:effectLst/>
+              <a:latin typeface="Arial" pitchFamily="-112" charset="0"/>
+              <a:ea typeface="ＭＳ Ｐゴシック" pitchFamily="-112" charset="-128"/>
+              <a:cs typeface="ＭＳ Ｐゴシック" pitchFamily="-112" charset="-128"/>
+            </a:endParaRPr>
+          </a:p>
+          <a:p>
+            <a:pPr eaLnBrk="1" hangingPunct="1"/>
+            <a:endParaRPr lang="de-DE" dirty="0">
+              <a:latin typeface="Arial" pitchFamily="-106" charset="0"/>
+              <a:ea typeface="ＭＳ Ｐゴシック" pitchFamily="-106" charset="-128"/>
+              <a:cs typeface="ＭＳ Ｐゴシック" pitchFamily="-106" charset="-128"/>
+            </a:endParaRPr>
+          </a:p>
+        </p:txBody>
+      </p:sp>
+    </p:spTree>
+    <p:extLst>
+      <p:ext uri="{BB962C8B-B14F-4D97-AF65-F5344CB8AC3E}">
+        <p14:creationId xmlns:p14="http://schemas.microsoft.com/office/powerpoint/2010/main" val="673686891"/>
+      </p:ext>
+    </p:extLst>
+  </p:cSld>
+  <p:clrMapOvr>
+    <a:masterClrMapping/>
+  </p:clrMapOvr>
+</p:notes>
+</file>
+
+<file path=ppt/notesSlides/notesSlide21.xml><?xml version="1.0" encoding="utf-8"?>
+<p:notes xmlns:a="http://schemas.openxmlformats.org/drawingml/2006/main" xmlns:r="http://schemas.openxmlformats.org/officeDocument/2006/relationships" xmlns:p="http://schemas.openxmlformats.org/presentationml/2006/main">
+  <p:cSld>
+    <p:spTree>
+      <p:nvGrpSpPr>
+        <p:cNvPr id="1" name=""/>
+        <p:cNvGrpSpPr/>
+        <p:nvPr/>
+      </p:nvGrpSpPr>
+      <p:grpSpPr>
+        <a:xfrm>
+          <a:off x="0" y="0"/>
+          <a:ext cx="0" cy="0"/>
+          <a:chOff x="0" y="0"/>
+          <a:chExt cx="0" cy="0"/>
+        </a:xfrm>
+      </p:grpSpPr>
+      <p:sp>
+        <p:nvSpPr>
+          <p:cNvPr id="33794" name="Rectangle 7"/>
+          <p:cNvSpPr>
+            <a:spLocks noGrp="1" noChangeArrowheads="1"/>
+          </p:cNvSpPr>
+          <p:nvPr>
+            <p:ph type="sldNum" sz="quarter" idx="5"/>
+          </p:nvPr>
+        </p:nvSpPr>
+        <p:spPr>
+          <a:noFill/>
+        </p:spPr>
+        <p:txBody>
+          <a:bodyPr/>
+          <a:lstStyle/>
+          <a:p>
+            <a:fld id="{8F61D901-1668-E44B-9E88-0B533135EDF4}" type="slidenum">
+              <a:rPr lang="de-DE">
+                <a:latin typeface="Arial" pitchFamily="-106" charset="0"/>
+              </a:rPr>
+              <a:pPr/>
               <a:t>26</a:t>
             </a:fld>
             <a:endParaRPr lang="de-DE">
@@ -3240,245 +3507,198 @@
       </p:grpSpPr>
       <p:sp>
         <p:nvSpPr>
-          <p:cNvPr id="33794" name="Rectangle 7"/>
-          <p:cNvSpPr>
-            <a:spLocks noGrp="1" noChangeArrowheads="1"/>
-          </p:cNvSpPr>
-          <p:nvPr>
-            <p:ph type="sldNum" sz="quarter" idx="5"/>
-          </p:nvPr>
-        </p:nvSpPr>
-        <p:spPr>
-          <a:noFill/>
-        </p:spPr>
+          <p:cNvPr id="2" name="Slide Image Placeholder 1"/>
+          <p:cNvSpPr>
+            <a:spLocks noGrp="1" noRot="1" noChangeAspect="1"/>
+          </p:cNvSpPr>
+          <p:nvPr>
+            <p:ph type="sldImg"/>
+          </p:nvPr>
+        </p:nvSpPr>
+        <p:spPr/>
+      </p:sp>
+      <p:sp>
+        <p:nvSpPr>
+          <p:cNvPr id="3" name="Notes Placeholder 2"/>
+          <p:cNvSpPr>
+            <a:spLocks noGrp="1"/>
+          </p:cNvSpPr>
+          <p:nvPr>
+            <p:ph type="body" idx="1"/>
+          </p:nvPr>
+        </p:nvSpPr>
+        <p:spPr/>
         <p:txBody>
           <a:bodyPr/>
           <a:lstStyle/>
           <a:p>
-            <a:fld id="{8F61D901-1668-E44B-9E88-0B533135EDF4}" type="slidenum">
-              <a:rPr lang="de-DE">
-                <a:latin typeface="Arial" pitchFamily="-106" charset="0"/>
-              </a:rPr>
-              <a:pPr/>
-              <a:t>9</a:t>
-            </a:fld>
-            <a:endParaRPr lang="de-DE">
-              <a:latin typeface="Arial" pitchFamily="-106" charset="0"/>
-            </a:endParaRPr>
-          </a:p>
-        </p:txBody>
-      </p:sp>
-      <p:sp>
-        <p:nvSpPr>
-          <p:cNvPr id="33795" name="Rectangle 2"/>
-          <p:cNvSpPr>
-            <a:spLocks noGrp="1" noRot="1" noChangeAspect="1" noChangeArrowheads="1" noTextEdit="1"/>
-          </p:cNvSpPr>
-          <p:nvPr>
-            <p:ph type="sldImg"/>
-          </p:nvPr>
-        </p:nvSpPr>
-        <p:spPr>
-          <a:ln/>
-        </p:spPr>
-      </p:sp>
-      <p:sp>
-        <p:nvSpPr>
-          <p:cNvPr id="33796" name="Rectangle 3"/>
-          <p:cNvSpPr>
-            <a:spLocks noGrp="1" noChangeArrowheads="1"/>
-          </p:cNvSpPr>
-          <p:nvPr>
-            <p:ph type="body" idx="1"/>
-          </p:nvPr>
-        </p:nvSpPr>
-        <p:spPr>
-          <a:noFill/>
-          <a:ln/>
-        </p:spPr>
+            <a:r>
+              <a:rPr lang="en-US" dirty="0"/>
+              <a:t>Transport Robot?</a:t>
+            </a:r>
+          </a:p>
+          <a:p>
+            <a:r>
+              <a:rPr lang="en-US" dirty="0"/>
+              <a:t>All transportation Robots follow the Asimov Law</a:t>
+            </a:r>
+          </a:p>
+          <a:p>
+            <a:r>
+              <a:rPr lang="en-US" dirty="0"/>
+              <a:t>Transportation robots </a:t>
+            </a:r>
+          </a:p>
+          <a:p>
+            <a:r>
+              <a:rPr lang="en-US" dirty="0"/>
+              <a:t>---------------------------------------</a:t>
+            </a:r>
+          </a:p>
+          <a:p>
+            <a:r>
+              <a:rPr lang="en-US" dirty="0"/>
+              <a:t>Privacy example</a:t>
+            </a:r>
+          </a:p>
+          <a:p>
+            <a:r>
+              <a:rPr lang="en-US" dirty="0"/>
+              <a:t>- Bigger Class guarantees </a:t>
+            </a:r>
+          </a:p>
+          <a:p>
+            <a:r>
+              <a:rPr lang="en-US" dirty="0"/>
+              <a:t>- One is subclass</a:t>
+            </a:r>
+          </a:p>
+          <a:p>
+            <a:r>
+              <a:rPr lang="en-US" dirty="0"/>
+              <a:t>- However, there is a case </a:t>
+            </a:r>
+          </a:p>
+          <a:p>
+            <a:r>
+              <a:rPr lang="en-US" dirty="0"/>
+              <a:t>----------------------------------------</a:t>
+            </a:r>
+          </a:p>
+          <a:p>
+            <a:r>
+              <a:rPr lang="en-US" dirty="0"/>
+              <a:t>Argument-1 No </a:t>
+            </a:r>
+            <a:r>
+              <a:rPr lang="en-US" dirty="0" err="1"/>
+              <a:t>Vli</a:t>
+            </a:r>
+            <a:endParaRPr lang="en-US" dirty="0"/>
+          </a:p>
+          <a:p>
+            <a:r>
+              <a:rPr lang="en-US" dirty="0"/>
+              <a:t>First argument is not valid because we need an automation that guarantees that </a:t>
+            </a:r>
+          </a:p>
+          <a:p>
+            <a:r>
+              <a:rPr lang="en-US" dirty="0"/>
+              <a:t>Many accidents happen because humans are sleeping or unfocused</a:t>
+            </a:r>
+          </a:p>
+          <a:p>
+            <a:r>
+              <a:rPr lang="en-US" dirty="0"/>
+              <a:t>White truck as a cloud?</a:t>
+            </a:r>
+          </a:p>
+          <a:p>
+            <a:r>
+              <a:rPr lang="en-US" dirty="0"/>
+              <a:t>Replace the human not removed the human</a:t>
+            </a:r>
+          </a:p>
+          <a:p>
+            <a:r>
+              <a:rPr lang="en-US" dirty="0"/>
+              <a:t>The automated driving will not add new failures or change the character of the </a:t>
+            </a:r>
+            <a:r>
+              <a:rPr lang="en-US"/>
+              <a:t>remaining failures</a:t>
+            </a:r>
+            <a:endParaRPr lang="en-US" dirty="0"/>
+          </a:p>
+          <a:p>
+            <a:r>
+              <a:rPr lang="en-US" dirty="0"/>
+              <a:t>Humans make random failures, while automated driving makes systematic failure</a:t>
+            </a:r>
+          </a:p>
+          <a:p>
+            <a:r>
+              <a:rPr lang="en-US" dirty="0"/>
+              <a:t>Popular impression is that Tesla is unsafe</a:t>
+            </a:r>
+          </a:p>
+          <a:p>
+            <a:r>
+              <a:rPr lang="en-US" dirty="0"/>
+              <a:t>----------------------------------------------------------------------------------------------</a:t>
+            </a:r>
+          </a:p>
+          <a:p>
+            <a:r>
+              <a:rPr lang="en-US" dirty="0"/>
+              <a:t>Valid argument with the wrong premise </a:t>
+            </a:r>
+          </a:p>
+          <a:p>
+            <a:r>
+              <a:rPr lang="en-US" dirty="0"/>
+              <a:t>True of the premises and the correctness of the argument</a:t>
+            </a:r>
+          </a:p>
+          <a:p>
+            <a:r>
+              <a:rPr lang="en-US" dirty="0"/>
+              <a:t>All robots follow</a:t>
+            </a:r>
+          </a:p>
+          <a:p>
+            <a:endParaRPr lang="en-US" dirty="0"/>
+          </a:p>
+        </p:txBody>
+      </p:sp>
+      <p:sp>
+        <p:nvSpPr>
+          <p:cNvPr id="4" name="Slide Number Placeholder 3"/>
+          <p:cNvSpPr>
+            <a:spLocks noGrp="1"/>
+          </p:cNvSpPr>
+          <p:nvPr>
+            <p:ph type="sldNum" sz="quarter" idx="5"/>
+          </p:nvPr>
+        </p:nvSpPr>
+        <p:spPr/>
         <p:txBody>
           <a:bodyPr/>
           <a:lstStyle/>
           <a:p>
-            <a:r>
-              <a:rPr lang="en-GB" sz="1200" kern="1200" dirty="0">
-                <a:solidFill>
-                  <a:schemeClr val="tx1"/>
-                </a:solidFill>
-                <a:effectLst/>
-                <a:latin typeface="Arial" pitchFamily="-112" charset="0"/>
-                <a:ea typeface="ＭＳ Ｐゴシック" pitchFamily="-112" charset="-128"/>
-                <a:cs typeface="ＭＳ Ｐゴシック" pitchFamily="-112" charset="-128"/>
-              </a:rPr>
-              <a:t>[dePoel&amp;Royakkers2011] Chapter 3, 4, 5</a:t>
-            </a:r>
-          </a:p>
-          <a:p>
-            <a:r>
-              <a:rPr lang="en-GB" sz="1200" kern="1200" dirty="0">
-                <a:solidFill>
-                  <a:schemeClr val="tx1"/>
-                </a:solidFill>
-                <a:effectLst/>
-                <a:latin typeface="Arial" pitchFamily="-112" charset="0"/>
-                <a:ea typeface="ＭＳ Ｐゴシック" pitchFamily="-112" charset="-128"/>
-                <a:cs typeface="ＭＳ Ｐゴシック" pitchFamily="-112" charset="-128"/>
-              </a:rPr>
-              <a:t>[Pereira&amp;Saptawijaya2016] p. 110 </a:t>
-            </a:r>
-            <a:r>
-              <a:rPr lang="en-GB" sz="1200" kern="1200" dirty="0" err="1">
-                <a:solidFill>
-                  <a:schemeClr val="tx1"/>
-                </a:solidFill>
-                <a:effectLst/>
-                <a:latin typeface="Arial" pitchFamily="-112" charset="0"/>
-                <a:ea typeface="ＭＳ Ｐゴシック" pitchFamily="-112" charset="-128"/>
-                <a:cs typeface="ＭＳ Ｐゴシック" pitchFamily="-112" charset="-128"/>
-              </a:rPr>
-              <a:t>trolly</a:t>
-            </a:r>
-            <a:r>
-              <a:rPr lang="en-GB" sz="1200" kern="1200" dirty="0">
-                <a:solidFill>
-                  <a:schemeClr val="tx1"/>
-                </a:solidFill>
-                <a:effectLst/>
-                <a:latin typeface="Arial" pitchFamily="-112" charset="0"/>
-                <a:ea typeface="ＭＳ Ｐゴシック" pitchFamily="-112" charset="-128"/>
-                <a:cs typeface="ＭＳ Ｐゴシック" pitchFamily="-112" charset="-128"/>
-              </a:rPr>
-              <a:t> problem in different forms? Use to explain differences?</a:t>
-            </a:r>
-          </a:p>
-          <a:p>
-            <a:r>
-              <a:rPr lang="en-GB" sz="1200" kern="1200" dirty="0">
-                <a:solidFill>
-                  <a:schemeClr val="tx1"/>
-                </a:solidFill>
-                <a:effectLst/>
-                <a:latin typeface="Arial" pitchFamily="-112" charset="0"/>
-                <a:ea typeface="ＭＳ Ｐゴシック" pitchFamily="-112" charset="-128"/>
-                <a:cs typeface="ＭＳ Ｐゴシック" pitchFamily="-112" charset="-128"/>
-              </a:rPr>
-              <a:t>[Pereira&amp;Saptawijaya2016] p. 20 double and triple effect &amp;  </a:t>
-            </a:r>
-            <a:r>
-              <a:rPr lang="en-GB" sz="1200" kern="1200" dirty="0" err="1">
-                <a:solidFill>
-                  <a:schemeClr val="tx1"/>
-                </a:solidFill>
-                <a:effectLst/>
-                <a:latin typeface="Arial" pitchFamily="-112" charset="0"/>
-                <a:ea typeface="ＭＳ Ｐゴシック" pitchFamily="-112" charset="-128"/>
-                <a:cs typeface="ＭＳ Ｐゴシック" pitchFamily="-112" charset="-128"/>
-              </a:rPr>
-              <a:t>trolly</a:t>
-            </a:r>
-            <a:r>
-              <a:rPr lang="en-GB" sz="1200" kern="1200" dirty="0">
-                <a:solidFill>
-                  <a:schemeClr val="tx1"/>
-                </a:solidFill>
-                <a:effectLst/>
-                <a:latin typeface="Arial" pitchFamily="-112" charset="0"/>
-                <a:ea typeface="ＭＳ Ｐゴシック" pitchFamily="-112" charset="-128"/>
-                <a:cs typeface="ＭＳ Ｐゴシック" pitchFamily="-112" charset="-128"/>
-              </a:rPr>
-              <a:t> problem </a:t>
-            </a:r>
-          </a:p>
-          <a:p>
-            <a:r>
-              <a:rPr lang="en-GB" sz="1200" kern="1200" dirty="0">
-                <a:solidFill>
-                  <a:schemeClr val="tx1"/>
-                </a:solidFill>
-                <a:effectLst/>
-                <a:latin typeface="Arial" pitchFamily="-112" charset="0"/>
-                <a:ea typeface="ＭＳ Ｐゴシック" pitchFamily="-112" charset="-128"/>
-                <a:cs typeface="ＭＳ Ｐゴシック" pitchFamily="-112" charset="-128"/>
-              </a:rPr>
-              <a:t> [Kizza2013] Chapter 3 Ethics </a:t>
-            </a:r>
-            <a:r>
-              <a:rPr lang="en-GB" sz="1200" kern="1200" dirty="0" err="1">
-                <a:solidFill>
-                  <a:schemeClr val="tx1"/>
-                </a:solidFill>
-                <a:effectLst/>
-                <a:latin typeface="Arial" pitchFamily="-112" charset="0"/>
-                <a:ea typeface="ＭＳ Ｐゴシック" pitchFamily="-112" charset="-128"/>
-                <a:cs typeface="ＭＳ Ｐゴシック" pitchFamily="-112" charset="-128"/>
-              </a:rPr>
-              <a:t>abd</a:t>
-            </a:r>
-            <a:r>
-              <a:rPr lang="en-GB" sz="1200" kern="1200" dirty="0">
-                <a:solidFill>
-                  <a:schemeClr val="tx1"/>
-                </a:solidFill>
-                <a:effectLst/>
-                <a:latin typeface="Arial" pitchFamily="-112" charset="0"/>
-                <a:ea typeface="ＭＳ Ｐゴシック" pitchFamily="-112" charset="-128"/>
-                <a:cs typeface="ＭＳ Ｐゴシック" pitchFamily="-112" charset="-128"/>
-              </a:rPr>
-              <a:t> </a:t>
-            </a:r>
-            <a:r>
-              <a:rPr lang="en-GB" sz="1200" kern="1200" dirty="0" err="1">
-                <a:solidFill>
-                  <a:schemeClr val="tx1"/>
-                </a:solidFill>
-                <a:effectLst/>
-                <a:latin typeface="Arial" pitchFamily="-112" charset="0"/>
-                <a:ea typeface="ＭＳ Ｐゴシック" pitchFamily="-112" charset="-128"/>
-                <a:cs typeface="ＭＳ Ｐゴシック" pitchFamily="-112" charset="-128"/>
-              </a:rPr>
-              <a:t>Ethecial</a:t>
-            </a:r>
-            <a:r>
-              <a:rPr lang="en-GB" sz="1200" kern="1200" dirty="0">
-                <a:solidFill>
-                  <a:schemeClr val="tx1"/>
-                </a:solidFill>
-                <a:effectLst/>
-                <a:latin typeface="Arial" pitchFamily="-112" charset="0"/>
-                <a:ea typeface="ＭＳ Ｐゴシック" pitchFamily="-112" charset="-128"/>
-                <a:cs typeface="ＭＳ Ｐゴシック" pitchFamily="-112" charset="-128"/>
-              </a:rPr>
-              <a:t> Analysis</a:t>
-            </a:r>
-          </a:p>
-          <a:p>
-            <a:r>
-              <a:rPr lang="en-GB" sz="1200" kern="1200" dirty="0">
-                <a:solidFill>
-                  <a:schemeClr val="tx1"/>
-                </a:solidFill>
-                <a:effectLst/>
-                <a:latin typeface="Arial" pitchFamily="-112" charset="0"/>
-                <a:ea typeface="ＭＳ Ｐゴシック" pitchFamily="-112" charset="-128"/>
-                <a:cs typeface="ＭＳ Ｐゴシック" pitchFamily="-112" charset="-128"/>
-              </a:rPr>
-              <a:t>[Reynolds2009] p. 19; overview</a:t>
-            </a:r>
-          </a:p>
-          <a:p>
-            <a:pPr eaLnBrk="1" hangingPunct="1"/>
-            <a:endParaRPr lang="de-DE" dirty="0">
-              <a:latin typeface="Arial" pitchFamily="-106" charset="0"/>
-              <a:ea typeface="ＭＳ Ｐゴシック" pitchFamily="-106" charset="-128"/>
-              <a:cs typeface="ＭＳ Ｐゴシック" pitchFamily="-106" charset="-128"/>
-            </a:endParaRPr>
+            <a:fld id="{5C9D6992-95B8-421A-A0EE-FC9CB6B4B801}" type="slidenum">
+              <a:rPr lang="en-US" smtClean="0"/>
+              <a:t>5</a:t>
+            </a:fld>
+            <a:endParaRPr lang="en-US"/>
           </a:p>
         </p:txBody>
       </p:sp>
     </p:spTree>
     <p:extLst>
       <p:ext uri="{BB962C8B-B14F-4D97-AF65-F5344CB8AC3E}">
-        <p14:creationId xmlns:p14="http://schemas.microsoft.com/office/powerpoint/2010/main" val="482810059"/>
+        <p14:creationId xmlns:p14="http://schemas.microsoft.com/office/powerpoint/2010/main" val="4197162434"/>
       </p:ext>
     </p:extLst>
   </p:cSld>
@@ -3527,7 +3747,7 @@
                 <a:latin typeface="Arial" pitchFamily="-106" charset="0"/>
               </a:rPr>
               <a:pPr/>
-              <a:t>10</a:t>
+              <a:t>9</a:t>
             </a:fld>
             <a:endParaRPr lang="de-DE">
               <a:latin typeface="Arial" pitchFamily="-106" charset="0"/>
@@ -3745,7 +3965,7 @@
     </p:spTree>
     <p:extLst>
       <p:ext uri="{BB962C8B-B14F-4D97-AF65-F5344CB8AC3E}">
-        <p14:creationId xmlns:p14="http://schemas.microsoft.com/office/powerpoint/2010/main" val="338880646"/>
+        <p14:creationId xmlns:p14="http://schemas.microsoft.com/office/powerpoint/2010/main" val="482810059"/>
       </p:ext>
     </p:extLst>
   </p:cSld>
@@ -3794,7 +4014,7 @@
                 <a:latin typeface="Arial" pitchFamily="-106" charset="0"/>
               </a:rPr>
               <a:pPr/>
-              <a:t>11</a:t>
+              <a:t>10</a:t>
             </a:fld>
             <a:endParaRPr lang="de-DE">
               <a:latin typeface="Arial" pitchFamily="-106" charset="0"/>
@@ -4012,7 +4232,7 @@
     </p:spTree>
     <p:extLst>
       <p:ext uri="{BB962C8B-B14F-4D97-AF65-F5344CB8AC3E}">
-        <p14:creationId xmlns:p14="http://schemas.microsoft.com/office/powerpoint/2010/main" val="1624978405"/>
+        <p14:creationId xmlns:p14="http://schemas.microsoft.com/office/powerpoint/2010/main" val="338880646"/>
       </p:ext>
     </p:extLst>
   </p:cSld>
@@ -4061,7 +4281,7 @@
                 <a:latin typeface="Arial" pitchFamily="-106" charset="0"/>
               </a:rPr>
               <a:pPr/>
-              <a:t>12</a:t>
+              <a:t>11</a:t>
             </a:fld>
             <a:endParaRPr lang="de-DE">
               <a:latin typeface="Arial" pitchFamily="-106" charset="0"/>
@@ -4279,7 +4499,7 @@
     </p:spTree>
     <p:extLst>
       <p:ext uri="{BB962C8B-B14F-4D97-AF65-F5344CB8AC3E}">
-        <p14:creationId xmlns:p14="http://schemas.microsoft.com/office/powerpoint/2010/main" val="959768049"/>
+        <p14:creationId xmlns:p14="http://schemas.microsoft.com/office/powerpoint/2010/main" val="1624978405"/>
       </p:ext>
     </p:extLst>
   </p:cSld>
@@ -4328,7 +4548,7 @@
                 <a:latin typeface="Arial" pitchFamily="-106" charset="0"/>
               </a:rPr>
               <a:pPr/>
-              <a:t>13</a:t>
+              <a:t>12</a:t>
             </a:fld>
             <a:endParaRPr lang="de-DE">
               <a:latin typeface="Arial" pitchFamily="-106" charset="0"/>
@@ -4546,7 +4766,7 @@
     </p:spTree>
     <p:extLst>
       <p:ext uri="{BB962C8B-B14F-4D97-AF65-F5344CB8AC3E}">
-        <p14:creationId xmlns:p14="http://schemas.microsoft.com/office/powerpoint/2010/main" val="11614763"/>
+        <p14:creationId xmlns:p14="http://schemas.microsoft.com/office/powerpoint/2010/main" val="959768049"/>
       </p:ext>
     </p:extLst>
   </p:cSld>
@@ -4595,7 +4815,7 @@
                 <a:latin typeface="Arial" pitchFamily="-106" charset="0"/>
               </a:rPr>
               <a:pPr/>
-              <a:t>14</a:t>
+              <a:t>13</a:t>
             </a:fld>
             <a:endParaRPr lang="de-DE">
               <a:latin typeface="Arial" pitchFamily="-106" charset="0"/>
@@ -4808,41 +5028,12 @@
               <a:cs typeface="ＭＳ Ｐゴシック" pitchFamily="-106" charset="-128"/>
             </a:endParaRPr>
           </a:p>
-          <a:p>
-            <a:pPr eaLnBrk="1" hangingPunct="1"/>
-            <a:r>
-              <a:rPr lang="en-US" sz="1200" dirty="0">
-                <a:ea typeface="ＭＳ Ｐゴシック" pitchFamily="-106" charset="-128"/>
-                <a:cs typeface="ＭＳ Ｐゴシック" pitchFamily="-106" charset="-128"/>
-              </a:rPr>
-              <a:t>ought =</a:t>
-            </a:r>
-            <a:r>
-              <a:rPr lang="en-US" sz="1200" baseline="0" dirty="0">
-                <a:ea typeface="ＭＳ Ｐゴシック" pitchFamily="-106" charset="-128"/>
-                <a:cs typeface="ＭＳ Ｐゴシック" pitchFamily="-106" charset="-128"/>
-              </a:rPr>
-              <a:t> </a:t>
-            </a:r>
-            <a:r>
-              <a:rPr lang="en-US" sz="1200" baseline="0" dirty="0" err="1">
-                <a:ea typeface="ＭＳ Ｐゴシック" pitchFamily="-106" charset="-128"/>
-                <a:cs typeface="ＭＳ Ｐゴシック" pitchFamily="-106" charset="-128"/>
-              </a:rPr>
-              <a:t>müssen</a:t>
-            </a:r>
-            <a:endParaRPr lang="de-DE" dirty="0">
-              <a:latin typeface="Arial" pitchFamily="-106" charset="0"/>
-              <a:ea typeface="ＭＳ Ｐゴシック" pitchFamily="-106" charset="-128"/>
-              <a:cs typeface="ＭＳ Ｐゴシック" pitchFamily="-106" charset="-128"/>
-            </a:endParaRPr>
-          </a:p>
         </p:txBody>
       </p:sp>
     </p:spTree>
     <p:extLst>
       <p:ext uri="{BB962C8B-B14F-4D97-AF65-F5344CB8AC3E}">
-        <p14:creationId xmlns:p14="http://schemas.microsoft.com/office/powerpoint/2010/main" val="1201043949"/>
+        <p14:creationId xmlns:p14="http://schemas.microsoft.com/office/powerpoint/2010/main" val="11614763"/>
       </p:ext>
     </p:extLst>
   </p:cSld>
@@ -4891,7 +5082,7 @@
                 <a:latin typeface="Arial" pitchFamily="-106" charset="0"/>
               </a:rPr>
               <a:pPr/>
-              <a:t>15</a:t>
+              <a:t>14</a:t>
             </a:fld>
             <a:endParaRPr lang="de-DE">
               <a:latin typeface="Arial" pitchFamily="-106" charset="0"/>
@@ -5104,12 +5295,41 @@
               <a:cs typeface="ＭＳ Ｐゴシック" pitchFamily="-106" charset="-128"/>
             </a:endParaRPr>
           </a:p>
+          <a:p>
+            <a:pPr eaLnBrk="1" hangingPunct="1"/>
+            <a:r>
+              <a:rPr lang="en-US" sz="1200" dirty="0">
+                <a:ea typeface="ＭＳ Ｐゴシック" pitchFamily="-106" charset="-128"/>
+                <a:cs typeface="ＭＳ Ｐゴシック" pitchFamily="-106" charset="-128"/>
+              </a:rPr>
+              <a:t>ought =</a:t>
+            </a:r>
+            <a:r>
+              <a:rPr lang="en-US" sz="1200" baseline="0" dirty="0">
+                <a:ea typeface="ＭＳ Ｐゴシック" pitchFamily="-106" charset="-128"/>
+                <a:cs typeface="ＭＳ Ｐゴシック" pitchFamily="-106" charset="-128"/>
+              </a:rPr>
+              <a:t> </a:t>
+            </a:r>
+            <a:r>
+              <a:rPr lang="en-US" sz="1200" baseline="0" dirty="0" err="1">
+                <a:ea typeface="ＭＳ Ｐゴシック" pitchFamily="-106" charset="-128"/>
+                <a:cs typeface="ＭＳ Ｐゴシック" pitchFamily="-106" charset="-128"/>
+              </a:rPr>
+              <a:t>müssen</a:t>
+            </a:r>
+            <a:endParaRPr lang="de-DE" dirty="0">
+              <a:latin typeface="Arial" pitchFamily="-106" charset="0"/>
+              <a:ea typeface="ＭＳ Ｐゴシック" pitchFamily="-106" charset="-128"/>
+              <a:cs typeface="ＭＳ Ｐゴシック" pitchFamily="-106" charset="-128"/>
+            </a:endParaRPr>
+          </a:p>
         </p:txBody>
       </p:sp>
     </p:spTree>
     <p:extLst>
       <p:ext uri="{BB962C8B-B14F-4D97-AF65-F5344CB8AC3E}">
-        <p14:creationId xmlns:p14="http://schemas.microsoft.com/office/powerpoint/2010/main" val="1609927241"/>
+        <p14:creationId xmlns:p14="http://schemas.microsoft.com/office/powerpoint/2010/main" val="1201043949"/>
       </p:ext>
     </p:extLst>
   </p:cSld>
@@ -6843,7 +7063,7 @@
           <a:p>
             <a:fld id="{3E31344D-F2C8-4FF6-8877-1B13E96E243A}" type="datetimeFigureOut">
               <a:rPr lang="en-US" smtClean="0"/>
-              <a:t>11/17/2021</a:t>
+              <a:t>11/19/2021</a:t>
             </a:fld>
             <a:endParaRPr lang="en-US"/>
           </a:p>
@@ -7132,7 +7352,7 @@
           <a:p>
             <a:fld id="{3E31344D-F2C8-4FF6-8877-1B13E96E243A}" type="datetimeFigureOut">
               <a:rPr lang="en-US" smtClean="0"/>
-              <a:t>11/17/2021</a:t>
+              <a:t>11/19/2021</a:t>
             </a:fld>
             <a:endParaRPr lang="en-US"/>
           </a:p>
@@ -7421,7 +7641,7 @@
           <a:p>
             <a:fld id="{3E31344D-F2C8-4FF6-8877-1B13E96E243A}" type="datetimeFigureOut">
               <a:rPr lang="en-US" smtClean="0"/>
-              <a:t>11/17/2021</a:t>
+              <a:t>11/19/2021</a:t>
             </a:fld>
             <a:endParaRPr lang="en-US"/>
           </a:p>
@@ -7710,7 +7930,7 @@
           <a:p>
             <a:fld id="{3E31344D-F2C8-4FF6-8877-1B13E96E243A}" type="datetimeFigureOut">
               <a:rPr lang="en-US" smtClean="0"/>
-              <a:t>11/17/2021</a:t>
+              <a:t>11/19/2021</a:t>
             </a:fld>
             <a:endParaRPr lang="en-US"/>
           </a:p>
@@ -7947,7 +8167,7 @@
           <a:p>
             <a:fld id="{3E31344D-F2C8-4FF6-8877-1B13E96E243A}" type="datetimeFigureOut">
               <a:rPr lang="en-US" smtClean="0"/>
-              <a:t>11/17/2021</a:t>
+              <a:t>11/19/2021</a:t>
             </a:fld>
             <a:endParaRPr lang="en-US"/>
           </a:p>
@@ -8404,7 +8624,7 @@
           <a:p>
             <a:fld id="{3E31344D-F2C8-4FF6-8877-1B13E96E243A}" type="datetimeFigureOut">
               <a:rPr lang="en-US" smtClean="0"/>
-              <a:t>11/17/2021</a:t>
+              <a:t>11/19/2021</a:t>
             </a:fld>
             <a:endParaRPr lang="en-US"/>
           </a:p>
@@ -8595,7 +8815,7 @@
           <a:p>
             <a:fld id="{3E31344D-F2C8-4FF6-8877-1B13E96E243A}" type="datetimeFigureOut">
               <a:rPr lang="en-US" smtClean="0"/>
-              <a:t>11/17/2021</a:t>
+              <a:t>11/19/2021</a:t>
             </a:fld>
             <a:endParaRPr lang="en-US"/>
           </a:p>
@@ -8860,7 +9080,7 @@
           <a:p>
             <a:fld id="{3E31344D-F2C8-4FF6-8877-1B13E96E243A}" type="datetimeFigureOut">
               <a:rPr lang="en-US" smtClean="0"/>
-              <a:t>11/17/2021</a:t>
+              <a:t>11/19/2021</a:t>
             </a:fld>
             <a:endParaRPr lang="en-US"/>
           </a:p>
@@ -11233,7 +11453,7 @@
           <a:p>
             <a:fld id="{3E31344D-F2C8-4FF6-8877-1B13E96E243A}" type="datetimeFigureOut">
               <a:rPr lang="en-US" smtClean="0"/>
-              <a:t>11/17/2021</a:t>
+              <a:t>11/19/2021</a:t>
             </a:fld>
             <a:endParaRPr lang="en-US"/>
           </a:p>
@@ -11483,7 +11703,7 @@
           <a:p>
             <a:fld id="{3E31344D-F2C8-4FF6-8877-1B13E96E243A}" type="datetimeFigureOut">
               <a:rPr lang="en-US" smtClean="0"/>
-              <a:t>11/17/2021</a:t>
+              <a:t>11/19/2021</a:t>
             </a:fld>
             <a:endParaRPr lang="en-US"/>
           </a:p>
@@ -11869,7 +12089,7 @@
           <a:p>
             <a:fld id="{3E31344D-F2C8-4FF6-8877-1B13E96E243A}" type="datetimeFigureOut">
               <a:rPr lang="en-US" smtClean="0"/>
-              <a:t>11/17/2021</a:t>
+              <a:t>11/19/2021</a:t>
             </a:fld>
             <a:endParaRPr lang="en-US"/>
           </a:p>
@@ -12129,7 +12349,7 @@
           <a:p>
             <a:fld id="{3E31344D-F2C8-4FF6-8877-1B13E96E243A}" type="datetimeFigureOut">
               <a:rPr lang="en-US" smtClean="0"/>
-              <a:t>11/17/2021</a:t>
+              <a:t>11/19/2021</a:t>
             </a:fld>
             <a:endParaRPr lang="en-US"/>
           </a:p>
@@ -21450,7 +21670,7 @@
         </p:nvSpPr>
         <p:spPr bwMode="gray">
           <a:xfrm>
-            <a:off x="8319654" y="2644752"/>
+            <a:off x="8120973" y="2669585"/>
             <a:ext cx="914400" cy="221672"/>
           </a:xfrm>
           <a:prstGeom prst="rect">
@@ -21501,7 +21721,7 @@
         </p:nvSpPr>
         <p:spPr bwMode="gray">
           <a:xfrm>
-            <a:off x="8319654" y="2978774"/>
+            <a:off x="8120973" y="3003607"/>
             <a:ext cx="914400" cy="221672"/>
           </a:xfrm>
           <a:prstGeom prst="rect">
@@ -21552,7 +21772,7 @@
         </p:nvSpPr>
         <p:spPr bwMode="gray">
           <a:xfrm>
-            <a:off x="8319654" y="3291458"/>
+            <a:off x="8120973" y="3316291"/>
             <a:ext cx="914400" cy="221672"/>
           </a:xfrm>
           <a:prstGeom prst="rect">
@@ -21656,7 +21876,7 @@
         </p:nvSpPr>
         <p:spPr bwMode="gray">
           <a:xfrm>
-            <a:off x="7405254" y="4184669"/>
+            <a:off x="8120973" y="4178364"/>
             <a:ext cx="914400" cy="221672"/>
           </a:xfrm>
           <a:prstGeom prst="rect">
@@ -21707,7 +21927,7 @@
         </p:nvSpPr>
         <p:spPr bwMode="gray">
           <a:xfrm>
-            <a:off x="7405254" y="5037163"/>
+            <a:off x="8120973" y="5030858"/>
             <a:ext cx="914400" cy="221672"/>
           </a:xfrm>
           <a:prstGeom prst="rect">
@@ -21759,7 +21979,7 @@
         <p:spPr bwMode="gray">
           <a:xfrm>
             <a:off x="406977" y="3816426"/>
-            <a:ext cx="6998277" cy="1477328"/>
+            <a:ext cx="7529008" cy="1477328"/>
           </a:xfrm>
           <a:prstGeom prst="rect">
             <a:avLst/>
@@ -21780,19 +22000,19 @@
           <a:p>
             <a:r>
               <a:rPr lang="en-US" dirty="0"/>
-              <a:t>Premise-1: Robots follow the Asimov laws which prioritize the safety of humans</a:t>
+              <a:t>Premise-1: All robots follow the Asimov laws which prioritize the safety of humans</a:t>
             </a:r>
           </a:p>
           <a:p>
             <a:r>
               <a:rPr lang="en-US" dirty="0"/>
-              <a:t>Premise-2: Autonomous weapons are robots</a:t>
+              <a:t>Premise-2: All autonomous weapons are robots</a:t>
             </a:r>
           </a:p>
           <a:p>
             <a:r>
               <a:rPr lang="en-US" dirty="0"/>
-              <a:t>Conclusion: Autonomous weapons are safe</a:t>
+              <a:t>Conclusion: All autonomous weapons are safe</a:t>
             </a:r>
           </a:p>
         </p:txBody>
@@ -21811,7 +22031,7 @@
         </p:nvSpPr>
         <p:spPr bwMode="gray">
           <a:xfrm>
-            <a:off x="7405254" y="4719025"/>
+            <a:off x="8120973" y="4712720"/>
             <a:ext cx="914400" cy="221672"/>
           </a:xfrm>
           <a:prstGeom prst="rect">

--- a/slides/6. Normative Argumentation.pptx
+++ b/slides/6. Normative Argumentation.pptx
@@ -5,7 +5,7 @@
     <p:sldMasterId id="2147483660" r:id="rId1"/>
   </p:sldMasterIdLst>
   <p:notesMasterIdLst>
-    <p:notesMasterId r:id="rId30"/>
+    <p:notesMasterId r:id="rId31"/>
   </p:notesMasterIdLst>
   <p:sldIdLst>
     <p:sldId id="316" r:id="rId2"/>
@@ -13,29 +13,30 @@
     <p:sldId id="491" r:id="rId4"/>
     <p:sldId id="492" r:id="rId5"/>
     <p:sldId id="493" r:id="rId6"/>
-    <p:sldId id="494" r:id="rId7"/>
-    <p:sldId id="495" r:id="rId8"/>
-    <p:sldId id="496" r:id="rId9"/>
-    <p:sldId id="300" r:id="rId10"/>
-    <p:sldId id="301" r:id="rId11"/>
-    <p:sldId id="302" r:id="rId12"/>
-    <p:sldId id="303" r:id="rId13"/>
-    <p:sldId id="304" r:id="rId14"/>
-    <p:sldId id="305" r:id="rId15"/>
-    <p:sldId id="306" r:id="rId16"/>
-    <p:sldId id="307" r:id="rId17"/>
-    <p:sldId id="308" r:id="rId18"/>
-    <p:sldId id="309" r:id="rId19"/>
-    <p:sldId id="310" r:id="rId20"/>
-    <p:sldId id="260" r:id="rId21"/>
-    <p:sldId id="311" r:id="rId22"/>
-    <p:sldId id="312" r:id="rId23"/>
-    <p:sldId id="313" r:id="rId24"/>
-    <p:sldId id="314" r:id="rId25"/>
-    <p:sldId id="315" r:id="rId26"/>
-    <p:sldId id="262" r:id="rId27"/>
-    <p:sldId id="497" r:id="rId28"/>
-    <p:sldId id="490" r:id="rId29"/>
+    <p:sldId id="498" r:id="rId7"/>
+    <p:sldId id="494" r:id="rId8"/>
+    <p:sldId id="495" r:id="rId9"/>
+    <p:sldId id="496" r:id="rId10"/>
+    <p:sldId id="300" r:id="rId11"/>
+    <p:sldId id="301" r:id="rId12"/>
+    <p:sldId id="302" r:id="rId13"/>
+    <p:sldId id="303" r:id="rId14"/>
+    <p:sldId id="304" r:id="rId15"/>
+    <p:sldId id="305" r:id="rId16"/>
+    <p:sldId id="306" r:id="rId17"/>
+    <p:sldId id="307" r:id="rId18"/>
+    <p:sldId id="308" r:id="rId19"/>
+    <p:sldId id="309" r:id="rId20"/>
+    <p:sldId id="310" r:id="rId21"/>
+    <p:sldId id="260" r:id="rId22"/>
+    <p:sldId id="311" r:id="rId23"/>
+    <p:sldId id="312" r:id="rId24"/>
+    <p:sldId id="313" r:id="rId25"/>
+    <p:sldId id="314" r:id="rId26"/>
+    <p:sldId id="315" r:id="rId27"/>
+    <p:sldId id="262" r:id="rId28"/>
+    <p:sldId id="497" r:id="rId29"/>
+    <p:sldId id="490" r:id="rId30"/>
   </p:sldIdLst>
   <p:sldSz cx="12192000" cy="6858000"/>
   <p:notesSz cx="6858000" cy="9144000"/>
@@ -224,7 +225,7 @@
           <a:p>
             <a:fld id="{C20D082D-BBCD-481C-A7DE-212F37A75249}" type="datetimeFigureOut">
               <a:rPr lang="en-US" smtClean="0"/>
-              <a:t>11/19/2021</a:t>
+              <a:t>1/13/2022</a:t>
             </a:fld>
             <a:endParaRPr lang="en-US"/>
           </a:p>
@@ -827,12 +828,41 @@
               <a:cs typeface="ＭＳ Ｐゴシック" pitchFamily="-106" charset="-128"/>
             </a:endParaRPr>
           </a:p>
+          <a:p>
+            <a:pPr eaLnBrk="1" hangingPunct="1"/>
+            <a:r>
+              <a:rPr lang="en-US" sz="1200" dirty="0">
+                <a:ea typeface="ＭＳ Ｐゴシック" pitchFamily="-106" charset="-128"/>
+                <a:cs typeface="ＭＳ Ｐゴシック" pitchFamily="-106" charset="-128"/>
+              </a:rPr>
+              <a:t>ought =</a:t>
+            </a:r>
+            <a:r>
+              <a:rPr lang="en-US" sz="1200" baseline="0" dirty="0">
+                <a:ea typeface="ＭＳ Ｐゴシック" pitchFamily="-106" charset="-128"/>
+                <a:cs typeface="ＭＳ Ｐゴシック" pitchFamily="-106" charset="-128"/>
+              </a:rPr>
+              <a:t> </a:t>
+            </a:r>
+            <a:r>
+              <a:rPr lang="en-US" sz="1200" baseline="0" dirty="0" err="1">
+                <a:ea typeface="ＭＳ Ｐゴシック" pitchFamily="-106" charset="-128"/>
+                <a:cs typeface="ＭＳ Ｐゴシック" pitchFamily="-106" charset="-128"/>
+              </a:rPr>
+              <a:t>müssen</a:t>
+            </a:r>
+            <a:endParaRPr lang="de-DE" dirty="0">
+              <a:latin typeface="Arial" pitchFamily="-106" charset="0"/>
+              <a:ea typeface="ＭＳ Ｐゴシック" pitchFamily="-106" charset="-128"/>
+              <a:cs typeface="ＭＳ Ｐゴシック" pitchFamily="-106" charset="-128"/>
+            </a:endParaRPr>
+          </a:p>
         </p:txBody>
       </p:sp>
     </p:spTree>
     <p:extLst>
       <p:ext uri="{BB962C8B-B14F-4D97-AF65-F5344CB8AC3E}">
-        <p14:creationId xmlns:p14="http://schemas.microsoft.com/office/powerpoint/2010/main" val="1609927241"/>
+        <p14:creationId xmlns:p14="http://schemas.microsoft.com/office/powerpoint/2010/main" val="1201043949"/>
       </p:ext>
     </p:extLst>
   </p:cSld>
@@ -1099,7 +1129,7 @@
     </p:spTree>
     <p:extLst>
       <p:ext uri="{BB962C8B-B14F-4D97-AF65-F5344CB8AC3E}">
-        <p14:creationId xmlns:p14="http://schemas.microsoft.com/office/powerpoint/2010/main" val="935803130"/>
+        <p14:creationId xmlns:p14="http://schemas.microsoft.com/office/powerpoint/2010/main" val="1609927241"/>
       </p:ext>
     </p:extLst>
   </p:cSld>
@@ -1366,7 +1396,7 @@
     </p:spTree>
     <p:extLst>
       <p:ext uri="{BB962C8B-B14F-4D97-AF65-F5344CB8AC3E}">
-        <p14:creationId xmlns:p14="http://schemas.microsoft.com/office/powerpoint/2010/main" val="762295406"/>
+        <p14:creationId xmlns:p14="http://schemas.microsoft.com/office/powerpoint/2010/main" val="935803130"/>
       </p:ext>
     </p:extLst>
   </p:cSld>
@@ -1633,7 +1663,7 @@
     </p:spTree>
     <p:extLst>
       <p:ext uri="{BB962C8B-B14F-4D97-AF65-F5344CB8AC3E}">
-        <p14:creationId xmlns:p14="http://schemas.microsoft.com/office/powerpoint/2010/main" val="957397409"/>
+        <p14:creationId xmlns:p14="http://schemas.microsoft.com/office/powerpoint/2010/main" val="762295406"/>
       </p:ext>
     </p:extLst>
   </p:cSld>
@@ -1900,7 +1930,7 @@
     </p:spTree>
     <p:extLst>
       <p:ext uri="{BB962C8B-B14F-4D97-AF65-F5344CB8AC3E}">
-        <p14:creationId xmlns:p14="http://schemas.microsoft.com/office/powerpoint/2010/main" val="1143646880"/>
+        <p14:creationId xmlns:p14="http://schemas.microsoft.com/office/powerpoint/2010/main" val="957397409"/>
       </p:ext>
     </p:extLst>
   </p:cSld>
@@ -1999,7 +2029,7 @@
                 <a:ea typeface="ＭＳ Ｐゴシック" pitchFamily="-112" charset="-128"/>
                 <a:cs typeface="ＭＳ Ｐゴシック" pitchFamily="-112" charset="-128"/>
               </a:rPr>
-              <a:t>[dePoel&amp;Royakkers2011] Chapter 6, 7?, 8, 10?</a:t>
+              <a:t>[dePoel&amp;Royakkers2011] Chapter 3, 4, 5</a:t>
             </a:r>
           </a:p>
           <a:p>
@@ -2013,12 +2043,10 @@
                 <a:ea typeface="ＭＳ Ｐゴシック" pitchFamily="-112" charset="-128"/>
                 <a:cs typeface="ＭＳ Ｐゴシック" pitchFamily="-112" charset="-128"/>
               </a:rPr>
-              <a:t> </a:t>
-            </a:r>
-          </a:p>
-          <a:p>
-            <a:r>
-              <a:rPr lang="en-GB" sz="1200" kern="1200" dirty="0">
+              <a:t>[Pereira&amp;Saptawijaya2016] p. 110 </a:t>
+            </a:r>
+            <a:r>
+              <a:rPr lang="en-GB" sz="1200" kern="1200" dirty="0" err="1">
                 <a:solidFill>
                   <a:schemeClr val="tx1"/>
                 </a:solidFill>
@@ -2027,10 +2055,8 @@
                 <a:ea typeface="ＭＳ Ｐゴシック" pitchFamily="-112" charset="-128"/>
                 <a:cs typeface="ＭＳ Ｐゴシック" pitchFamily="-112" charset="-128"/>
               </a:rPr>
-              <a:t>[Fleddermann2013] p. 67 line charting</a:t>
-            </a:r>
-          </a:p>
-          <a:p>
+              <a:t>trolly</a:t>
+            </a:r>
             <a:r>
               <a:rPr lang="en-GB" sz="1200" kern="1200" dirty="0">
                 <a:solidFill>
@@ -2041,19 +2067,8 @@
                 <a:ea typeface="ＭＳ Ｐゴシック" pitchFamily="-112" charset="-128"/>
                 <a:cs typeface="ＭＳ Ｐゴシック" pitchFamily="-112" charset="-128"/>
               </a:rPr>
-              <a:t>[Fleddermann2013] p. 70 flow charting</a:t>
-            </a:r>
-          </a:p>
-          <a:p>
-            <a:endParaRPr lang="en-GB" sz="1200" kern="1200" dirty="0">
-              <a:solidFill>
-                <a:schemeClr val="tx1"/>
-              </a:solidFill>
-              <a:effectLst/>
-              <a:latin typeface="Arial" pitchFamily="-112" charset="0"/>
-              <a:ea typeface="ＭＳ Ｐゴシック" pitchFamily="-112" charset="-128"/>
-              <a:cs typeface="ＭＳ Ｐゴシック" pitchFamily="-112" charset="-128"/>
-            </a:endParaRPr>
+              <a:t> problem in different forms? Use to explain differences?</a:t>
+            </a:r>
           </a:p>
           <a:p>
             <a:r>
@@ -2066,7 +2081,7 @@
                 <a:ea typeface="ＭＳ Ｐゴシック" pitchFamily="-112" charset="-128"/>
                 <a:cs typeface="ＭＳ Ｐゴシック" pitchFamily="-112" charset="-128"/>
               </a:rPr>
-              <a:t>Trump = </a:t>
+              <a:t>[Pereira&amp;Saptawijaya2016] p. 20 double and triple effect &amp;  </a:t>
             </a:r>
             <a:r>
               <a:rPr lang="en-GB" sz="1200" kern="1200" dirty="0" err="1">
@@ -2078,17 +2093,96 @@
                 <a:ea typeface="ＭＳ Ｐゴシック" pitchFamily="-112" charset="-128"/>
                 <a:cs typeface="ＭＳ Ｐゴシック" pitchFamily="-112" charset="-128"/>
               </a:rPr>
-              <a:t>übertrumpfen</a:t>
-            </a:r>
-            <a:endParaRPr lang="en-GB" sz="1200" kern="1200" dirty="0">
-              <a:solidFill>
-                <a:schemeClr val="tx1"/>
-              </a:solidFill>
-              <a:effectLst/>
-              <a:latin typeface="Arial" pitchFamily="-112" charset="0"/>
-              <a:ea typeface="ＭＳ Ｐゴシック" pitchFamily="-112" charset="-128"/>
-              <a:cs typeface="ＭＳ Ｐゴシック" pitchFamily="-112" charset="-128"/>
-            </a:endParaRPr>
+              <a:t>trolly</a:t>
+            </a:r>
+            <a:r>
+              <a:rPr lang="en-GB" sz="1200" kern="1200" dirty="0">
+                <a:solidFill>
+                  <a:schemeClr val="tx1"/>
+                </a:solidFill>
+                <a:effectLst/>
+                <a:latin typeface="Arial" pitchFamily="-112" charset="0"/>
+                <a:ea typeface="ＭＳ Ｐゴシック" pitchFamily="-112" charset="-128"/>
+                <a:cs typeface="ＭＳ Ｐゴシック" pitchFamily="-112" charset="-128"/>
+              </a:rPr>
+              <a:t> problem </a:t>
+            </a:r>
+          </a:p>
+          <a:p>
+            <a:r>
+              <a:rPr lang="en-GB" sz="1200" kern="1200" dirty="0">
+                <a:solidFill>
+                  <a:schemeClr val="tx1"/>
+                </a:solidFill>
+                <a:effectLst/>
+                <a:latin typeface="Arial" pitchFamily="-112" charset="0"/>
+                <a:ea typeface="ＭＳ Ｐゴシック" pitchFamily="-112" charset="-128"/>
+                <a:cs typeface="ＭＳ Ｐゴシック" pitchFamily="-112" charset="-128"/>
+              </a:rPr>
+              <a:t> [Kizza2013] Chapter 3 Ethics </a:t>
+            </a:r>
+            <a:r>
+              <a:rPr lang="en-GB" sz="1200" kern="1200" dirty="0" err="1">
+                <a:solidFill>
+                  <a:schemeClr val="tx1"/>
+                </a:solidFill>
+                <a:effectLst/>
+                <a:latin typeface="Arial" pitchFamily="-112" charset="0"/>
+                <a:ea typeface="ＭＳ Ｐゴシック" pitchFamily="-112" charset="-128"/>
+                <a:cs typeface="ＭＳ Ｐゴシック" pitchFamily="-112" charset="-128"/>
+              </a:rPr>
+              <a:t>abd</a:t>
+            </a:r>
+            <a:r>
+              <a:rPr lang="en-GB" sz="1200" kern="1200" dirty="0">
+                <a:solidFill>
+                  <a:schemeClr val="tx1"/>
+                </a:solidFill>
+                <a:effectLst/>
+                <a:latin typeface="Arial" pitchFamily="-112" charset="0"/>
+                <a:ea typeface="ＭＳ Ｐゴシック" pitchFamily="-112" charset="-128"/>
+                <a:cs typeface="ＭＳ Ｐゴシック" pitchFamily="-112" charset="-128"/>
+              </a:rPr>
+              <a:t> </a:t>
+            </a:r>
+            <a:r>
+              <a:rPr lang="en-GB" sz="1200" kern="1200" dirty="0" err="1">
+                <a:solidFill>
+                  <a:schemeClr val="tx1"/>
+                </a:solidFill>
+                <a:effectLst/>
+                <a:latin typeface="Arial" pitchFamily="-112" charset="0"/>
+                <a:ea typeface="ＭＳ Ｐゴシック" pitchFamily="-112" charset="-128"/>
+                <a:cs typeface="ＭＳ Ｐゴシック" pitchFamily="-112" charset="-128"/>
+              </a:rPr>
+              <a:t>Ethecial</a:t>
+            </a:r>
+            <a:r>
+              <a:rPr lang="en-GB" sz="1200" kern="1200" dirty="0">
+                <a:solidFill>
+                  <a:schemeClr val="tx1"/>
+                </a:solidFill>
+                <a:effectLst/>
+                <a:latin typeface="Arial" pitchFamily="-112" charset="0"/>
+                <a:ea typeface="ＭＳ Ｐゴシック" pitchFamily="-112" charset="-128"/>
+                <a:cs typeface="ＭＳ Ｐゴシック" pitchFamily="-112" charset="-128"/>
+              </a:rPr>
+              <a:t> Analysis</a:t>
+            </a:r>
+          </a:p>
+          <a:p>
+            <a:r>
+              <a:rPr lang="en-GB" sz="1200" kern="1200" dirty="0">
+                <a:solidFill>
+                  <a:schemeClr val="tx1"/>
+                </a:solidFill>
+                <a:effectLst/>
+                <a:latin typeface="Arial" pitchFamily="-112" charset="0"/>
+                <a:ea typeface="ＭＳ Ｐゴシック" pitchFamily="-112" charset="-128"/>
+                <a:cs typeface="ＭＳ Ｐゴシック" pitchFamily="-112" charset="-128"/>
+              </a:rPr>
+              <a:t>[Reynolds2009] p. 19; overview</a:t>
+            </a:r>
           </a:p>
           <a:p>
             <a:pPr eaLnBrk="1" hangingPunct="1"/>
@@ -2103,7 +2197,7 @@
     </p:spTree>
     <p:extLst>
       <p:ext uri="{BB962C8B-B14F-4D97-AF65-F5344CB8AC3E}">
-        <p14:creationId xmlns:p14="http://schemas.microsoft.com/office/powerpoint/2010/main" val="1802591133"/>
+        <p14:creationId xmlns:p14="http://schemas.microsoft.com/office/powerpoint/2010/main" val="1143646880"/>
       </p:ext>
     </p:extLst>
   </p:cSld>
@@ -2259,31 +2353,39 @@
             </a:endParaRPr>
           </a:p>
           <a:p>
-            <a:pPr eaLnBrk="1" hangingPunct="1">
-              <a:buClr>
-                <a:schemeClr val="accent1"/>
-              </a:buClr>
-              <a:buSzPct val="80000"/>
-              <a:buFont typeface=".AppleSDGothicNeoI-Regular" charset="-127"/>
-              <a:buChar char="◼︎"/>
-            </a:pPr>
-            <a:r>
-              <a:rPr lang="en-US" b="1" dirty="0">
-                <a:solidFill>
-                  <a:schemeClr val="accent1"/>
-                </a:solidFill>
-                <a:ea typeface="ＭＳ Ｐゴシック" pitchFamily="-106" charset="-128"/>
-                <a:cs typeface="ＭＳ Ｐゴシック" pitchFamily="-106" charset="-128"/>
-              </a:rPr>
-              <a:t>Discount Rate</a:t>
-            </a:r>
-            <a:r>
-              <a:rPr lang="en-US" dirty="0">
-                <a:ea typeface="ＭＳ Ｐゴシック" pitchFamily="-106" charset="-128"/>
-                <a:cs typeface="ＭＳ Ｐゴシック" pitchFamily="-106" charset="-128"/>
-              </a:rPr>
-              <a:t>: The rate that is used in cost-benefit analysis to discount future benefits (or costs). This is done because 1 dollar now is worth more than 1 dollar in 10 years.</a:t>
-            </a:r>
+            <a:r>
+              <a:rPr lang="en-GB" sz="1200" kern="1200" dirty="0">
+                <a:solidFill>
+                  <a:schemeClr val="tx1"/>
+                </a:solidFill>
+                <a:effectLst/>
+                <a:latin typeface="Arial" pitchFamily="-112" charset="0"/>
+                <a:ea typeface="ＭＳ Ｐゴシック" pitchFamily="-112" charset="-128"/>
+                <a:cs typeface="ＭＳ Ｐゴシック" pitchFamily="-112" charset="-128"/>
+              </a:rPr>
+              <a:t>Trump = </a:t>
+            </a:r>
+            <a:r>
+              <a:rPr lang="en-GB" sz="1200" kern="1200" dirty="0" err="1">
+                <a:solidFill>
+                  <a:schemeClr val="tx1"/>
+                </a:solidFill>
+                <a:effectLst/>
+                <a:latin typeface="Arial" pitchFamily="-112" charset="0"/>
+                <a:ea typeface="ＭＳ Ｐゴシック" pitchFamily="-112" charset="-128"/>
+                <a:cs typeface="ＭＳ Ｐゴシック" pitchFamily="-112" charset="-128"/>
+              </a:rPr>
+              <a:t>übertrumpfen</a:t>
+            </a:r>
+            <a:endParaRPr lang="en-GB" sz="1200" kern="1200" dirty="0">
+              <a:solidFill>
+                <a:schemeClr val="tx1"/>
+              </a:solidFill>
+              <a:effectLst/>
+              <a:latin typeface="Arial" pitchFamily="-112" charset="0"/>
+              <a:ea typeface="ＭＳ Ｐゴシック" pitchFamily="-112" charset="-128"/>
+              <a:cs typeface="ＭＳ Ｐゴシック" pitchFamily="-112" charset="-128"/>
+            </a:endParaRPr>
           </a:p>
           <a:p>
             <a:pPr eaLnBrk="1" hangingPunct="1"/>
@@ -2298,7 +2400,7 @@
     </p:spTree>
     <p:extLst>
       <p:ext uri="{BB962C8B-B14F-4D97-AF65-F5344CB8AC3E}">
-        <p14:creationId xmlns:p14="http://schemas.microsoft.com/office/powerpoint/2010/main" val="1905269944"/>
+        <p14:creationId xmlns:p14="http://schemas.microsoft.com/office/powerpoint/2010/main" val="1802591133"/>
       </p:ext>
     </p:extLst>
   </p:cSld>
@@ -2454,39 +2556,31 @@
             </a:endParaRPr>
           </a:p>
           <a:p>
-            <a:r>
-              <a:rPr lang="en-GB" sz="1200" kern="1200" dirty="0">
-                <a:solidFill>
-                  <a:schemeClr val="tx1"/>
-                </a:solidFill>
-                <a:effectLst/>
-                <a:latin typeface="Arial" pitchFamily="-112" charset="0"/>
-                <a:ea typeface="ＭＳ Ｐゴシック" pitchFamily="-112" charset="-128"/>
-                <a:cs typeface="ＭＳ Ｐゴシック" pitchFamily="-112" charset="-128"/>
-              </a:rPr>
-              <a:t>Trump = </a:t>
-            </a:r>
-            <a:r>
-              <a:rPr lang="en-GB" sz="1200" kern="1200">
-                <a:solidFill>
-                  <a:schemeClr val="tx1"/>
-                </a:solidFill>
-                <a:effectLst/>
-                <a:latin typeface="Arial" pitchFamily="-112" charset="0"/>
-                <a:ea typeface="ＭＳ Ｐゴシック" pitchFamily="-112" charset="-128"/>
-                <a:cs typeface="ＭＳ Ｐゴシック" pitchFamily="-112" charset="-128"/>
-              </a:rPr>
-              <a:t>übertrumpfen</a:t>
-            </a:r>
-            <a:endParaRPr lang="en-GB" sz="1200" kern="1200" dirty="0">
-              <a:solidFill>
-                <a:schemeClr val="tx1"/>
-              </a:solidFill>
-              <a:effectLst/>
-              <a:latin typeface="Arial" pitchFamily="-112" charset="0"/>
-              <a:ea typeface="ＭＳ Ｐゴシック" pitchFamily="-112" charset="-128"/>
-              <a:cs typeface="ＭＳ Ｐゴシック" pitchFamily="-112" charset="-128"/>
-            </a:endParaRPr>
+            <a:pPr eaLnBrk="1" hangingPunct="1">
+              <a:buClr>
+                <a:schemeClr val="accent1"/>
+              </a:buClr>
+              <a:buSzPct val="80000"/>
+              <a:buFont typeface=".AppleSDGothicNeoI-Regular" charset="-127"/>
+              <a:buChar char="◼︎"/>
+            </a:pPr>
+            <a:r>
+              <a:rPr lang="en-US" b="1" dirty="0">
+                <a:solidFill>
+                  <a:schemeClr val="accent1"/>
+                </a:solidFill>
+                <a:ea typeface="ＭＳ Ｐゴシック" pitchFamily="-106" charset="-128"/>
+                <a:cs typeface="ＭＳ Ｐゴシック" pitchFamily="-106" charset="-128"/>
+              </a:rPr>
+              <a:t>Discount Rate</a:t>
+            </a:r>
+            <a:r>
+              <a:rPr lang="en-US" dirty="0">
+                <a:ea typeface="ＭＳ Ｐゴシック" pitchFamily="-106" charset="-128"/>
+                <a:cs typeface="ＭＳ Ｐゴシック" pitchFamily="-106" charset="-128"/>
+              </a:rPr>
+              <a:t>: The rate that is used in cost-benefit analysis to discount future benefits (or costs). This is done because 1 dollar now is worth more than 1 dollar in 10 years.</a:t>
+            </a:r>
           </a:p>
           <a:p>
             <a:pPr eaLnBrk="1" hangingPunct="1"/>
@@ -2501,7 +2595,7 @@
     </p:spTree>
     <p:extLst>
       <p:ext uri="{BB962C8B-B14F-4D97-AF65-F5344CB8AC3E}">
-        <p14:creationId xmlns:p14="http://schemas.microsoft.com/office/powerpoint/2010/main" val="933869147"/>
+        <p14:creationId xmlns:p14="http://schemas.microsoft.com/office/powerpoint/2010/main" val="1905269944"/>
       </p:ext>
     </p:extLst>
   </p:cSld>
@@ -2704,7 +2798,7 @@
     </p:spTree>
     <p:extLst>
       <p:ext uri="{BB962C8B-B14F-4D97-AF65-F5344CB8AC3E}">
-        <p14:creationId xmlns:p14="http://schemas.microsoft.com/office/powerpoint/2010/main" val="1122729788"/>
+        <p14:creationId xmlns:p14="http://schemas.microsoft.com/office/powerpoint/2010/main" val="933869147"/>
       </p:ext>
     </p:extLst>
   </p:cSld>
@@ -2907,7 +3001,7 @@
     </p:spTree>
     <p:extLst>
       <p:ext uri="{BB962C8B-B14F-4D97-AF65-F5344CB8AC3E}">
-        <p14:creationId xmlns:p14="http://schemas.microsoft.com/office/powerpoint/2010/main" val="606564473"/>
+        <p14:creationId xmlns:p14="http://schemas.microsoft.com/office/powerpoint/2010/main" val="1122729788"/>
       </p:ext>
     </p:extLst>
   </p:cSld>
@@ -3377,7 +3471,7 @@
     </p:spTree>
     <p:extLst>
       <p:ext uri="{BB962C8B-B14F-4D97-AF65-F5344CB8AC3E}">
-        <p14:creationId xmlns:p14="http://schemas.microsoft.com/office/powerpoint/2010/main" val="673686891"/>
+        <p14:creationId xmlns:p14="http://schemas.microsoft.com/office/powerpoint/2010/main" val="606564473"/>
       </p:ext>
     </p:extLst>
   </p:cSld>
@@ -3427,6 +3521,209 @@
               </a:rPr>
               <a:pPr/>
               <a:t>26</a:t>
+            </a:fld>
+            <a:endParaRPr lang="de-DE">
+              <a:latin typeface="Arial" pitchFamily="-106" charset="0"/>
+            </a:endParaRPr>
+          </a:p>
+        </p:txBody>
+      </p:sp>
+      <p:sp>
+        <p:nvSpPr>
+          <p:cNvPr id="33795" name="Rectangle 2"/>
+          <p:cNvSpPr>
+            <a:spLocks noGrp="1" noRot="1" noChangeAspect="1" noChangeArrowheads="1" noTextEdit="1"/>
+          </p:cNvSpPr>
+          <p:nvPr>
+            <p:ph type="sldImg"/>
+          </p:nvPr>
+        </p:nvSpPr>
+        <p:spPr>
+          <a:ln/>
+        </p:spPr>
+      </p:sp>
+      <p:sp>
+        <p:nvSpPr>
+          <p:cNvPr id="33796" name="Rectangle 3"/>
+          <p:cNvSpPr>
+            <a:spLocks noGrp="1" noChangeArrowheads="1"/>
+          </p:cNvSpPr>
+          <p:nvPr>
+            <p:ph type="body" idx="1"/>
+          </p:nvPr>
+        </p:nvSpPr>
+        <p:spPr>
+          <a:noFill/>
+          <a:ln/>
+        </p:spPr>
+        <p:txBody>
+          <a:bodyPr/>
+          <a:lstStyle/>
+          <a:p>
+            <a:r>
+              <a:rPr lang="en-GB" sz="1200" kern="1200" dirty="0">
+                <a:solidFill>
+                  <a:schemeClr val="tx1"/>
+                </a:solidFill>
+                <a:effectLst/>
+                <a:latin typeface="Arial" pitchFamily="-112" charset="0"/>
+                <a:ea typeface="ＭＳ Ｐゴシック" pitchFamily="-112" charset="-128"/>
+                <a:cs typeface="ＭＳ Ｐゴシック" pitchFamily="-112" charset="-128"/>
+              </a:rPr>
+              <a:t>[dePoel&amp;Royakkers2011] Chapter 6, 7?, 8, 10?</a:t>
+            </a:r>
+          </a:p>
+          <a:p>
+            <a:r>
+              <a:rPr lang="en-GB" sz="1200" kern="1200" dirty="0">
+                <a:solidFill>
+                  <a:schemeClr val="tx1"/>
+                </a:solidFill>
+                <a:effectLst/>
+                <a:latin typeface="Arial" pitchFamily="-112" charset="0"/>
+                <a:ea typeface="ＭＳ Ｐゴシック" pitchFamily="-112" charset="-128"/>
+                <a:cs typeface="ＭＳ Ｐゴシック" pitchFamily="-112" charset="-128"/>
+              </a:rPr>
+              <a:t> </a:t>
+            </a:r>
+          </a:p>
+          <a:p>
+            <a:r>
+              <a:rPr lang="en-GB" sz="1200" kern="1200" dirty="0">
+                <a:solidFill>
+                  <a:schemeClr val="tx1"/>
+                </a:solidFill>
+                <a:effectLst/>
+                <a:latin typeface="Arial" pitchFamily="-112" charset="0"/>
+                <a:ea typeface="ＭＳ Ｐゴシック" pitchFamily="-112" charset="-128"/>
+                <a:cs typeface="ＭＳ Ｐゴシック" pitchFamily="-112" charset="-128"/>
+              </a:rPr>
+              <a:t>[Fleddermann2013] p. 67 line charting</a:t>
+            </a:r>
+          </a:p>
+          <a:p>
+            <a:r>
+              <a:rPr lang="en-GB" sz="1200" kern="1200" dirty="0">
+                <a:solidFill>
+                  <a:schemeClr val="tx1"/>
+                </a:solidFill>
+                <a:effectLst/>
+                <a:latin typeface="Arial" pitchFamily="-112" charset="0"/>
+                <a:ea typeface="ＭＳ Ｐゴシック" pitchFamily="-112" charset="-128"/>
+                <a:cs typeface="ＭＳ Ｐゴシック" pitchFamily="-112" charset="-128"/>
+              </a:rPr>
+              <a:t>[Fleddermann2013] p. 70 flow charting</a:t>
+            </a:r>
+          </a:p>
+          <a:p>
+            <a:endParaRPr lang="en-GB" sz="1200" kern="1200" dirty="0">
+              <a:solidFill>
+                <a:schemeClr val="tx1"/>
+              </a:solidFill>
+              <a:effectLst/>
+              <a:latin typeface="Arial" pitchFamily="-112" charset="0"/>
+              <a:ea typeface="ＭＳ Ｐゴシック" pitchFamily="-112" charset="-128"/>
+              <a:cs typeface="ＭＳ Ｐゴシック" pitchFamily="-112" charset="-128"/>
+            </a:endParaRPr>
+          </a:p>
+          <a:p>
+            <a:r>
+              <a:rPr lang="en-GB" sz="1200" kern="1200" dirty="0">
+                <a:solidFill>
+                  <a:schemeClr val="tx1"/>
+                </a:solidFill>
+                <a:effectLst/>
+                <a:latin typeface="Arial" pitchFamily="-112" charset="0"/>
+                <a:ea typeface="ＭＳ Ｐゴシック" pitchFamily="-112" charset="-128"/>
+                <a:cs typeface="ＭＳ Ｐゴシック" pitchFamily="-112" charset="-128"/>
+              </a:rPr>
+              <a:t>Trump = </a:t>
+            </a:r>
+            <a:r>
+              <a:rPr lang="en-GB" sz="1200" kern="1200">
+                <a:solidFill>
+                  <a:schemeClr val="tx1"/>
+                </a:solidFill>
+                <a:effectLst/>
+                <a:latin typeface="Arial" pitchFamily="-112" charset="0"/>
+                <a:ea typeface="ＭＳ Ｐゴシック" pitchFamily="-112" charset="-128"/>
+                <a:cs typeface="ＭＳ Ｐゴシック" pitchFamily="-112" charset="-128"/>
+              </a:rPr>
+              <a:t>übertrumpfen</a:t>
+            </a:r>
+            <a:endParaRPr lang="en-GB" sz="1200" kern="1200" dirty="0">
+              <a:solidFill>
+                <a:schemeClr val="tx1"/>
+              </a:solidFill>
+              <a:effectLst/>
+              <a:latin typeface="Arial" pitchFamily="-112" charset="0"/>
+              <a:ea typeface="ＭＳ Ｐゴシック" pitchFamily="-112" charset="-128"/>
+              <a:cs typeface="ＭＳ Ｐゴシック" pitchFamily="-112" charset="-128"/>
+            </a:endParaRPr>
+          </a:p>
+          <a:p>
+            <a:pPr eaLnBrk="1" hangingPunct="1"/>
+            <a:endParaRPr lang="de-DE" dirty="0">
+              <a:latin typeface="Arial" pitchFamily="-106" charset="0"/>
+              <a:ea typeface="ＭＳ Ｐゴシック" pitchFamily="-106" charset="-128"/>
+              <a:cs typeface="ＭＳ Ｐゴシック" pitchFamily="-106" charset="-128"/>
+            </a:endParaRPr>
+          </a:p>
+        </p:txBody>
+      </p:sp>
+    </p:spTree>
+    <p:extLst>
+      <p:ext uri="{BB962C8B-B14F-4D97-AF65-F5344CB8AC3E}">
+        <p14:creationId xmlns:p14="http://schemas.microsoft.com/office/powerpoint/2010/main" val="673686891"/>
+      </p:ext>
+    </p:extLst>
+  </p:cSld>
+  <p:clrMapOvr>
+    <a:masterClrMapping/>
+  </p:clrMapOvr>
+</p:notes>
+</file>
+
+<file path=ppt/notesSlides/notesSlide22.xml><?xml version="1.0" encoding="utf-8"?>
+<p:notes xmlns:a="http://schemas.openxmlformats.org/drawingml/2006/main" xmlns:r="http://schemas.openxmlformats.org/officeDocument/2006/relationships" xmlns:p="http://schemas.openxmlformats.org/presentationml/2006/main">
+  <p:cSld>
+    <p:spTree>
+      <p:nvGrpSpPr>
+        <p:cNvPr id="1" name=""/>
+        <p:cNvGrpSpPr/>
+        <p:nvPr/>
+      </p:nvGrpSpPr>
+      <p:grpSpPr>
+        <a:xfrm>
+          <a:off x="0" y="0"/>
+          <a:ext cx="0" cy="0"/>
+          <a:chOff x="0" y="0"/>
+          <a:chExt cx="0" cy="0"/>
+        </a:xfrm>
+      </p:grpSpPr>
+      <p:sp>
+        <p:nvSpPr>
+          <p:cNvPr id="33794" name="Rectangle 7"/>
+          <p:cNvSpPr>
+            <a:spLocks noGrp="1" noChangeArrowheads="1"/>
+          </p:cNvSpPr>
+          <p:nvPr>
+            <p:ph type="sldNum" sz="quarter" idx="5"/>
+          </p:nvPr>
+        </p:nvSpPr>
+        <p:spPr>
+          <a:noFill/>
+        </p:spPr>
+        <p:txBody>
+          <a:bodyPr/>
+          <a:lstStyle/>
+          <a:p>
+            <a:fld id="{8F61D901-1668-E44B-9E88-0B533135EDF4}" type="slidenum">
+              <a:rPr lang="de-DE">
+                <a:latin typeface="Arial" pitchFamily="-106" charset="0"/>
+              </a:rPr>
+              <a:pPr/>
+              <a:t>27</a:t>
             </a:fld>
             <a:endParaRPr lang="de-DE">
               <a:latin typeface="Arial" pitchFamily="-106" charset="0"/>
@@ -3727,245 +4024,62 @@
       </p:grpSpPr>
       <p:sp>
         <p:nvSpPr>
-          <p:cNvPr id="33794" name="Rectangle 7"/>
-          <p:cNvSpPr>
-            <a:spLocks noGrp="1" noChangeArrowheads="1"/>
+          <p:cNvPr id="2" name="Slide Image Placeholder 1"/>
+          <p:cNvSpPr>
+            <a:spLocks noGrp="1" noRot="1" noChangeAspect="1"/>
+          </p:cNvSpPr>
+          <p:nvPr>
+            <p:ph type="sldImg"/>
+          </p:nvPr>
+        </p:nvSpPr>
+        <p:spPr/>
+      </p:sp>
+      <p:sp>
+        <p:nvSpPr>
+          <p:cNvPr id="3" name="Notes Placeholder 2"/>
+          <p:cNvSpPr>
+            <a:spLocks noGrp="1"/>
+          </p:cNvSpPr>
+          <p:nvPr>
+            <p:ph type="body" idx="1"/>
+          </p:nvPr>
+        </p:nvSpPr>
+        <p:spPr/>
+        <p:txBody>
+          <a:bodyPr/>
+          <a:lstStyle/>
+          <a:p>
+            <a:endParaRPr lang="en-US" dirty="0"/>
+          </a:p>
+        </p:txBody>
+      </p:sp>
+      <p:sp>
+        <p:nvSpPr>
+          <p:cNvPr id="4" name="Slide Number Placeholder 3"/>
+          <p:cNvSpPr>
+            <a:spLocks noGrp="1"/>
           </p:cNvSpPr>
           <p:nvPr>
             <p:ph type="sldNum" sz="quarter" idx="5"/>
           </p:nvPr>
         </p:nvSpPr>
-        <p:spPr>
-          <a:noFill/>
-        </p:spPr>
+        <p:spPr/>
         <p:txBody>
           <a:bodyPr/>
           <a:lstStyle/>
           <a:p>
-            <a:fld id="{8F61D901-1668-E44B-9E88-0B533135EDF4}" type="slidenum">
-              <a:rPr lang="de-DE">
-                <a:latin typeface="Arial" pitchFamily="-106" charset="0"/>
-              </a:rPr>
-              <a:pPr/>
-              <a:t>9</a:t>
+            <a:fld id="{5C9D6992-95B8-421A-A0EE-FC9CB6B4B801}" type="slidenum">
+              <a:rPr lang="en-US" smtClean="0"/>
+              <a:t>6</a:t>
             </a:fld>
-            <a:endParaRPr lang="de-DE">
-              <a:latin typeface="Arial" pitchFamily="-106" charset="0"/>
-            </a:endParaRPr>
-          </a:p>
-        </p:txBody>
-      </p:sp>
-      <p:sp>
-        <p:nvSpPr>
-          <p:cNvPr id="33795" name="Rectangle 2"/>
-          <p:cNvSpPr>
-            <a:spLocks noGrp="1" noRot="1" noChangeAspect="1" noChangeArrowheads="1" noTextEdit="1"/>
-          </p:cNvSpPr>
-          <p:nvPr>
-            <p:ph type="sldImg"/>
-          </p:nvPr>
-        </p:nvSpPr>
-        <p:spPr>
-          <a:ln/>
-        </p:spPr>
-      </p:sp>
-      <p:sp>
-        <p:nvSpPr>
-          <p:cNvPr id="33796" name="Rectangle 3"/>
-          <p:cNvSpPr>
-            <a:spLocks noGrp="1" noChangeArrowheads="1"/>
-          </p:cNvSpPr>
-          <p:nvPr>
-            <p:ph type="body" idx="1"/>
-          </p:nvPr>
-        </p:nvSpPr>
-        <p:spPr>
-          <a:noFill/>
-          <a:ln/>
-        </p:spPr>
-        <p:txBody>
-          <a:bodyPr/>
-          <a:lstStyle/>
-          <a:p>
-            <a:r>
-              <a:rPr lang="en-GB" sz="1200" kern="1200" dirty="0">
-                <a:solidFill>
-                  <a:schemeClr val="tx1"/>
-                </a:solidFill>
-                <a:effectLst/>
-                <a:latin typeface="Arial" pitchFamily="-112" charset="0"/>
-                <a:ea typeface="ＭＳ Ｐゴシック" pitchFamily="-112" charset="-128"/>
-                <a:cs typeface="ＭＳ Ｐゴシック" pitchFamily="-112" charset="-128"/>
-              </a:rPr>
-              <a:t>[dePoel&amp;Royakkers2011] Chapter 3, 4, 5</a:t>
-            </a:r>
-          </a:p>
-          <a:p>
-            <a:r>
-              <a:rPr lang="en-GB" sz="1200" kern="1200" dirty="0">
-                <a:solidFill>
-                  <a:schemeClr val="tx1"/>
-                </a:solidFill>
-                <a:effectLst/>
-                <a:latin typeface="Arial" pitchFamily="-112" charset="0"/>
-                <a:ea typeface="ＭＳ Ｐゴシック" pitchFamily="-112" charset="-128"/>
-                <a:cs typeface="ＭＳ Ｐゴシック" pitchFamily="-112" charset="-128"/>
-              </a:rPr>
-              <a:t>[Pereira&amp;Saptawijaya2016] p. 110 </a:t>
-            </a:r>
-            <a:r>
-              <a:rPr lang="en-GB" sz="1200" kern="1200" dirty="0" err="1">
-                <a:solidFill>
-                  <a:schemeClr val="tx1"/>
-                </a:solidFill>
-                <a:effectLst/>
-                <a:latin typeface="Arial" pitchFamily="-112" charset="0"/>
-                <a:ea typeface="ＭＳ Ｐゴシック" pitchFamily="-112" charset="-128"/>
-                <a:cs typeface="ＭＳ Ｐゴシック" pitchFamily="-112" charset="-128"/>
-              </a:rPr>
-              <a:t>trolly</a:t>
-            </a:r>
-            <a:r>
-              <a:rPr lang="en-GB" sz="1200" kern="1200" dirty="0">
-                <a:solidFill>
-                  <a:schemeClr val="tx1"/>
-                </a:solidFill>
-                <a:effectLst/>
-                <a:latin typeface="Arial" pitchFamily="-112" charset="0"/>
-                <a:ea typeface="ＭＳ Ｐゴシック" pitchFamily="-112" charset="-128"/>
-                <a:cs typeface="ＭＳ Ｐゴシック" pitchFamily="-112" charset="-128"/>
-              </a:rPr>
-              <a:t> problem in different forms? Use to explain differences?</a:t>
-            </a:r>
-          </a:p>
-          <a:p>
-            <a:r>
-              <a:rPr lang="en-GB" sz="1200" kern="1200" dirty="0">
-                <a:solidFill>
-                  <a:schemeClr val="tx1"/>
-                </a:solidFill>
-                <a:effectLst/>
-                <a:latin typeface="Arial" pitchFamily="-112" charset="0"/>
-                <a:ea typeface="ＭＳ Ｐゴシック" pitchFamily="-112" charset="-128"/>
-                <a:cs typeface="ＭＳ Ｐゴシック" pitchFamily="-112" charset="-128"/>
-              </a:rPr>
-              <a:t>[Pereira&amp;Saptawijaya2016] p. 20 double and triple effect &amp;  </a:t>
-            </a:r>
-            <a:r>
-              <a:rPr lang="en-GB" sz="1200" kern="1200" dirty="0" err="1">
-                <a:solidFill>
-                  <a:schemeClr val="tx1"/>
-                </a:solidFill>
-                <a:effectLst/>
-                <a:latin typeface="Arial" pitchFamily="-112" charset="0"/>
-                <a:ea typeface="ＭＳ Ｐゴシック" pitchFamily="-112" charset="-128"/>
-                <a:cs typeface="ＭＳ Ｐゴシック" pitchFamily="-112" charset="-128"/>
-              </a:rPr>
-              <a:t>trolly</a:t>
-            </a:r>
-            <a:r>
-              <a:rPr lang="en-GB" sz="1200" kern="1200" dirty="0">
-                <a:solidFill>
-                  <a:schemeClr val="tx1"/>
-                </a:solidFill>
-                <a:effectLst/>
-                <a:latin typeface="Arial" pitchFamily="-112" charset="0"/>
-                <a:ea typeface="ＭＳ Ｐゴシック" pitchFamily="-112" charset="-128"/>
-                <a:cs typeface="ＭＳ Ｐゴシック" pitchFamily="-112" charset="-128"/>
-              </a:rPr>
-              <a:t> problem </a:t>
-            </a:r>
-          </a:p>
-          <a:p>
-            <a:r>
-              <a:rPr lang="en-GB" sz="1200" kern="1200" dirty="0">
-                <a:solidFill>
-                  <a:schemeClr val="tx1"/>
-                </a:solidFill>
-                <a:effectLst/>
-                <a:latin typeface="Arial" pitchFamily="-112" charset="0"/>
-                <a:ea typeface="ＭＳ Ｐゴシック" pitchFamily="-112" charset="-128"/>
-                <a:cs typeface="ＭＳ Ｐゴシック" pitchFamily="-112" charset="-128"/>
-              </a:rPr>
-              <a:t> [Kizza2013] Chapter 3 Ethics </a:t>
-            </a:r>
-            <a:r>
-              <a:rPr lang="en-GB" sz="1200" kern="1200" dirty="0" err="1">
-                <a:solidFill>
-                  <a:schemeClr val="tx1"/>
-                </a:solidFill>
-                <a:effectLst/>
-                <a:latin typeface="Arial" pitchFamily="-112" charset="0"/>
-                <a:ea typeface="ＭＳ Ｐゴシック" pitchFamily="-112" charset="-128"/>
-                <a:cs typeface="ＭＳ Ｐゴシック" pitchFamily="-112" charset="-128"/>
-              </a:rPr>
-              <a:t>abd</a:t>
-            </a:r>
-            <a:r>
-              <a:rPr lang="en-GB" sz="1200" kern="1200" dirty="0">
-                <a:solidFill>
-                  <a:schemeClr val="tx1"/>
-                </a:solidFill>
-                <a:effectLst/>
-                <a:latin typeface="Arial" pitchFamily="-112" charset="0"/>
-                <a:ea typeface="ＭＳ Ｐゴシック" pitchFamily="-112" charset="-128"/>
-                <a:cs typeface="ＭＳ Ｐゴシック" pitchFamily="-112" charset="-128"/>
-              </a:rPr>
-              <a:t> </a:t>
-            </a:r>
-            <a:r>
-              <a:rPr lang="en-GB" sz="1200" kern="1200" dirty="0" err="1">
-                <a:solidFill>
-                  <a:schemeClr val="tx1"/>
-                </a:solidFill>
-                <a:effectLst/>
-                <a:latin typeface="Arial" pitchFamily="-112" charset="0"/>
-                <a:ea typeface="ＭＳ Ｐゴシック" pitchFamily="-112" charset="-128"/>
-                <a:cs typeface="ＭＳ Ｐゴシック" pitchFamily="-112" charset="-128"/>
-              </a:rPr>
-              <a:t>Ethecial</a:t>
-            </a:r>
-            <a:r>
-              <a:rPr lang="en-GB" sz="1200" kern="1200" dirty="0">
-                <a:solidFill>
-                  <a:schemeClr val="tx1"/>
-                </a:solidFill>
-                <a:effectLst/>
-                <a:latin typeface="Arial" pitchFamily="-112" charset="0"/>
-                <a:ea typeface="ＭＳ Ｐゴシック" pitchFamily="-112" charset="-128"/>
-                <a:cs typeface="ＭＳ Ｐゴシック" pitchFamily="-112" charset="-128"/>
-              </a:rPr>
-              <a:t> Analysis</a:t>
-            </a:r>
-          </a:p>
-          <a:p>
-            <a:r>
-              <a:rPr lang="en-GB" sz="1200" kern="1200" dirty="0">
-                <a:solidFill>
-                  <a:schemeClr val="tx1"/>
-                </a:solidFill>
-                <a:effectLst/>
-                <a:latin typeface="Arial" pitchFamily="-112" charset="0"/>
-                <a:ea typeface="ＭＳ Ｐゴシック" pitchFamily="-112" charset="-128"/>
-                <a:cs typeface="ＭＳ Ｐゴシック" pitchFamily="-112" charset="-128"/>
-              </a:rPr>
-              <a:t>[Reynolds2009] p. 19; overview</a:t>
-            </a:r>
-          </a:p>
-          <a:p>
-            <a:pPr eaLnBrk="1" hangingPunct="1"/>
-            <a:endParaRPr lang="de-DE" dirty="0">
-              <a:latin typeface="Arial" pitchFamily="-106" charset="0"/>
-              <a:ea typeface="ＭＳ Ｐゴシック" pitchFamily="-106" charset="-128"/>
-              <a:cs typeface="ＭＳ Ｐゴシック" pitchFamily="-106" charset="-128"/>
-            </a:endParaRPr>
+            <a:endParaRPr lang="en-US"/>
           </a:p>
         </p:txBody>
       </p:sp>
     </p:spTree>
     <p:extLst>
       <p:ext uri="{BB962C8B-B14F-4D97-AF65-F5344CB8AC3E}">
-        <p14:creationId xmlns:p14="http://schemas.microsoft.com/office/powerpoint/2010/main" val="482810059"/>
+        <p14:creationId xmlns:p14="http://schemas.microsoft.com/office/powerpoint/2010/main" val="407264444"/>
       </p:ext>
     </p:extLst>
   </p:cSld>
@@ -4232,7 +4346,7 @@
     </p:spTree>
     <p:extLst>
       <p:ext uri="{BB962C8B-B14F-4D97-AF65-F5344CB8AC3E}">
-        <p14:creationId xmlns:p14="http://schemas.microsoft.com/office/powerpoint/2010/main" val="338880646"/>
+        <p14:creationId xmlns:p14="http://schemas.microsoft.com/office/powerpoint/2010/main" val="482810059"/>
       </p:ext>
     </p:extLst>
   </p:cSld>
@@ -4499,7 +4613,7 @@
     </p:spTree>
     <p:extLst>
       <p:ext uri="{BB962C8B-B14F-4D97-AF65-F5344CB8AC3E}">
-        <p14:creationId xmlns:p14="http://schemas.microsoft.com/office/powerpoint/2010/main" val="1624978405"/>
+        <p14:creationId xmlns:p14="http://schemas.microsoft.com/office/powerpoint/2010/main" val="338880646"/>
       </p:ext>
     </p:extLst>
   </p:cSld>
@@ -4766,7 +4880,7 @@
     </p:spTree>
     <p:extLst>
       <p:ext uri="{BB962C8B-B14F-4D97-AF65-F5344CB8AC3E}">
-        <p14:creationId xmlns:p14="http://schemas.microsoft.com/office/powerpoint/2010/main" val="959768049"/>
+        <p14:creationId xmlns:p14="http://schemas.microsoft.com/office/powerpoint/2010/main" val="1624978405"/>
       </p:ext>
     </p:extLst>
   </p:cSld>
@@ -5033,7 +5147,7 @@
     </p:spTree>
     <p:extLst>
       <p:ext uri="{BB962C8B-B14F-4D97-AF65-F5344CB8AC3E}">
-        <p14:creationId xmlns:p14="http://schemas.microsoft.com/office/powerpoint/2010/main" val="11614763"/>
+        <p14:creationId xmlns:p14="http://schemas.microsoft.com/office/powerpoint/2010/main" val="959768049"/>
       </p:ext>
     </p:extLst>
   </p:cSld>
@@ -5295,41 +5409,12 @@
               <a:cs typeface="ＭＳ Ｐゴシック" pitchFamily="-106" charset="-128"/>
             </a:endParaRPr>
           </a:p>
-          <a:p>
-            <a:pPr eaLnBrk="1" hangingPunct="1"/>
-            <a:r>
-              <a:rPr lang="en-US" sz="1200" dirty="0">
-                <a:ea typeface="ＭＳ Ｐゴシック" pitchFamily="-106" charset="-128"/>
-                <a:cs typeface="ＭＳ Ｐゴシック" pitchFamily="-106" charset="-128"/>
-              </a:rPr>
-              <a:t>ought =</a:t>
-            </a:r>
-            <a:r>
-              <a:rPr lang="en-US" sz="1200" baseline="0" dirty="0">
-                <a:ea typeface="ＭＳ Ｐゴシック" pitchFamily="-106" charset="-128"/>
-                <a:cs typeface="ＭＳ Ｐゴシック" pitchFamily="-106" charset="-128"/>
-              </a:rPr>
-              <a:t> </a:t>
-            </a:r>
-            <a:r>
-              <a:rPr lang="en-US" sz="1200" baseline="0" dirty="0" err="1">
-                <a:ea typeface="ＭＳ Ｐゴシック" pitchFamily="-106" charset="-128"/>
-                <a:cs typeface="ＭＳ Ｐゴシック" pitchFamily="-106" charset="-128"/>
-              </a:rPr>
-              <a:t>müssen</a:t>
-            </a:r>
-            <a:endParaRPr lang="de-DE" dirty="0">
-              <a:latin typeface="Arial" pitchFamily="-106" charset="0"/>
-              <a:ea typeface="ＭＳ Ｐゴシック" pitchFamily="-106" charset="-128"/>
-              <a:cs typeface="ＭＳ Ｐゴシック" pitchFamily="-106" charset="-128"/>
-            </a:endParaRPr>
-          </a:p>
         </p:txBody>
       </p:sp>
     </p:spTree>
     <p:extLst>
       <p:ext uri="{BB962C8B-B14F-4D97-AF65-F5344CB8AC3E}">
-        <p14:creationId xmlns:p14="http://schemas.microsoft.com/office/powerpoint/2010/main" val="1201043949"/>
+        <p14:creationId xmlns:p14="http://schemas.microsoft.com/office/powerpoint/2010/main" val="11614763"/>
       </p:ext>
     </p:extLst>
   </p:cSld>
@@ -7063,7 +7148,7 @@
           <a:p>
             <a:fld id="{3E31344D-F2C8-4FF6-8877-1B13E96E243A}" type="datetimeFigureOut">
               <a:rPr lang="en-US" smtClean="0"/>
-              <a:t>11/19/2021</a:t>
+              <a:t>1/13/2022</a:t>
             </a:fld>
             <a:endParaRPr lang="en-US"/>
           </a:p>
@@ -7352,7 +7437,7 @@
           <a:p>
             <a:fld id="{3E31344D-F2C8-4FF6-8877-1B13E96E243A}" type="datetimeFigureOut">
               <a:rPr lang="en-US" smtClean="0"/>
-              <a:t>11/19/2021</a:t>
+              <a:t>1/13/2022</a:t>
             </a:fld>
             <a:endParaRPr lang="en-US"/>
           </a:p>
@@ -7641,7 +7726,7 @@
           <a:p>
             <a:fld id="{3E31344D-F2C8-4FF6-8877-1B13E96E243A}" type="datetimeFigureOut">
               <a:rPr lang="en-US" smtClean="0"/>
-              <a:t>11/19/2021</a:t>
+              <a:t>1/13/2022</a:t>
             </a:fld>
             <a:endParaRPr lang="en-US"/>
           </a:p>
@@ -7930,7 +8015,7 @@
           <a:p>
             <a:fld id="{3E31344D-F2C8-4FF6-8877-1B13E96E243A}" type="datetimeFigureOut">
               <a:rPr lang="en-US" smtClean="0"/>
-              <a:t>11/19/2021</a:t>
+              <a:t>1/13/2022</a:t>
             </a:fld>
             <a:endParaRPr lang="en-US"/>
           </a:p>
@@ -8167,7 +8252,7 @@
           <a:p>
             <a:fld id="{3E31344D-F2C8-4FF6-8877-1B13E96E243A}" type="datetimeFigureOut">
               <a:rPr lang="en-US" smtClean="0"/>
-              <a:t>11/19/2021</a:t>
+              <a:t>1/13/2022</a:t>
             </a:fld>
             <a:endParaRPr lang="en-US"/>
           </a:p>
@@ -8624,7 +8709,7 @@
           <a:p>
             <a:fld id="{3E31344D-F2C8-4FF6-8877-1B13E96E243A}" type="datetimeFigureOut">
               <a:rPr lang="en-US" smtClean="0"/>
-              <a:t>11/19/2021</a:t>
+              <a:t>1/13/2022</a:t>
             </a:fld>
             <a:endParaRPr lang="en-US"/>
           </a:p>
@@ -8815,7 +8900,7 @@
           <a:p>
             <a:fld id="{3E31344D-F2C8-4FF6-8877-1B13E96E243A}" type="datetimeFigureOut">
               <a:rPr lang="en-US" smtClean="0"/>
-              <a:t>11/19/2021</a:t>
+              <a:t>1/13/2022</a:t>
             </a:fld>
             <a:endParaRPr lang="en-US"/>
           </a:p>
@@ -9080,7 +9165,7 @@
           <a:p>
             <a:fld id="{3E31344D-F2C8-4FF6-8877-1B13E96E243A}" type="datetimeFigureOut">
               <a:rPr lang="en-US" smtClean="0"/>
-              <a:t>11/19/2021</a:t>
+              <a:t>1/13/2022</a:t>
             </a:fld>
             <a:endParaRPr lang="en-US"/>
           </a:p>
@@ -11453,7 +11538,7 @@
           <a:p>
             <a:fld id="{3E31344D-F2C8-4FF6-8877-1B13E96E243A}" type="datetimeFigureOut">
               <a:rPr lang="en-US" smtClean="0"/>
-              <a:t>11/19/2021</a:t>
+              <a:t>1/13/2022</a:t>
             </a:fld>
             <a:endParaRPr lang="en-US"/>
           </a:p>
@@ -11703,7 +11788,7 @@
           <a:p>
             <a:fld id="{3E31344D-F2C8-4FF6-8877-1B13E96E243A}" type="datetimeFigureOut">
               <a:rPr lang="en-US" smtClean="0"/>
-              <a:t>11/19/2021</a:t>
+              <a:t>1/13/2022</a:t>
             </a:fld>
             <a:endParaRPr lang="en-US"/>
           </a:p>
@@ -12089,7 +12174,7 @@
           <a:p>
             <a:fld id="{3E31344D-F2C8-4FF6-8877-1B13E96E243A}" type="datetimeFigureOut">
               <a:rPr lang="en-US" smtClean="0"/>
-              <a:t>11/19/2021</a:t>
+              <a:t>1/13/2022</a:t>
             </a:fld>
             <a:endParaRPr lang="en-US"/>
           </a:p>
@@ -12349,7 +12434,7 @@
           <a:p>
             <a:fld id="{3E31344D-F2C8-4FF6-8877-1B13E96E243A}" type="datetimeFigureOut">
               <a:rPr lang="en-US" smtClean="0"/>
-              <a:t>11/19/2021</a:t>
+              <a:t>1/13/2022</a:t>
             </a:fld>
             <a:endParaRPr lang="en-US"/>
           </a:p>
@@ -14788,8 +14873,8 @@
         </p:nvSpPr>
         <p:spPr>
           <a:xfrm>
-            <a:off x="207817" y="173182"/>
-            <a:ext cx="9933709" cy="576293"/>
+            <a:off x="478369" y="144001"/>
+            <a:ext cx="9169401" cy="576293"/>
           </a:xfrm>
         </p:spPr>
         <p:txBody>
@@ -14802,7 +14887,7 @@
                 <a:ea typeface="ＭＳ Ｐゴシック" pitchFamily="-106" charset="-128"/>
                 <a:cs typeface="ＭＳ Ｐゴシック" pitchFamily="-106" charset="-128"/>
               </a:rPr>
-              <a:t>Critical Questions for Non-Deductive Arguments</a:t>
+              <a:t>Deductive and Non-Deductive Arguments</a:t>
             </a:r>
             <a:endParaRPr lang="de-DE" sz="2800" b="1" dirty="0">
               <a:ea typeface="ＭＳ Ｐゴシック" pitchFamily="-106" charset="-128"/>
@@ -14853,8 +14938,8 @@
         </p:nvSpPr>
         <p:spPr>
           <a:xfrm>
-            <a:off x="339437" y="1628801"/>
-            <a:ext cx="10077740" cy="4895825"/>
+            <a:off x="415637" y="1700809"/>
+            <a:ext cx="10001540" cy="3390608"/>
           </a:xfrm>
         </p:spPr>
         <p:txBody>
@@ -14877,14 +14962,14 @@
                 <a:ea typeface="ＭＳ Ｐゴシック" pitchFamily="-106" charset="-128"/>
                 <a:cs typeface="ＭＳ Ｐゴシック" pitchFamily="-106" charset="-128"/>
               </a:rPr>
-              <a:t>Inductive Argument</a:t>
+              <a:t>Deductive Argument</a:t>
             </a:r>
             <a:r>
               <a:rPr lang="en-US" sz="2000" dirty="0">
                 <a:ea typeface="ＭＳ Ｐゴシック" pitchFamily="-106" charset="-128"/>
                 <a:cs typeface="ＭＳ Ｐゴシック" pitchFamily="-106" charset="-128"/>
               </a:rPr>
-              <a:t>: A type of non-deductive argumentation. Arguments from a particular to the general. </a:t>
+              <a:t>: An argument which has a conclusion that is enclosed in (implied by) the premises.</a:t>
             </a:r>
           </a:p>
           <a:p>
@@ -14897,94 +14982,11 @@
               <a:buChar char="◼︎"/>
             </a:pPr>
             <a:r>
-              <a:rPr lang="en-US" sz="2000" b="1" dirty="0">
-                <a:solidFill>
-                  <a:schemeClr val="accent1"/>
-                </a:solidFill>
-                <a:ea typeface="ＭＳ Ｐゴシック" pitchFamily="-106" charset="-128"/>
-                <a:cs typeface="ＭＳ Ｐゴシック" pitchFamily="-106" charset="-128"/>
-              </a:rPr>
-              <a:t>Critical Questions</a:t>
-            </a:r>
-            <a:r>
               <a:rPr lang="en-US" sz="2000" dirty="0">
                 <a:ea typeface="ＭＳ Ｐゴシック" pitchFamily="-106" charset="-128"/>
                 <a:cs typeface="ＭＳ Ｐゴシック" pitchFamily="-106" charset="-128"/>
               </a:rPr>
-              <a:t>: Questions belonging to a certain type of non-deductive argumentation to check the degree of plausibility of a conclusion. Example </a:t>
-            </a:r>
-            <a:r>
-              <a:rPr lang="en-US" sz="2000" b="1" dirty="0">
-                <a:ea typeface="ＭＳ Ｐゴシック" pitchFamily="-106" charset="-128"/>
-                <a:cs typeface="ＭＳ Ｐゴシック" pitchFamily="-106" charset="-128"/>
-              </a:rPr>
-              <a:t>critical questions </a:t>
-            </a:r>
-            <a:r>
-              <a:rPr lang="en-US" sz="2000" dirty="0">
-                <a:ea typeface="ＭＳ Ｐゴシック" pitchFamily="-106" charset="-128"/>
-                <a:cs typeface="ＭＳ Ｐゴシック" pitchFamily="-106" charset="-128"/>
-              </a:rPr>
-              <a:t>for an </a:t>
-            </a:r>
-            <a:r>
-              <a:rPr lang="en-US" sz="2000" b="1" dirty="0">
-                <a:solidFill>
-                  <a:schemeClr val="accent1"/>
-                </a:solidFill>
-                <a:ea typeface="ＭＳ Ｐゴシック" pitchFamily="-106" charset="-128"/>
-                <a:cs typeface="ＭＳ Ｐゴシック" pitchFamily="-106" charset="-128"/>
-              </a:rPr>
-              <a:t>Inductive Argument</a:t>
-            </a:r>
-            <a:r>
-              <a:rPr lang="en-US" sz="2000" dirty="0">
-                <a:ea typeface="ＭＳ Ｐゴシック" pitchFamily="-106" charset="-128"/>
-                <a:cs typeface="ＭＳ Ｐゴシック" pitchFamily="-106" charset="-128"/>
-              </a:rPr>
-              <a:t>:</a:t>
-            </a:r>
-          </a:p>
-          <a:p>
-            <a:pPr lvl="1" eaLnBrk="1" hangingPunct="1">
-              <a:buSzPct val="100000"/>
-              <a:buFont typeface="+mj-lt"/>
-              <a:buAutoNum type="arabicPeriod"/>
-            </a:pPr>
-            <a:r>
-              <a:rPr lang="en-US" sz="1800" dirty="0">
-                <a:ea typeface="ＭＳ Ｐゴシック" pitchFamily="-106" charset="-128"/>
-                <a:cs typeface="ＭＳ Ｐゴシック" pitchFamily="-106" charset="-128"/>
-              </a:rPr>
-              <a:t>Were the experiments carried out relevant for the conclusion?</a:t>
-            </a:r>
-          </a:p>
-          <a:p>
-            <a:pPr lvl="1" eaLnBrk="1" hangingPunct="1">
-              <a:buSzPct val="100000"/>
-              <a:buFont typeface="+mj-lt"/>
-              <a:buAutoNum type="arabicPeriod"/>
-            </a:pPr>
-            <a:r>
-              <a:rPr lang="en-US" sz="1800" dirty="0">
-                <a:ea typeface="ＭＳ Ｐゴシック" pitchFamily="-106" charset="-128"/>
-                <a:cs typeface="ＭＳ Ｐゴシック" pitchFamily="-106" charset="-128"/>
-              </a:rPr>
-              <a:t>Were sufficient experiments carried out to support the conclusion?</a:t>
-            </a:r>
-          </a:p>
-          <a:p>
-            <a:pPr lvl="1" eaLnBrk="1" hangingPunct="1">
-              <a:buSzPct val="100000"/>
-              <a:buFont typeface="+mj-lt"/>
-              <a:buAutoNum type="arabicPeriod"/>
-            </a:pPr>
-            <a:r>
-              <a:rPr lang="en-US" sz="1800" dirty="0">
-                <a:ea typeface="ＭＳ Ｐゴシック" pitchFamily="-106" charset="-128"/>
-                <a:cs typeface="ＭＳ Ｐゴシック" pitchFamily="-106" charset="-128"/>
-              </a:rPr>
-              <a:t>Are there no counterexamples?</a:t>
+              <a:t>Valid arguments are deductive (monotonic), but in practice we often use non-deductive (non-monotonic) arguments where the conclusion is logically stronger than the premises.</a:t>
             </a:r>
           </a:p>
           <a:p>
@@ -14996,51 +14998,81 @@
               <a:buFont typeface=".AppleSDGothicNeoI-Regular" charset="-127"/>
               <a:buChar char="◼︎"/>
             </a:pPr>
-            <a:r>
-              <a:rPr lang="en-US" sz="2000" b="1" dirty="0">
-                <a:solidFill>
-                  <a:schemeClr val="accent1"/>
-                </a:solidFill>
-                <a:ea typeface="ＭＳ Ｐゴシック" pitchFamily="-106" charset="-128"/>
-                <a:cs typeface="ＭＳ Ｐゴシック" pitchFamily="-106" charset="-128"/>
-              </a:rPr>
-              <a:t>Sound Argumentation</a:t>
-            </a:r>
-            <a:r>
-              <a:rPr lang="en-US" sz="2000" dirty="0">
-                <a:ea typeface="ＭＳ Ｐゴシック" pitchFamily="-106" charset="-128"/>
-                <a:cs typeface="ＭＳ Ｐゴシック" pitchFamily="-106" charset="-128"/>
-              </a:rPr>
-              <a:t>: An argumentation for which the corresponding critical questions can be answered positively and which therefore makes the conclusion plausible if the premises are true. </a:t>
-            </a:r>
+            <a:endParaRPr lang="en-US" sz="2000" dirty="0">
+              <a:ea typeface="ＭＳ Ｐゴシック" pitchFamily="-106" charset="-128"/>
+              <a:cs typeface="ＭＳ Ｐゴシック" pitchFamily="-106" charset="-128"/>
+            </a:endParaRPr>
           </a:p>
           <a:p>
             <a:pPr eaLnBrk="1" hangingPunct="1">
               <a:buClr>
                 <a:schemeClr val="accent1"/>
               </a:buClr>
-              <a:buSzPct val="100000"/>
-              <a:buFont typeface="Arial" charset="0"/>
-              <a:buChar char="•"/>
+              <a:buSzPct val="80000"/>
+              <a:buFont typeface=".AppleSDGothicNeoI-Regular" charset="-127"/>
+              <a:buChar char="◼︎"/>
             </a:pPr>
-            <a:endParaRPr lang="en-US" sz="2000" dirty="0">
-              <a:ea typeface="ＭＳ Ｐゴシック" pitchFamily="-106" charset="-128"/>
-              <a:cs typeface="ＭＳ Ｐゴシック" pitchFamily="-106" charset="-128"/>
-            </a:endParaRPr>
-          </a:p>
-          <a:p>
-            <a:pPr eaLnBrk="1" hangingPunct="1">
-              <a:buClr>
-                <a:schemeClr val="accent1"/>
-              </a:buClr>
-              <a:buSzPct val="100000"/>
-              <a:buFont typeface="+mj-lt"/>
-              <a:buAutoNum type="arabicPeriod"/>
-            </a:pPr>
-            <a:endParaRPr lang="en-US" sz="2000" dirty="0">
-              <a:ea typeface="ＭＳ Ｐゴシック" pitchFamily="-106" charset="-128"/>
-              <a:cs typeface="ＭＳ Ｐゴシック" pitchFamily="-106" charset="-128"/>
-            </a:endParaRPr>
+            <a:r>
+              <a:rPr lang="en-US" sz="2000" b="1" dirty="0">
+                <a:solidFill>
+                  <a:schemeClr val="accent1"/>
+                </a:solidFill>
+                <a:ea typeface="ＭＳ Ｐゴシック" pitchFamily="-106" charset="-128"/>
+                <a:cs typeface="ＭＳ Ｐゴシック" pitchFamily="-106" charset="-128"/>
+              </a:rPr>
+              <a:t>Plausibility Principle</a:t>
+            </a:r>
+            <a:r>
+              <a:rPr lang="en-US" sz="2000" dirty="0">
+                <a:ea typeface="ＭＳ Ｐゴシック" pitchFamily="-106" charset="-128"/>
+                <a:cs typeface="ＭＳ Ｐゴシック" pitchFamily="-106" charset="-128"/>
+              </a:rPr>
+              <a:t>: The principle that enumeration and supplementary argumentation in a non-deductive argumentation can make the conclusion </a:t>
+            </a:r>
+            <a:r>
+              <a:rPr lang="en-US" sz="2000" b="1" dirty="0">
+                <a:solidFill>
+                  <a:schemeClr val="accent1"/>
+                </a:solidFill>
+                <a:ea typeface="ＭＳ Ｐゴシック" pitchFamily="-106" charset="-128"/>
+                <a:cs typeface="ＭＳ Ｐゴシック" pitchFamily="-106" charset="-128"/>
+              </a:rPr>
+              <a:t>plausible</a:t>
+            </a:r>
+            <a:r>
+              <a:rPr lang="en-US" sz="2000" dirty="0">
+                <a:solidFill>
+                  <a:schemeClr val="accent1"/>
+                </a:solidFill>
+                <a:ea typeface="ＭＳ Ｐゴシック" pitchFamily="-106" charset="-128"/>
+                <a:cs typeface="ＭＳ Ｐゴシック" pitchFamily="-106" charset="-128"/>
+              </a:rPr>
+              <a:t> </a:t>
+            </a:r>
+            <a:r>
+              <a:rPr lang="en-US" sz="2000" dirty="0">
+                <a:ea typeface="ＭＳ Ｐゴシック" pitchFamily="-106" charset="-128"/>
+                <a:cs typeface="ＭＳ Ｐゴシック" pitchFamily="-106" charset="-128"/>
+              </a:rPr>
+              <a:t>(</a:t>
+            </a:r>
+            <a:r>
+              <a:rPr lang="en-US" sz="2000" b="1" dirty="0">
+                <a:solidFill>
+                  <a:schemeClr val="accent1"/>
+                </a:solidFill>
+                <a:ea typeface="ＭＳ Ｐゴシック" pitchFamily="-106" charset="-128"/>
+                <a:cs typeface="ＭＳ Ｐゴシック" pitchFamily="-106" charset="-128"/>
+              </a:rPr>
+              <a:t>acceptable</a:t>
+            </a:r>
+            <a:r>
+              <a:rPr lang="en-US" sz="2000" dirty="0">
+                <a:ea typeface="ＭＳ Ｐゴシック" pitchFamily="-106" charset="-128"/>
+                <a:cs typeface="ＭＳ Ｐゴシック" pitchFamily="-106" charset="-128"/>
+              </a:rPr>
+              <a:t>). </a:t>
+            </a:r>
           </a:p>
         </p:txBody>
       </p:sp>
@@ -15081,7 +15113,7 @@
         </p:nvSpPr>
         <p:spPr>
           <a:xfrm>
-            <a:off x="7390510" y="819806"/>
+            <a:off x="7418219" y="1025885"/>
             <a:ext cx="2835007" cy="369332"/>
           </a:xfrm>
           <a:prstGeom prst="rect">
@@ -15110,7 +15142,7 @@
     </p:spTree>
     <p:extLst>
       <p:ext uri="{BB962C8B-B14F-4D97-AF65-F5344CB8AC3E}">
-        <p14:creationId xmlns:p14="http://schemas.microsoft.com/office/powerpoint/2010/main" val="704944735"/>
+        <p14:creationId xmlns:p14="http://schemas.microsoft.com/office/powerpoint/2010/main" val="68387372"/>
       </p:ext>
     </p:extLst>
   </p:cSld>
@@ -15149,8 +15181,8 @@
         </p:nvSpPr>
         <p:spPr>
           <a:xfrm>
-            <a:off x="2243138" y="0"/>
-            <a:ext cx="6301134" cy="1136650"/>
+            <a:off x="207817" y="173182"/>
+            <a:ext cx="9933709" cy="576293"/>
           </a:xfrm>
         </p:spPr>
         <p:txBody>
@@ -15159,13 +15191,13 @@
           <a:p>
             <a:pPr eaLnBrk="1" hangingPunct="1"/>
             <a:r>
-              <a:rPr lang="en-US" sz="3600" b="1" dirty="0">
+              <a:rPr lang="en-US" sz="2800" b="1" dirty="0">
                 <a:ea typeface="ＭＳ Ｐゴシック" pitchFamily="-106" charset="-128"/>
                 <a:cs typeface="ＭＳ Ｐゴシック" pitchFamily="-106" charset="-128"/>
               </a:rPr>
-              <a:t>Types of Arguments</a:t>
-            </a:r>
-            <a:endParaRPr lang="de-DE" sz="3600" b="1" dirty="0">
+              <a:t>Critical Questions for Non-Deductive Arguments</a:t>
+            </a:r>
+            <a:endParaRPr lang="de-DE" sz="2800" b="1" dirty="0">
               <a:ea typeface="ＭＳ Ｐゴシック" pitchFamily="-106" charset="-128"/>
               <a:cs typeface="ＭＳ Ｐゴシック" pitchFamily="-106" charset="-128"/>
             </a:endParaRPr>
@@ -15214,8 +15246,8 @@
         </p:nvSpPr>
         <p:spPr>
           <a:xfrm>
-            <a:off x="228602" y="1194857"/>
-            <a:ext cx="10015394" cy="4895825"/>
+            <a:off x="339437" y="1628801"/>
+            <a:ext cx="10077740" cy="4895825"/>
           </a:xfrm>
         </p:spPr>
         <p:txBody>
@@ -15238,56 +15270,14 @@
                 <a:ea typeface="ＭＳ Ｐゴシック" pitchFamily="-106" charset="-128"/>
                 <a:cs typeface="ＭＳ Ｐゴシック" pitchFamily="-106" charset="-128"/>
               </a:rPr>
-              <a:t>Argumentation by Analogy</a:t>
+              <a:t>Inductive Argument</a:t>
             </a:r>
             <a:r>
               <a:rPr lang="en-US" sz="2000" dirty="0">
                 <a:ea typeface="ＭＳ Ｐゴシック" pitchFamily="-106" charset="-128"/>
                 <a:cs typeface="ＭＳ Ｐゴシック" pitchFamily="-106" charset="-128"/>
               </a:rPr>
-              <a:t>: A type of non-deductive argumentation. An argumentation based on comparison with another situation in which the judgment is clear. The judgement is supposed also to apply to the analogous situation. </a:t>
-            </a:r>
-            <a:r>
-              <a:rPr lang="en-US" sz="2000" b="1" dirty="0">
-                <a:ea typeface="ＭＳ Ｐゴシック" pitchFamily="-106" charset="-128"/>
-                <a:cs typeface="ＭＳ Ｐゴシック" pitchFamily="-106" charset="-128"/>
-              </a:rPr>
-              <a:t>Critical questions</a:t>
-            </a:r>
-            <a:r>
-              <a:rPr lang="en-US" sz="2000" dirty="0">
-                <a:ea typeface="ＭＳ Ｐゴシック" pitchFamily="-106" charset="-128"/>
-                <a:cs typeface="ＭＳ Ｐゴシック" pitchFamily="-106" charset="-128"/>
-              </a:rPr>
-              <a:t>:</a:t>
-            </a:r>
-          </a:p>
-          <a:p>
-            <a:pPr lvl="1" eaLnBrk="1" hangingPunct="1">
-              <a:buSzPct val="100000"/>
-              <a:buFont typeface="+mj-lt"/>
-              <a:buAutoNum type="arabicPeriod"/>
-            </a:pPr>
-            <a:r>
-              <a:rPr lang="en-US" sz="1800" dirty="0">
-                <a:ea typeface="ＭＳ Ｐゴシック" pitchFamily="-106" charset="-128"/>
-                <a:cs typeface="ＭＳ Ｐゴシック" pitchFamily="-106" charset="-128"/>
-              </a:rPr>
-              <a:t>Are the two situations really comparable?</a:t>
-            </a:r>
-          </a:p>
-          <a:p>
-            <a:pPr lvl="1" eaLnBrk="1" hangingPunct="1">
-              <a:buSzPct val="100000"/>
-              <a:buFont typeface="+mj-lt"/>
-              <a:buAutoNum type="arabicPeriod"/>
-            </a:pPr>
-            <a:r>
-              <a:rPr lang="en-US" sz="1800" dirty="0">
-                <a:ea typeface="ＭＳ Ｐゴシック" pitchFamily="-106" charset="-128"/>
-                <a:cs typeface="ＭＳ Ｐゴシック" pitchFamily="-106" charset="-128"/>
-              </a:rPr>
-              <a:t>Is the judgement for the analogous situation really clear?</a:t>
+              <a:t>: A type of non-deductive argumentation. Arguments from a particular to the general. </a:t>
             </a:r>
           </a:p>
           <a:p>
@@ -15307,32 +15297,49 @@
                 <a:ea typeface="ＭＳ Ｐゴシック" pitchFamily="-106" charset="-128"/>
                 <a:cs typeface="ＭＳ Ｐゴシック" pitchFamily="-106" charset="-128"/>
               </a:rPr>
-              <a:t>Means-end Argumentation</a:t>
+              <a:t>Critical Questions</a:t>
             </a:r>
             <a:r>
               <a:rPr lang="en-US" sz="2000" dirty="0">
                 <a:ea typeface="ＭＳ Ｐゴシック" pitchFamily="-106" charset="-128"/>
                 <a:cs typeface="ＭＳ Ｐゴシック" pitchFamily="-106" charset="-128"/>
               </a:rPr>
-              <a:t>: A type of non-deductive argumentation. An argumentation in which from a given end the means is derived to realize the end. </a:t>
+              <a:t>: Questions belonging to a certain type of non-deductive argumentation to check the degree of plausibility of a conclusion. Example </a:t>
             </a:r>
             <a:r>
               <a:rPr lang="en-US" sz="2000" b="1" dirty="0">
                 <a:ea typeface="ＭＳ Ｐゴシック" pitchFamily="-106" charset="-128"/>
                 <a:cs typeface="ＭＳ Ｐゴシック" pitchFamily="-106" charset="-128"/>
               </a:rPr>
-              <a:t>Critical questions</a:t>
+              <a:t>critical questions </a:t>
             </a:r>
             <a:r>
               <a:rPr lang="en-US" sz="2000" dirty="0">
                 <a:ea typeface="ＭＳ Ｐゴシック" pitchFamily="-106" charset="-128"/>
                 <a:cs typeface="ＭＳ Ｐゴシック" pitchFamily="-106" charset="-128"/>
               </a:rPr>
+              <a:t>for an </a:t>
+            </a:r>
+            <a:r>
+              <a:rPr lang="en-US" sz="2000" b="1" dirty="0">
+                <a:solidFill>
+                  <a:schemeClr val="accent1"/>
+                </a:solidFill>
+                <a:ea typeface="ＭＳ Ｐゴシック" pitchFamily="-106" charset="-128"/>
+                <a:cs typeface="ＭＳ Ｐゴシック" pitchFamily="-106" charset="-128"/>
+              </a:rPr>
+              <a:t>Inductive Argument</a:t>
+            </a:r>
+            <a:r>
+              <a:rPr lang="en-US" sz="2000" dirty="0">
+                <a:ea typeface="ＭＳ Ｐゴシック" pitchFamily="-106" charset="-128"/>
+                <a:cs typeface="ＭＳ Ｐゴシック" pitchFamily="-106" charset="-128"/>
+              </a:rPr>
               <a:t>:</a:t>
             </a:r>
           </a:p>
           <a:p>
-            <a:pPr marL="447675" lvl="1" indent="-268288">
+            <a:pPr lvl="1" eaLnBrk="1" hangingPunct="1">
               <a:buSzPct val="100000"/>
               <a:buFont typeface="+mj-lt"/>
               <a:buAutoNum type="arabicPeriod"/>
@@ -15342,70 +15349,73 @@
                 <a:ea typeface="ＭＳ Ｐゴシック" pitchFamily="-106" charset="-128"/>
                 <a:cs typeface="ＭＳ Ｐゴシック" pitchFamily="-106" charset="-128"/>
               </a:rPr>
-              <a:t>Does the mean realize the end?  </a:t>
-            </a:r>
-            <a:r>
-              <a:rPr lang="en-US" sz="1800" dirty="0">
-                <a:solidFill>
-                  <a:schemeClr val="accent1"/>
-                </a:solidFill>
-                <a:ea typeface="ＭＳ Ｐゴシック" pitchFamily="-106" charset="-128"/>
-                <a:cs typeface="ＭＳ Ｐゴシック" pitchFamily="-106" charset="-128"/>
-              </a:rPr>
-              <a:t>2. </a:t>
-            </a:r>
+              <a:t>Were the experiments carried out relevant for the conclusion?</a:t>
+            </a:r>
+          </a:p>
+          <a:p>
+            <a:pPr lvl="1" eaLnBrk="1" hangingPunct="1">
+              <a:buSzPct val="100000"/>
+              <a:buFont typeface="+mj-lt"/>
+              <a:buAutoNum type="arabicPeriod"/>
+            </a:pPr>
             <a:r>
               <a:rPr lang="en-US" sz="1800" dirty="0">
                 <a:ea typeface="ＭＳ Ｐゴシック" pitchFamily="-106" charset="-128"/>
                 <a:cs typeface="ＭＳ Ｐゴシック" pitchFamily="-106" charset="-128"/>
               </a:rPr>
-              <a:t>Can the means be carried out?</a:t>
-            </a:r>
-          </a:p>
-          <a:p>
-            <a:pPr marL="447675" lvl="1" indent="-268288">
+              <a:t>Were sufficient experiments carried out to support the conclusion?</a:t>
+            </a:r>
+          </a:p>
+          <a:p>
+            <a:pPr lvl="1" eaLnBrk="1" hangingPunct="1">
               <a:buSzPct val="100000"/>
               <a:buFont typeface="+mj-lt"/>
-              <a:buAutoNum type="arabicPeriod" startAt="3"/>
+              <a:buAutoNum type="arabicPeriod"/>
             </a:pPr>
             <a:r>
               <a:rPr lang="en-US" sz="1800" dirty="0">
                 <a:ea typeface="ＭＳ Ｐゴシック" pitchFamily="-106" charset="-128"/>
                 <a:cs typeface="ＭＳ Ｐゴシック" pitchFamily="-106" charset="-128"/>
               </a:rPr>
-              <a:t>Are there any side effects?        </a:t>
-            </a:r>
-            <a:r>
-              <a:rPr lang="en-US" sz="1800" dirty="0">
+              <a:t>Are there no counterexamples?</a:t>
+            </a:r>
+          </a:p>
+          <a:p>
+            <a:pPr eaLnBrk="1" hangingPunct="1">
+              <a:buClr>
+                <a:schemeClr val="accent1"/>
+              </a:buClr>
+              <a:buSzPct val="80000"/>
+              <a:buFont typeface=".AppleSDGothicNeoI-Regular" charset="-127"/>
+              <a:buChar char="◼︎"/>
+            </a:pPr>
+            <a:r>
+              <a:rPr lang="en-US" sz="2000" b="1" dirty="0">
                 <a:solidFill>
                   <a:schemeClr val="accent1"/>
                 </a:solidFill>
                 <a:ea typeface="ＭＳ Ｐゴシック" pitchFamily="-106" charset="-128"/>
                 <a:cs typeface="ＭＳ Ｐゴシック" pitchFamily="-106" charset="-128"/>
               </a:rPr>
-              <a:t>5. </a:t>
-            </a:r>
-            <a:r>
-              <a:rPr lang="en-US" sz="1800" dirty="0">
+              <a:t>Sound Argumentation</a:t>
+            </a:r>
+            <a:r>
+              <a:rPr lang="en-US" sz="2000" dirty="0">
                 <a:ea typeface="ＭＳ Ｐゴシック" pitchFamily="-106" charset="-128"/>
                 <a:cs typeface="ＭＳ Ｐゴシック" pitchFamily="-106" charset="-128"/>
               </a:rPr>
-              <a:t>Is the end acceptable?</a:t>
-            </a:r>
-          </a:p>
-          <a:p>
-            <a:pPr marL="447675" lvl="1" indent="-268288">
+              <a:t>: An argumentation for which the corresponding critical questions can be answered positively and which therefore makes the conclusion plausible if the premises are true. </a:t>
+            </a:r>
+          </a:p>
+          <a:p>
+            <a:pPr eaLnBrk="1" hangingPunct="1">
+              <a:buClr>
+                <a:schemeClr val="accent1"/>
+              </a:buClr>
               <a:buSzPct val="100000"/>
-              <a:buFont typeface="+mj-lt"/>
-              <a:buAutoNum type="arabicPeriod" startAt="3"/>
+              <a:buFont typeface="Arial" charset="0"/>
+              <a:buChar char="•"/>
             </a:pPr>
-            <a:r>
-              <a:rPr lang="en-US" sz="1800" dirty="0">
-                <a:ea typeface="ＭＳ Ｐゴシック" pitchFamily="-106" charset="-128"/>
-                <a:cs typeface="ＭＳ Ｐゴシック" pitchFamily="-106" charset="-128"/>
-              </a:rPr>
-              <a:t>Are there better means to achieve the end?</a:t>
-            </a:r>
             <a:endParaRPr lang="en-US" sz="2000" dirty="0">
               <a:ea typeface="ＭＳ Ｐゴシック" pitchFamily="-106" charset="-128"/>
               <a:cs typeface="ＭＳ Ｐゴシック" pitchFamily="-106" charset="-128"/>
@@ -15464,7 +15474,7 @@
         </p:nvSpPr>
         <p:spPr>
           <a:xfrm>
-            <a:off x="7258892" y="767318"/>
+            <a:off x="7390510" y="819806"/>
             <a:ext cx="2835007" cy="369332"/>
           </a:xfrm>
           <a:prstGeom prst="rect">
@@ -15493,7 +15503,7 @@
     </p:spTree>
     <p:extLst>
       <p:ext uri="{BB962C8B-B14F-4D97-AF65-F5344CB8AC3E}">
-        <p14:creationId xmlns:p14="http://schemas.microsoft.com/office/powerpoint/2010/main" val="753063968"/>
+        <p14:creationId xmlns:p14="http://schemas.microsoft.com/office/powerpoint/2010/main" val="704944735"/>
       </p:ext>
     </p:extLst>
   </p:cSld>
@@ -15597,8 +15607,8 @@
         </p:nvSpPr>
         <p:spPr>
           <a:xfrm>
-            <a:off x="358299" y="1281138"/>
-            <a:ext cx="10070812" cy="4895825"/>
+            <a:off x="228602" y="1194857"/>
+            <a:ext cx="10015394" cy="4895825"/>
           </a:xfrm>
         </p:spPr>
         <p:txBody>
@@ -15614,31 +15624,31 @@
               <a:buChar char="◼︎"/>
             </a:pPr>
             <a:r>
-              <a:rPr lang="en-US" sz="1800" b="1" dirty="0">
+              <a:rPr lang="en-US" sz="2000" b="1" dirty="0">
                 <a:solidFill>
                   <a:schemeClr val="accent1"/>
                 </a:solidFill>
                 <a:ea typeface="ＭＳ Ｐゴシック" pitchFamily="-106" charset="-128"/>
                 <a:cs typeface="ＭＳ Ｐゴシック" pitchFamily="-106" charset="-128"/>
               </a:rPr>
-              <a:t>Causality Argumentation</a:t>
-            </a:r>
-            <a:r>
-              <a:rPr lang="en-US" sz="1800" dirty="0">
+              <a:t>Argumentation by Analogy</a:t>
+            </a:r>
+            <a:r>
+              <a:rPr lang="en-US" sz="2000" dirty="0">
                 <a:ea typeface="ＭＳ Ｐゴシック" pitchFamily="-106" charset="-128"/>
                 <a:cs typeface="ＭＳ Ｐゴシック" pitchFamily="-106" charset="-128"/>
               </a:rPr>
-              <a:t>: A type of non-deductive argumentation. An argumentation in which an expected consequence is derived from certain actions. </a:t>
-            </a:r>
-            <a:r>
-              <a:rPr lang="en-US" sz="1800" b="1" dirty="0">
+              <a:t>: A type of non-deductive argumentation. An argumentation based on comparison with another situation in which the judgment is clear. The judgement is supposed also to apply to the analogous situation. </a:t>
+            </a:r>
+            <a:r>
+              <a:rPr lang="en-US" sz="2000" b="1" dirty="0">
                 <a:ea typeface="ＭＳ Ｐゴシック" pitchFamily="-106" charset="-128"/>
                 <a:cs typeface="ＭＳ Ｐゴシック" pitchFamily="-106" charset="-128"/>
               </a:rPr>
               <a:t>Critical questions</a:t>
             </a:r>
             <a:r>
-              <a:rPr lang="en-US" sz="1800" dirty="0">
+              <a:rPr lang="en-US" sz="2000" dirty="0">
                 <a:ea typeface="ＭＳ Ｐゴシック" pitchFamily="-106" charset="-128"/>
                 <a:cs typeface="ＭＳ Ｐゴシック" pitchFamily="-106" charset="-128"/>
               </a:rPr>
@@ -15652,11 +15662,11 @@
               <a:buAutoNum type="arabicPeriod"/>
             </a:pPr>
             <a:r>
-              <a:rPr lang="en-US" sz="1600" dirty="0">
+              <a:rPr lang="en-US" sz="1800" dirty="0">
                 <a:ea typeface="ＭＳ Ｐゴシック" pitchFamily="-106" charset="-128"/>
                 <a:cs typeface="ＭＳ Ｐゴシック" pitchFamily="-106" charset="-128"/>
               </a:rPr>
-              <a:t>Will the given situation or action indeed lead to the expected consequence?</a:t>
+              <a:t>Are the two situations really comparable?</a:t>
             </a:r>
           </a:p>
           <a:p>
@@ -15666,25 +15676,11 @@
               <a:buAutoNum type="arabicPeriod"/>
             </a:pPr>
             <a:r>
-              <a:rPr lang="en-US" sz="1600" dirty="0">
+              <a:rPr lang="en-US" sz="1800" dirty="0">
                 <a:ea typeface="ＭＳ Ｐゴシック" pitchFamily="-106" charset="-128"/>
                 <a:cs typeface="ＭＳ Ｐゴシック" pitchFamily="-106" charset="-128"/>
               </a:rPr>
-              <a:t>Have no issues be forgotten, for example, with respect to the expected consequences?</a:t>
-            </a:r>
-          </a:p>
-          <a:p>
-            <a:pPr lvl="1" eaLnBrk="1" hangingPunct="1">
-              <a:buSzPct val="100000"/>
-              <a:buFont typeface="+mj-lt"/>
-              <a:buAutoNum type="arabicPeriod"/>
-            </a:pPr>
-            <a:r>
-              <a:rPr lang="en-US" sz="1600" dirty="0">
-                <a:ea typeface="ＭＳ Ｐゴシック" pitchFamily="-106" charset="-128"/>
-                <a:cs typeface="ＭＳ Ｐゴシック" pitchFamily="-106" charset="-128"/>
-              </a:rPr>
-              <a:t>How do you determine the expected consequences and can it be justified?</a:t>
+              <a:t>Is the judgement for the analogous situation really clear?</a:t>
             </a:r>
           </a:p>
           <a:p>
@@ -15697,31 +15693,31 @@
               <a:buChar char="◼︎"/>
             </a:pPr>
             <a:r>
-              <a:rPr lang="en-US" sz="1800" b="1" dirty="0">
+              <a:rPr lang="en-US" sz="2000" b="1" dirty="0">
                 <a:solidFill>
                   <a:schemeClr val="accent1"/>
                 </a:solidFill>
                 <a:ea typeface="ＭＳ Ｐゴシック" pitchFamily="-106" charset="-128"/>
                 <a:cs typeface="ＭＳ Ｐゴシック" pitchFamily="-106" charset="-128"/>
               </a:rPr>
-              <a:t>Proof of the absurd</a:t>
-            </a:r>
-            <a:r>
-              <a:rPr lang="en-US" sz="1800" dirty="0">
+              <a:t>Means-end Argumentation</a:t>
+            </a:r>
+            <a:r>
+              <a:rPr lang="en-US" sz="2000" dirty="0">
                 <a:ea typeface="ＭＳ Ｐゴシック" pitchFamily="-106" charset="-128"/>
                 <a:cs typeface="ＭＳ Ｐゴシック" pitchFamily="-106" charset="-128"/>
               </a:rPr>
-              <a:t>: A type of deductive argumentation. An argumentation in which a certain proposition is proved by showing that the negation of the proposition leads to a contradiction. </a:t>
-            </a:r>
-            <a:r>
-              <a:rPr lang="en-US" sz="1800" b="1" dirty="0">
+              <a:t>: A type of non-deductive argumentation. An argumentation in which from a given end the means is derived to realize the end. </a:t>
+            </a:r>
+            <a:r>
+              <a:rPr lang="en-US" sz="2000" b="1" dirty="0">
                 <a:ea typeface="ＭＳ Ｐゴシック" pitchFamily="-106" charset="-128"/>
                 <a:cs typeface="ＭＳ Ｐゴシック" pitchFamily="-106" charset="-128"/>
               </a:rPr>
               <a:t>Critical questions</a:t>
             </a:r>
             <a:r>
-              <a:rPr lang="en-US" sz="1800" dirty="0">
+              <a:rPr lang="en-US" sz="2000" dirty="0">
                 <a:ea typeface="ＭＳ Ｐゴシック" pitchFamily="-106" charset="-128"/>
                 <a:cs typeface="ＭＳ Ｐゴシック" pitchFamily="-106" charset="-128"/>
               </a:rPr>
@@ -15735,26 +15731,78 @@
               <a:buAutoNum type="arabicPeriod"/>
             </a:pPr>
             <a:r>
-              <a:rPr lang="en-US" sz="1600" dirty="0">
+              <a:rPr lang="en-US" sz="1800" dirty="0">
                 <a:ea typeface="ＭＳ Ｐゴシック" pitchFamily="-106" charset="-128"/>
                 <a:cs typeface="ＭＳ Ｐゴシック" pitchFamily="-106" charset="-128"/>
               </a:rPr>
-              <a:t>Does assuming the proposition indeed lead to an inconsistency?</a:t>
+              <a:t>Does the mean realize the end?  </a:t>
+            </a:r>
+            <a:r>
+              <a:rPr lang="en-US" sz="1800" dirty="0">
+                <a:solidFill>
+                  <a:schemeClr val="accent1"/>
+                </a:solidFill>
+                <a:ea typeface="ＭＳ Ｐゴシック" pitchFamily="-106" charset="-128"/>
+                <a:cs typeface="ＭＳ Ｐゴシック" pitchFamily="-106" charset="-128"/>
+              </a:rPr>
+              <a:t>2. </a:t>
+            </a:r>
+            <a:r>
+              <a:rPr lang="en-US" sz="1800" dirty="0">
+                <a:ea typeface="ＭＳ Ｐゴシック" pitchFamily="-106" charset="-128"/>
+                <a:cs typeface="ＭＳ Ｐゴシック" pitchFamily="-106" charset="-128"/>
+              </a:rPr>
+              <a:t>Can the means be carried out?</a:t>
             </a:r>
           </a:p>
           <a:p>
             <a:pPr marL="447675" lvl="1" indent="-268288">
               <a:buSzPct val="100000"/>
               <a:buFont typeface="+mj-lt"/>
-              <a:buAutoNum type="arabicPeriod"/>
+              <a:buAutoNum type="arabicPeriod" startAt="3"/>
             </a:pPr>
             <a:r>
-              <a:rPr lang="en-US" sz="1600" dirty="0">
+              <a:rPr lang="en-US" sz="1800" dirty="0">
                 <a:ea typeface="ＭＳ Ｐゴシック" pitchFamily="-106" charset="-128"/>
                 <a:cs typeface="ＭＳ Ｐゴシック" pitchFamily="-106" charset="-128"/>
               </a:rPr>
-              <a:t>Is the considered negation the right negation?</a:t>
-            </a:r>
+              <a:t>Are there any side effects?        </a:t>
+            </a:r>
+            <a:r>
+              <a:rPr lang="en-US" sz="1800" dirty="0">
+                <a:solidFill>
+                  <a:schemeClr val="accent1"/>
+                </a:solidFill>
+                <a:ea typeface="ＭＳ Ｐゴシック" pitchFamily="-106" charset="-128"/>
+                <a:cs typeface="ＭＳ Ｐゴシック" pitchFamily="-106" charset="-128"/>
+              </a:rPr>
+              <a:t>5. </a:t>
+            </a:r>
+            <a:r>
+              <a:rPr lang="en-US" sz="1800" dirty="0">
+                <a:ea typeface="ＭＳ Ｐゴシック" pitchFamily="-106" charset="-128"/>
+                <a:cs typeface="ＭＳ Ｐゴシック" pitchFamily="-106" charset="-128"/>
+              </a:rPr>
+              <a:t>Is the end acceptable?</a:t>
+            </a:r>
+          </a:p>
+          <a:p>
+            <a:pPr marL="447675" lvl="1" indent="-268288">
+              <a:buSzPct val="100000"/>
+              <a:buFont typeface="+mj-lt"/>
+              <a:buAutoNum type="arabicPeriod" startAt="3"/>
+            </a:pPr>
+            <a:r>
+              <a:rPr lang="en-US" sz="1800" dirty="0">
+                <a:ea typeface="ＭＳ Ｐゴシック" pitchFamily="-106" charset="-128"/>
+                <a:cs typeface="ＭＳ Ｐゴシック" pitchFamily="-106" charset="-128"/>
+              </a:rPr>
+              <a:t>Are there better means to achieve the end?</a:t>
+            </a:r>
+            <a:endParaRPr lang="en-US" sz="2000" dirty="0">
+              <a:ea typeface="ＭＳ Ｐゴシック" pitchFamily="-106" charset="-128"/>
+              <a:cs typeface="ＭＳ Ｐゴシック" pitchFamily="-106" charset="-128"/>
+            </a:endParaRPr>
           </a:p>
           <a:p>
             <a:pPr eaLnBrk="1" hangingPunct="1">
@@ -15765,7 +15813,7 @@
               <a:buFont typeface="+mj-lt"/>
               <a:buAutoNum type="arabicPeriod"/>
             </a:pPr>
-            <a:endParaRPr lang="en-US" sz="1800" dirty="0">
+            <a:endParaRPr lang="en-US" sz="2000" dirty="0">
               <a:ea typeface="ＭＳ Ｐゴシック" pitchFamily="-106" charset="-128"/>
               <a:cs typeface="ＭＳ Ｐゴシック" pitchFamily="-106" charset="-128"/>
             </a:endParaRPr>
@@ -15809,7 +15857,7 @@
         </p:nvSpPr>
         <p:spPr>
           <a:xfrm>
-            <a:off x="7210401" y="828727"/>
+            <a:off x="7258892" y="767318"/>
             <a:ext cx="2835007" cy="369332"/>
           </a:xfrm>
           <a:prstGeom prst="rect">
@@ -15838,7 +15886,7 @@
     </p:spTree>
     <p:extLst>
       <p:ext uri="{BB962C8B-B14F-4D97-AF65-F5344CB8AC3E}">
-        <p14:creationId xmlns:p14="http://schemas.microsoft.com/office/powerpoint/2010/main" val="1782365036"/>
+        <p14:creationId xmlns:p14="http://schemas.microsoft.com/office/powerpoint/2010/main" val="753063968"/>
       </p:ext>
     </p:extLst>
   </p:cSld>
@@ -15942,8 +15990,8 @@
         </p:nvSpPr>
         <p:spPr>
           <a:xfrm>
-            <a:off x="630383" y="1700809"/>
-            <a:ext cx="9786794" cy="4823817"/>
+            <a:off x="358299" y="1281138"/>
+            <a:ext cx="10070812" cy="4895825"/>
           </a:xfrm>
         </p:spPr>
         <p:txBody>
@@ -15959,31 +16007,31 @@
               <a:buChar char="◼︎"/>
             </a:pPr>
             <a:r>
-              <a:rPr lang="en-US" sz="2000" b="1" dirty="0">
+              <a:rPr lang="en-US" sz="1800" b="1" dirty="0">
                 <a:solidFill>
                   <a:schemeClr val="accent1"/>
                 </a:solidFill>
                 <a:ea typeface="ＭＳ Ｐゴシック" pitchFamily="-106" charset="-128"/>
                 <a:cs typeface="ＭＳ Ｐゴシック" pitchFamily="-106" charset="-128"/>
               </a:rPr>
-              <a:t>Characteristic-Judgement Argumentation</a:t>
-            </a:r>
-            <a:r>
-              <a:rPr lang="en-US" sz="2000" dirty="0">
+              <a:t>Causality Argumentation</a:t>
+            </a:r>
+            <a:r>
+              <a:rPr lang="en-US" sz="1800" dirty="0">
                 <a:ea typeface="ＭＳ Ｐゴシック" pitchFamily="-106" charset="-128"/>
                 <a:cs typeface="ＭＳ Ｐゴシック" pitchFamily="-106" charset="-128"/>
               </a:rPr>
-              <a:t>: A type of non-deductive argumentation. An argumentation based on the assumption that a certain judgement about a thing or person can be derived from a certain characteristics of that thing or person. </a:t>
-            </a:r>
-            <a:r>
-              <a:rPr lang="en-US" sz="2000" b="1" dirty="0">
+              <a:t>: A type of non-deductive argumentation. An argumentation in which an expected consequence is derived from certain actions. </a:t>
+            </a:r>
+            <a:r>
+              <a:rPr lang="en-US" sz="1800" b="1" dirty="0">
                 <a:ea typeface="ＭＳ Ｐゴシック" pitchFamily="-106" charset="-128"/>
                 <a:cs typeface="ＭＳ Ｐゴシック" pitchFamily="-106" charset="-128"/>
               </a:rPr>
               <a:t>Critical questions</a:t>
             </a:r>
             <a:r>
-              <a:rPr lang="en-US" sz="2000" dirty="0">
+              <a:rPr lang="en-US" sz="1800" dirty="0">
                 <a:ea typeface="ＭＳ Ｐゴシック" pitchFamily="-106" charset="-128"/>
                 <a:cs typeface="ＭＳ Ｐゴシック" pitchFamily="-106" charset="-128"/>
               </a:rPr>
@@ -15997,11 +16045,11 @@
               <a:buAutoNum type="arabicPeriod"/>
             </a:pPr>
             <a:r>
-              <a:rPr lang="en-US" sz="1800" dirty="0">
+              <a:rPr lang="en-US" sz="1600" dirty="0">
                 <a:ea typeface="ＭＳ Ｐゴシック" pitchFamily="-106" charset="-128"/>
                 <a:cs typeface="ＭＳ Ｐゴシック" pitchFamily="-106" charset="-128"/>
               </a:rPr>
-              <a:t>Does the characteristics mentioned justifies the judgement?</a:t>
+              <a:t>Will the given situation or action indeed lead to the expected consequence?</a:t>
             </a:r>
           </a:p>
           <a:p>
@@ -16011,11 +16059,11 @@
               <a:buAutoNum type="arabicPeriod"/>
             </a:pPr>
             <a:r>
-              <a:rPr lang="en-US" sz="1800" dirty="0">
+              <a:rPr lang="en-US" sz="1600" dirty="0">
                 <a:ea typeface="ＭＳ Ｐゴシック" pitchFamily="-106" charset="-128"/>
                 <a:cs typeface="ＭＳ Ｐゴシック" pitchFamily="-106" charset="-128"/>
               </a:rPr>
-              <a:t>Are the characteristics mentioned all typical for the judgment?</a:t>
+              <a:t>Have no issues be forgotten, for example, with respect to the expected consequences?</a:t>
             </a:r>
           </a:p>
           <a:p>
@@ -16025,39 +16073,80 @@
               <a:buAutoNum type="arabicPeriod"/>
             </a:pPr>
             <a:r>
+              <a:rPr lang="en-US" sz="1600" dirty="0">
+                <a:ea typeface="ＭＳ Ｐゴシック" pitchFamily="-106" charset="-128"/>
+                <a:cs typeface="ＭＳ Ｐゴシック" pitchFamily="-106" charset="-128"/>
+              </a:rPr>
+              <a:t>How do you determine the expected consequences and can it be justified?</a:t>
+            </a:r>
+          </a:p>
+          <a:p>
+            <a:pPr eaLnBrk="1" hangingPunct="1">
+              <a:buClr>
+                <a:schemeClr val="accent1"/>
+              </a:buClr>
+              <a:buSzPct val="80000"/>
+              <a:buFont typeface=".AppleSDGothicNeoI-Regular" charset="-127"/>
+              <a:buChar char="◼︎"/>
+            </a:pPr>
+            <a:r>
+              <a:rPr lang="en-US" sz="1800" b="1" dirty="0">
+                <a:solidFill>
+                  <a:schemeClr val="accent1"/>
+                </a:solidFill>
+                <a:ea typeface="ＭＳ Ｐゴシック" pitchFamily="-106" charset="-128"/>
+                <a:cs typeface="ＭＳ Ｐゴシック" pitchFamily="-106" charset="-128"/>
+              </a:rPr>
+              <a:t>Proof of the absurd</a:t>
+            </a:r>
+            <a:r>
               <a:rPr lang="en-US" sz="1800" dirty="0">
                 <a:ea typeface="ＭＳ Ｐゴシック" pitchFamily="-106" charset="-128"/>
                 <a:cs typeface="ＭＳ Ｐゴシック" pitchFamily="-106" charset="-128"/>
               </a:rPr>
-              <a:t>Are there any other characteristics necessary for the judgement?</a:t>
-            </a:r>
-          </a:p>
-          <a:p>
-            <a:pPr lvl="1" eaLnBrk="1" hangingPunct="1">
+              <a:t>: A type of deductive argumentation. An argumentation in which a certain proposition is proved by showing that the negation of the proposition leads to a contradiction. </a:t>
+            </a:r>
+            <a:r>
+              <a:rPr lang="en-US" sz="1800" b="1" dirty="0">
+                <a:ea typeface="ＭＳ Ｐゴシック" pitchFamily="-106" charset="-128"/>
+                <a:cs typeface="ＭＳ Ｐゴシック" pitchFamily="-106" charset="-128"/>
+              </a:rPr>
+              <a:t>Critical questions</a:t>
+            </a:r>
+            <a:r>
+              <a:rPr lang="en-US" sz="1800" dirty="0">
+                <a:ea typeface="ＭＳ Ｐゴシック" pitchFamily="-106" charset="-128"/>
+                <a:cs typeface="ＭＳ Ｐゴシック" pitchFamily="-106" charset="-128"/>
+              </a:rPr>
+              <a:t>:</a:t>
+            </a:r>
+          </a:p>
+          <a:p>
+            <a:pPr marL="447675" lvl="1" indent="-268288">
               <a:buSzPct val="100000"/>
               <a:buFont typeface="+mj-lt"/>
               <a:buAutoNum type="arabicPeriod"/>
             </a:pPr>
             <a:r>
-              <a:rPr lang="en-US" sz="1800" dirty="0">
+              <a:rPr lang="en-US" sz="1600" dirty="0">
                 <a:ea typeface="ＭＳ Ｐゴシック" pitchFamily="-106" charset="-128"/>
                 <a:cs typeface="ＭＳ Ｐゴシック" pitchFamily="-106" charset="-128"/>
               </a:rPr>
-              <a:t>Does the thing or person posses characteristics that justify the negation of the judgement?</a:t>
-            </a:r>
-          </a:p>
-          <a:p>
-            <a:pPr lvl="1" eaLnBrk="1" hangingPunct="1">
+              <a:t>Does assuming the proposition indeed lead to an inconsistency?</a:t>
+            </a:r>
+          </a:p>
+          <a:p>
+            <a:pPr marL="447675" lvl="1" indent="-268288">
               <a:buSzPct val="100000"/>
               <a:buFont typeface="+mj-lt"/>
               <a:buAutoNum type="arabicPeriod"/>
             </a:pPr>
             <a:r>
-              <a:rPr lang="en-US" sz="1800" dirty="0">
+              <a:rPr lang="en-US" sz="1600" dirty="0">
                 <a:ea typeface="ＭＳ Ｐゴシック" pitchFamily="-106" charset="-128"/>
                 <a:cs typeface="ＭＳ Ｐゴシック" pitchFamily="-106" charset="-128"/>
               </a:rPr>
-              <a:t>Does the thing or person posses the characteristics mentioned?</a:t>
+              <a:t>Is the considered negation the right negation?</a:t>
             </a:r>
           </a:p>
           <a:p>
@@ -16069,7 +16158,7 @@
               <a:buFont typeface="+mj-lt"/>
               <a:buAutoNum type="arabicPeriod"/>
             </a:pPr>
-            <a:endParaRPr lang="en-US" sz="2000" dirty="0">
+            <a:endParaRPr lang="en-US" sz="1800" dirty="0">
               <a:ea typeface="ＭＳ Ｐゴシック" pitchFamily="-106" charset="-128"/>
               <a:cs typeface="ＭＳ Ｐゴシック" pitchFamily="-106" charset="-128"/>
             </a:endParaRPr>
@@ -16113,7 +16202,7 @@
         </p:nvSpPr>
         <p:spPr>
           <a:xfrm>
-            <a:off x="7231183" y="837599"/>
+            <a:off x="7210401" y="828727"/>
             <a:ext cx="2835007" cy="369332"/>
           </a:xfrm>
           <a:prstGeom prst="rect">
@@ -16128,7 +16217,7 @@
           <a:lstStyle/>
           <a:p>
             <a:r>
-              <a:rPr lang="en-GB">
+              <a:rPr lang="en-GB" dirty="0">
                 <a:latin typeface="Arial" pitchFamily="-112" charset="0"/>
                 <a:ea typeface="ＭＳ Ｐゴシック" pitchFamily="-112" charset="-128"/>
                 <a:cs typeface="ＭＳ Ｐゴシック" pitchFamily="-112" charset="-128"/>
@@ -16142,7 +16231,7 @@
     </p:spTree>
     <p:extLst>
       <p:ext uri="{BB962C8B-B14F-4D97-AF65-F5344CB8AC3E}">
-        <p14:creationId xmlns:p14="http://schemas.microsoft.com/office/powerpoint/2010/main" val="201371205"/>
+        <p14:creationId xmlns:p14="http://schemas.microsoft.com/office/powerpoint/2010/main" val="1782365036"/>
       </p:ext>
     </p:extLst>
   </p:cSld>
@@ -16181,8 +16270,8 @@
         </p:nvSpPr>
         <p:spPr>
           <a:xfrm>
-            <a:off x="387927" y="0"/>
-            <a:ext cx="8156345" cy="699404"/>
+            <a:off x="2243138" y="0"/>
+            <a:ext cx="6301134" cy="1136650"/>
           </a:xfrm>
         </p:spPr>
         <p:txBody>
@@ -16195,7 +16284,7 @@
                 <a:ea typeface="ＭＳ Ｐゴシック" pitchFamily="-106" charset="-128"/>
                 <a:cs typeface="ＭＳ Ｐゴシック" pitchFamily="-106" charset="-128"/>
               </a:rPr>
-              <a:t>General Types of Fallacies</a:t>
+              <a:t>Types of Arguments</a:t>
             </a:r>
             <a:endParaRPr lang="de-DE" sz="3600" b="1" dirty="0">
               <a:ea typeface="ＭＳ Ｐゴシック" pitchFamily="-106" charset="-128"/>
@@ -16246,8 +16335,8 @@
         </p:nvSpPr>
         <p:spPr>
           <a:xfrm>
-            <a:off x="476463" y="1259468"/>
-            <a:ext cx="11389955" cy="6880646"/>
+            <a:off x="630383" y="1700809"/>
+            <a:ext cx="9786794" cy="4823817"/>
           </a:xfrm>
         </p:spPr>
         <p:txBody>
@@ -16263,21 +16352,105 @@
               <a:buChar char="◼︎"/>
             </a:pPr>
             <a:r>
-              <a:rPr lang="en-US" sz="1800" b="1" dirty="0">
+              <a:rPr lang="en-US" sz="2000" b="1" dirty="0">
                 <a:solidFill>
                   <a:schemeClr val="accent1"/>
                 </a:solidFill>
                 <a:ea typeface="ＭＳ Ｐゴシック" pitchFamily="-106" charset="-128"/>
                 <a:cs typeface="ＭＳ Ｐゴシック" pitchFamily="-106" charset="-128"/>
               </a:rPr>
-              <a:t>Attack on the person (ad hominem)</a:t>
-            </a:r>
+              <a:t>Characteristic-Judgement Argumentation</a:t>
+            </a:r>
+            <a:r>
+              <a:rPr lang="en-US" sz="2000" dirty="0">
+                <a:ea typeface="ＭＳ Ｐゴシック" pitchFamily="-106" charset="-128"/>
+                <a:cs typeface="ＭＳ Ｐゴシック" pitchFamily="-106" charset="-128"/>
+              </a:rPr>
+              <a:t>: A type of non-deductive argumentation. An argumentation based on the assumption that a certain judgement about a thing or person can be derived from a certain characteristics of that thing or person. </a:t>
+            </a:r>
+            <a:r>
+              <a:rPr lang="en-US" sz="2000" b="1" dirty="0">
+                <a:ea typeface="ＭＳ Ｐゴシック" pitchFamily="-106" charset="-128"/>
+                <a:cs typeface="ＭＳ Ｐゴシック" pitchFamily="-106" charset="-128"/>
+              </a:rPr>
+              <a:t>Critical questions</a:t>
+            </a:r>
+            <a:r>
+              <a:rPr lang="en-US" sz="2000" dirty="0">
+                <a:ea typeface="ＭＳ Ｐゴシック" pitchFamily="-106" charset="-128"/>
+                <a:cs typeface="ＭＳ Ｐゴシック" pitchFamily="-106" charset="-128"/>
+              </a:rPr>
+              <a:t>:</a:t>
+            </a:r>
+          </a:p>
+          <a:p>
+            <a:pPr lvl="1" eaLnBrk="1" hangingPunct="1">
+              <a:buSzPct val="100000"/>
+              <a:buFont typeface="+mj-lt"/>
+              <a:buAutoNum type="arabicPeriod"/>
+            </a:pPr>
             <a:r>
               <a:rPr lang="en-US" sz="1800" dirty="0">
                 <a:ea typeface="ＭＳ Ｐゴシック" pitchFamily="-106" charset="-128"/>
                 <a:cs typeface="ＭＳ Ｐゴシック" pitchFamily="-106" charset="-128"/>
               </a:rPr>
-              <a:t>: attempt to discredit an argument by bringing into question the presenter and not the argument itself.</a:t>
+              <a:t>Does the characteristics mentioned justifies the judgement?</a:t>
+            </a:r>
+          </a:p>
+          <a:p>
+            <a:pPr lvl="1" eaLnBrk="1" hangingPunct="1">
+              <a:buSzPct val="100000"/>
+              <a:buFont typeface="+mj-lt"/>
+              <a:buAutoNum type="arabicPeriod"/>
+            </a:pPr>
+            <a:r>
+              <a:rPr lang="en-US" sz="1800" dirty="0">
+                <a:ea typeface="ＭＳ Ｐゴシック" pitchFamily="-106" charset="-128"/>
+                <a:cs typeface="ＭＳ Ｐゴシック" pitchFamily="-106" charset="-128"/>
+              </a:rPr>
+              <a:t>Are the characteristics mentioned all typical for the judgment?</a:t>
+            </a:r>
+          </a:p>
+          <a:p>
+            <a:pPr lvl="1" eaLnBrk="1" hangingPunct="1">
+              <a:buSzPct val="100000"/>
+              <a:buFont typeface="+mj-lt"/>
+              <a:buAutoNum type="arabicPeriod"/>
+            </a:pPr>
+            <a:r>
+              <a:rPr lang="en-US" sz="1800" dirty="0">
+                <a:ea typeface="ＭＳ Ｐゴシック" pitchFamily="-106" charset="-128"/>
+                <a:cs typeface="ＭＳ Ｐゴシック" pitchFamily="-106" charset="-128"/>
+              </a:rPr>
+              <a:t>Are there any other characteristics necessary for the judgement?</a:t>
+            </a:r>
+          </a:p>
+          <a:p>
+            <a:pPr lvl="1" eaLnBrk="1" hangingPunct="1">
+              <a:buSzPct val="100000"/>
+              <a:buFont typeface="+mj-lt"/>
+              <a:buAutoNum type="arabicPeriod"/>
+            </a:pPr>
+            <a:r>
+              <a:rPr lang="en-US" sz="1800" dirty="0">
+                <a:ea typeface="ＭＳ Ｐゴシック" pitchFamily="-106" charset="-128"/>
+                <a:cs typeface="ＭＳ Ｐゴシック" pitchFamily="-106" charset="-128"/>
+              </a:rPr>
+              <a:t>Does the thing or person posses characteristics that justify the negation of the judgement?</a:t>
+            </a:r>
+          </a:p>
+          <a:p>
+            <a:pPr lvl="1" eaLnBrk="1" hangingPunct="1">
+              <a:buSzPct val="100000"/>
+              <a:buFont typeface="+mj-lt"/>
+              <a:buAutoNum type="arabicPeriod"/>
+            </a:pPr>
+            <a:r>
+              <a:rPr lang="en-US" sz="1800" dirty="0">
+                <a:ea typeface="ＭＳ Ｐゴシック" pitchFamily="-106" charset="-128"/>
+                <a:cs typeface="ＭＳ Ｐゴシック" pitchFamily="-106" charset="-128"/>
+              </a:rPr>
+              <a:t>Does the thing or person posses the characteristics mentioned?</a:t>
             </a:r>
           </a:p>
           <a:p>
@@ -16285,249 +16458,11 @@
               <a:buClr>
                 <a:schemeClr val="accent1"/>
               </a:buClr>
-              <a:buSzPct val="80000"/>
-              <a:buFont typeface=".AppleSDGothicNeoI-Regular" charset="-127"/>
-              <a:buChar char="◼︎"/>
+              <a:buSzPct val="100000"/>
+              <a:buFont typeface="+mj-lt"/>
+              <a:buAutoNum type="arabicPeriod"/>
             </a:pPr>
-            <a:r>
-              <a:rPr lang="en-US" sz="1800" b="1" dirty="0">
-                <a:solidFill>
-                  <a:schemeClr val="accent1"/>
-                </a:solidFill>
-                <a:ea typeface="ＭＳ Ｐゴシック" pitchFamily="-106" charset="-128"/>
-                <a:cs typeface="ＭＳ Ｐゴシック" pitchFamily="-106" charset="-128"/>
-              </a:rPr>
-              <a:t>Confusion of laws and ethics</a:t>
-            </a:r>
-            <a:r>
-              <a:rPr lang="en-US" sz="1800" dirty="0">
-                <a:ea typeface="ＭＳ Ｐゴシック" pitchFamily="-106" charset="-128"/>
-                <a:cs typeface="ＭＳ Ｐゴシック" pitchFamily="-106" charset="-128"/>
-              </a:rPr>
-              <a:t>: “if it isn’t illegal, it is ethical”</a:t>
-            </a:r>
-          </a:p>
-          <a:p>
-            <a:pPr eaLnBrk="1" hangingPunct="1">
-              <a:buClr>
-                <a:schemeClr val="accent1"/>
-              </a:buClr>
-              <a:buSzPct val="80000"/>
-              <a:buFont typeface=".AppleSDGothicNeoI-Regular" charset="-127"/>
-              <a:buChar char="◼︎"/>
-            </a:pPr>
-            <a:r>
-              <a:rPr lang="en-US" sz="1800" b="1" dirty="0">
-                <a:solidFill>
-                  <a:schemeClr val="accent1"/>
-                </a:solidFill>
-                <a:ea typeface="ＭＳ Ｐゴシック" pitchFamily="-106" charset="-128"/>
-                <a:cs typeface="ＭＳ Ｐゴシック" pitchFamily="-106" charset="-128"/>
-              </a:rPr>
-              <a:t>Straw person</a:t>
-            </a:r>
-            <a:r>
-              <a:rPr lang="en-US" sz="1800" dirty="0">
-                <a:ea typeface="ＭＳ Ｐゴシック" pitchFamily="-106" charset="-128"/>
-                <a:cs typeface="ＭＳ Ｐゴシック" pitchFamily="-106" charset="-128"/>
-              </a:rPr>
-              <a:t>: attempt is made to miss state a person’s actual position and conclude that the original argument is a bad argument.</a:t>
-            </a:r>
-          </a:p>
-          <a:p>
-            <a:pPr eaLnBrk="1" hangingPunct="1">
-              <a:buClr>
-                <a:schemeClr val="accent1"/>
-              </a:buClr>
-              <a:buSzPct val="80000"/>
-              <a:buFont typeface=".AppleSDGothicNeoI-Regular" charset="-127"/>
-              <a:buChar char="◼︎"/>
-            </a:pPr>
-            <a:r>
-              <a:rPr lang="en-US" sz="1800" b="1" dirty="0">
-                <a:solidFill>
-                  <a:schemeClr val="accent1"/>
-                </a:solidFill>
-                <a:ea typeface="ＭＳ Ｐゴシック" pitchFamily="-106" charset="-128"/>
-                <a:cs typeface="ＭＳ Ｐゴシック" pitchFamily="-106" charset="-128"/>
-              </a:rPr>
-              <a:t>Wishful thinking (fallacy of desire)</a:t>
-            </a:r>
-            <a:r>
-              <a:rPr lang="en-US" sz="1800" dirty="0">
-                <a:ea typeface="ＭＳ Ｐゴシック" pitchFamily="-106" charset="-128"/>
-                <a:cs typeface="ＭＳ Ｐゴシック" pitchFamily="-106" charset="-128"/>
-              </a:rPr>
-              <a:t>: interpret facts, reports, events, perceptions according to what he/she would like to be the case rather than according to the actual or rational evidence.</a:t>
-            </a:r>
-          </a:p>
-          <a:p>
-            <a:pPr eaLnBrk="1" hangingPunct="1">
-              <a:buClr>
-                <a:schemeClr val="accent1"/>
-              </a:buClr>
-              <a:buSzPct val="80000"/>
-              <a:buFont typeface=".AppleSDGothicNeoI-Regular" charset="-127"/>
-              <a:buChar char="◼︎"/>
-            </a:pPr>
-            <a:r>
-              <a:rPr lang="en-US" sz="1800" b="1" dirty="0">
-                <a:solidFill>
-                  <a:schemeClr val="accent1"/>
-                </a:solidFill>
-                <a:ea typeface="ＭＳ Ｐゴシック" pitchFamily="-106" charset="-128"/>
-                <a:cs typeface="ＭＳ Ｐゴシック" pitchFamily="-106" charset="-128"/>
-              </a:rPr>
-              <a:t>Naturalistic fallacy</a:t>
-            </a:r>
-            <a:r>
-              <a:rPr lang="en-US" sz="1800" dirty="0">
-                <a:ea typeface="ＭＳ Ｐゴシック" pitchFamily="-106" charset="-128"/>
-                <a:cs typeface="ＭＳ Ｐゴシック" pitchFamily="-106" charset="-128"/>
-              </a:rPr>
-              <a:t>: deriving ought from is.</a:t>
-            </a:r>
-            <a:r>
-              <a:rPr lang="en-US" sz="1800" b="1" dirty="0">
-                <a:solidFill>
-                  <a:schemeClr val="accent1"/>
-                </a:solidFill>
-                <a:ea typeface="ＭＳ Ｐゴシック" pitchFamily="-106" charset="-128"/>
-                <a:cs typeface="ＭＳ Ｐゴシック" pitchFamily="-106" charset="-128"/>
-              </a:rPr>
-              <a:t> </a:t>
-            </a:r>
-          </a:p>
-          <a:p>
-            <a:pPr eaLnBrk="1" hangingPunct="1">
-              <a:buClr>
-                <a:schemeClr val="accent1"/>
-              </a:buClr>
-              <a:buSzPct val="80000"/>
-              <a:buFont typeface=".AppleSDGothicNeoI-Regular" charset="-127"/>
-              <a:buChar char="◼︎"/>
-            </a:pPr>
-            <a:r>
-              <a:rPr lang="en-US" sz="1800" b="1" dirty="0">
-                <a:solidFill>
-                  <a:schemeClr val="accent1"/>
-                </a:solidFill>
-                <a:ea typeface="ＭＳ Ｐゴシック" pitchFamily="-106" charset="-128"/>
-                <a:cs typeface="ＭＳ Ｐゴシック" pitchFamily="-106" charset="-128"/>
-              </a:rPr>
-              <a:t>The Privacy fallacy</a:t>
-            </a:r>
-            <a:r>
-              <a:rPr lang="en-US" sz="1800" dirty="0">
-                <a:ea typeface="ＭＳ Ｐゴシック" pitchFamily="-106" charset="-128"/>
-                <a:cs typeface="ＭＳ Ｐゴシック" pitchFamily="-106" charset="-128"/>
-              </a:rPr>
-              <a:t>: “If you have done nothing wrong, you have nothing to worry about.”</a:t>
-            </a:r>
-          </a:p>
-          <a:p>
-            <a:pPr eaLnBrk="1" hangingPunct="1">
-              <a:buClr>
-                <a:schemeClr val="accent1"/>
-              </a:buClr>
-              <a:buSzPct val="80000"/>
-              <a:buFont typeface=".AppleSDGothicNeoI-Regular" charset="-127"/>
-              <a:buChar char="◼︎"/>
-            </a:pPr>
-            <a:r>
-              <a:rPr lang="en-US" sz="1800" b="1" dirty="0">
-                <a:solidFill>
-                  <a:schemeClr val="accent1"/>
-                </a:solidFill>
-                <a:ea typeface="ＭＳ Ｐゴシック" pitchFamily="-106" charset="-128"/>
-                <a:cs typeface="ＭＳ Ｐゴシック" pitchFamily="-106" charset="-128"/>
-              </a:rPr>
-              <a:t>Ambiguity</a:t>
-            </a:r>
-            <a:r>
-              <a:rPr lang="en-US" sz="1800" dirty="0">
-                <a:ea typeface="ＭＳ Ｐゴシック" pitchFamily="-106" charset="-128"/>
-                <a:cs typeface="ＭＳ Ｐゴシック" pitchFamily="-106" charset="-128"/>
-              </a:rPr>
-              <a:t>: play with the meaning of words or phrases.</a:t>
-            </a:r>
-            <a:r>
-              <a:rPr lang="en-US" sz="1800" b="1" dirty="0">
-                <a:solidFill>
-                  <a:schemeClr val="accent1"/>
-                </a:solidFill>
-                <a:ea typeface="ＭＳ Ｐゴシック" pitchFamily="-106" charset="-128"/>
-                <a:cs typeface="ＭＳ Ｐゴシック" pitchFamily="-106" charset="-128"/>
-              </a:rPr>
-              <a:t> </a:t>
-            </a:r>
-          </a:p>
-          <a:p>
-            <a:pPr eaLnBrk="1" hangingPunct="1">
-              <a:buClr>
-                <a:schemeClr val="accent1"/>
-              </a:buClr>
-              <a:buSzPct val="80000"/>
-              <a:buFont typeface=".AppleSDGothicNeoI-Regular" charset="-127"/>
-              <a:buChar char="◼︎"/>
-            </a:pPr>
-            <a:endParaRPr lang="en-US" sz="1800" dirty="0">
-              <a:ea typeface="ＭＳ Ｐゴシック" pitchFamily="-106" charset="-128"/>
-              <a:cs typeface="ＭＳ Ｐゴシック" pitchFamily="-106" charset="-128"/>
-            </a:endParaRPr>
-          </a:p>
-          <a:p>
-            <a:pPr eaLnBrk="1" hangingPunct="1">
-              <a:buClr>
-                <a:schemeClr val="accent1"/>
-              </a:buClr>
-              <a:buSzPct val="80000"/>
-              <a:buFont typeface=".AppleSDGothicNeoI-Regular" charset="-127"/>
-              <a:buChar char="◼︎"/>
-            </a:pPr>
-            <a:endParaRPr lang="en-US" sz="1800" dirty="0">
-              <a:ea typeface="ＭＳ Ｐゴシック" pitchFamily="-106" charset="-128"/>
-              <a:cs typeface="ＭＳ Ｐゴシック" pitchFamily="-106" charset="-128"/>
-            </a:endParaRPr>
-          </a:p>
-          <a:p>
-            <a:pPr eaLnBrk="1" hangingPunct="1">
-              <a:buClr>
-                <a:schemeClr val="accent1"/>
-              </a:buClr>
-              <a:buSzPct val="80000"/>
-              <a:buFont typeface=".AppleSDGothicNeoI-Regular" charset="-127"/>
-              <a:buChar char="◼︎"/>
-            </a:pPr>
-            <a:endParaRPr lang="en-US" sz="1800" dirty="0">
-              <a:ea typeface="ＭＳ Ｐゴシック" pitchFamily="-106" charset="-128"/>
-              <a:cs typeface="ＭＳ Ｐゴシック" pitchFamily="-106" charset="-128"/>
-            </a:endParaRPr>
-          </a:p>
-          <a:p>
-            <a:pPr eaLnBrk="1" hangingPunct="1">
-              <a:buClr>
-                <a:schemeClr val="accent1"/>
-              </a:buClr>
-              <a:buSzPct val="80000"/>
-              <a:buFont typeface=".AppleSDGothicNeoI-Regular" charset="-127"/>
-              <a:buChar char="◼︎"/>
-            </a:pPr>
-            <a:endParaRPr lang="en-US" sz="1800" dirty="0">
-              <a:ea typeface="ＭＳ Ｐゴシック" pitchFamily="-106" charset="-128"/>
-              <a:cs typeface="ＭＳ Ｐゴシック" pitchFamily="-106" charset="-128"/>
-            </a:endParaRPr>
-          </a:p>
-          <a:p>
-            <a:pPr eaLnBrk="1" hangingPunct="1">
-              <a:buClr>
-                <a:schemeClr val="accent1"/>
-              </a:buClr>
-              <a:buSzPct val="80000"/>
-              <a:buFont typeface=".AppleSDGothicNeoI-Regular" charset="-127"/>
-              <a:buChar char="◼︎"/>
-            </a:pPr>
-            <a:endParaRPr lang="en-US" sz="1800" dirty="0">
+            <a:endParaRPr lang="en-US" sz="2000" dirty="0">
               <a:ea typeface="ＭＳ Ｐゴシック" pitchFamily="-106" charset="-128"/>
               <a:cs typeface="ＭＳ Ｐゴシック" pitchFamily="-106" charset="-128"/>
             </a:endParaRPr>
@@ -16571,7 +16506,7 @@
         </p:nvSpPr>
         <p:spPr>
           <a:xfrm>
-            <a:off x="7231183" y="794770"/>
+            <a:off x="7231183" y="837599"/>
             <a:ext cx="2835007" cy="369332"/>
           </a:xfrm>
           <a:prstGeom prst="rect">
@@ -16586,7 +16521,7 @@
           <a:lstStyle/>
           <a:p>
             <a:r>
-              <a:rPr lang="en-GB" dirty="0">
+              <a:rPr lang="en-GB">
                 <a:latin typeface="Arial" pitchFamily="-112" charset="0"/>
                 <a:ea typeface="ＭＳ Ｐゴシック" pitchFamily="-112" charset="-128"/>
                 <a:cs typeface="ＭＳ Ｐゴシック" pitchFamily="-112" charset="-128"/>
@@ -16600,7 +16535,7 @@
     </p:spTree>
     <p:extLst>
       <p:ext uri="{BB962C8B-B14F-4D97-AF65-F5344CB8AC3E}">
-        <p14:creationId xmlns:p14="http://schemas.microsoft.com/office/powerpoint/2010/main" val="795203890"/>
+        <p14:creationId xmlns:p14="http://schemas.microsoft.com/office/powerpoint/2010/main" val="201371205"/>
       </p:ext>
     </p:extLst>
   </p:cSld>
@@ -16639,8 +16574,8 @@
         </p:nvSpPr>
         <p:spPr>
           <a:xfrm>
-            <a:off x="2243138" y="0"/>
-            <a:ext cx="6301134" cy="1136650"/>
+            <a:off x="387927" y="0"/>
+            <a:ext cx="8156345" cy="699404"/>
           </a:xfrm>
         </p:spPr>
         <p:txBody>
@@ -16653,7 +16588,7 @@
                 <a:ea typeface="ＭＳ Ｐゴシック" pitchFamily="-106" charset="-128"/>
                 <a:cs typeface="ＭＳ Ｐゴシック" pitchFamily="-106" charset="-128"/>
               </a:rPr>
-              <a:t>Fallacies of Risk</a:t>
+              <a:t>General Types of Fallacies</a:t>
             </a:r>
             <a:endParaRPr lang="de-DE" sz="3600" b="1" dirty="0">
               <a:ea typeface="ＭＳ Ｐゴシック" pitchFamily="-106" charset="-128"/>
@@ -16704,8 +16639,8 @@
         </p:nvSpPr>
         <p:spPr>
           <a:xfrm>
-            <a:off x="423348" y="1215900"/>
-            <a:ext cx="9940713" cy="4823817"/>
+            <a:off x="476463" y="1259468"/>
+            <a:ext cx="11389955" cy="6880646"/>
           </a:xfrm>
         </p:spPr>
         <p:txBody>
@@ -16728,14 +16663,14 @@
                 <a:ea typeface="ＭＳ Ｐゴシック" pitchFamily="-106" charset="-128"/>
                 <a:cs typeface="ＭＳ Ｐゴシック" pitchFamily="-106" charset="-128"/>
               </a:rPr>
-              <a:t>The sheer size fallacy</a:t>
+              <a:t>Attack on the person (ad hominem)</a:t>
             </a:r>
             <a:r>
               <a:rPr lang="en-US" sz="1800" dirty="0">
                 <a:ea typeface="ＭＳ Ｐゴシック" pitchFamily="-106" charset="-128"/>
                 <a:cs typeface="ＭＳ Ｐゴシック" pitchFamily="-106" charset="-128"/>
               </a:rPr>
-              <a:t>: “X is accepted. Y is a smaller risk than X. So, Y should be accepted.” But X and Y may not be alternatives ...</a:t>
+              <a:t>: attempt to discredit an argument by bringing into question the presenter and not the argument itself.</a:t>
             </a:r>
           </a:p>
           <a:p>
@@ -16755,14 +16690,14 @@
                 <a:ea typeface="ＭＳ Ｐゴシック" pitchFamily="-106" charset="-128"/>
                 <a:cs typeface="ＭＳ Ｐゴシック" pitchFamily="-106" charset="-128"/>
               </a:rPr>
-              <a:t>The fallacy of naturalness</a:t>
+              <a:t>Confusion of laws and ethics</a:t>
             </a:r>
             <a:r>
               <a:rPr lang="en-US" sz="1800" dirty="0">
                 <a:ea typeface="ＭＳ Ｐゴシック" pitchFamily="-106" charset="-128"/>
                 <a:cs typeface="ＭＳ Ｐゴシック" pitchFamily="-106" charset="-128"/>
               </a:rPr>
-              <a:t>: “X is unnatural. So, X should not be accepted.” But what mean natural?</a:t>
+              <a:t>: “if it isn’t illegal, it is ethical”</a:t>
             </a:r>
           </a:p>
           <a:p>
@@ -16782,14 +16717,14 @@
                 <a:ea typeface="ＭＳ Ｐゴシック" pitchFamily="-106" charset="-128"/>
                 <a:cs typeface="ＭＳ Ｐゴシック" pitchFamily="-106" charset="-128"/>
               </a:rPr>
-              <a:t>The ostrich’s fallacy</a:t>
+              <a:t>Straw person</a:t>
             </a:r>
             <a:r>
               <a:rPr lang="en-US" sz="1800" dirty="0">
                 <a:ea typeface="ＭＳ Ｐゴシック" pitchFamily="-106" charset="-128"/>
                 <a:cs typeface="ＭＳ Ｐゴシック" pitchFamily="-106" charset="-128"/>
               </a:rPr>
-              <a:t>: “There is no scientific proof that X is dangerous. So, X does not give rise to any unacceptable risk.”</a:t>
+              <a:t>: attempt is made to miss state a person’s actual position and conclude that the original argument is a bad argument.</a:t>
             </a:r>
           </a:p>
           <a:p>
@@ -16809,14 +16744,14 @@
                 <a:ea typeface="ＭＳ Ｐゴシック" pitchFamily="-106" charset="-128"/>
                 <a:cs typeface="ＭＳ Ｐゴシック" pitchFamily="-106" charset="-128"/>
               </a:rPr>
-              <a:t>The delay fallacy</a:t>
+              <a:t>Wishful thinking (fallacy of desire)</a:t>
             </a:r>
             <a:r>
               <a:rPr lang="en-US" sz="1800" dirty="0">
                 <a:ea typeface="ＭＳ Ｐゴシック" pitchFamily="-106" charset="-128"/>
                 <a:cs typeface="ＭＳ Ｐゴシック" pitchFamily="-106" charset="-128"/>
               </a:rPr>
-              <a:t>: “If we wait, we will know more about X. So, no decision about X could be made now.”</a:t>
+              <a:t>: interpret facts, reports, events, perceptions according to what he/she would like to be the case rather than according to the actual or rational evidence.</a:t>
             </a:r>
           </a:p>
           <a:p>
@@ -16836,14 +16771,24 @@
                 <a:ea typeface="ＭＳ Ｐゴシック" pitchFamily="-106" charset="-128"/>
                 <a:cs typeface="ＭＳ Ｐゴシック" pitchFamily="-106" charset="-128"/>
               </a:rPr>
-              <a:t>The technocratic fallacy</a:t>
+              <a:t>Naturalistic fallacy</a:t>
             </a:r>
             <a:r>
               <a:rPr lang="en-US" sz="1800" dirty="0">
                 <a:ea typeface="ＭＳ Ｐゴシック" pitchFamily="-106" charset="-128"/>
                 <a:cs typeface="ＭＳ Ｐゴシック" pitchFamily="-106" charset="-128"/>
               </a:rPr>
-              <a:t>: “It is an engineering issue how dangerous X is. So engineers should decide whether or not X is acceptable.”</a:t>
+              <a:t>: deriving ought from is.</a:t>
+            </a:r>
+            <a:r>
+              <a:rPr lang="en-US" sz="1800" b="1" dirty="0">
+                <a:solidFill>
+                  <a:schemeClr val="accent1"/>
+                </a:solidFill>
+                <a:ea typeface="ＭＳ Ｐゴシック" pitchFamily="-106" charset="-128"/>
+                <a:cs typeface="ＭＳ Ｐゴシック" pitchFamily="-106" charset="-128"/>
+              </a:rPr>
+              <a:t> </a:t>
             </a:r>
           </a:p>
           <a:p>
@@ -16863,14 +16808,51 @@
                 <a:ea typeface="ＭＳ Ｐゴシック" pitchFamily="-106" charset="-128"/>
                 <a:cs typeface="ＭＳ Ｐゴシック" pitchFamily="-106" charset="-128"/>
               </a:rPr>
-              <a:t>The fallacy of pricing</a:t>
+              <a:t>The Privacy fallacy</a:t>
             </a:r>
             <a:r>
               <a:rPr lang="en-US" sz="1800" dirty="0">
                 <a:ea typeface="ＭＳ Ｐゴシック" pitchFamily="-106" charset="-128"/>
                 <a:cs typeface="ＭＳ Ｐゴシック" pitchFamily="-106" charset="-128"/>
               </a:rPr>
-              <a:t>: “We have to weight the risk of X against its benefits. So, we must put a price on the risk of X.”</a:t>
+              <a:t>: “If you have done nothing wrong, you have nothing to worry about.”</a:t>
+            </a:r>
+          </a:p>
+          <a:p>
+            <a:pPr eaLnBrk="1" hangingPunct="1">
+              <a:buClr>
+                <a:schemeClr val="accent1"/>
+              </a:buClr>
+              <a:buSzPct val="80000"/>
+              <a:buFont typeface=".AppleSDGothicNeoI-Regular" charset="-127"/>
+              <a:buChar char="◼︎"/>
+            </a:pPr>
+            <a:r>
+              <a:rPr lang="en-US" sz="1800" b="1" dirty="0">
+                <a:solidFill>
+                  <a:schemeClr val="accent1"/>
+                </a:solidFill>
+                <a:ea typeface="ＭＳ Ｐゴシック" pitchFamily="-106" charset="-128"/>
+                <a:cs typeface="ＭＳ Ｐゴシック" pitchFamily="-106" charset="-128"/>
+              </a:rPr>
+              <a:t>Ambiguity</a:t>
+            </a:r>
+            <a:r>
+              <a:rPr lang="en-US" sz="1800" dirty="0">
+                <a:ea typeface="ＭＳ Ｐゴシック" pitchFamily="-106" charset="-128"/>
+                <a:cs typeface="ＭＳ Ｐゴシック" pitchFamily="-106" charset="-128"/>
+              </a:rPr>
+              <a:t>: play with the meaning of words or phrases.</a:t>
+            </a:r>
+            <a:r>
+              <a:rPr lang="en-US" sz="1800" b="1" dirty="0">
+                <a:solidFill>
+                  <a:schemeClr val="accent1"/>
+                </a:solidFill>
+                <a:ea typeface="ＭＳ Ｐゴシック" pitchFamily="-106" charset="-128"/>
+                <a:cs typeface="ＭＳ Ｐゴシック" pitchFamily="-106" charset="-128"/>
+              </a:rPr>
+              <a:t> </a:t>
             </a:r>
           </a:p>
           <a:p>
@@ -16943,62 +16925,6 @@
               <a:cs typeface="ＭＳ Ｐゴシック" pitchFamily="-106" charset="-128"/>
             </a:endParaRPr>
           </a:p>
-          <a:p>
-            <a:pPr eaLnBrk="1" hangingPunct="1">
-              <a:buClr>
-                <a:schemeClr val="accent1"/>
-              </a:buClr>
-              <a:buSzPct val="80000"/>
-              <a:buFont typeface=".AppleSDGothicNeoI-Regular" charset="-127"/>
-              <a:buChar char="◼︎"/>
-            </a:pPr>
-            <a:endParaRPr lang="en-US" sz="1800" dirty="0">
-              <a:ea typeface="ＭＳ Ｐゴシック" pitchFamily="-106" charset="-128"/>
-              <a:cs typeface="ＭＳ Ｐゴシック" pitchFamily="-106" charset="-128"/>
-            </a:endParaRPr>
-          </a:p>
-          <a:p>
-            <a:pPr eaLnBrk="1" hangingPunct="1">
-              <a:buClr>
-                <a:schemeClr val="accent1"/>
-              </a:buClr>
-              <a:buSzPct val="80000"/>
-              <a:buFont typeface=".AppleSDGothicNeoI-Regular" charset="-127"/>
-              <a:buChar char="◼︎"/>
-            </a:pPr>
-            <a:endParaRPr lang="en-US" sz="1800" dirty="0">
-              <a:ea typeface="ＭＳ Ｐゴシック" pitchFamily="-106" charset="-128"/>
-              <a:cs typeface="ＭＳ Ｐゴシック" pitchFamily="-106" charset="-128"/>
-            </a:endParaRPr>
-          </a:p>
-          <a:p>
-            <a:pPr eaLnBrk="1" hangingPunct="1">
-              <a:buClr>
-                <a:schemeClr val="accent1"/>
-              </a:buClr>
-              <a:buSzPct val="80000"/>
-              <a:buFont typeface=".AppleSDGothicNeoI-Regular" charset="-127"/>
-              <a:buChar char="◼︎"/>
-            </a:pPr>
-            <a:endParaRPr lang="en-US" sz="1800" dirty="0">
-              <a:ea typeface="ＭＳ Ｐゴシック" pitchFamily="-106" charset="-128"/>
-              <a:cs typeface="ＭＳ Ｐゴシック" pitchFamily="-106" charset="-128"/>
-            </a:endParaRPr>
-          </a:p>
-          <a:p>
-            <a:pPr eaLnBrk="1" hangingPunct="1">
-              <a:buClr>
-                <a:schemeClr val="accent1"/>
-              </a:buClr>
-              <a:buSzPct val="80000"/>
-              <a:buFont typeface=".AppleSDGothicNeoI-Regular" charset="-127"/>
-              <a:buChar char="◼︎"/>
-            </a:pPr>
-            <a:endParaRPr lang="en-US" sz="1800" dirty="0">
-              <a:ea typeface="ＭＳ Ｐゴシック" pitchFamily="-106" charset="-128"/>
-              <a:cs typeface="ＭＳ Ｐゴシック" pitchFamily="-106" charset="-128"/>
-            </a:endParaRPr>
-          </a:p>
         </p:txBody>
       </p:sp>
       <p:sp>
@@ -17038,7 +16964,7 @@
         </p:nvSpPr>
         <p:spPr>
           <a:xfrm>
-            <a:off x="7245037" y="767318"/>
+            <a:off x="7231183" y="794770"/>
             <a:ext cx="2835007" cy="369332"/>
           </a:xfrm>
           <a:prstGeom prst="rect">
@@ -17067,7 +16993,7 @@
     </p:spTree>
     <p:extLst>
       <p:ext uri="{BB962C8B-B14F-4D97-AF65-F5344CB8AC3E}">
-        <p14:creationId xmlns:p14="http://schemas.microsoft.com/office/powerpoint/2010/main" val="107553024"/>
+        <p14:creationId xmlns:p14="http://schemas.microsoft.com/office/powerpoint/2010/main" val="795203890"/>
       </p:ext>
     </p:extLst>
   </p:cSld>
@@ -17106,6 +17032,473 @@
         </p:nvSpPr>
         <p:spPr>
           <a:xfrm>
+            <a:off x="2243138" y="0"/>
+            <a:ext cx="6301134" cy="1136650"/>
+          </a:xfrm>
+        </p:spPr>
+        <p:txBody>
+          <a:bodyPr/>
+          <a:lstStyle/>
+          <a:p>
+            <a:pPr eaLnBrk="1" hangingPunct="1"/>
+            <a:r>
+              <a:rPr lang="en-US" sz="3600" b="1" dirty="0">
+                <a:ea typeface="ＭＳ Ｐゴシック" pitchFamily="-106" charset="-128"/>
+                <a:cs typeface="ＭＳ Ｐゴシック" pitchFamily="-106" charset="-128"/>
+              </a:rPr>
+              <a:t>Fallacies of Risk</a:t>
+            </a:r>
+            <a:endParaRPr lang="de-DE" sz="3600" b="1" dirty="0">
+              <a:ea typeface="ＭＳ Ｐゴシック" pitchFamily="-106" charset="-128"/>
+              <a:cs typeface="ＭＳ Ｐゴシック" pitchFamily="-106" charset="-128"/>
+            </a:endParaRPr>
+          </a:p>
+        </p:txBody>
+      </p:sp>
+      <p:sp>
+        <p:nvSpPr>
+          <p:cNvPr id="32773" name="Rectangle 3"/>
+          <p:cNvSpPr>
+            <a:spLocks noGrp="1" noChangeArrowheads="1"/>
+          </p:cNvSpPr>
+          <p:nvPr>
+            <p:ph sz="half" idx="1"/>
+          </p:nvPr>
+        </p:nvSpPr>
+        <p:spPr/>
+        <p:txBody>
+          <a:bodyPr/>
+          <a:lstStyle/>
+          <a:p>
+            <a:pPr marL="0" indent="0"/>
+            <a:endParaRPr lang="en-US" sz="2400" dirty="0">
+              <a:ea typeface="ＭＳ Ｐゴシック" pitchFamily="-106" charset="-128"/>
+              <a:cs typeface="ＭＳ Ｐゴシック" pitchFamily="-106" charset="-128"/>
+            </a:endParaRPr>
+          </a:p>
+          <a:p>
+            <a:pPr marL="0" indent="0"/>
+            <a:endParaRPr lang="de-DE" dirty="0">
+              <a:ea typeface="ＭＳ Ｐゴシック" pitchFamily="-106" charset="-128"/>
+              <a:cs typeface="ＭＳ Ｐゴシック" pitchFamily="-106" charset="-128"/>
+            </a:endParaRPr>
+          </a:p>
+        </p:txBody>
+      </p:sp>
+      <p:sp>
+        <p:nvSpPr>
+          <p:cNvPr id="4" name="Content Placeholder 3"/>
+          <p:cNvSpPr>
+            <a:spLocks noGrp="1"/>
+          </p:cNvSpPr>
+          <p:nvPr>
+            <p:ph sz="half" idx="2"/>
+          </p:nvPr>
+        </p:nvSpPr>
+        <p:spPr>
+          <a:xfrm>
+            <a:off x="423348" y="1215900"/>
+            <a:ext cx="9940713" cy="4823817"/>
+          </a:xfrm>
+        </p:spPr>
+        <p:txBody>
+          <a:bodyPr/>
+          <a:lstStyle/>
+          <a:p>
+            <a:pPr eaLnBrk="1" hangingPunct="1">
+              <a:buClr>
+                <a:schemeClr val="accent1"/>
+              </a:buClr>
+              <a:buSzPct val="80000"/>
+              <a:buFont typeface=".AppleSDGothicNeoI-Regular" charset="-127"/>
+              <a:buChar char="◼︎"/>
+            </a:pPr>
+            <a:r>
+              <a:rPr lang="en-US" sz="1800" b="1" dirty="0">
+                <a:solidFill>
+                  <a:schemeClr val="accent1"/>
+                </a:solidFill>
+                <a:ea typeface="ＭＳ Ｐゴシック" pitchFamily="-106" charset="-128"/>
+                <a:cs typeface="ＭＳ Ｐゴシック" pitchFamily="-106" charset="-128"/>
+              </a:rPr>
+              <a:t>The sheer size fallacy</a:t>
+            </a:r>
+            <a:r>
+              <a:rPr lang="en-US" sz="1800" dirty="0">
+                <a:ea typeface="ＭＳ Ｐゴシック" pitchFamily="-106" charset="-128"/>
+                <a:cs typeface="ＭＳ Ｐゴシック" pitchFamily="-106" charset="-128"/>
+              </a:rPr>
+              <a:t>: “X is accepted. Y is a smaller risk than X. So, Y should be accepted.” But X and Y may not be alternatives ...</a:t>
+            </a:r>
+          </a:p>
+          <a:p>
+            <a:pPr eaLnBrk="1" hangingPunct="1">
+              <a:buClr>
+                <a:schemeClr val="accent1"/>
+              </a:buClr>
+              <a:buSzPct val="80000"/>
+              <a:buFont typeface=".AppleSDGothicNeoI-Regular" charset="-127"/>
+              <a:buChar char="◼︎"/>
+            </a:pPr>
+            <a:r>
+              <a:rPr lang="en-US" sz="1800" b="1" dirty="0">
+                <a:solidFill>
+                  <a:schemeClr val="accent1"/>
+                </a:solidFill>
+                <a:ea typeface="ＭＳ Ｐゴシック" pitchFamily="-106" charset="-128"/>
+                <a:cs typeface="ＭＳ Ｐゴシック" pitchFamily="-106" charset="-128"/>
+              </a:rPr>
+              <a:t>The fallacy of naturalness</a:t>
+            </a:r>
+            <a:r>
+              <a:rPr lang="en-US" sz="1800" dirty="0">
+                <a:ea typeface="ＭＳ Ｐゴシック" pitchFamily="-106" charset="-128"/>
+                <a:cs typeface="ＭＳ Ｐゴシック" pitchFamily="-106" charset="-128"/>
+              </a:rPr>
+              <a:t>: “X is unnatural. So, X should not be accepted.” But what mean natural?</a:t>
+            </a:r>
+          </a:p>
+          <a:p>
+            <a:pPr eaLnBrk="1" hangingPunct="1">
+              <a:buClr>
+                <a:schemeClr val="accent1"/>
+              </a:buClr>
+              <a:buSzPct val="80000"/>
+              <a:buFont typeface=".AppleSDGothicNeoI-Regular" charset="-127"/>
+              <a:buChar char="◼︎"/>
+            </a:pPr>
+            <a:r>
+              <a:rPr lang="en-US" sz="1800" b="1" dirty="0">
+                <a:solidFill>
+                  <a:schemeClr val="accent1"/>
+                </a:solidFill>
+                <a:ea typeface="ＭＳ Ｐゴシック" pitchFamily="-106" charset="-128"/>
+                <a:cs typeface="ＭＳ Ｐゴシック" pitchFamily="-106" charset="-128"/>
+              </a:rPr>
+              <a:t>The ostrich’s fallacy</a:t>
+            </a:r>
+            <a:r>
+              <a:rPr lang="en-US" sz="1800" dirty="0">
+                <a:ea typeface="ＭＳ Ｐゴシック" pitchFamily="-106" charset="-128"/>
+                <a:cs typeface="ＭＳ Ｐゴシック" pitchFamily="-106" charset="-128"/>
+              </a:rPr>
+              <a:t>: “There is no scientific proof that X is dangerous. So, X does not give rise to any unacceptable risk.”</a:t>
+            </a:r>
+          </a:p>
+          <a:p>
+            <a:pPr eaLnBrk="1" hangingPunct="1">
+              <a:buClr>
+                <a:schemeClr val="accent1"/>
+              </a:buClr>
+              <a:buSzPct val="80000"/>
+              <a:buFont typeface=".AppleSDGothicNeoI-Regular" charset="-127"/>
+              <a:buChar char="◼︎"/>
+            </a:pPr>
+            <a:r>
+              <a:rPr lang="en-US" sz="1800" b="1" dirty="0">
+                <a:solidFill>
+                  <a:schemeClr val="accent1"/>
+                </a:solidFill>
+                <a:ea typeface="ＭＳ Ｐゴシック" pitchFamily="-106" charset="-128"/>
+                <a:cs typeface="ＭＳ Ｐゴシック" pitchFamily="-106" charset="-128"/>
+              </a:rPr>
+              <a:t>The delay fallacy</a:t>
+            </a:r>
+            <a:r>
+              <a:rPr lang="en-US" sz="1800" dirty="0">
+                <a:ea typeface="ＭＳ Ｐゴシック" pitchFamily="-106" charset="-128"/>
+                <a:cs typeface="ＭＳ Ｐゴシック" pitchFamily="-106" charset="-128"/>
+              </a:rPr>
+              <a:t>: “If we wait, we will know more about X. So, no decision about X could be made now.”</a:t>
+            </a:r>
+          </a:p>
+          <a:p>
+            <a:pPr eaLnBrk="1" hangingPunct="1">
+              <a:buClr>
+                <a:schemeClr val="accent1"/>
+              </a:buClr>
+              <a:buSzPct val="80000"/>
+              <a:buFont typeface=".AppleSDGothicNeoI-Regular" charset="-127"/>
+              <a:buChar char="◼︎"/>
+            </a:pPr>
+            <a:r>
+              <a:rPr lang="en-US" sz="1800" b="1" dirty="0">
+                <a:solidFill>
+                  <a:schemeClr val="accent1"/>
+                </a:solidFill>
+                <a:ea typeface="ＭＳ Ｐゴシック" pitchFamily="-106" charset="-128"/>
+                <a:cs typeface="ＭＳ Ｐゴシック" pitchFamily="-106" charset="-128"/>
+              </a:rPr>
+              <a:t>The technocratic fallacy</a:t>
+            </a:r>
+            <a:r>
+              <a:rPr lang="en-US" sz="1800" dirty="0">
+                <a:ea typeface="ＭＳ Ｐゴシック" pitchFamily="-106" charset="-128"/>
+                <a:cs typeface="ＭＳ Ｐゴシック" pitchFamily="-106" charset="-128"/>
+              </a:rPr>
+              <a:t>: “It is an engineering issue how dangerous X is. So engineers should decide whether or not X is acceptable.”</a:t>
+            </a:r>
+          </a:p>
+          <a:p>
+            <a:pPr eaLnBrk="1" hangingPunct="1">
+              <a:buClr>
+                <a:schemeClr val="accent1"/>
+              </a:buClr>
+              <a:buSzPct val="80000"/>
+              <a:buFont typeface=".AppleSDGothicNeoI-Regular" charset="-127"/>
+              <a:buChar char="◼︎"/>
+            </a:pPr>
+            <a:r>
+              <a:rPr lang="en-US" sz="1800" b="1" dirty="0">
+                <a:solidFill>
+                  <a:schemeClr val="accent1"/>
+                </a:solidFill>
+                <a:ea typeface="ＭＳ Ｐゴシック" pitchFamily="-106" charset="-128"/>
+                <a:cs typeface="ＭＳ Ｐゴシック" pitchFamily="-106" charset="-128"/>
+              </a:rPr>
+              <a:t>The fallacy of pricing</a:t>
+            </a:r>
+            <a:r>
+              <a:rPr lang="en-US" sz="1800" dirty="0">
+                <a:ea typeface="ＭＳ Ｐゴシック" pitchFamily="-106" charset="-128"/>
+                <a:cs typeface="ＭＳ Ｐゴシック" pitchFamily="-106" charset="-128"/>
+              </a:rPr>
+              <a:t>: “We have to weight the risk of X against its benefits. So, we must put a price on the risk of X.”</a:t>
+            </a:r>
+          </a:p>
+          <a:p>
+            <a:pPr eaLnBrk="1" hangingPunct="1">
+              <a:buClr>
+                <a:schemeClr val="accent1"/>
+              </a:buClr>
+              <a:buSzPct val="80000"/>
+              <a:buFont typeface=".AppleSDGothicNeoI-Regular" charset="-127"/>
+              <a:buChar char="◼︎"/>
+            </a:pPr>
+            <a:endParaRPr lang="en-US" sz="1800" dirty="0">
+              <a:ea typeface="ＭＳ Ｐゴシック" pitchFamily="-106" charset="-128"/>
+              <a:cs typeface="ＭＳ Ｐゴシック" pitchFamily="-106" charset="-128"/>
+            </a:endParaRPr>
+          </a:p>
+          <a:p>
+            <a:pPr eaLnBrk="1" hangingPunct="1">
+              <a:buClr>
+                <a:schemeClr val="accent1"/>
+              </a:buClr>
+              <a:buSzPct val="80000"/>
+              <a:buFont typeface=".AppleSDGothicNeoI-Regular" charset="-127"/>
+              <a:buChar char="◼︎"/>
+            </a:pPr>
+            <a:endParaRPr lang="en-US" sz="1800" dirty="0">
+              <a:ea typeface="ＭＳ Ｐゴシック" pitchFamily="-106" charset="-128"/>
+              <a:cs typeface="ＭＳ Ｐゴシック" pitchFamily="-106" charset="-128"/>
+            </a:endParaRPr>
+          </a:p>
+          <a:p>
+            <a:pPr eaLnBrk="1" hangingPunct="1">
+              <a:buClr>
+                <a:schemeClr val="accent1"/>
+              </a:buClr>
+              <a:buSzPct val="80000"/>
+              <a:buFont typeface=".AppleSDGothicNeoI-Regular" charset="-127"/>
+              <a:buChar char="◼︎"/>
+            </a:pPr>
+            <a:endParaRPr lang="en-US" sz="1800" dirty="0">
+              <a:ea typeface="ＭＳ Ｐゴシック" pitchFamily="-106" charset="-128"/>
+              <a:cs typeface="ＭＳ Ｐゴシック" pitchFamily="-106" charset="-128"/>
+            </a:endParaRPr>
+          </a:p>
+          <a:p>
+            <a:pPr eaLnBrk="1" hangingPunct="1">
+              <a:buClr>
+                <a:schemeClr val="accent1"/>
+              </a:buClr>
+              <a:buSzPct val="80000"/>
+              <a:buFont typeface=".AppleSDGothicNeoI-Regular" charset="-127"/>
+              <a:buChar char="◼︎"/>
+            </a:pPr>
+            <a:endParaRPr lang="en-US" sz="1800" dirty="0">
+              <a:ea typeface="ＭＳ Ｐゴシック" pitchFamily="-106" charset="-128"/>
+              <a:cs typeface="ＭＳ Ｐゴシック" pitchFamily="-106" charset="-128"/>
+            </a:endParaRPr>
+          </a:p>
+          <a:p>
+            <a:pPr eaLnBrk="1" hangingPunct="1">
+              <a:buClr>
+                <a:schemeClr val="accent1"/>
+              </a:buClr>
+              <a:buSzPct val="80000"/>
+              <a:buFont typeface=".AppleSDGothicNeoI-Regular" charset="-127"/>
+              <a:buChar char="◼︎"/>
+            </a:pPr>
+            <a:endParaRPr lang="en-US" sz="1800" dirty="0">
+              <a:ea typeface="ＭＳ Ｐゴシック" pitchFamily="-106" charset="-128"/>
+              <a:cs typeface="ＭＳ Ｐゴシック" pitchFamily="-106" charset="-128"/>
+            </a:endParaRPr>
+          </a:p>
+          <a:p>
+            <a:pPr eaLnBrk="1" hangingPunct="1">
+              <a:buClr>
+                <a:schemeClr val="accent1"/>
+              </a:buClr>
+              <a:buSzPct val="80000"/>
+              <a:buFont typeface=".AppleSDGothicNeoI-Regular" charset="-127"/>
+              <a:buChar char="◼︎"/>
+            </a:pPr>
+            <a:endParaRPr lang="en-US" sz="1800" dirty="0">
+              <a:ea typeface="ＭＳ Ｐゴシック" pitchFamily="-106" charset="-128"/>
+              <a:cs typeface="ＭＳ Ｐゴシック" pitchFamily="-106" charset="-128"/>
+            </a:endParaRPr>
+          </a:p>
+          <a:p>
+            <a:pPr eaLnBrk="1" hangingPunct="1">
+              <a:buClr>
+                <a:schemeClr val="accent1"/>
+              </a:buClr>
+              <a:buSzPct val="80000"/>
+              <a:buFont typeface=".AppleSDGothicNeoI-Regular" charset="-127"/>
+              <a:buChar char="◼︎"/>
+            </a:pPr>
+            <a:endParaRPr lang="en-US" sz="1800" dirty="0">
+              <a:ea typeface="ＭＳ Ｐゴシック" pitchFamily="-106" charset="-128"/>
+              <a:cs typeface="ＭＳ Ｐゴシック" pitchFamily="-106" charset="-128"/>
+            </a:endParaRPr>
+          </a:p>
+          <a:p>
+            <a:pPr eaLnBrk="1" hangingPunct="1">
+              <a:buClr>
+                <a:schemeClr val="accent1"/>
+              </a:buClr>
+              <a:buSzPct val="80000"/>
+              <a:buFont typeface=".AppleSDGothicNeoI-Regular" charset="-127"/>
+              <a:buChar char="◼︎"/>
+            </a:pPr>
+            <a:endParaRPr lang="en-US" sz="1800" dirty="0">
+              <a:ea typeface="ＭＳ Ｐゴシック" pitchFamily="-106" charset="-128"/>
+              <a:cs typeface="ＭＳ Ｐゴシック" pitchFamily="-106" charset="-128"/>
+            </a:endParaRPr>
+          </a:p>
+          <a:p>
+            <a:pPr eaLnBrk="1" hangingPunct="1">
+              <a:buClr>
+                <a:schemeClr val="accent1"/>
+              </a:buClr>
+              <a:buSzPct val="80000"/>
+              <a:buFont typeface=".AppleSDGothicNeoI-Regular" charset="-127"/>
+              <a:buChar char="◼︎"/>
+            </a:pPr>
+            <a:endParaRPr lang="en-US" sz="1800" dirty="0">
+              <a:ea typeface="ＭＳ Ｐゴシック" pitchFamily="-106" charset="-128"/>
+              <a:cs typeface="ＭＳ Ｐゴシック" pitchFamily="-106" charset="-128"/>
+            </a:endParaRPr>
+          </a:p>
+        </p:txBody>
+      </p:sp>
+      <p:sp>
+        <p:nvSpPr>
+          <p:cNvPr id="5" name="Slide Number Placeholder 4"/>
+          <p:cNvSpPr>
+            <a:spLocks noGrp="1"/>
+          </p:cNvSpPr>
+          <p:nvPr>
+            <p:ph type="sldNum" sz="quarter" idx="12"/>
+          </p:nvPr>
+        </p:nvSpPr>
+        <p:spPr/>
+        <p:txBody>
+          <a:bodyPr/>
+          <a:lstStyle/>
+          <a:p>
+            <a:pPr>
+              <a:defRPr/>
+            </a:pPr>
+            <a:fld id="{0DF685E1-000B-FF46-B3AC-A509A8EDE44A}" type="slidenum">
+              <a:rPr lang="de-DE" smtClean="0"/>
+              <a:pPr>
+                <a:defRPr/>
+              </a:pPr>
+              <a:t>16</a:t>
+            </a:fld>
+            <a:endParaRPr lang="de-DE"/>
+          </a:p>
+        </p:txBody>
+      </p:sp>
+      <p:sp>
+        <p:nvSpPr>
+          <p:cNvPr id="7" name="TextBox 6"/>
+          <p:cNvSpPr txBox="1"/>
+          <p:nvPr/>
+        </p:nvSpPr>
+        <p:spPr>
+          <a:xfrm>
+            <a:off x="7245037" y="767318"/>
+            <a:ext cx="2835007" cy="369332"/>
+          </a:xfrm>
+          <a:prstGeom prst="rect">
+            <a:avLst/>
+          </a:prstGeom>
+          <a:noFill/>
+        </p:spPr>
+        <p:txBody>
+          <a:bodyPr wrap="none" rtlCol="0">
+            <a:spAutoFit/>
+          </a:bodyPr>
+          <a:lstStyle/>
+          <a:p>
+            <a:r>
+              <a:rPr lang="en-GB" dirty="0">
+                <a:latin typeface="Arial" pitchFamily="-112" charset="0"/>
+                <a:ea typeface="ＭＳ Ｐゴシック" pitchFamily="-112" charset="-128"/>
+                <a:cs typeface="ＭＳ Ｐゴシック" pitchFamily="-112" charset="-128"/>
+              </a:rPr>
+              <a:t>[dePoel&amp;Royakkers2011] </a:t>
+            </a:r>
+            <a:endParaRPr lang="en-US" dirty="0"/>
+          </a:p>
+        </p:txBody>
+      </p:sp>
+    </p:spTree>
+    <p:extLst>
+      <p:ext uri="{BB962C8B-B14F-4D97-AF65-F5344CB8AC3E}">
+        <p14:creationId xmlns:p14="http://schemas.microsoft.com/office/powerpoint/2010/main" val="107553024"/>
+      </p:ext>
+    </p:extLst>
+  </p:cSld>
+  <p:clrMapOvr>
+    <a:masterClrMapping/>
+  </p:clrMapOvr>
+</p:sld>
+</file>
+
+<file path=ppt/slides/slide17.xml><?xml version="1.0" encoding="utf-8"?>
+<p:sld xmlns:a="http://schemas.openxmlformats.org/drawingml/2006/main" xmlns:r="http://schemas.openxmlformats.org/officeDocument/2006/relationships" xmlns:p="http://schemas.openxmlformats.org/presentationml/2006/main">
+  <p:cSld>
+    <p:spTree>
+      <p:nvGrpSpPr>
+        <p:cNvPr id="1" name=""/>
+        <p:cNvGrpSpPr/>
+        <p:nvPr/>
+      </p:nvGrpSpPr>
+      <p:grpSpPr>
+        <a:xfrm>
+          <a:off x="0" y="0"/>
+          <a:ext cx="0" cy="0"/>
+          <a:chOff x="0" y="0"/>
+          <a:chExt cx="0" cy="0"/>
+        </a:xfrm>
+      </p:grpSpPr>
+      <p:sp>
+        <p:nvSpPr>
+          <p:cNvPr id="32772" name="Rectangle 2"/>
+          <p:cNvSpPr>
+            <a:spLocks noGrp="1" noChangeArrowheads="1"/>
+          </p:cNvSpPr>
+          <p:nvPr>
+            <p:ph type="title"/>
+          </p:nvPr>
+        </p:nvSpPr>
+        <p:spPr>
+          <a:xfrm>
             <a:off x="387927" y="0"/>
             <a:ext cx="9573491" cy="1136650"/>
           </a:xfrm>
@@ -17365,7 +17758,7 @@
               <a:pPr>
                 <a:defRPr/>
               </a:pPr>
-              <a:t>16</a:t>
+              <a:t>17</a:t>
             </a:fld>
             <a:endParaRPr lang="de-DE"/>
           </a:p>
@@ -17418,7 +17811,7 @@
 </p:sld>
 </file>
 
-<file path=ppt/slides/slide17.xml><?xml version="1.0" encoding="utf-8"?>
+<file path=ppt/slides/slide18.xml><?xml version="1.0" encoding="utf-8"?>
 <p:sld xmlns:a="http://schemas.openxmlformats.org/drawingml/2006/main" xmlns:r="http://schemas.openxmlformats.org/officeDocument/2006/relationships" xmlns:p="http://schemas.openxmlformats.org/presentationml/2006/main">
   <p:cSld>
     <p:spTree>
@@ -17754,7 +18147,7 @@
               <a:pPr>
                 <a:defRPr/>
               </a:pPr>
-              <a:t>17</a:t>
+              <a:t>18</a:t>
             </a:fld>
             <a:endParaRPr lang="de-DE"/>
           </a:p>
@@ -17807,7 +18200,7 @@
 </p:sld>
 </file>
 
-<file path=ppt/slides/slide18.xml><?xml version="1.0" encoding="utf-8"?>
+<file path=ppt/slides/slide19.xml><?xml version="1.0" encoding="utf-8"?>
 <p:sld xmlns:a="http://schemas.openxmlformats.org/drawingml/2006/main" xmlns:r="http://schemas.openxmlformats.org/officeDocument/2006/relationships" xmlns:p="http://schemas.openxmlformats.org/presentationml/2006/main">
   <p:cSld>
     <p:spTree>
@@ -17941,7 +18334,7 @@
               <a:pPr>
                 <a:defRPr/>
               </a:pPr>
-              <a:t>18</a:t>
+              <a:t>19</a:t>
             </a:fld>
             <a:endParaRPr lang="de-DE"/>
           </a:p>
@@ -17994,7 +18387,391 @@
 </p:sld>
 </file>
 
-<file path=ppt/slides/slide19.xml><?xml version="1.0" encoding="utf-8"?>
+<file path=ppt/slides/slide2.xml><?xml version="1.0" encoding="utf-8"?>
+<p:sld xmlns:a="http://schemas.openxmlformats.org/drawingml/2006/main" xmlns:r="http://schemas.openxmlformats.org/officeDocument/2006/relationships" xmlns:p="http://schemas.openxmlformats.org/presentationml/2006/main">
+  <p:cSld>
+    <p:spTree>
+      <p:nvGrpSpPr>
+        <p:cNvPr id="1" name=""/>
+        <p:cNvGrpSpPr/>
+        <p:nvPr/>
+      </p:nvGrpSpPr>
+      <p:grpSpPr>
+        <a:xfrm>
+          <a:off x="0" y="0"/>
+          <a:ext cx="0" cy="0"/>
+          <a:chOff x="0" y="0"/>
+          <a:chExt cx="0" cy="0"/>
+        </a:xfrm>
+      </p:grpSpPr>
+      <p:sp>
+        <p:nvSpPr>
+          <p:cNvPr id="32772" name="Rectangle 2"/>
+          <p:cNvSpPr>
+            <a:spLocks noGrp="1" noChangeArrowheads="1"/>
+          </p:cNvSpPr>
+          <p:nvPr>
+            <p:ph type="title"/>
+          </p:nvPr>
+        </p:nvSpPr>
+        <p:spPr>
+          <a:xfrm>
+            <a:off x="478369" y="144001"/>
+            <a:ext cx="9169401" cy="637849"/>
+          </a:xfrm>
+        </p:spPr>
+        <p:txBody>
+          <a:bodyPr/>
+          <a:lstStyle/>
+          <a:p>
+            <a:pPr eaLnBrk="1" hangingPunct="1"/>
+            <a:r>
+              <a:rPr lang="en-US" sz="3200" b="1" dirty="0">
+                <a:ea typeface="ＭＳ Ｐゴシック" pitchFamily="-106" charset="-128"/>
+                <a:cs typeface="ＭＳ Ｐゴシック" pitchFamily="-106" charset="-128"/>
+              </a:rPr>
+              <a:t>Normative Argumentation</a:t>
+            </a:r>
+            <a:endParaRPr lang="de-DE" sz="3200" b="1" dirty="0">
+              <a:ea typeface="ＭＳ Ｐゴシック" pitchFamily="-106" charset="-128"/>
+              <a:cs typeface="ＭＳ Ｐゴシック" pitchFamily="-106" charset="-128"/>
+            </a:endParaRPr>
+          </a:p>
+        </p:txBody>
+      </p:sp>
+      <p:sp>
+        <p:nvSpPr>
+          <p:cNvPr id="32773" name="Rectangle 3"/>
+          <p:cNvSpPr>
+            <a:spLocks noGrp="1" noChangeArrowheads="1"/>
+          </p:cNvSpPr>
+          <p:nvPr>
+            <p:ph sz="half" idx="1"/>
+          </p:nvPr>
+        </p:nvSpPr>
+        <p:spPr/>
+        <p:txBody>
+          <a:bodyPr/>
+          <a:lstStyle/>
+          <a:p>
+            <a:pPr marL="0" indent="0"/>
+            <a:endParaRPr lang="en-US" sz="2400" dirty="0">
+              <a:ea typeface="ＭＳ Ｐゴシック" pitchFamily="-106" charset="-128"/>
+              <a:cs typeface="ＭＳ Ｐゴシック" pitchFamily="-106" charset="-128"/>
+            </a:endParaRPr>
+          </a:p>
+          <a:p>
+            <a:pPr marL="0" indent="0"/>
+            <a:endParaRPr lang="de-DE" dirty="0">
+              <a:ea typeface="ＭＳ Ｐゴシック" pitchFamily="-106" charset="-128"/>
+              <a:cs typeface="ＭＳ Ｐゴシック" pitchFamily="-106" charset="-128"/>
+            </a:endParaRPr>
+          </a:p>
+        </p:txBody>
+      </p:sp>
+      <p:sp>
+        <p:nvSpPr>
+          <p:cNvPr id="4" name="Content Placeholder 3"/>
+          <p:cNvSpPr>
+            <a:spLocks noGrp="1"/>
+          </p:cNvSpPr>
+          <p:nvPr>
+            <p:ph sz="half" idx="2"/>
+          </p:nvPr>
+        </p:nvSpPr>
+        <p:spPr>
+          <a:xfrm>
+            <a:off x="485296" y="1531624"/>
+            <a:ext cx="11112864" cy="4823817"/>
+          </a:xfrm>
+        </p:spPr>
+        <p:txBody>
+          <a:bodyPr/>
+          <a:lstStyle/>
+          <a:p>
+            <a:pPr eaLnBrk="1" hangingPunct="1">
+              <a:buClr>
+                <a:schemeClr val="accent1"/>
+              </a:buClr>
+              <a:buSzPct val="80000"/>
+              <a:buFont typeface=".AppleSDGothicNeoI-Regular" charset="-127"/>
+              <a:buChar char="◼︎"/>
+            </a:pPr>
+            <a:r>
+              <a:rPr lang="en-US" sz="2000" b="1" dirty="0">
+                <a:solidFill>
+                  <a:schemeClr val="accent1"/>
+                </a:solidFill>
+                <a:ea typeface="ＭＳ Ｐゴシック" pitchFamily="-106" charset="-128"/>
+                <a:cs typeface="ＭＳ Ｐゴシック" pitchFamily="-106" charset="-128"/>
+              </a:rPr>
+              <a:t>Argumentation Theory</a:t>
+            </a:r>
+            <a:r>
+              <a:rPr lang="en-US" sz="2000" dirty="0">
+                <a:ea typeface="ＭＳ Ｐゴシック" pitchFamily="-106" charset="-128"/>
+                <a:cs typeface="ＭＳ Ｐゴシック" pitchFamily="-106" charset="-128"/>
+              </a:rPr>
+              <a:t>: An interdisciplinary study of analyzing and evaluating arguments.</a:t>
+            </a:r>
+          </a:p>
+          <a:p>
+            <a:pPr eaLnBrk="1" hangingPunct="1">
+              <a:buClr>
+                <a:schemeClr val="accent1"/>
+              </a:buClr>
+              <a:buSzPct val="80000"/>
+              <a:buFont typeface=".AppleSDGothicNeoI-Regular" charset="-127"/>
+              <a:buChar char="◼︎"/>
+            </a:pPr>
+            <a:r>
+              <a:rPr lang="en-US" sz="2000" b="1" dirty="0">
+                <a:solidFill>
+                  <a:schemeClr val="accent1"/>
+                </a:solidFill>
+                <a:ea typeface="ＭＳ Ｐゴシック" pitchFamily="-106" charset="-128"/>
+                <a:cs typeface="ＭＳ Ｐゴシック" pitchFamily="-106" charset="-128"/>
+              </a:rPr>
+              <a:t>Argumentation</a:t>
+            </a:r>
+            <a:r>
+              <a:rPr lang="en-US" sz="2000" dirty="0">
+                <a:ea typeface="ＭＳ Ｐゴシック" pitchFamily="-106" charset="-128"/>
+                <a:cs typeface="ＭＳ Ｐゴシック" pitchFamily="-106" charset="-128"/>
+              </a:rPr>
+              <a:t>: A set of statements, of which one (the </a:t>
+            </a:r>
+            <a:r>
+              <a:rPr lang="en-US" sz="2000" b="1" dirty="0">
+                <a:solidFill>
+                  <a:schemeClr val="accent1"/>
+                </a:solidFill>
+                <a:ea typeface="ＭＳ Ｐゴシック" pitchFamily="-106" charset="-128"/>
+                <a:cs typeface="ＭＳ Ｐゴシック" pitchFamily="-106" charset="-128"/>
+              </a:rPr>
+              <a:t>conclusion</a:t>
+            </a:r>
+            <a:r>
+              <a:rPr lang="en-US" sz="2000" dirty="0">
+                <a:ea typeface="ＭＳ Ｐゴシック" pitchFamily="-106" charset="-128"/>
+                <a:cs typeface="ＭＳ Ｐゴシック" pitchFamily="-106" charset="-128"/>
+              </a:rPr>
+              <a:t>) is claimed to follow from the others (the </a:t>
+            </a:r>
+            <a:r>
+              <a:rPr lang="en-US" sz="2000" b="1" dirty="0">
+                <a:solidFill>
+                  <a:schemeClr val="accent1"/>
+                </a:solidFill>
+                <a:ea typeface="ＭＳ Ｐゴシック" pitchFamily="-106" charset="-128"/>
+                <a:cs typeface="ＭＳ Ｐゴシック" pitchFamily="-106" charset="-128"/>
+              </a:rPr>
+              <a:t>premises</a:t>
+            </a:r>
+            <a:r>
+              <a:rPr lang="en-US" sz="2000" dirty="0">
+                <a:ea typeface="ＭＳ Ｐゴシック" pitchFamily="-106" charset="-128"/>
+                <a:cs typeface="ＭＳ Ｐゴシック" pitchFamily="-106" charset="-128"/>
+              </a:rPr>
+              <a:t>).</a:t>
+            </a:r>
+          </a:p>
+          <a:p>
+            <a:pPr eaLnBrk="1" hangingPunct="1">
+              <a:buClr>
+                <a:schemeClr val="accent1"/>
+              </a:buClr>
+              <a:buSzPct val="80000"/>
+              <a:buFont typeface=".AppleSDGothicNeoI-Regular" charset="-127"/>
+              <a:buChar char="◼︎"/>
+            </a:pPr>
+            <a:r>
+              <a:rPr lang="en-US" sz="2000" b="1" dirty="0">
+                <a:solidFill>
+                  <a:schemeClr val="accent1"/>
+                </a:solidFill>
+                <a:ea typeface="ＭＳ Ｐゴシック" pitchFamily="-106" charset="-128"/>
+                <a:cs typeface="ＭＳ Ｐゴシック" pitchFamily="-106" charset="-128"/>
+              </a:rPr>
+              <a:t>Valid Argumentation</a:t>
+            </a:r>
+            <a:r>
+              <a:rPr lang="en-US" sz="2000" dirty="0">
+                <a:ea typeface="ＭＳ Ｐゴシック" pitchFamily="-106" charset="-128"/>
+                <a:cs typeface="ＭＳ Ｐゴシック" pitchFamily="-106" charset="-128"/>
+              </a:rPr>
+              <a:t>: An argument whose conclusion follow with necessity from its premises: if the premises are true, the conclusion must be true.</a:t>
+            </a:r>
+          </a:p>
+          <a:p>
+            <a:pPr lvl="1" eaLnBrk="1" hangingPunct="1">
+              <a:buSzPct val="80000"/>
+              <a:buFont typeface=".AppleSDGothicNeoI-Regular" charset="-127"/>
+              <a:buChar char="◼︎"/>
+            </a:pPr>
+            <a:r>
+              <a:rPr lang="en-US" sz="1600" dirty="0">
+                <a:ea typeface="ＭＳ Ｐゴシック" pitchFamily="-106" charset="-128"/>
+                <a:cs typeface="ＭＳ Ｐゴシック" pitchFamily="-106" charset="-128"/>
+              </a:rPr>
+              <a:t>E.g., </a:t>
+            </a:r>
+            <a:r>
+              <a:rPr lang="en-US" sz="1600" b="1" dirty="0">
+                <a:ea typeface="ＭＳ Ｐゴシック" pitchFamily="-106" charset="-128"/>
+                <a:cs typeface="ＭＳ Ｐゴシック" pitchFamily="-106" charset="-128"/>
+              </a:rPr>
+              <a:t>Modus ponens</a:t>
+            </a:r>
+            <a:r>
+              <a:rPr lang="en-US" sz="1600" dirty="0">
+                <a:ea typeface="ＭＳ Ｐゴシック" pitchFamily="-106" charset="-128"/>
+                <a:cs typeface="ＭＳ Ｐゴシック" pitchFamily="-106" charset="-128"/>
+              </a:rPr>
+              <a:t>: “q” follows from “if p then q” and “p”</a:t>
+            </a:r>
+          </a:p>
+          <a:p>
+            <a:pPr eaLnBrk="1" hangingPunct="1">
+              <a:buClr>
+                <a:schemeClr val="accent1"/>
+              </a:buClr>
+              <a:buSzPct val="80000"/>
+              <a:buFont typeface=".AppleSDGothicNeoI-Regular" charset="-127"/>
+              <a:buChar char="◼︎"/>
+            </a:pPr>
+            <a:r>
+              <a:rPr lang="en-US" sz="2000" b="1" dirty="0">
+                <a:solidFill>
+                  <a:schemeClr val="accent1"/>
+                </a:solidFill>
+                <a:ea typeface="ＭＳ Ｐゴシック" pitchFamily="-106" charset="-128"/>
+                <a:cs typeface="ＭＳ Ｐゴシック" pitchFamily="-106" charset="-128"/>
+              </a:rPr>
+              <a:t>Fallacy</a:t>
+            </a:r>
+            <a:r>
+              <a:rPr lang="en-US" sz="2000" dirty="0">
+                <a:ea typeface="ＭＳ Ｐゴシック" pitchFamily="-106" charset="-128"/>
+                <a:cs typeface="ＭＳ Ｐゴシック" pitchFamily="-106" charset="-128"/>
+              </a:rPr>
+              <a:t>: An error or deficiency in an argument.</a:t>
+            </a:r>
+          </a:p>
+          <a:p>
+            <a:pPr lvl="1" eaLnBrk="1" hangingPunct="1">
+              <a:buSzPct val="80000"/>
+              <a:buFont typeface=".AppleSDGothicNeoI-Regular" charset="-127"/>
+              <a:buChar char="◼︎"/>
+            </a:pPr>
+            <a:r>
+              <a:rPr lang="en-US" sz="1600" dirty="0">
+                <a:ea typeface="ＭＳ Ｐゴシック" pitchFamily="-106" charset="-128"/>
+                <a:cs typeface="ＭＳ Ｐゴシック" pitchFamily="-106" charset="-128"/>
+              </a:rPr>
+              <a:t>E.g., </a:t>
+            </a:r>
+            <a:r>
+              <a:rPr lang="en-US" sz="1600" b="1" dirty="0">
+                <a:ea typeface="ＭＳ Ｐゴシック" pitchFamily="-106" charset="-128"/>
+                <a:cs typeface="ＭＳ Ｐゴシック" pitchFamily="-106" charset="-128"/>
+              </a:rPr>
+              <a:t>Modus </a:t>
+            </a:r>
+            <a:r>
+              <a:rPr lang="en-US" sz="1600" b="1" dirty="0" err="1">
+                <a:ea typeface="ＭＳ Ｐゴシック" pitchFamily="-106" charset="-128"/>
+                <a:cs typeface="ＭＳ Ｐゴシック" pitchFamily="-106" charset="-128"/>
+              </a:rPr>
+              <a:t>tollens</a:t>
+            </a:r>
+            <a:r>
+              <a:rPr lang="en-US" sz="1600" dirty="0">
+                <a:ea typeface="ＭＳ Ｐゴシック" pitchFamily="-106" charset="-128"/>
+                <a:cs typeface="ＭＳ Ｐゴシック" pitchFamily="-106" charset="-128"/>
+              </a:rPr>
+              <a:t>: “not p” follows from “if p then q” and “not q”</a:t>
+            </a:r>
+          </a:p>
+        </p:txBody>
+      </p:sp>
+      <p:sp>
+        <p:nvSpPr>
+          <p:cNvPr id="5" name="Slide Number Placeholder 4"/>
+          <p:cNvSpPr>
+            <a:spLocks noGrp="1"/>
+          </p:cNvSpPr>
+          <p:nvPr>
+            <p:ph type="sldNum" sz="quarter" idx="12"/>
+          </p:nvPr>
+        </p:nvSpPr>
+        <p:spPr/>
+        <p:txBody>
+          <a:bodyPr/>
+          <a:lstStyle/>
+          <a:p>
+            <a:pPr>
+              <a:defRPr/>
+            </a:pPr>
+            <a:fld id="{0DF685E1-000B-FF46-B3AC-A509A8EDE44A}" type="slidenum">
+              <a:rPr lang="de-DE" smtClean="0"/>
+              <a:pPr>
+                <a:defRPr/>
+              </a:pPr>
+              <a:t>2</a:t>
+            </a:fld>
+            <a:endParaRPr lang="de-DE"/>
+          </a:p>
+        </p:txBody>
+      </p:sp>
+      <p:sp>
+        <p:nvSpPr>
+          <p:cNvPr id="9" name="TextBox 8"/>
+          <p:cNvSpPr txBox="1"/>
+          <p:nvPr/>
+        </p:nvSpPr>
+        <p:spPr>
+          <a:xfrm>
+            <a:off x="7099565" y="802074"/>
+            <a:ext cx="2835007" cy="369332"/>
+          </a:xfrm>
+          <a:prstGeom prst="rect">
+            <a:avLst/>
+          </a:prstGeom>
+          <a:noFill/>
+        </p:spPr>
+        <p:txBody>
+          <a:bodyPr wrap="none" rtlCol="0">
+            <a:spAutoFit/>
+          </a:bodyPr>
+          <a:lstStyle/>
+          <a:p>
+            <a:r>
+              <a:rPr lang="en-GB" dirty="0">
+                <a:latin typeface="Arial" pitchFamily="-112" charset="0"/>
+                <a:ea typeface="ＭＳ Ｐゴシック" pitchFamily="-112" charset="-128"/>
+                <a:cs typeface="ＭＳ Ｐゴシック" pitchFamily="-112" charset="-128"/>
+              </a:rPr>
+              <a:t>[dePoel&amp;Royakkers2011] </a:t>
+            </a:r>
+            <a:endParaRPr lang="en-US" dirty="0"/>
+          </a:p>
+        </p:txBody>
+      </p:sp>
+    </p:spTree>
+    <p:extLst>
+      <p:ext uri="{BB962C8B-B14F-4D97-AF65-F5344CB8AC3E}">
+        <p14:creationId xmlns:p14="http://schemas.microsoft.com/office/powerpoint/2010/main" val="96251526"/>
+      </p:ext>
+    </p:extLst>
+  </p:cSld>
+  <p:clrMapOvr>
+    <a:masterClrMapping/>
+  </p:clrMapOvr>
+</p:sld>
+</file>
+
+<file path=ppt/slides/slide20.xml><?xml version="1.0" encoding="utf-8"?>
 <p:sld xmlns:a="http://schemas.openxmlformats.org/drawingml/2006/main" xmlns:r="http://schemas.openxmlformats.org/officeDocument/2006/relationships" xmlns:p="http://schemas.openxmlformats.org/presentationml/2006/main">
   <p:cSld>
     <p:spTree>
@@ -18128,7 +18905,7 @@
               <a:pPr>
                 <a:defRPr/>
               </a:pPr>
-              <a:t>19</a:t>
+              <a:t>20</a:t>
             </a:fld>
             <a:endParaRPr lang="de-DE"/>
           </a:p>
@@ -18172,656 +18949,6 @@
     <p:extLst>
       <p:ext uri="{BB962C8B-B14F-4D97-AF65-F5344CB8AC3E}">
         <p14:creationId xmlns:p14="http://schemas.microsoft.com/office/powerpoint/2010/main" val="789195136"/>
-      </p:ext>
-    </p:extLst>
-  </p:cSld>
-  <p:clrMapOvr>
-    <a:masterClrMapping/>
-  </p:clrMapOvr>
-</p:sld>
-</file>
-
-<file path=ppt/slides/slide2.xml><?xml version="1.0" encoding="utf-8"?>
-<p:sld xmlns:a="http://schemas.openxmlformats.org/drawingml/2006/main" xmlns:r="http://schemas.openxmlformats.org/officeDocument/2006/relationships" xmlns:p="http://schemas.openxmlformats.org/presentationml/2006/main">
-  <p:cSld>
-    <p:spTree>
-      <p:nvGrpSpPr>
-        <p:cNvPr id="1" name=""/>
-        <p:cNvGrpSpPr/>
-        <p:nvPr/>
-      </p:nvGrpSpPr>
-      <p:grpSpPr>
-        <a:xfrm>
-          <a:off x="0" y="0"/>
-          <a:ext cx="0" cy="0"/>
-          <a:chOff x="0" y="0"/>
-          <a:chExt cx="0" cy="0"/>
-        </a:xfrm>
-      </p:grpSpPr>
-      <p:sp>
-        <p:nvSpPr>
-          <p:cNvPr id="32772" name="Rectangle 2"/>
-          <p:cNvSpPr>
-            <a:spLocks noGrp="1" noChangeArrowheads="1"/>
-          </p:cNvSpPr>
-          <p:nvPr>
-            <p:ph type="title"/>
-          </p:nvPr>
-        </p:nvSpPr>
-        <p:spPr>
-          <a:xfrm>
-            <a:off x="478369" y="144001"/>
-            <a:ext cx="9169401" cy="637849"/>
-          </a:xfrm>
-        </p:spPr>
-        <p:txBody>
-          <a:bodyPr/>
-          <a:lstStyle/>
-          <a:p>
-            <a:pPr eaLnBrk="1" hangingPunct="1"/>
-            <a:r>
-              <a:rPr lang="en-US" sz="3200" b="1" dirty="0">
-                <a:ea typeface="ＭＳ Ｐゴシック" pitchFamily="-106" charset="-128"/>
-                <a:cs typeface="ＭＳ Ｐゴシック" pitchFamily="-106" charset="-128"/>
-              </a:rPr>
-              <a:t>Normative Argumentation</a:t>
-            </a:r>
-            <a:endParaRPr lang="de-DE" sz="3200" b="1" dirty="0">
-              <a:ea typeface="ＭＳ Ｐゴシック" pitchFamily="-106" charset="-128"/>
-              <a:cs typeface="ＭＳ Ｐゴシック" pitchFamily="-106" charset="-128"/>
-            </a:endParaRPr>
-          </a:p>
-        </p:txBody>
-      </p:sp>
-      <p:sp>
-        <p:nvSpPr>
-          <p:cNvPr id="32773" name="Rectangle 3"/>
-          <p:cNvSpPr>
-            <a:spLocks noGrp="1" noChangeArrowheads="1"/>
-          </p:cNvSpPr>
-          <p:nvPr>
-            <p:ph sz="half" idx="1"/>
-          </p:nvPr>
-        </p:nvSpPr>
-        <p:spPr/>
-        <p:txBody>
-          <a:bodyPr/>
-          <a:lstStyle/>
-          <a:p>
-            <a:pPr marL="0" indent="0"/>
-            <a:endParaRPr lang="en-US" sz="2400" dirty="0">
-              <a:ea typeface="ＭＳ Ｐゴシック" pitchFamily="-106" charset="-128"/>
-              <a:cs typeface="ＭＳ Ｐゴシック" pitchFamily="-106" charset="-128"/>
-            </a:endParaRPr>
-          </a:p>
-          <a:p>
-            <a:pPr marL="0" indent="0"/>
-            <a:endParaRPr lang="de-DE" dirty="0">
-              <a:ea typeface="ＭＳ Ｐゴシック" pitchFamily="-106" charset="-128"/>
-              <a:cs typeface="ＭＳ Ｐゴシック" pitchFamily="-106" charset="-128"/>
-            </a:endParaRPr>
-          </a:p>
-        </p:txBody>
-      </p:sp>
-      <p:sp>
-        <p:nvSpPr>
-          <p:cNvPr id="4" name="Content Placeholder 3"/>
-          <p:cNvSpPr>
-            <a:spLocks noGrp="1"/>
-          </p:cNvSpPr>
-          <p:nvPr>
-            <p:ph sz="half" idx="2"/>
-          </p:nvPr>
-        </p:nvSpPr>
-        <p:spPr>
-          <a:xfrm>
-            <a:off x="485296" y="1531624"/>
-            <a:ext cx="11112864" cy="4823817"/>
-          </a:xfrm>
-        </p:spPr>
-        <p:txBody>
-          <a:bodyPr/>
-          <a:lstStyle/>
-          <a:p>
-            <a:pPr eaLnBrk="1" hangingPunct="1">
-              <a:buClr>
-                <a:schemeClr val="accent1"/>
-              </a:buClr>
-              <a:buSzPct val="80000"/>
-              <a:buFont typeface=".AppleSDGothicNeoI-Regular" charset="-127"/>
-              <a:buChar char="◼︎"/>
-            </a:pPr>
-            <a:r>
-              <a:rPr lang="en-US" sz="2000" b="1" dirty="0">
-                <a:solidFill>
-                  <a:schemeClr val="accent1"/>
-                </a:solidFill>
-                <a:ea typeface="ＭＳ Ｐゴシック" pitchFamily="-106" charset="-128"/>
-                <a:cs typeface="ＭＳ Ｐゴシック" pitchFamily="-106" charset="-128"/>
-              </a:rPr>
-              <a:t>Argumentation Theory</a:t>
-            </a:r>
-            <a:r>
-              <a:rPr lang="en-US" sz="2000" dirty="0">
-                <a:ea typeface="ＭＳ Ｐゴシック" pitchFamily="-106" charset="-128"/>
-                <a:cs typeface="ＭＳ Ｐゴシック" pitchFamily="-106" charset="-128"/>
-              </a:rPr>
-              <a:t>: An interdisciplinary study of analyzing and evaluating arguments.</a:t>
-            </a:r>
-          </a:p>
-          <a:p>
-            <a:pPr eaLnBrk="1" hangingPunct="1">
-              <a:buClr>
-                <a:schemeClr val="accent1"/>
-              </a:buClr>
-              <a:buSzPct val="80000"/>
-              <a:buFont typeface=".AppleSDGothicNeoI-Regular" charset="-127"/>
-              <a:buChar char="◼︎"/>
-            </a:pPr>
-            <a:r>
-              <a:rPr lang="en-US" sz="2000" b="1" dirty="0">
-                <a:solidFill>
-                  <a:schemeClr val="accent1"/>
-                </a:solidFill>
-                <a:ea typeface="ＭＳ Ｐゴシック" pitchFamily="-106" charset="-128"/>
-                <a:cs typeface="ＭＳ Ｐゴシック" pitchFamily="-106" charset="-128"/>
-              </a:rPr>
-              <a:t>Argumentation</a:t>
-            </a:r>
-            <a:r>
-              <a:rPr lang="en-US" sz="2000" dirty="0">
-                <a:ea typeface="ＭＳ Ｐゴシック" pitchFamily="-106" charset="-128"/>
-                <a:cs typeface="ＭＳ Ｐゴシック" pitchFamily="-106" charset="-128"/>
-              </a:rPr>
-              <a:t>: A set of statements, of which one (the </a:t>
-            </a:r>
-            <a:r>
-              <a:rPr lang="en-US" sz="2000" b="1" dirty="0">
-                <a:solidFill>
-                  <a:schemeClr val="accent1"/>
-                </a:solidFill>
-                <a:ea typeface="ＭＳ Ｐゴシック" pitchFamily="-106" charset="-128"/>
-                <a:cs typeface="ＭＳ Ｐゴシック" pitchFamily="-106" charset="-128"/>
-              </a:rPr>
-              <a:t>conclusion</a:t>
-            </a:r>
-            <a:r>
-              <a:rPr lang="en-US" sz="2000" dirty="0">
-                <a:ea typeface="ＭＳ Ｐゴシック" pitchFamily="-106" charset="-128"/>
-                <a:cs typeface="ＭＳ Ｐゴシック" pitchFamily="-106" charset="-128"/>
-              </a:rPr>
-              <a:t>) is claimed to follow from the others (the </a:t>
-            </a:r>
-            <a:r>
-              <a:rPr lang="en-US" sz="2000" b="1" dirty="0">
-                <a:solidFill>
-                  <a:schemeClr val="accent1"/>
-                </a:solidFill>
-                <a:ea typeface="ＭＳ Ｐゴシック" pitchFamily="-106" charset="-128"/>
-                <a:cs typeface="ＭＳ Ｐゴシック" pitchFamily="-106" charset="-128"/>
-              </a:rPr>
-              <a:t>premises</a:t>
-            </a:r>
-            <a:r>
-              <a:rPr lang="en-US" sz="2000" dirty="0">
-                <a:ea typeface="ＭＳ Ｐゴシック" pitchFamily="-106" charset="-128"/>
-                <a:cs typeface="ＭＳ Ｐゴシック" pitchFamily="-106" charset="-128"/>
-              </a:rPr>
-              <a:t>).</a:t>
-            </a:r>
-          </a:p>
-          <a:p>
-            <a:pPr eaLnBrk="1" hangingPunct="1">
-              <a:buClr>
-                <a:schemeClr val="accent1"/>
-              </a:buClr>
-              <a:buSzPct val="80000"/>
-              <a:buFont typeface=".AppleSDGothicNeoI-Regular" charset="-127"/>
-              <a:buChar char="◼︎"/>
-            </a:pPr>
-            <a:r>
-              <a:rPr lang="en-US" sz="2000" b="1" dirty="0">
-                <a:solidFill>
-                  <a:schemeClr val="accent1"/>
-                </a:solidFill>
-                <a:ea typeface="ＭＳ Ｐゴシック" pitchFamily="-106" charset="-128"/>
-                <a:cs typeface="ＭＳ Ｐゴシック" pitchFamily="-106" charset="-128"/>
-              </a:rPr>
-              <a:t>Valid Argumentation</a:t>
-            </a:r>
-            <a:r>
-              <a:rPr lang="en-US" sz="2000" dirty="0">
-                <a:ea typeface="ＭＳ Ｐゴシック" pitchFamily="-106" charset="-128"/>
-                <a:cs typeface="ＭＳ Ｐゴシック" pitchFamily="-106" charset="-128"/>
-              </a:rPr>
-              <a:t>: An argument whose conclusion follow with necessity from its premises: if the premises are true, the conclusion must be true.</a:t>
-            </a:r>
-          </a:p>
-          <a:p>
-            <a:pPr lvl="1" eaLnBrk="1" hangingPunct="1">
-              <a:buSzPct val="80000"/>
-              <a:buFont typeface=".AppleSDGothicNeoI-Regular" charset="-127"/>
-              <a:buChar char="◼︎"/>
-            </a:pPr>
-            <a:r>
-              <a:rPr lang="en-US" sz="1600" dirty="0">
-                <a:ea typeface="ＭＳ Ｐゴシック" pitchFamily="-106" charset="-128"/>
-                <a:cs typeface="ＭＳ Ｐゴシック" pitchFamily="-106" charset="-128"/>
-              </a:rPr>
-              <a:t>E.g., </a:t>
-            </a:r>
-            <a:r>
-              <a:rPr lang="en-US" sz="1600" b="1" dirty="0">
-                <a:ea typeface="ＭＳ Ｐゴシック" pitchFamily="-106" charset="-128"/>
-                <a:cs typeface="ＭＳ Ｐゴシック" pitchFamily="-106" charset="-128"/>
-              </a:rPr>
-              <a:t>Modus ponens</a:t>
-            </a:r>
-            <a:r>
-              <a:rPr lang="en-US" sz="1600" dirty="0">
-                <a:ea typeface="ＭＳ Ｐゴシック" pitchFamily="-106" charset="-128"/>
-                <a:cs typeface="ＭＳ Ｐゴシック" pitchFamily="-106" charset="-128"/>
-              </a:rPr>
-              <a:t>: “q” follows from “if p then q” and “p”</a:t>
-            </a:r>
-          </a:p>
-          <a:p>
-            <a:pPr eaLnBrk="1" hangingPunct="1">
-              <a:buClr>
-                <a:schemeClr val="accent1"/>
-              </a:buClr>
-              <a:buSzPct val="80000"/>
-              <a:buFont typeface=".AppleSDGothicNeoI-Regular" charset="-127"/>
-              <a:buChar char="◼︎"/>
-            </a:pPr>
-            <a:r>
-              <a:rPr lang="en-US" sz="2000" b="1" dirty="0">
-                <a:solidFill>
-                  <a:schemeClr val="accent1"/>
-                </a:solidFill>
-                <a:ea typeface="ＭＳ Ｐゴシック" pitchFamily="-106" charset="-128"/>
-                <a:cs typeface="ＭＳ Ｐゴシック" pitchFamily="-106" charset="-128"/>
-              </a:rPr>
-              <a:t>Fallacy</a:t>
-            </a:r>
-            <a:r>
-              <a:rPr lang="en-US" sz="2000" dirty="0">
-                <a:ea typeface="ＭＳ Ｐゴシック" pitchFamily="-106" charset="-128"/>
-                <a:cs typeface="ＭＳ Ｐゴシック" pitchFamily="-106" charset="-128"/>
-              </a:rPr>
-              <a:t>: An error or deficiency in an argument.</a:t>
-            </a:r>
-          </a:p>
-          <a:p>
-            <a:pPr lvl="1" eaLnBrk="1" hangingPunct="1">
-              <a:buSzPct val="80000"/>
-              <a:buFont typeface=".AppleSDGothicNeoI-Regular" charset="-127"/>
-              <a:buChar char="◼︎"/>
-            </a:pPr>
-            <a:r>
-              <a:rPr lang="en-US" sz="1600" dirty="0">
-                <a:ea typeface="ＭＳ Ｐゴシック" pitchFamily="-106" charset="-128"/>
-                <a:cs typeface="ＭＳ Ｐゴシック" pitchFamily="-106" charset="-128"/>
-              </a:rPr>
-              <a:t>E.g., </a:t>
-            </a:r>
-            <a:r>
-              <a:rPr lang="en-US" sz="1600" b="1" dirty="0">
-                <a:ea typeface="ＭＳ Ｐゴシック" pitchFamily="-106" charset="-128"/>
-                <a:cs typeface="ＭＳ Ｐゴシック" pitchFamily="-106" charset="-128"/>
-              </a:rPr>
-              <a:t>Modus </a:t>
-            </a:r>
-            <a:r>
-              <a:rPr lang="en-US" sz="1600" b="1" dirty="0" err="1">
-                <a:ea typeface="ＭＳ Ｐゴシック" pitchFamily="-106" charset="-128"/>
-                <a:cs typeface="ＭＳ Ｐゴシック" pitchFamily="-106" charset="-128"/>
-              </a:rPr>
-              <a:t>tollens</a:t>
-            </a:r>
-            <a:r>
-              <a:rPr lang="en-US" sz="1600" dirty="0">
-                <a:ea typeface="ＭＳ Ｐゴシック" pitchFamily="-106" charset="-128"/>
-                <a:cs typeface="ＭＳ Ｐゴシック" pitchFamily="-106" charset="-128"/>
-              </a:rPr>
-              <a:t>: “not p” follows from “if p then q” and “not q”</a:t>
-            </a:r>
-          </a:p>
-        </p:txBody>
-      </p:sp>
-      <p:sp>
-        <p:nvSpPr>
-          <p:cNvPr id="5" name="Slide Number Placeholder 4"/>
-          <p:cNvSpPr>
-            <a:spLocks noGrp="1"/>
-          </p:cNvSpPr>
-          <p:nvPr>
-            <p:ph type="sldNum" sz="quarter" idx="12"/>
-          </p:nvPr>
-        </p:nvSpPr>
-        <p:spPr/>
-        <p:txBody>
-          <a:bodyPr/>
-          <a:lstStyle/>
-          <a:p>
-            <a:pPr>
-              <a:defRPr/>
-            </a:pPr>
-            <a:fld id="{0DF685E1-000B-FF46-B3AC-A509A8EDE44A}" type="slidenum">
-              <a:rPr lang="de-DE" smtClean="0"/>
-              <a:pPr>
-                <a:defRPr/>
-              </a:pPr>
-              <a:t>2</a:t>
-            </a:fld>
-            <a:endParaRPr lang="de-DE"/>
-          </a:p>
-        </p:txBody>
-      </p:sp>
-      <p:sp>
-        <p:nvSpPr>
-          <p:cNvPr id="9" name="TextBox 8"/>
-          <p:cNvSpPr txBox="1"/>
-          <p:nvPr/>
-        </p:nvSpPr>
-        <p:spPr>
-          <a:xfrm>
-            <a:off x="7099565" y="802074"/>
-            <a:ext cx="2835007" cy="369332"/>
-          </a:xfrm>
-          <a:prstGeom prst="rect">
-            <a:avLst/>
-          </a:prstGeom>
-          <a:noFill/>
-        </p:spPr>
-        <p:txBody>
-          <a:bodyPr wrap="none" rtlCol="0">
-            <a:spAutoFit/>
-          </a:bodyPr>
-          <a:lstStyle/>
-          <a:p>
-            <a:r>
-              <a:rPr lang="en-GB" dirty="0">
-                <a:latin typeface="Arial" pitchFamily="-112" charset="0"/>
-                <a:ea typeface="ＭＳ Ｐゴシック" pitchFamily="-112" charset="-128"/>
-                <a:cs typeface="ＭＳ Ｐゴシック" pitchFamily="-112" charset="-128"/>
-              </a:rPr>
-              <a:t>[dePoel&amp;Royakkers2011] </a:t>
-            </a:r>
-            <a:endParaRPr lang="en-US" dirty="0"/>
-          </a:p>
-        </p:txBody>
-      </p:sp>
-    </p:spTree>
-    <p:extLst>
-      <p:ext uri="{BB962C8B-B14F-4D97-AF65-F5344CB8AC3E}">
-        <p14:creationId xmlns:p14="http://schemas.microsoft.com/office/powerpoint/2010/main" val="96251526"/>
-      </p:ext>
-    </p:extLst>
-  </p:cSld>
-  <p:clrMapOvr>
-    <a:masterClrMapping/>
-  </p:clrMapOvr>
-</p:sld>
-</file>
-
-<file path=ppt/slides/slide20.xml><?xml version="1.0" encoding="utf-8"?>
-<p:sld xmlns:a="http://schemas.openxmlformats.org/drawingml/2006/main" xmlns:r="http://schemas.openxmlformats.org/officeDocument/2006/relationships" xmlns:p="http://schemas.openxmlformats.org/presentationml/2006/main">
-  <p:cSld>
-    <p:spTree>
-      <p:nvGrpSpPr>
-        <p:cNvPr id="1" name=""/>
-        <p:cNvGrpSpPr/>
-        <p:nvPr/>
-      </p:nvGrpSpPr>
-      <p:grpSpPr>
-        <a:xfrm>
-          <a:off x="0" y="0"/>
-          <a:ext cx="0" cy="0"/>
-          <a:chOff x="0" y="0"/>
-          <a:chExt cx="0" cy="0"/>
-        </a:xfrm>
-      </p:grpSpPr>
-      <p:sp>
-        <p:nvSpPr>
-          <p:cNvPr id="32772" name="Rectangle 2"/>
-          <p:cNvSpPr>
-            <a:spLocks noGrp="1" noChangeArrowheads="1"/>
-          </p:cNvSpPr>
-          <p:nvPr>
-            <p:ph type="title"/>
-          </p:nvPr>
-        </p:nvSpPr>
-        <p:spPr>
-          <a:xfrm>
-            <a:off x="478369" y="144001"/>
-            <a:ext cx="9169401" cy="576293"/>
-          </a:xfrm>
-        </p:spPr>
-        <p:txBody>
-          <a:bodyPr/>
-          <a:lstStyle/>
-          <a:p>
-            <a:pPr eaLnBrk="1" hangingPunct="1"/>
-            <a:r>
-              <a:rPr lang="en-US" sz="2800" b="1" dirty="0">
-                <a:ea typeface="ＭＳ Ｐゴシック" pitchFamily="-106" charset="-128"/>
-                <a:cs typeface="ＭＳ Ｐゴシック" pitchFamily="-106" charset="-128"/>
-              </a:rPr>
-              <a:t>Ethical Questions in Design &amp; Risk</a:t>
-            </a:r>
-            <a:endParaRPr lang="de-DE" sz="2800" b="1" dirty="0">
-              <a:ea typeface="ＭＳ Ｐゴシック" pitchFamily="-106" charset="-128"/>
-              <a:cs typeface="ＭＳ Ｐゴシック" pitchFamily="-106" charset="-128"/>
-            </a:endParaRPr>
-          </a:p>
-        </p:txBody>
-      </p:sp>
-      <p:sp>
-        <p:nvSpPr>
-          <p:cNvPr id="32773" name="Rectangle 3"/>
-          <p:cNvSpPr>
-            <a:spLocks noGrp="1" noChangeArrowheads="1"/>
-          </p:cNvSpPr>
-          <p:nvPr>
-            <p:ph idx="1"/>
-          </p:nvPr>
-        </p:nvSpPr>
-        <p:spPr/>
-        <p:txBody>
-          <a:bodyPr/>
-          <a:lstStyle/>
-          <a:p>
-            <a:pPr marL="0" indent="0">
-              <a:buClr>
-                <a:schemeClr val="accent1"/>
-              </a:buClr>
-              <a:buSzPct val="80000"/>
-            </a:pPr>
-            <a:r>
-              <a:rPr lang="en-US" sz="2000" dirty="0">
-                <a:ea typeface="ＭＳ Ｐゴシック" pitchFamily="-106" charset="-128"/>
-                <a:cs typeface="ＭＳ Ｐゴシック" pitchFamily="-106" charset="-128"/>
-              </a:rPr>
-              <a:t>A moral problem during design relates to a value conflict with possible moral implications:</a:t>
-            </a:r>
-          </a:p>
-          <a:p>
-            <a:pPr eaLnBrk="1" hangingPunct="1">
-              <a:buClr>
-                <a:schemeClr val="accent1"/>
-              </a:buClr>
-              <a:buSzPct val="80000"/>
-              <a:buFont typeface=".AppleSDGothicNeoI-Regular" charset="-127"/>
-              <a:buChar char="◼︎"/>
-            </a:pPr>
-            <a:r>
-              <a:rPr lang="en-US" sz="2000" b="1" dirty="0">
-                <a:solidFill>
-                  <a:schemeClr val="accent1"/>
-                </a:solidFill>
-                <a:ea typeface="ＭＳ Ｐゴシック" pitchFamily="-106" charset="-128"/>
-                <a:cs typeface="ＭＳ Ｐゴシック" pitchFamily="-106" charset="-128"/>
-              </a:rPr>
-              <a:t>Value conflict</a:t>
-            </a:r>
-            <a:r>
-              <a:rPr lang="en-US" sz="2000" dirty="0">
-                <a:ea typeface="ＭＳ Ｐゴシック" pitchFamily="-106" charset="-128"/>
-                <a:cs typeface="ＭＳ Ｐゴシック" pitchFamily="-106" charset="-128"/>
-              </a:rPr>
-              <a:t>: A value conflict arises if </a:t>
-            </a:r>
-            <a:br>
-              <a:rPr lang="en-US" sz="2000" dirty="0">
-                <a:ea typeface="ＭＳ Ｐゴシック" pitchFamily="-106" charset="-128"/>
-                <a:cs typeface="ＭＳ Ｐゴシック" pitchFamily="-106" charset="-128"/>
-              </a:rPr>
-            </a:br>
-            <a:r>
-              <a:rPr lang="en-US" sz="2000" dirty="0">
-                <a:ea typeface="ＭＳ Ｐゴシック" pitchFamily="-106" charset="-128"/>
-                <a:cs typeface="ＭＳ Ｐゴシック" pitchFamily="-106" charset="-128"/>
-              </a:rPr>
-              <a:t>(1) a choice has to be be made between at least two options for which two values are relevant as choice criteria,</a:t>
-            </a:r>
-            <a:br>
-              <a:rPr lang="en-US" sz="2000" dirty="0">
-                <a:ea typeface="ＭＳ Ｐゴシック" pitchFamily="-106" charset="-128"/>
-                <a:cs typeface="ＭＳ Ｐゴシック" pitchFamily="-106" charset="-128"/>
-              </a:rPr>
-            </a:br>
-            <a:r>
-              <a:rPr lang="en-US" sz="2000" dirty="0">
-                <a:ea typeface="ＭＳ Ｐゴシック" pitchFamily="-106" charset="-128"/>
-                <a:cs typeface="ＭＳ Ｐゴシック" pitchFamily="-106" charset="-128"/>
-              </a:rPr>
-              <a:t>(2) at least two different values select at least two different options best, and</a:t>
-            </a:r>
-            <a:br>
-              <a:rPr lang="en-US" sz="2000" dirty="0">
-                <a:ea typeface="ＭＳ Ｐゴシック" pitchFamily="-106" charset="-128"/>
-                <a:cs typeface="ＭＳ Ｐゴシック" pitchFamily="-106" charset="-128"/>
-              </a:rPr>
-            </a:br>
-            <a:r>
-              <a:rPr lang="en-US" sz="2000" dirty="0">
-                <a:ea typeface="ＭＳ Ｐゴシック" pitchFamily="-106" charset="-128"/>
-                <a:cs typeface="ＭＳ Ｐゴシック" pitchFamily="-106" charset="-128"/>
-              </a:rPr>
-              <a:t>(3) the values do not trump each other.</a:t>
-            </a:r>
-          </a:p>
-          <a:p>
-            <a:pPr eaLnBrk="1" hangingPunct="1">
-              <a:buClr>
-                <a:schemeClr val="accent1"/>
-              </a:buClr>
-              <a:buSzPct val="80000"/>
-              <a:buFont typeface=".AppleSDGothicNeoI-Regular" charset="-127"/>
-              <a:buChar char="◼︎"/>
-            </a:pPr>
-            <a:r>
-              <a:rPr lang="en-US" sz="2000" b="1" dirty="0">
-                <a:solidFill>
-                  <a:schemeClr val="accent1"/>
-                </a:solidFill>
-                <a:ea typeface="ＭＳ Ｐゴシック" pitchFamily="-106" charset="-128"/>
-                <a:cs typeface="ＭＳ Ｐゴシック" pitchFamily="-106" charset="-128"/>
-              </a:rPr>
-              <a:t>Trumping (of values)</a:t>
-            </a:r>
-            <a:r>
-              <a:rPr lang="en-US" sz="2000" dirty="0">
-                <a:ea typeface="ＭＳ Ｐゴシック" pitchFamily="-106" charset="-128"/>
-                <a:cs typeface="ＭＳ Ｐゴシック" pitchFamily="-106" charset="-128"/>
-              </a:rPr>
-              <a:t>: If one value trumps another any(small) amount of the first value is worth more than any (large) amount of the second value.</a:t>
-            </a:r>
-          </a:p>
-          <a:p>
-            <a:pPr marL="0" indent="0"/>
-            <a:endParaRPr lang="en-US" sz="2000" dirty="0">
-              <a:ea typeface="ＭＳ Ｐゴシック" pitchFamily="-106" charset="-128"/>
-              <a:cs typeface="ＭＳ Ｐゴシック" pitchFamily="-106" charset="-128"/>
-            </a:endParaRPr>
-          </a:p>
-          <a:p>
-            <a:pPr marL="0" indent="0"/>
-            <a:endParaRPr lang="de-DE" sz="2000" dirty="0">
-              <a:ea typeface="ＭＳ Ｐゴシック" pitchFamily="-106" charset="-128"/>
-              <a:cs typeface="ＭＳ Ｐゴシック" pitchFamily="-106" charset="-128"/>
-            </a:endParaRPr>
-          </a:p>
-        </p:txBody>
-      </p:sp>
-      <p:sp>
-        <p:nvSpPr>
-          <p:cNvPr id="5" name="Slide Number Placeholder 4"/>
-          <p:cNvSpPr>
-            <a:spLocks noGrp="1"/>
-          </p:cNvSpPr>
-          <p:nvPr>
-            <p:ph type="sldNum" sz="quarter" idx="12"/>
-          </p:nvPr>
-        </p:nvSpPr>
-        <p:spPr/>
-        <p:txBody>
-          <a:bodyPr/>
-          <a:lstStyle/>
-          <a:p>
-            <a:pPr>
-              <a:defRPr/>
-            </a:pPr>
-            <a:fld id="{0DF685E1-000B-FF46-B3AC-A509A8EDE44A}" type="slidenum">
-              <a:rPr lang="de-DE" smtClean="0"/>
-              <a:pPr>
-                <a:defRPr/>
-              </a:pPr>
-              <a:t>20</a:t>
-            </a:fld>
-            <a:endParaRPr lang="de-DE"/>
-          </a:p>
-        </p:txBody>
-      </p:sp>
-      <p:sp>
-        <p:nvSpPr>
-          <p:cNvPr id="6" name="TextBox 5"/>
-          <p:cNvSpPr txBox="1"/>
-          <p:nvPr/>
-        </p:nvSpPr>
-        <p:spPr>
-          <a:xfrm>
-            <a:off x="7328165" y="782135"/>
-            <a:ext cx="2835007" cy="369332"/>
-          </a:xfrm>
-          <a:prstGeom prst="rect">
-            <a:avLst/>
-          </a:prstGeom>
-          <a:noFill/>
-        </p:spPr>
-        <p:txBody>
-          <a:bodyPr wrap="none" rtlCol="0">
-            <a:spAutoFit/>
-          </a:bodyPr>
-          <a:lstStyle/>
-          <a:p>
-            <a:r>
-              <a:rPr lang="en-GB" dirty="0">
-                <a:latin typeface="Arial" pitchFamily="-112" charset="0"/>
-                <a:ea typeface="ＭＳ Ｐゴシック" pitchFamily="-112" charset="-128"/>
-                <a:cs typeface="ＭＳ Ｐゴシック" pitchFamily="-112" charset="-128"/>
-              </a:rPr>
-              <a:t>[dePoel&amp;Royakkers2011] </a:t>
-            </a:r>
-            <a:endParaRPr lang="en-US" dirty="0"/>
-          </a:p>
-        </p:txBody>
-      </p:sp>
-    </p:spTree>
-    <p:extLst>
-      <p:ext uri="{BB962C8B-B14F-4D97-AF65-F5344CB8AC3E}">
-        <p14:creationId xmlns:p14="http://schemas.microsoft.com/office/powerpoint/2010/main" val="180778513"/>
       </p:ext>
     </p:extLst>
   </p:cSld>
@@ -18861,7 +18988,7 @@
         <p:spPr>
           <a:xfrm>
             <a:off x="478369" y="144001"/>
-            <a:ext cx="9169401" cy="637849"/>
+            <a:ext cx="9169401" cy="576293"/>
           </a:xfrm>
         </p:spPr>
         <p:txBody>
@@ -18870,13 +18997,13 @@
           <a:p>
             <a:pPr eaLnBrk="1" hangingPunct="1"/>
             <a:r>
-              <a:rPr lang="en-US" sz="3200" b="1" dirty="0">
+              <a:rPr lang="en-US" sz="2800" b="1" dirty="0">
                 <a:ea typeface="ＭＳ Ｐゴシック" pitchFamily="-106" charset="-128"/>
                 <a:cs typeface="ＭＳ Ｐゴシック" pitchFamily="-106" charset="-128"/>
               </a:rPr>
-              <a:t>Cost-Benefit Analysis</a:t>
-            </a:r>
-            <a:endParaRPr lang="de-DE" sz="3200" b="1" dirty="0">
+              <a:t>Ethical Questions in Design &amp; Risk</a:t>
+            </a:r>
+            <a:endParaRPr lang="de-DE" sz="2800" b="1" dirty="0">
               <a:ea typeface="ＭＳ Ｐゴシック" pitchFamily="-106" charset="-128"/>
               <a:cs typeface="ＭＳ Ｐゴシック" pitchFamily="-106" charset="-128"/>
             </a:endParaRPr>
@@ -18893,15 +19020,25 @@
             <p:ph idx="1"/>
           </p:nvPr>
         </p:nvSpPr>
-        <p:spPr>
-          <a:xfrm>
-            <a:off x="422564" y="1243414"/>
-            <a:ext cx="10043103" cy="4187568"/>
-          </a:xfrm>
-        </p:spPr>
+        <p:spPr/>
         <p:txBody>
           <a:bodyPr/>
           <a:lstStyle/>
+          <a:p>
+            <a:pPr marL="0" indent="0">
+              <a:buClr>
+                <a:schemeClr val="accent1"/>
+              </a:buClr>
+              <a:buSzPct val="80000"/>
+            </a:pPr>
+            <a:r>
+              <a:rPr lang="en-US" sz="2000" dirty="0">
+                <a:ea typeface="ＭＳ Ｐゴシック" pitchFamily="-106" charset="-128"/>
+                <a:cs typeface="ＭＳ Ｐゴシック" pitchFamily="-106" charset="-128"/>
+              </a:rPr>
+              <a:t>A moral problem during design relates to a value conflict with possible moral implications:</a:t>
+            </a:r>
+          </a:p>
           <a:p>
             <a:pPr eaLnBrk="1" hangingPunct="1">
               <a:buClr>
@@ -18919,14 +19056,53 @@
                 <a:ea typeface="ＭＳ Ｐゴシック" pitchFamily="-106" charset="-128"/>
                 <a:cs typeface="ＭＳ Ｐゴシック" pitchFamily="-106" charset="-128"/>
               </a:rPr>
-              <a:t>Cost-Benefit Analysis</a:t>
+              <a:t>Value conflict</a:t>
             </a:r>
             <a:r>
               <a:rPr lang="en-US" sz="2000" dirty="0">
                 <a:ea typeface="ＭＳ Ｐゴシック" pitchFamily="-106" charset="-128"/>
                 <a:cs typeface="ＭＳ Ｐゴシック" pitchFamily="-106" charset="-128"/>
               </a:rPr>
-              <a:t>: A method for comparing alternatives in which the relevant advantages (benefits) and disadvantages (costs) of the options are expressed in monetary units and the overall monetary cost or benefit of each alternative is calculated.</a:t>
+              <a:t>: A value conflict arises if </a:t>
+            </a:r>
+            <a:br>
+              <a:rPr lang="en-US" sz="2000" dirty="0">
+                <a:ea typeface="ＭＳ Ｐゴシック" pitchFamily="-106" charset="-128"/>
+                <a:cs typeface="ＭＳ Ｐゴシック" pitchFamily="-106" charset="-128"/>
+              </a:rPr>
+            </a:br>
+            <a:r>
+              <a:rPr lang="en-US" sz="2000" dirty="0">
+                <a:ea typeface="ＭＳ Ｐゴシック" pitchFamily="-106" charset="-128"/>
+                <a:cs typeface="ＭＳ Ｐゴシック" pitchFamily="-106" charset="-128"/>
+              </a:rPr>
+              <a:t>(1) a choice has to be be made between at least two options for which two values are relevant as choice criteria,</a:t>
+            </a:r>
+            <a:br>
+              <a:rPr lang="en-US" sz="2000" dirty="0">
+                <a:ea typeface="ＭＳ Ｐゴシック" pitchFamily="-106" charset="-128"/>
+                <a:cs typeface="ＭＳ Ｐゴシック" pitchFamily="-106" charset="-128"/>
+              </a:rPr>
+            </a:br>
+            <a:r>
+              <a:rPr lang="en-US" sz="2000" dirty="0">
+                <a:ea typeface="ＭＳ Ｐゴシック" pitchFamily="-106" charset="-128"/>
+                <a:cs typeface="ＭＳ Ｐゴシック" pitchFamily="-106" charset="-128"/>
+              </a:rPr>
+              <a:t>(2) at least two different values select at least two different options best, and</a:t>
+            </a:r>
+            <a:br>
+              <a:rPr lang="en-US" sz="2000" dirty="0">
+                <a:ea typeface="ＭＳ Ｐゴシック" pitchFamily="-106" charset="-128"/>
+                <a:cs typeface="ＭＳ Ｐゴシック" pitchFamily="-106" charset="-128"/>
+              </a:rPr>
+            </a:br>
+            <a:r>
+              <a:rPr lang="en-US" sz="2000" dirty="0">
+                <a:ea typeface="ＭＳ Ｐゴシック" pitchFamily="-106" charset="-128"/>
+                <a:cs typeface="ＭＳ Ｐゴシック" pitchFamily="-106" charset="-128"/>
+              </a:rPr>
+              <a:t>(3) the values do not trump each other.</a:t>
             </a:r>
           </a:p>
           <a:p>
@@ -18946,56 +19122,15 @@
                 <a:ea typeface="ＭＳ Ｐゴシック" pitchFamily="-106" charset="-128"/>
                 <a:cs typeface="ＭＳ Ｐゴシック" pitchFamily="-106" charset="-128"/>
               </a:rPr>
-              <a:t>Contingent Validation</a:t>
+              <a:t>Trumping (of values)</a:t>
             </a:r>
             <a:r>
               <a:rPr lang="en-US" sz="2000" dirty="0">
                 <a:ea typeface="ＭＳ Ｐゴシック" pitchFamily="-106" charset="-128"/>
                 <a:cs typeface="ＭＳ Ｐゴシック" pitchFamily="-106" charset="-128"/>
               </a:rPr>
-              <a:t>: An approach to express values like safety or sustainability in monetary unity by asking people how much they are willing to pay for a certain level of safety or sustainability (for example, the preservation of a piece of beautiful nature).</a:t>
-            </a:r>
-          </a:p>
-          <a:p>
-            <a:pPr eaLnBrk="1" hangingPunct="1">
-              <a:buClr>
-                <a:schemeClr val="accent1"/>
-              </a:buClr>
-              <a:buSzPct val="80000"/>
-              <a:buFont typeface=".AppleSDGothicNeoI-Regular" charset="-127"/>
-              <a:buChar char="◼︎"/>
-            </a:pPr>
-            <a:r>
-              <a:rPr lang="en-US" sz="2000" b="1" dirty="0">
-                <a:solidFill>
-                  <a:schemeClr val="accent1"/>
-                </a:solidFill>
-                <a:ea typeface="ＭＳ Ｐゴシック" pitchFamily="-106" charset="-128"/>
-                <a:cs typeface="ＭＳ Ｐゴシック" pitchFamily="-106" charset="-128"/>
-              </a:rPr>
-              <a:t>Incommensurability</a:t>
-            </a:r>
-            <a:r>
-              <a:rPr lang="en-US" sz="2000" dirty="0">
-                <a:ea typeface="ＭＳ Ｐゴシック" pitchFamily="-106" charset="-128"/>
-                <a:cs typeface="ＭＳ Ｐゴシック" pitchFamily="-106" charset="-128"/>
-              </a:rPr>
-              <a:t>: Two (or more) values are incommensurable if they cannot be expressed or measured on a common scale or in terms of a common value measure.</a:t>
-            </a:r>
-          </a:p>
-          <a:p>
-            <a:pPr eaLnBrk="1" hangingPunct="1">
-              <a:buClr>
-                <a:schemeClr val="accent1"/>
-              </a:buClr>
-              <a:buSzPct val="80000"/>
-              <a:buFont typeface=".AppleSDGothicNeoI-Regular" charset="-127"/>
-              <a:buChar char="◼︎"/>
-            </a:pPr>
-            <a:endParaRPr lang="en-US" sz="2000" dirty="0">
-              <a:ea typeface="ＭＳ Ｐゴシック" pitchFamily="-106" charset="-128"/>
-              <a:cs typeface="ＭＳ Ｐゴシック" pitchFamily="-106" charset="-128"/>
-            </a:endParaRPr>
+              <a:t>: If one value trumps another any(small) amount of the first value is worth more than any (large) amount of the second value.</a:t>
+            </a:r>
           </a:p>
           <a:p>
             <a:pPr marL="0" indent="0"/>
@@ -19050,7 +19185,7 @@
         </p:nvSpPr>
         <p:spPr>
           <a:xfrm>
-            <a:off x="7245037" y="769997"/>
+            <a:off x="7328165" y="782135"/>
             <a:ext cx="2835007" cy="369332"/>
           </a:xfrm>
           <a:prstGeom prst="rect">
@@ -19079,7 +19214,7 @@
     </p:spTree>
     <p:extLst>
       <p:ext uri="{BB962C8B-B14F-4D97-AF65-F5344CB8AC3E}">
-        <p14:creationId xmlns:p14="http://schemas.microsoft.com/office/powerpoint/2010/main" val="2043334103"/>
+        <p14:creationId xmlns:p14="http://schemas.microsoft.com/office/powerpoint/2010/main" val="180778513"/>
       </p:ext>
     </p:extLst>
   </p:cSld>
@@ -19132,7 +19267,7 @@
                 <a:ea typeface="ＭＳ Ｐゴシック" pitchFamily="-106" charset="-128"/>
                 <a:cs typeface="ＭＳ Ｐゴシック" pitchFamily="-106" charset="-128"/>
               </a:rPr>
-              <a:t>Other Methods ...</a:t>
+              <a:t>Cost-Benefit Analysis</a:t>
             </a:r>
             <a:endParaRPr lang="de-DE" sz="3200" b="1" dirty="0">
               <a:ea typeface="ＭＳ Ｐゴシック" pitchFamily="-106" charset="-128"/>
@@ -19153,14 +19288,12 @@
         </p:nvSpPr>
         <p:spPr>
           <a:xfrm>
-            <a:off x="476463" y="1069173"/>
-            <a:ext cx="9800649" cy="4895825"/>
+            <a:off x="422564" y="1243414"/>
+            <a:ext cx="10043103" cy="4187568"/>
           </a:xfrm>
         </p:spPr>
         <p:txBody>
-          <a:bodyPr>
-            <a:normAutofit/>
-          </a:bodyPr>
+          <a:bodyPr/>
           <a:lstStyle/>
           <a:p>
             <a:pPr eaLnBrk="1" hangingPunct="1">
@@ -19172,7 +19305,7 @@
               <a:buChar char="◼︎"/>
             </a:pPr>
             <a:r>
-              <a:rPr lang="en-US" b="1" dirty="0">
+              <a:rPr lang="en-US" sz="2000" b="1" dirty="0">
                 <a:solidFill>
                   <a:schemeClr val="accent1"/>
                 </a:solidFill>
@@ -19182,25 +19315,11 @@
               <a:t>Cost-Benefit Analysis</a:t>
             </a:r>
             <a:r>
-              <a:rPr lang="en-US" dirty="0">
+              <a:rPr lang="en-US" sz="2000" dirty="0">
                 <a:ea typeface="ＭＳ Ｐゴシック" pitchFamily="-106" charset="-128"/>
                 <a:cs typeface="ＭＳ Ｐゴシック" pitchFamily="-106" charset="-128"/>
               </a:rPr>
-              <a:t>: A method for comparing alternatives in which various decision criteria re distinguished on basis of which the alternatives score. On the basis of the score of each of </a:t>
-            </a:r>
-            <a:r>
-              <a:rPr lang="en-US" dirty="0" err="1">
-                <a:ea typeface="ＭＳ Ｐゴシック" pitchFamily="-106" charset="-128"/>
-                <a:cs typeface="ＭＳ Ｐゴシック" pitchFamily="-106" charset="-128"/>
-              </a:rPr>
-              <a:t>th</a:t>
-            </a:r>
-            <a:r>
-              <a:rPr lang="en-US" dirty="0">
-                <a:ea typeface="ＭＳ Ｐゴシック" pitchFamily="-106" charset="-128"/>
-                <a:cs typeface="ＭＳ Ｐゴシック" pitchFamily="-106" charset="-128"/>
-              </a:rPr>
-              <a:t> alternatives on the individual criteria, usually a total score is calculated for each alternative.</a:t>
+              <a:t>: A method for comparing alternatives in which the relevant advantages (benefits) and disadvantages (costs) of the options are expressed in monetary units and the overall monetary cost or benefit of each alternative is calculated.</a:t>
             </a:r>
           </a:p>
           <a:p>
@@ -19213,21 +19332,21 @@
               <a:buChar char="◼︎"/>
             </a:pPr>
             <a:r>
-              <a:rPr lang="en-US" b="1" dirty="0">
+              <a:rPr lang="en-US" sz="2000" b="1" dirty="0">
                 <a:solidFill>
                   <a:schemeClr val="accent1"/>
                 </a:solidFill>
                 <a:ea typeface="ＭＳ Ｐゴシック" pitchFamily="-106" charset="-128"/>
                 <a:cs typeface="ＭＳ Ｐゴシック" pitchFamily="-106" charset="-128"/>
               </a:rPr>
-              <a:t>Threshold</a:t>
-            </a:r>
-            <a:r>
-              <a:rPr lang="en-US" dirty="0">
+              <a:t>Contingent Validation</a:t>
+            </a:r>
+            <a:r>
+              <a:rPr lang="en-US" sz="2000" dirty="0">
                 <a:ea typeface="ＭＳ Ｐゴシック" pitchFamily="-106" charset="-128"/>
                 <a:cs typeface="ＭＳ Ｐゴシック" pitchFamily="-106" charset="-128"/>
               </a:rPr>
-              <a:t>: The minimal level of a (design) criterion or value that an alternative has to meet in order to be acceptable with respect to that criterion or value.</a:t>
+              <a:t>: An approach to express values like safety or sustainability in monetary unity by asking people how much they are willing to pay for a certain level of safety or sustainability (for example, the preservation of a piece of beautiful nature).</a:t>
             </a:r>
           </a:p>
           <a:p>
@@ -19240,21 +19359,21 @@
               <a:buChar char="◼︎"/>
             </a:pPr>
             <a:r>
-              <a:rPr lang="en-US" b="1" dirty="0">
+              <a:rPr lang="en-US" sz="2000" b="1" dirty="0">
                 <a:solidFill>
                   <a:schemeClr val="accent1"/>
                 </a:solidFill>
                 <a:ea typeface="ＭＳ Ｐゴシック" pitchFamily="-106" charset="-128"/>
                 <a:cs typeface="ＭＳ Ｐゴシック" pitchFamily="-106" charset="-128"/>
               </a:rPr>
-              <a:t>Reasoning</a:t>
-            </a:r>
-            <a:r>
-              <a:rPr lang="en-US" dirty="0">
+              <a:t>Incommensurability</a:t>
+            </a:r>
+            <a:r>
+              <a:rPr lang="en-US" sz="2000" dirty="0">
                 <a:ea typeface="ＭＳ Ｐゴシック" pitchFamily="-106" charset="-128"/>
                 <a:cs typeface="ＭＳ Ｐゴシック" pitchFamily="-106" charset="-128"/>
               </a:rPr>
-              <a:t>: An approach that aims at clarifying the values that underlie the conflicting design requirements by (1) identify relevant values, (2) specify the values, and (3) looking for common ground among values.</a:t>
+              <a:t>: Two (or more) values are incommensurable if they cannot be expressed or measured on a common scale or in terms of a common value measure.</a:t>
             </a:r>
           </a:p>
           <a:p>
@@ -19266,104 +19385,21 @@
               <a:buFont typeface=".AppleSDGothicNeoI-Regular" charset="-127"/>
               <a:buChar char="◼︎"/>
             </a:pPr>
-            <a:r>
-              <a:rPr lang="en-US" b="1" dirty="0">
-                <a:solidFill>
-                  <a:schemeClr val="accent1"/>
-                </a:solidFill>
-                <a:ea typeface="ＭＳ Ｐゴシック" pitchFamily="-106" charset="-128"/>
-                <a:cs typeface="ＭＳ Ｐゴシック" pitchFamily="-106" charset="-128"/>
-              </a:rPr>
-              <a:t>Value Sensitive Design</a:t>
-            </a:r>
-            <a:r>
-              <a:rPr lang="en-US" dirty="0">
-                <a:ea typeface="ＭＳ Ｐゴシック" pitchFamily="-106" charset="-128"/>
-                <a:cs typeface="ＭＳ Ｐゴシック" pitchFamily="-106" charset="-128"/>
-              </a:rPr>
-              <a:t>: An approach that aims at integrating values of ethical importance in a systematic way in engineering design.</a:t>
-            </a:r>
-          </a:p>
-          <a:p>
-            <a:pPr eaLnBrk="1" hangingPunct="1">
-              <a:buClr>
-                <a:schemeClr val="accent1"/>
-              </a:buClr>
-              <a:buSzPct val="80000"/>
-              <a:buFont typeface=".AppleSDGothicNeoI-Regular" charset="-127"/>
-              <a:buChar char="◼︎"/>
-            </a:pPr>
-            <a:endParaRPr lang="en-US" dirty="0">
+            <a:endParaRPr lang="en-US" sz="2000" dirty="0">
               <a:ea typeface="ＭＳ Ｐゴシック" pitchFamily="-106" charset="-128"/>
               <a:cs typeface="ＭＳ Ｐゴシック" pitchFamily="-106" charset="-128"/>
             </a:endParaRPr>
           </a:p>
           <a:p>
-            <a:pPr eaLnBrk="1" hangingPunct="1">
-              <a:buClr>
-                <a:schemeClr val="accent1"/>
-              </a:buClr>
-              <a:buSzPct val="80000"/>
-              <a:buFont typeface=".AppleSDGothicNeoI-Regular" charset="-127"/>
-              <a:buChar char="◼︎"/>
-            </a:pPr>
-            <a:endParaRPr lang="en-US" dirty="0">
+            <a:pPr marL="0" indent="0"/>
+            <a:endParaRPr lang="en-US" sz="2000" dirty="0">
               <a:ea typeface="ＭＳ Ｐゴシック" pitchFamily="-106" charset="-128"/>
               <a:cs typeface="ＭＳ Ｐゴシック" pitchFamily="-106" charset="-128"/>
             </a:endParaRPr>
           </a:p>
           <a:p>
-            <a:pPr eaLnBrk="1" hangingPunct="1">
-              <a:buClr>
-                <a:schemeClr val="accent1"/>
-              </a:buClr>
-              <a:buSzPct val="80000"/>
-              <a:buFont typeface=".AppleSDGothicNeoI-Regular" charset="-127"/>
-              <a:buChar char="◼︎"/>
-            </a:pPr>
-            <a:endParaRPr lang="en-US" dirty="0">
-              <a:ea typeface="ＭＳ Ｐゴシック" pitchFamily="-106" charset="-128"/>
-              <a:cs typeface="ＭＳ Ｐゴシック" pitchFamily="-106" charset="-128"/>
-            </a:endParaRPr>
-          </a:p>
-          <a:p>
-            <a:pPr eaLnBrk="1" hangingPunct="1">
-              <a:buClr>
-                <a:schemeClr val="accent1"/>
-              </a:buClr>
-              <a:buSzPct val="80000"/>
-              <a:buFont typeface=".AppleSDGothicNeoI-Regular" charset="-127"/>
-              <a:buChar char="◼︎"/>
-            </a:pPr>
-            <a:endParaRPr lang="en-US" dirty="0">
-              <a:ea typeface="ＭＳ Ｐゴシック" pitchFamily="-106" charset="-128"/>
-              <a:cs typeface="ＭＳ Ｐゴシック" pitchFamily="-106" charset="-128"/>
-            </a:endParaRPr>
-          </a:p>
-          <a:p>
-            <a:pPr eaLnBrk="1" hangingPunct="1">
-              <a:buClr>
-                <a:schemeClr val="accent1"/>
-              </a:buClr>
-              <a:buSzPct val="80000"/>
-              <a:buFont typeface=".AppleSDGothicNeoI-Regular" charset="-127"/>
-              <a:buChar char="◼︎"/>
-            </a:pPr>
-            <a:endParaRPr lang="en-US" dirty="0">
-              <a:ea typeface="ＭＳ Ｐゴシック" pitchFamily="-106" charset="-128"/>
-              <a:cs typeface="ＭＳ Ｐゴシック" pitchFamily="-106" charset="-128"/>
-            </a:endParaRPr>
-          </a:p>
-          <a:p>
             <a:pPr marL="0" indent="0"/>
-            <a:endParaRPr lang="en-US" dirty="0">
-              <a:ea typeface="ＭＳ Ｐゴシック" pitchFamily="-106" charset="-128"/>
-              <a:cs typeface="ＭＳ Ｐゴシック" pitchFamily="-106" charset="-128"/>
-            </a:endParaRPr>
-          </a:p>
-          <a:p>
-            <a:pPr marL="0" indent="0"/>
-            <a:endParaRPr lang="de-DE" dirty="0">
+            <a:endParaRPr lang="de-DE" sz="2000" dirty="0">
               <a:ea typeface="ＭＳ Ｐゴシック" pitchFamily="-106" charset="-128"/>
               <a:cs typeface="ＭＳ Ｐゴシック" pitchFamily="-106" charset="-128"/>
             </a:endParaRPr>
@@ -19407,7 +19443,7 @@
         </p:nvSpPr>
         <p:spPr>
           <a:xfrm>
-            <a:off x="7196546" y="421921"/>
+            <a:off x="7245037" y="769997"/>
             <a:ext cx="2835007" cy="369332"/>
           </a:xfrm>
           <a:prstGeom prst="rect">
@@ -19436,7 +19472,7 @@
     </p:spTree>
     <p:extLst>
       <p:ext uri="{BB962C8B-B14F-4D97-AF65-F5344CB8AC3E}">
-        <p14:creationId xmlns:p14="http://schemas.microsoft.com/office/powerpoint/2010/main" val="1820950992"/>
+        <p14:creationId xmlns:p14="http://schemas.microsoft.com/office/powerpoint/2010/main" val="2043334103"/>
       </p:ext>
     </p:extLst>
   </p:cSld>
@@ -19489,9 +19525,238 @@
                 <a:ea typeface="ＭＳ Ｐゴシック" pitchFamily="-106" charset="-128"/>
                 <a:cs typeface="ＭＳ Ｐゴシック" pitchFamily="-106" charset="-128"/>
               </a:rPr>
-              <a:t>Comparison of the Methods ...</a:t>
+              <a:t>Other Methods ...</a:t>
             </a:r>
             <a:endParaRPr lang="de-DE" sz="3200" b="1" dirty="0">
+              <a:ea typeface="ＭＳ Ｐゴシック" pitchFamily="-106" charset="-128"/>
+              <a:cs typeface="ＭＳ Ｐゴシック" pitchFamily="-106" charset="-128"/>
+            </a:endParaRPr>
+          </a:p>
+        </p:txBody>
+      </p:sp>
+      <p:sp>
+        <p:nvSpPr>
+          <p:cNvPr id="32773" name="Rectangle 3"/>
+          <p:cNvSpPr>
+            <a:spLocks noGrp="1" noChangeArrowheads="1"/>
+          </p:cNvSpPr>
+          <p:nvPr>
+            <p:ph idx="1"/>
+          </p:nvPr>
+        </p:nvSpPr>
+        <p:spPr>
+          <a:xfrm>
+            <a:off x="476463" y="1069173"/>
+            <a:ext cx="9800649" cy="4895825"/>
+          </a:xfrm>
+        </p:spPr>
+        <p:txBody>
+          <a:bodyPr>
+            <a:normAutofit/>
+          </a:bodyPr>
+          <a:lstStyle/>
+          <a:p>
+            <a:pPr eaLnBrk="1" hangingPunct="1">
+              <a:buClr>
+                <a:schemeClr val="accent1"/>
+              </a:buClr>
+              <a:buSzPct val="80000"/>
+              <a:buFont typeface=".AppleSDGothicNeoI-Regular" charset="-127"/>
+              <a:buChar char="◼︎"/>
+            </a:pPr>
+            <a:r>
+              <a:rPr lang="en-US" b="1" dirty="0">
+                <a:solidFill>
+                  <a:schemeClr val="accent1"/>
+                </a:solidFill>
+                <a:ea typeface="ＭＳ Ｐゴシック" pitchFamily="-106" charset="-128"/>
+                <a:cs typeface="ＭＳ Ｐゴシック" pitchFamily="-106" charset="-128"/>
+              </a:rPr>
+              <a:t>Cost-Benefit Analysis</a:t>
+            </a:r>
+            <a:r>
+              <a:rPr lang="en-US" dirty="0">
+                <a:ea typeface="ＭＳ Ｐゴシック" pitchFamily="-106" charset="-128"/>
+                <a:cs typeface="ＭＳ Ｐゴシック" pitchFamily="-106" charset="-128"/>
+              </a:rPr>
+              <a:t>: A method for comparing alternatives in which various decision criteria re distinguished on basis of which the alternatives score. On the basis of the score of each of </a:t>
+            </a:r>
+            <a:r>
+              <a:rPr lang="en-US" dirty="0" err="1">
+                <a:ea typeface="ＭＳ Ｐゴシック" pitchFamily="-106" charset="-128"/>
+                <a:cs typeface="ＭＳ Ｐゴシック" pitchFamily="-106" charset="-128"/>
+              </a:rPr>
+              <a:t>th</a:t>
+            </a:r>
+            <a:r>
+              <a:rPr lang="en-US" dirty="0">
+                <a:ea typeface="ＭＳ Ｐゴシック" pitchFamily="-106" charset="-128"/>
+                <a:cs typeface="ＭＳ Ｐゴシック" pitchFamily="-106" charset="-128"/>
+              </a:rPr>
+              <a:t> alternatives on the individual criteria, usually a total score is calculated for each alternative.</a:t>
+            </a:r>
+          </a:p>
+          <a:p>
+            <a:pPr eaLnBrk="1" hangingPunct="1">
+              <a:buClr>
+                <a:schemeClr val="accent1"/>
+              </a:buClr>
+              <a:buSzPct val="80000"/>
+              <a:buFont typeface=".AppleSDGothicNeoI-Regular" charset="-127"/>
+              <a:buChar char="◼︎"/>
+            </a:pPr>
+            <a:r>
+              <a:rPr lang="en-US" b="1" dirty="0">
+                <a:solidFill>
+                  <a:schemeClr val="accent1"/>
+                </a:solidFill>
+                <a:ea typeface="ＭＳ Ｐゴシック" pitchFamily="-106" charset="-128"/>
+                <a:cs typeface="ＭＳ Ｐゴシック" pitchFamily="-106" charset="-128"/>
+              </a:rPr>
+              <a:t>Threshold</a:t>
+            </a:r>
+            <a:r>
+              <a:rPr lang="en-US" dirty="0">
+                <a:ea typeface="ＭＳ Ｐゴシック" pitchFamily="-106" charset="-128"/>
+                <a:cs typeface="ＭＳ Ｐゴシック" pitchFamily="-106" charset="-128"/>
+              </a:rPr>
+              <a:t>: The minimal level of a (design) criterion or value that an alternative has to meet in order to be acceptable with respect to that criterion or value.</a:t>
+            </a:r>
+          </a:p>
+          <a:p>
+            <a:pPr eaLnBrk="1" hangingPunct="1">
+              <a:buClr>
+                <a:schemeClr val="accent1"/>
+              </a:buClr>
+              <a:buSzPct val="80000"/>
+              <a:buFont typeface=".AppleSDGothicNeoI-Regular" charset="-127"/>
+              <a:buChar char="◼︎"/>
+            </a:pPr>
+            <a:r>
+              <a:rPr lang="en-US" b="1" dirty="0">
+                <a:solidFill>
+                  <a:schemeClr val="accent1"/>
+                </a:solidFill>
+                <a:ea typeface="ＭＳ Ｐゴシック" pitchFamily="-106" charset="-128"/>
+                <a:cs typeface="ＭＳ Ｐゴシック" pitchFamily="-106" charset="-128"/>
+              </a:rPr>
+              <a:t>Reasoning</a:t>
+            </a:r>
+            <a:r>
+              <a:rPr lang="en-US" dirty="0">
+                <a:ea typeface="ＭＳ Ｐゴシック" pitchFamily="-106" charset="-128"/>
+                <a:cs typeface="ＭＳ Ｐゴシック" pitchFamily="-106" charset="-128"/>
+              </a:rPr>
+              <a:t>: An approach that aims at clarifying the values that underlie the conflicting design requirements by (1) identify relevant values, (2) specify the values, and (3) looking for common ground among values.</a:t>
+            </a:r>
+          </a:p>
+          <a:p>
+            <a:pPr eaLnBrk="1" hangingPunct="1">
+              <a:buClr>
+                <a:schemeClr val="accent1"/>
+              </a:buClr>
+              <a:buSzPct val="80000"/>
+              <a:buFont typeface=".AppleSDGothicNeoI-Regular" charset="-127"/>
+              <a:buChar char="◼︎"/>
+            </a:pPr>
+            <a:r>
+              <a:rPr lang="en-US" b="1" dirty="0">
+                <a:solidFill>
+                  <a:schemeClr val="accent1"/>
+                </a:solidFill>
+                <a:ea typeface="ＭＳ Ｐゴシック" pitchFamily="-106" charset="-128"/>
+                <a:cs typeface="ＭＳ Ｐゴシック" pitchFamily="-106" charset="-128"/>
+              </a:rPr>
+              <a:t>Value Sensitive Design</a:t>
+            </a:r>
+            <a:r>
+              <a:rPr lang="en-US" dirty="0">
+                <a:ea typeface="ＭＳ Ｐゴシック" pitchFamily="-106" charset="-128"/>
+                <a:cs typeface="ＭＳ Ｐゴシック" pitchFamily="-106" charset="-128"/>
+              </a:rPr>
+              <a:t>: An approach that aims at integrating values of ethical importance in a systematic way in engineering design.</a:t>
+            </a:r>
+          </a:p>
+          <a:p>
+            <a:pPr eaLnBrk="1" hangingPunct="1">
+              <a:buClr>
+                <a:schemeClr val="accent1"/>
+              </a:buClr>
+              <a:buSzPct val="80000"/>
+              <a:buFont typeface=".AppleSDGothicNeoI-Regular" charset="-127"/>
+              <a:buChar char="◼︎"/>
+            </a:pPr>
+            <a:endParaRPr lang="en-US" dirty="0">
+              <a:ea typeface="ＭＳ Ｐゴシック" pitchFamily="-106" charset="-128"/>
+              <a:cs typeface="ＭＳ Ｐゴシック" pitchFamily="-106" charset="-128"/>
+            </a:endParaRPr>
+          </a:p>
+          <a:p>
+            <a:pPr eaLnBrk="1" hangingPunct="1">
+              <a:buClr>
+                <a:schemeClr val="accent1"/>
+              </a:buClr>
+              <a:buSzPct val="80000"/>
+              <a:buFont typeface=".AppleSDGothicNeoI-Regular" charset="-127"/>
+              <a:buChar char="◼︎"/>
+            </a:pPr>
+            <a:endParaRPr lang="en-US" dirty="0">
+              <a:ea typeface="ＭＳ Ｐゴシック" pitchFamily="-106" charset="-128"/>
+              <a:cs typeface="ＭＳ Ｐゴシック" pitchFamily="-106" charset="-128"/>
+            </a:endParaRPr>
+          </a:p>
+          <a:p>
+            <a:pPr eaLnBrk="1" hangingPunct="1">
+              <a:buClr>
+                <a:schemeClr val="accent1"/>
+              </a:buClr>
+              <a:buSzPct val="80000"/>
+              <a:buFont typeface=".AppleSDGothicNeoI-Regular" charset="-127"/>
+              <a:buChar char="◼︎"/>
+            </a:pPr>
+            <a:endParaRPr lang="en-US" dirty="0">
+              <a:ea typeface="ＭＳ Ｐゴシック" pitchFamily="-106" charset="-128"/>
+              <a:cs typeface="ＭＳ Ｐゴシック" pitchFamily="-106" charset="-128"/>
+            </a:endParaRPr>
+          </a:p>
+          <a:p>
+            <a:pPr eaLnBrk="1" hangingPunct="1">
+              <a:buClr>
+                <a:schemeClr val="accent1"/>
+              </a:buClr>
+              <a:buSzPct val="80000"/>
+              <a:buFont typeface=".AppleSDGothicNeoI-Regular" charset="-127"/>
+              <a:buChar char="◼︎"/>
+            </a:pPr>
+            <a:endParaRPr lang="en-US" dirty="0">
+              <a:ea typeface="ＭＳ Ｐゴシック" pitchFamily="-106" charset="-128"/>
+              <a:cs typeface="ＭＳ Ｐゴシック" pitchFamily="-106" charset="-128"/>
+            </a:endParaRPr>
+          </a:p>
+          <a:p>
+            <a:pPr eaLnBrk="1" hangingPunct="1">
+              <a:buClr>
+                <a:schemeClr val="accent1"/>
+              </a:buClr>
+              <a:buSzPct val="80000"/>
+              <a:buFont typeface=".AppleSDGothicNeoI-Regular" charset="-127"/>
+              <a:buChar char="◼︎"/>
+            </a:pPr>
+            <a:endParaRPr lang="en-US" dirty="0">
+              <a:ea typeface="ＭＳ Ｐゴシック" pitchFamily="-106" charset="-128"/>
+              <a:cs typeface="ＭＳ Ｐゴシック" pitchFamily="-106" charset="-128"/>
+            </a:endParaRPr>
+          </a:p>
+          <a:p>
+            <a:pPr marL="0" indent="0"/>
+            <a:endParaRPr lang="en-US" dirty="0">
+              <a:ea typeface="ＭＳ Ｐゴシック" pitchFamily="-106" charset="-128"/>
+              <a:cs typeface="ＭＳ Ｐゴシック" pitchFamily="-106" charset="-128"/>
+            </a:endParaRPr>
+          </a:p>
+          <a:p>
+            <a:pPr marL="0" indent="0"/>
+            <a:endParaRPr lang="de-DE" dirty="0">
               <a:ea typeface="ＭＳ Ｐゴシック" pitchFamily="-106" charset="-128"/>
               <a:cs typeface="ＭＳ Ｐゴシック" pitchFamily="-106" charset="-128"/>
             </a:endParaRPr>
@@ -19522,6 +19787,134 @@
                 <a:defRPr/>
               </a:pPr>
               <a:t>23</a:t>
+            </a:fld>
+            <a:endParaRPr lang="de-DE"/>
+          </a:p>
+        </p:txBody>
+      </p:sp>
+      <p:sp>
+        <p:nvSpPr>
+          <p:cNvPr id="6" name="TextBox 5"/>
+          <p:cNvSpPr txBox="1"/>
+          <p:nvPr/>
+        </p:nvSpPr>
+        <p:spPr>
+          <a:xfrm>
+            <a:off x="7196546" y="421921"/>
+            <a:ext cx="2835007" cy="369332"/>
+          </a:xfrm>
+          <a:prstGeom prst="rect">
+            <a:avLst/>
+          </a:prstGeom>
+          <a:noFill/>
+        </p:spPr>
+        <p:txBody>
+          <a:bodyPr wrap="none" rtlCol="0">
+            <a:spAutoFit/>
+          </a:bodyPr>
+          <a:lstStyle/>
+          <a:p>
+            <a:r>
+              <a:rPr lang="en-GB" dirty="0">
+                <a:latin typeface="Arial" pitchFamily="-112" charset="0"/>
+                <a:ea typeface="ＭＳ Ｐゴシック" pitchFamily="-112" charset="-128"/>
+                <a:cs typeface="ＭＳ Ｐゴシック" pitchFamily="-112" charset="-128"/>
+              </a:rPr>
+              <a:t>[dePoel&amp;Royakkers2011] </a:t>
+            </a:r>
+            <a:endParaRPr lang="en-US" dirty="0"/>
+          </a:p>
+        </p:txBody>
+      </p:sp>
+    </p:spTree>
+    <p:extLst>
+      <p:ext uri="{BB962C8B-B14F-4D97-AF65-F5344CB8AC3E}">
+        <p14:creationId xmlns:p14="http://schemas.microsoft.com/office/powerpoint/2010/main" val="1820950992"/>
+      </p:ext>
+    </p:extLst>
+  </p:cSld>
+  <p:clrMapOvr>
+    <a:masterClrMapping/>
+  </p:clrMapOvr>
+</p:sld>
+</file>
+
+<file path=ppt/slides/slide24.xml><?xml version="1.0" encoding="utf-8"?>
+<p:sld xmlns:a="http://schemas.openxmlformats.org/drawingml/2006/main" xmlns:r="http://schemas.openxmlformats.org/officeDocument/2006/relationships" xmlns:p="http://schemas.openxmlformats.org/presentationml/2006/main">
+  <p:cSld>
+    <p:spTree>
+      <p:nvGrpSpPr>
+        <p:cNvPr id="1" name=""/>
+        <p:cNvGrpSpPr/>
+        <p:nvPr/>
+      </p:nvGrpSpPr>
+      <p:grpSpPr>
+        <a:xfrm>
+          <a:off x="0" y="0"/>
+          <a:ext cx="0" cy="0"/>
+          <a:chOff x="0" y="0"/>
+          <a:chExt cx="0" cy="0"/>
+        </a:xfrm>
+      </p:grpSpPr>
+      <p:sp>
+        <p:nvSpPr>
+          <p:cNvPr id="32772" name="Rectangle 2"/>
+          <p:cNvSpPr>
+            <a:spLocks noGrp="1" noChangeArrowheads="1"/>
+          </p:cNvSpPr>
+          <p:nvPr>
+            <p:ph type="title"/>
+          </p:nvPr>
+        </p:nvSpPr>
+        <p:spPr>
+          <a:xfrm>
+            <a:off x="478369" y="144001"/>
+            <a:ext cx="9169401" cy="637849"/>
+          </a:xfrm>
+        </p:spPr>
+        <p:txBody>
+          <a:bodyPr/>
+          <a:lstStyle/>
+          <a:p>
+            <a:pPr eaLnBrk="1" hangingPunct="1"/>
+            <a:r>
+              <a:rPr lang="en-US" sz="3200" b="1" dirty="0">
+                <a:ea typeface="ＭＳ Ｐゴシック" pitchFamily="-106" charset="-128"/>
+                <a:cs typeface="ＭＳ Ｐゴシック" pitchFamily="-106" charset="-128"/>
+              </a:rPr>
+              <a:t>Comparison of the Methods ...</a:t>
+            </a:r>
+            <a:endParaRPr lang="de-DE" sz="3200" b="1" dirty="0">
+              <a:ea typeface="ＭＳ Ｐゴシック" pitchFamily="-106" charset="-128"/>
+              <a:cs typeface="ＭＳ Ｐゴシック" pitchFamily="-106" charset="-128"/>
+            </a:endParaRPr>
+          </a:p>
+        </p:txBody>
+      </p:sp>
+      <p:sp>
+        <p:nvSpPr>
+          <p:cNvPr id="5" name="Slide Number Placeholder 4"/>
+          <p:cNvSpPr>
+            <a:spLocks noGrp="1"/>
+          </p:cNvSpPr>
+          <p:nvPr>
+            <p:ph type="sldNum" sz="quarter" idx="12"/>
+          </p:nvPr>
+        </p:nvSpPr>
+        <p:spPr/>
+        <p:txBody>
+          <a:bodyPr/>
+          <a:lstStyle/>
+          <a:p>
+            <a:pPr>
+              <a:defRPr/>
+            </a:pPr>
+            <a:fld id="{0DF685E1-000B-FF46-B3AC-A509A8EDE44A}" type="slidenum">
+              <a:rPr lang="de-DE" smtClean="0"/>
+              <a:pPr>
+                <a:defRPr/>
+              </a:pPr>
+              <a:t>24</a:t>
             </a:fld>
             <a:endParaRPr lang="de-DE"/>
           </a:p>
@@ -20045,293 +20438,6 @@
 </p:sld>
 </file>
 
-<file path=ppt/slides/slide24.xml><?xml version="1.0" encoding="utf-8"?>
-<p:sld xmlns:a="http://schemas.openxmlformats.org/drawingml/2006/main" xmlns:r="http://schemas.openxmlformats.org/officeDocument/2006/relationships" xmlns:p="http://schemas.openxmlformats.org/presentationml/2006/main">
-  <p:cSld>
-    <p:spTree>
-      <p:nvGrpSpPr>
-        <p:cNvPr id="1" name=""/>
-        <p:cNvGrpSpPr/>
-        <p:nvPr/>
-      </p:nvGrpSpPr>
-      <p:grpSpPr>
-        <a:xfrm>
-          <a:off x="0" y="0"/>
-          <a:ext cx="0" cy="0"/>
-          <a:chOff x="0" y="0"/>
-          <a:chExt cx="0" cy="0"/>
-        </a:xfrm>
-      </p:grpSpPr>
-      <p:sp>
-        <p:nvSpPr>
-          <p:cNvPr id="32772" name="Rectangle 2"/>
-          <p:cNvSpPr>
-            <a:spLocks noGrp="1" noChangeArrowheads="1"/>
-          </p:cNvSpPr>
-          <p:nvPr>
-            <p:ph type="title"/>
-          </p:nvPr>
-        </p:nvSpPr>
-        <p:spPr>
-          <a:xfrm>
-            <a:off x="478369" y="144001"/>
-            <a:ext cx="9169401" cy="637849"/>
-          </a:xfrm>
-        </p:spPr>
-        <p:txBody>
-          <a:bodyPr/>
-          <a:lstStyle/>
-          <a:p>
-            <a:pPr eaLnBrk="1" hangingPunct="1"/>
-            <a:r>
-              <a:rPr lang="en-US" sz="3200" b="1" dirty="0">
-                <a:ea typeface="ＭＳ Ｐゴシック" pitchFamily="-106" charset="-128"/>
-                <a:cs typeface="ＭＳ Ｐゴシック" pitchFamily="-106" charset="-128"/>
-              </a:rPr>
-              <a:t>When are Risks Acceptable?</a:t>
-            </a:r>
-            <a:endParaRPr lang="de-DE" sz="3200" b="1" dirty="0">
-              <a:ea typeface="ＭＳ Ｐゴシック" pitchFamily="-106" charset="-128"/>
-              <a:cs typeface="ＭＳ Ｐゴシック" pitchFamily="-106" charset="-128"/>
-            </a:endParaRPr>
-          </a:p>
-        </p:txBody>
-      </p:sp>
-      <p:sp>
-        <p:nvSpPr>
-          <p:cNvPr id="32773" name="Rectangle 3"/>
-          <p:cNvSpPr>
-            <a:spLocks noGrp="1" noChangeArrowheads="1"/>
-          </p:cNvSpPr>
-          <p:nvPr>
-            <p:ph idx="1"/>
-          </p:nvPr>
-        </p:nvSpPr>
-        <p:spPr>
-          <a:xfrm>
-            <a:off x="476463" y="1401276"/>
-            <a:ext cx="9940713" cy="4679801"/>
-          </a:xfrm>
-        </p:spPr>
-        <p:txBody>
-          <a:bodyPr/>
-          <a:lstStyle/>
-          <a:p>
-            <a:pPr eaLnBrk="1" hangingPunct="1">
-              <a:buClr>
-                <a:schemeClr val="accent1"/>
-              </a:buClr>
-              <a:buSzPct val="80000"/>
-              <a:buFont typeface=".AppleSDGothicNeoI-Regular" charset="-127"/>
-              <a:buChar char="◼︎"/>
-            </a:pPr>
-            <a:r>
-              <a:rPr lang="en-US" sz="2000" b="1" dirty="0">
-                <a:solidFill>
-                  <a:schemeClr val="accent1"/>
-                </a:solidFill>
-                <a:ea typeface="ＭＳ Ｐゴシック" pitchFamily="-106" charset="-128"/>
-                <a:cs typeface="ＭＳ Ｐゴシック" pitchFamily="-106" charset="-128"/>
-              </a:rPr>
-              <a:t>Informed consent</a:t>
-            </a:r>
-            <a:r>
-              <a:rPr lang="en-US" sz="2000" dirty="0">
-                <a:ea typeface="ＭＳ Ｐゴシック" pitchFamily="-106" charset="-128"/>
-                <a:cs typeface="ＭＳ Ｐゴシック" pitchFamily="-106" charset="-128"/>
-              </a:rPr>
-              <a:t>: Principle that state the activities (experiments, risks) are acceptable if people have free consented to them after being fully informed about the (potential) risk and benefits of these activities (experiments, risks).</a:t>
-            </a:r>
-          </a:p>
-          <a:p>
-            <a:pPr eaLnBrk="1" hangingPunct="1">
-              <a:buClr>
-                <a:schemeClr val="accent1"/>
-              </a:buClr>
-              <a:buSzPct val="80000"/>
-              <a:buFont typeface=".AppleSDGothicNeoI-Regular" charset="-127"/>
-              <a:buChar char="◼︎"/>
-            </a:pPr>
-            <a:r>
-              <a:rPr lang="en-US" sz="2000" b="1" dirty="0">
-                <a:solidFill>
-                  <a:schemeClr val="accent1"/>
-                </a:solidFill>
-                <a:ea typeface="ＭＳ Ｐゴシック" pitchFamily="-106" charset="-128"/>
-                <a:cs typeface="ＭＳ Ｐゴシック" pitchFamily="-106" charset="-128"/>
-              </a:rPr>
-              <a:t>Risk-Cost-Benefit Analysis</a:t>
-            </a:r>
-            <a:r>
-              <a:rPr lang="en-US" sz="2000" dirty="0">
-                <a:ea typeface="ＭＳ Ｐゴシック" pitchFamily="-106" charset="-128"/>
-                <a:cs typeface="ＭＳ Ｐゴシック" pitchFamily="-106" charset="-128"/>
-              </a:rPr>
-              <a:t>: This is a variant of regular cost-benefit analysis. The social costs for risks reduction are weighed against the social benefits offered by risk reduction, so achieving an optimal level of risk which the social benefits are highest.</a:t>
-            </a:r>
-          </a:p>
-          <a:p>
-            <a:pPr eaLnBrk="1" hangingPunct="1">
-              <a:buClr>
-                <a:schemeClr val="accent1"/>
-              </a:buClr>
-              <a:buSzPct val="80000"/>
-              <a:buFont typeface=".AppleSDGothicNeoI-Regular" charset="-127"/>
-              <a:buChar char="◼︎"/>
-            </a:pPr>
-            <a:endParaRPr lang="en-US" sz="2000" dirty="0">
-              <a:ea typeface="ＭＳ Ｐゴシック" pitchFamily="-106" charset="-128"/>
-              <a:cs typeface="ＭＳ Ｐゴシック" pitchFamily="-106" charset="-128"/>
-            </a:endParaRPr>
-          </a:p>
-          <a:p>
-            <a:pPr eaLnBrk="1" hangingPunct="1">
-              <a:buClr>
-                <a:schemeClr val="accent1"/>
-              </a:buClr>
-              <a:buSzPct val="80000"/>
-              <a:buFont typeface=".AppleSDGothicNeoI-Regular" charset="-127"/>
-              <a:buChar char="◼︎"/>
-            </a:pPr>
-            <a:endParaRPr lang="en-US" sz="2000" dirty="0">
-              <a:ea typeface="ＭＳ Ｐゴシック" pitchFamily="-106" charset="-128"/>
-              <a:cs typeface="ＭＳ Ｐゴシック" pitchFamily="-106" charset="-128"/>
-            </a:endParaRPr>
-          </a:p>
-          <a:p>
-            <a:pPr eaLnBrk="1" hangingPunct="1">
-              <a:buClr>
-                <a:schemeClr val="accent1"/>
-              </a:buClr>
-              <a:buSzPct val="80000"/>
-              <a:buFont typeface=".AppleSDGothicNeoI-Regular" charset="-127"/>
-              <a:buChar char="◼︎"/>
-            </a:pPr>
-            <a:endParaRPr lang="en-US" sz="2000" dirty="0">
-              <a:ea typeface="ＭＳ Ｐゴシック" pitchFamily="-106" charset="-128"/>
-              <a:cs typeface="ＭＳ Ｐゴシック" pitchFamily="-106" charset="-128"/>
-            </a:endParaRPr>
-          </a:p>
-          <a:p>
-            <a:pPr eaLnBrk="1" hangingPunct="1">
-              <a:buClr>
-                <a:schemeClr val="accent1"/>
-              </a:buClr>
-              <a:buSzPct val="80000"/>
-              <a:buFont typeface=".AppleSDGothicNeoI-Regular" charset="-127"/>
-              <a:buChar char="◼︎"/>
-            </a:pPr>
-            <a:endParaRPr lang="en-US" sz="2000" dirty="0">
-              <a:ea typeface="ＭＳ Ｐゴシック" pitchFamily="-106" charset="-128"/>
-              <a:cs typeface="ＭＳ Ｐゴシック" pitchFamily="-106" charset="-128"/>
-            </a:endParaRPr>
-          </a:p>
-          <a:p>
-            <a:pPr eaLnBrk="1" hangingPunct="1">
-              <a:buClr>
-                <a:schemeClr val="accent1"/>
-              </a:buClr>
-              <a:buSzPct val="80000"/>
-              <a:buFont typeface=".AppleSDGothicNeoI-Regular" charset="-127"/>
-              <a:buChar char="◼︎"/>
-            </a:pPr>
-            <a:endParaRPr lang="en-US" sz="2000" dirty="0">
-              <a:ea typeface="ＭＳ Ｐゴシック" pitchFamily="-106" charset="-128"/>
-              <a:cs typeface="ＭＳ Ｐゴシック" pitchFamily="-106" charset="-128"/>
-            </a:endParaRPr>
-          </a:p>
-          <a:p>
-            <a:pPr marL="0" indent="0"/>
-            <a:endParaRPr lang="en-US" sz="2000" dirty="0">
-              <a:ea typeface="ＭＳ Ｐゴシック" pitchFamily="-106" charset="-128"/>
-              <a:cs typeface="ＭＳ Ｐゴシック" pitchFamily="-106" charset="-128"/>
-            </a:endParaRPr>
-          </a:p>
-          <a:p>
-            <a:pPr marL="0" indent="0"/>
-            <a:endParaRPr lang="de-DE" sz="2000" dirty="0">
-              <a:ea typeface="ＭＳ Ｐゴシック" pitchFamily="-106" charset="-128"/>
-              <a:cs typeface="ＭＳ Ｐゴシック" pitchFamily="-106" charset="-128"/>
-            </a:endParaRPr>
-          </a:p>
-        </p:txBody>
-      </p:sp>
-      <p:sp>
-        <p:nvSpPr>
-          <p:cNvPr id="5" name="Slide Number Placeholder 4"/>
-          <p:cNvSpPr>
-            <a:spLocks noGrp="1"/>
-          </p:cNvSpPr>
-          <p:nvPr>
-            <p:ph type="sldNum" sz="quarter" idx="12"/>
-          </p:nvPr>
-        </p:nvSpPr>
-        <p:spPr/>
-        <p:txBody>
-          <a:bodyPr/>
-          <a:lstStyle/>
-          <a:p>
-            <a:pPr>
-              <a:defRPr/>
-            </a:pPr>
-            <a:fld id="{0DF685E1-000B-FF46-B3AC-A509A8EDE44A}" type="slidenum">
-              <a:rPr lang="de-DE" smtClean="0"/>
-              <a:pPr>
-                <a:defRPr/>
-              </a:pPr>
-              <a:t>24</a:t>
-            </a:fld>
-            <a:endParaRPr lang="de-DE"/>
-          </a:p>
-        </p:txBody>
-      </p:sp>
-      <p:sp>
-        <p:nvSpPr>
-          <p:cNvPr id="6" name="TextBox 5"/>
-          <p:cNvSpPr txBox="1"/>
-          <p:nvPr/>
-        </p:nvSpPr>
-        <p:spPr>
-          <a:xfrm>
-            <a:off x="7300455" y="776923"/>
-            <a:ext cx="2835007" cy="369332"/>
-          </a:xfrm>
-          <a:prstGeom prst="rect">
-            <a:avLst/>
-          </a:prstGeom>
-          <a:noFill/>
-        </p:spPr>
-        <p:txBody>
-          <a:bodyPr wrap="none" rtlCol="0">
-            <a:spAutoFit/>
-          </a:bodyPr>
-          <a:lstStyle/>
-          <a:p>
-            <a:r>
-              <a:rPr lang="en-GB" dirty="0">
-                <a:latin typeface="Arial" pitchFamily="-112" charset="0"/>
-                <a:ea typeface="ＭＳ Ｐゴシック" pitchFamily="-112" charset="-128"/>
-                <a:cs typeface="ＭＳ Ｐゴシック" pitchFamily="-112" charset="-128"/>
-              </a:rPr>
-              <a:t>[dePoel&amp;Royakkers2011] </a:t>
-            </a:r>
-            <a:endParaRPr lang="en-US" dirty="0"/>
-          </a:p>
-        </p:txBody>
-      </p:sp>
-    </p:spTree>
-    <p:extLst>
-      <p:ext uri="{BB962C8B-B14F-4D97-AF65-F5344CB8AC3E}">
-        <p14:creationId xmlns:p14="http://schemas.microsoft.com/office/powerpoint/2010/main" val="185562731"/>
-      </p:ext>
-    </p:extLst>
-  </p:cSld>
-  <p:clrMapOvr>
-    <a:masterClrMapping/>
-  </p:clrMapOvr>
-</p:sld>
-</file>
-
 <file path=ppt/slides/slide25.xml><?xml version="1.0" encoding="utf-8"?>
 <p:sld xmlns:a="http://schemas.openxmlformats.org/drawingml/2006/main" xmlns:r="http://schemas.openxmlformats.org/officeDocument/2006/relationships" xmlns:p="http://schemas.openxmlformats.org/presentationml/2006/main">
   <p:cSld>
@@ -20396,14 +20502,12 @@
         </p:nvSpPr>
         <p:spPr>
           <a:xfrm>
-            <a:off x="526473" y="1329472"/>
-            <a:ext cx="9890703" cy="4751809"/>
+            <a:off x="476463" y="1401276"/>
+            <a:ext cx="9940713" cy="4679801"/>
           </a:xfrm>
         </p:spPr>
         <p:txBody>
-          <a:bodyPr>
-            <a:normAutofit/>
-          </a:bodyPr>
+          <a:bodyPr/>
           <a:lstStyle/>
           <a:p>
             <a:pPr eaLnBrk="1" hangingPunct="1">
@@ -20415,21 +20519,21 @@
               <a:buChar char="◼︎"/>
             </a:pPr>
             <a:r>
-              <a:rPr lang="en-US" b="1" dirty="0">
+              <a:rPr lang="en-US" sz="2000" b="1" dirty="0">
                 <a:solidFill>
                   <a:schemeClr val="accent1"/>
                 </a:solidFill>
                 <a:ea typeface="ＭＳ Ｐゴシック" pitchFamily="-106" charset="-128"/>
                 <a:cs typeface="ＭＳ Ｐゴシック" pitchFamily="-106" charset="-128"/>
               </a:rPr>
-              <a:t>Best available technology</a:t>
-            </a:r>
-            <a:r>
-              <a:rPr lang="en-US" dirty="0">
+              <a:t>Informed consent</a:t>
+            </a:r>
+            <a:r>
+              <a:rPr lang="en-US" sz="2000" dirty="0">
                 <a:ea typeface="ＭＳ Ｐゴシック" pitchFamily="-106" charset="-128"/>
                 <a:cs typeface="ＭＳ Ｐゴシック" pitchFamily="-106" charset="-128"/>
               </a:rPr>
-              <a:t>: As an approach to acceptable risk (or acceptable environment emissions), best available technology refers to an approach that does not prescribe a specific technology but uses the best available technological alternative as yardstick for what is acceptable.</a:t>
+              <a:t>: Principle that state the activities (experiments, risks) are acceptable if people have free consented to them after being fully informed about the (potential) risk and benefits of these activities (experiments, risks).</a:t>
             </a:r>
           </a:p>
           <a:p>
@@ -20442,21 +20546,21 @@
               <a:buChar char="◼︎"/>
             </a:pPr>
             <a:r>
-              <a:rPr lang="en-US" b="1" dirty="0">
+              <a:rPr lang="en-US" sz="2000" b="1" dirty="0">
                 <a:solidFill>
                   <a:schemeClr val="accent1"/>
                 </a:solidFill>
                 <a:ea typeface="ＭＳ Ｐゴシック" pitchFamily="-106" charset="-128"/>
                 <a:cs typeface="ＭＳ Ｐゴシック" pitchFamily="-106" charset="-128"/>
               </a:rPr>
-              <a:t>Precautionary Principle</a:t>
-            </a:r>
-            <a:r>
-              <a:rPr lang="en-US" dirty="0">
+              <a:t>Risk-Cost-Benefit Analysis</a:t>
+            </a:r>
+            <a:r>
+              <a:rPr lang="en-US" sz="2000" dirty="0">
                 <a:ea typeface="ＭＳ Ｐゴシック" pitchFamily="-106" charset="-128"/>
                 <a:cs typeface="ＭＳ Ｐゴシック" pitchFamily="-106" charset="-128"/>
               </a:rPr>
-              <a:t>: Principle that prescribes how to deal with threats that are uncertain and/or cannot be scientifically established. In its most general form the precautionary principle has the following general format: If there is (1) a threat, which is (2) uncertain, then (3) some kind of action (4) is mandatory. This definition has four dimensions: (1) the threat dimension; (2) the uncertainty dimension; (3) the action dimension, and (4) the prescription dimension. </a:t>
+              <a:t>: This is a variant of regular cost-benefit analysis. The social costs for risks reduction are weighed against the social benefits offered by risk reduction, so achieving an optimal level of risk which the social benefits are highest.</a:t>
             </a:r>
           </a:p>
           <a:p>
@@ -20468,7 +20572,7 @@
               <a:buFont typeface=".AppleSDGothicNeoI-Regular" charset="-127"/>
               <a:buChar char="◼︎"/>
             </a:pPr>
-            <a:endParaRPr lang="en-US" dirty="0">
+            <a:endParaRPr lang="en-US" sz="2000" dirty="0">
               <a:ea typeface="ＭＳ Ｐゴシック" pitchFamily="-106" charset="-128"/>
               <a:cs typeface="ＭＳ Ｐゴシック" pitchFamily="-106" charset="-128"/>
             </a:endParaRPr>
@@ -20482,7 +20586,7 @@
               <a:buFont typeface=".AppleSDGothicNeoI-Regular" charset="-127"/>
               <a:buChar char="◼︎"/>
             </a:pPr>
-            <a:endParaRPr lang="en-US" dirty="0">
+            <a:endParaRPr lang="en-US" sz="2000" dirty="0">
               <a:ea typeface="ＭＳ Ｐゴシック" pitchFamily="-106" charset="-128"/>
               <a:cs typeface="ＭＳ Ｐゴシック" pitchFamily="-106" charset="-128"/>
             </a:endParaRPr>
@@ -20496,7 +20600,7 @@
               <a:buFont typeface=".AppleSDGothicNeoI-Regular" charset="-127"/>
               <a:buChar char="◼︎"/>
             </a:pPr>
-            <a:endParaRPr lang="en-US" dirty="0">
+            <a:endParaRPr lang="en-US" sz="2000" dirty="0">
               <a:ea typeface="ＭＳ Ｐゴシック" pitchFamily="-106" charset="-128"/>
               <a:cs typeface="ＭＳ Ｐゴシック" pitchFamily="-106" charset="-128"/>
             </a:endParaRPr>
@@ -20510,7 +20614,7 @@
               <a:buFont typeface=".AppleSDGothicNeoI-Regular" charset="-127"/>
               <a:buChar char="◼︎"/>
             </a:pPr>
-            <a:endParaRPr lang="en-US" dirty="0">
+            <a:endParaRPr lang="en-US" sz="2000" dirty="0">
               <a:ea typeface="ＭＳ Ｐゴシック" pitchFamily="-106" charset="-128"/>
               <a:cs typeface="ＭＳ Ｐゴシック" pitchFamily="-106" charset="-128"/>
             </a:endParaRPr>
@@ -20524,21 +20628,21 @@
               <a:buFont typeface=".AppleSDGothicNeoI-Regular" charset="-127"/>
               <a:buChar char="◼︎"/>
             </a:pPr>
-            <a:endParaRPr lang="en-US" dirty="0">
+            <a:endParaRPr lang="en-US" sz="2000" dirty="0">
               <a:ea typeface="ＭＳ Ｐゴシック" pitchFamily="-106" charset="-128"/>
               <a:cs typeface="ＭＳ Ｐゴシック" pitchFamily="-106" charset="-128"/>
             </a:endParaRPr>
           </a:p>
           <a:p>
             <a:pPr marL="0" indent="0"/>
-            <a:endParaRPr lang="en-US" dirty="0">
+            <a:endParaRPr lang="en-US" sz="2000" dirty="0">
               <a:ea typeface="ＭＳ Ｐゴシック" pitchFamily="-106" charset="-128"/>
               <a:cs typeface="ＭＳ Ｐゴシック" pitchFamily="-106" charset="-128"/>
             </a:endParaRPr>
           </a:p>
           <a:p>
             <a:pPr marL="0" indent="0"/>
-            <a:endParaRPr lang="de-DE" dirty="0">
+            <a:endParaRPr lang="de-DE" sz="2000" dirty="0">
               <a:ea typeface="ＭＳ Ｐゴシック" pitchFamily="-106" charset="-128"/>
               <a:cs typeface="ＭＳ Ｐゴシック" pitchFamily="-106" charset="-128"/>
             </a:endParaRPr>
@@ -20582,7 +20686,7 @@
         </p:nvSpPr>
         <p:spPr>
           <a:xfrm>
-            <a:off x="7286601" y="866997"/>
+            <a:off x="7300455" y="776923"/>
             <a:ext cx="2835007" cy="369332"/>
           </a:xfrm>
           <a:prstGeom prst="rect">
@@ -20597,7 +20701,7 @@
           <a:lstStyle/>
           <a:p>
             <a:r>
-              <a:rPr lang="en-GB">
+              <a:rPr lang="en-GB" dirty="0">
                 <a:latin typeface="Arial" pitchFamily="-112" charset="0"/>
                 <a:ea typeface="ＭＳ Ｐゴシック" pitchFamily="-112" charset="-128"/>
                 <a:cs typeface="ＭＳ Ｐゴシック" pitchFamily="-112" charset="-128"/>
@@ -20611,7 +20715,7 @@
     </p:spTree>
     <p:extLst>
       <p:ext uri="{BB962C8B-B14F-4D97-AF65-F5344CB8AC3E}">
-        <p14:creationId xmlns:p14="http://schemas.microsoft.com/office/powerpoint/2010/main" val="28277954"/>
+        <p14:creationId xmlns:p14="http://schemas.microsoft.com/office/powerpoint/2010/main" val="185562731"/>
       </p:ext>
     </p:extLst>
   </p:cSld>
@@ -20664,7 +20768,7 @@
                 <a:ea typeface="ＭＳ Ｐゴシック" pitchFamily="-106" charset="-128"/>
                 <a:cs typeface="ＭＳ Ｐゴシック" pitchFamily="-106" charset="-128"/>
               </a:rPr>
-              <a:t>Summary</a:t>
+              <a:t>When are Risks Acceptable?</a:t>
             </a:r>
             <a:endParaRPr lang="de-DE" sz="3200" b="1" dirty="0">
               <a:ea typeface="ＭＳ Ｐゴシック" pitchFamily="-106" charset="-128"/>
@@ -20685,13 +20789,13 @@
         </p:nvSpPr>
         <p:spPr>
           <a:xfrm>
-            <a:off x="478369" y="1213308"/>
-            <a:ext cx="11473384" cy="4176110"/>
+            <a:off x="526473" y="1329472"/>
+            <a:ext cx="9890703" cy="4751809"/>
           </a:xfrm>
         </p:spPr>
         <p:txBody>
           <a:bodyPr>
-            <a:normAutofit fontScale="92500"/>
+            <a:normAutofit/>
           </a:bodyPr>
           <a:lstStyle/>
           <a:p>
@@ -20704,28 +20808,21 @@
               <a:buChar char="◼︎"/>
             </a:pPr>
             <a:r>
+              <a:rPr lang="en-US" b="1" dirty="0">
+                <a:solidFill>
+                  <a:schemeClr val="accent1"/>
+                </a:solidFill>
+                <a:ea typeface="ＭＳ Ｐゴシック" pitchFamily="-106" charset="-128"/>
+                <a:cs typeface="ＭＳ Ｐゴシック" pitchFamily="-106" charset="-128"/>
+              </a:rPr>
+              <a:t>Best available technology</a:t>
+            </a:r>
+            <a:r>
               <a:rPr lang="en-US" dirty="0">
                 <a:ea typeface="ＭＳ Ｐゴシック" pitchFamily="-106" charset="-128"/>
                 <a:cs typeface="ＭＳ Ｐゴシック" pitchFamily="-106" charset="-128"/>
               </a:rPr>
-              <a:t>Disaster or major failures of engineered systems result in the question of </a:t>
-            </a:r>
-            <a:r>
-              <a:rPr lang="en-US" b="1" dirty="0">
-                <a:solidFill>
-                  <a:schemeClr val="accent1"/>
-                </a:solidFill>
-                <a:ea typeface="ＭＳ Ｐゴシック" pitchFamily="-106" charset="-128"/>
-                <a:cs typeface="ＭＳ Ｐゴシック" pitchFamily="-106" charset="-128"/>
-              </a:rPr>
-              <a:t>(moral) responsibility</a:t>
-            </a:r>
-            <a:r>
-              <a:rPr lang="en-US" dirty="0">
-                <a:ea typeface="ＭＳ Ｐゴシック" pitchFamily="-106" charset="-128"/>
-                <a:cs typeface="ＭＳ Ｐゴシック" pitchFamily="-106" charset="-128"/>
-              </a:rPr>
-              <a:t>.</a:t>
+              <a:t>: As an approach to acceptable risk (or acceptable environment emissions), best available technology refers to an approach that does not prescribe a specific technology but uses the best available technological alternative as yardstick for what is acceptable.</a:t>
             </a:r>
           </a:p>
           <a:p>
@@ -20745,14 +20842,14 @@
                 <a:ea typeface="ＭＳ Ｐゴシック" pitchFamily="-106" charset="-128"/>
                 <a:cs typeface="ＭＳ Ｐゴシック" pitchFamily="-106" charset="-128"/>
               </a:rPr>
-              <a:t>Normative Ethics</a:t>
+              <a:t>Precautionary Principle</a:t>
             </a:r>
             <a:r>
               <a:rPr lang="en-US" dirty="0">
                 <a:ea typeface="ＭＳ Ｐゴシック" pitchFamily="-106" charset="-128"/>
                 <a:cs typeface="ＭＳ Ｐゴシック" pitchFamily="-106" charset="-128"/>
               </a:rPr>
-              <a:t> tries to formulate normative recommendations about how to act or live, but no ethic theory is generally accepted and depending on the case the consequences, actions, nature of the acting person, or the group may all matter. </a:t>
+              <a:t>: Principle that prescribes how to deal with threats that are uncertain and/or cannot be scientifically established. In its most general form the precautionary principle has the following general format: If there is (1) a threat, which is (2) uncertain, then (3) some kind of action (4) is mandatory. This definition has four dimensions: (1) the threat dimension; (2) the uncertainty dimension; (3) the action dimension, and (4) the prescription dimension. </a:t>
             </a:r>
           </a:p>
           <a:p>
@@ -20764,58 +20861,7 @@
               <a:buFont typeface=".AppleSDGothicNeoI-Regular" charset="-127"/>
               <a:buChar char="◼︎"/>
             </a:pPr>
-            <a:r>
-              <a:rPr lang="en-US" dirty="0">
-                <a:ea typeface="ＭＳ Ｐゴシック" pitchFamily="-106" charset="-128"/>
-                <a:cs typeface="ＭＳ Ｐゴシック" pitchFamily="-106" charset="-128"/>
-              </a:rPr>
-              <a:t>Therefore, it is suggested to use </a:t>
-            </a:r>
-            <a:r>
-              <a:rPr lang="en-US" b="1" dirty="0">
-                <a:solidFill>
-                  <a:schemeClr val="accent1"/>
-                </a:solidFill>
-                <a:ea typeface="ＭＳ Ｐゴシック" pitchFamily="-106" charset="-128"/>
-                <a:cs typeface="ＭＳ Ｐゴシック" pitchFamily="-106" charset="-128"/>
-              </a:rPr>
-              <a:t>normative argumentation </a:t>
-            </a:r>
-            <a:r>
-              <a:rPr lang="en-US" dirty="0">
-                <a:ea typeface="ＭＳ Ｐゴシック" pitchFamily="-106" charset="-128"/>
-                <a:cs typeface="ＭＳ Ｐゴシック" pitchFamily="-106" charset="-128"/>
-              </a:rPr>
-              <a:t>for specific moral problems and study possible actions rather than try to simply apply only </a:t>
-            </a:r>
-            <a:r>
-              <a:rPr lang="en-US" b="1" dirty="0">
-                <a:solidFill>
-                  <a:schemeClr val="accent1"/>
-                </a:solidFill>
-                <a:ea typeface="ＭＳ Ｐゴシック" pitchFamily="-106" charset="-128"/>
-                <a:cs typeface="ＭＳ Ｐゴシック" pitchFamily="-106" charset="-128"/>
-              </a:rPr>
-              <a:t>one</a:t>
-            </a:r>
-            <a:r>
-              <a:rPr lang="en-US" dirty="0">
-                <a:solidFill>
-                  <a:schemeClr val="accent1"/>
-                </a:solidFill>
-                <a:ea typeface="ＭＳ Ｐゴシック" pitchFamily="-106" charset="-128"/>
-                <a:cs typeface="ＭＳ Ｐゴシック" pitchFamily="-106" charset="-128"/>
-              </a:rPr>
-              <a:t> </a:t>
-            </a:r>
-            <a:r>
-              <a:rPr lang="en-US" dirty="0">
-                <a:ea typeface="ＭＳ Ｐゴシック" pitchFamily="-106" charset="-128"/>
-                <a:cs typeface="ＭＳ Ｐゴシック" pitchFamily="-106" charset="-128"/>
-              </a:rPr>
-              <a:t>specific ethic theory.</a:t>
-            </a:r>
-            <a:endParaRPr lang="en-US" i="1" dirty="0">
+            <a:endParaRPr lang="en-US" dirty="0">
               <a:ea typeface="ＭＳ Ｐゴシック" pitchFamily="-106" charset="-128"/>
               <a:cs typeface="ＭＳ Ｐゴシック" pitchFamily="-106" charset="-128"/>
             </a:endParaRPr>
@@ -20829,91 +20875,10 @@
               <a:buFont typeface=".AppleSDGothicNeoI-Regular" charset="-127"/>
               <a:buChar char="◼︎"/>
             </a:pPr>
-            <a:r>
-              <a:rPr lang="en-US" dirty="0">
-                <a:ea typeface="ＭＳ Ｐゴシック" pitchFamily="-106" charset="-128"/>
-                <a:cs typeface="ＭＳ Ｐゴシック" pitchFamily="-106" charset="-128"/>
-              </a:rPr>
-              <a:t>Normative argumentation can employ the </a:t>
-            </a:r>
-            <a:r>
-              <a:rPr lang="en-US" b="1" dirty="0">
-                <a:solidFill>
-                  <a:schemeClr val="accent1"/>
-                </a:solidFill>
-                <a:ea typeface="ＭＳ Ｐゴシック" pitchFamily="-106" charset="-128"/>
-                <a:cs typeface="ＭＳ Ｐゴシック" pitchFamily="-106" charset="-128"/>
-              </a:rPr>
-              <a:t>ethical cycle</a:t>
-            </a:r>
-            <a:r>
-              <a:rPr lang="en-US" dirty="0">
-                <a:ea typeface="ＭＳ Ｐゴシック" pitchFamily="-106" charset="-128"/>
-                <a:cs typeface="ＭＳ Ｐゴシック" pitchFamily="-106" charset="-128"/>
-              </a:rPr>
-              <a:t> and</a:t>
-            </a:r>
-            <a:r>
-              <a:rPr lang="en-US" b="1" dirty="0">
-                <a:solidFill>
-                  <a:schemeClr val="accent1"/>
-                </a:solidFill>
-                <a:ea typeface="ＭＳ Ｐゴシック" pitchFamily="-106" charset="-128"/>
-                <a:cs typeface="ＭＳ Ｐゴシック" pitchFamily="-106" charset="-128"/>
-              </a:rPr>
-              <a:t> valid</a:t>
-            </a:r>
-            <a:r>
-              <a:rPr lang="en-US" dirty="0">
-                <a:ea typeface="ＭＳ Ｐゴシック" pitchFamily="-106" charset="-128"/>
-                <a:cs typeface="ＭＳ Ｐゴシック" pitchFamily="-106" charset="-128"/>
-              </a:rPr>
-              <a:t> or </a:t>
-            </a:r>
-            <a:r>
-              <a:rPr lang="en-US" b="1" dirty="0">
-                <a:solidFill>
-                  <a:schemeClr val="accent1"/>
-                </a:solidFill>
-                <a:ea typeface="ＭＳ Ｐゴシック" pitchFamily="-106" charset="-128"/>
-                <a:cs typeface="ＭＳ Ｐゴシック" pitchFamily="-106" charset="-128"/>
-              </a:rPr>
-              <a:t>plausible</a:t>
-            </a:r>
-            <a:r>
-              <a:rPr lang="en-US" dirty="0">
-                <a:solidFill>
-                  <a:schemeClr val="accent1"/>
-                </a:solidFill>
-                <a:ea typeface="ＭＳ Ｐゴシック" pitchFamily="-106" charset="-128"/>
-                <a:cs typeface="ＭＳ Ｐゴシック" pitchFamily="-106" charset="-128"/>
-              </a:rPr>
-              <a:t> </a:t>
-            </a:r>
-            <a:r>
-              <a:rPr lang="en-US" dirty="0">
-                <a:ea typeface="ＭＳ Ｐゴシック" pitchFamily="-106" charset="-128"/>
-                <a:cs typeface="ＭＳ Ｐゴシック" pitchFamily="-106" charset="-128"/>
-              </a:rPr>
-              <a:t>arguments and has to uncover </a:t>
-            </a:r>
-            <a:r>
-              <a:rPr lang="en-US" b="1" dirty="0">
-                <a:solidFill>
-                  <a:schemeClr val="accent1"/>
-                </a:solidFill>
-                <a:ea typeface="ＭＳ Ｐゴシック" pitchFamily="-106" charset="-128"/>
-                <a:cs typeface="ＭＳ Ｐゴシック" pitchFamily="-106" charset="-128"/>
-              </a:rPr>
-              <a:t>fallacies</a:t>
-            </a:r>
-            <a:r>
-              <a:rPr lang="en-US" dirty="0">
-                <a:ea typeface="ＭＳ Ｐゴシック" pitchFamily="-106" charset="-128"/>
-                <a:cs typeface="ＭＳ Ｐゴシック" pitchFamily="-106" charset="-128"/>
-              </a:rPr>
-              <a:t>.</a:t>
-            </a:r>
+            <a:endParaRPr lang="en-US" dirty="0">
+              <a:ea typeface="ＭＳ Ｐゴシック" pitchFamily="-106" charset="-128"/>
+              <a:cs typeface="ＭＳ Ｐゴシック" pitchFamily="-106" charset="-128"/>
+            </a:endParaRPr>
           </a:p>
           <a:p>
             <a:pPr eaLnBrk="1" hangingPunct="1">
@@ -20924,30 +20889,38 @@
               <a:buFont typeface=".AppleSDGothicNeoI-Regular" charset="-127"/>
               <a:buChar char="◼︎"/>
             </a:pPr>
-            <a:r>
-              <a:rPr lang="en-US" dirty="0">
-                <a:ea typeface="ＭＳ Ｐゴシック" pitchFamily="-106" charset="-128"/>
-                <a:cs typeface="ＭＳ Ｐゴシック" pitchFamily="-106" charset="-128"/>
-              </a:rPr>
-              <a:t>Several methods allow to study related </a:t>
-            </a:r>
-            <a:r>
-              <a:rPr lang="en-US" b="1" dirty="0">
-                <a:solidFill>
-                  <a:schemeClr val="accent1"/>
-                </a:solidFill>
-                <a:ea typeface="ＭＳ Ｐゴシック" pitchFamily="-106" charset="-128"/>
-                <a:cs typeface="ＭＳ Ｐゴシック" pitchFamily="-106" charset="-128"/>
-              </a:rPr>
-              <a:t>value conflicts </a:t>
-            </a:r>
-            <a:r>
-              <a:rPr lang="en-US" dirty="0">
-                <a:ea typeface="ＭＳ Ｐゴシック" pitchFamily="-106" charset="-128"/>
-                <a:cs typeface="ＭＳ Ｐゴシック" pitchFamily="-106" charset="-128"/>
-              </a:rPr>
-              <a:t>including the related moral problems (in particular risk) also during design. </a:t>
-            </a:r>
+            <a:endParaRPr lang="en-US" dirty="0">
+              <a:ea typeface="ＭＳ Ｐゴシック" pitchFamily="-106" charset="-128"/>
+              <a:cs typeface="ＭＳ Ｐゴシック" pitchFamily="-106" charset="-128"/>
+            </a:endParaRPr>
+          </a:p>
+          <a:p>
+            <a:pPr eaLnBrk="1" hangingPunct="1">
+              <a:buClr>
+                <a:schemeClr val="accent1"/>
+              </a:buClr>
+              <a:buSzPct val="80000"/>
+              <a:buFont typeface=".AppleSDGothicNeoI-Regular" charset="-127"/>
+              <a:buChar char="◼︎"/>
+            </a:pPr>
+            <a:endParaRPr lang="en-US" dirty="0">
+              <a:ea typeface="ＭＳ Ｐゴシック" pitchFamily="-106" charset="-128"/>
+              <a:cs typeface="ＭＳ Ｐゴシック" pitchFamily="-106" charset="-128"/>
+            </a:endParaRPr>
+          </a:p>
+          <a:p>
+            <a:pPr eaLnBrk="1" hangingPunct="1">
+              <a:buClr>
+                <a:schemeClr val="accent1"/>
+              </a:buClr>
+              <a:buSzPct val="80000"/>
+              <a:buFont typeface=".AppleSDGothicNeoI-Regular" charset="-127"/>
+              <a:buChar char="◼︎"/>
+            </a:pPr>
+            <a:endParaRPr lang="en-US" dirty="0">
+              <a:ea typeface="ＭＳ Ｐゴシック" pitchFamily="-106" charset="-128"/>
+              <a:cs typeface="ＭＳ Ｐゴシック" pitchFamily="-106" charset="-128"/>
+            </a:endParaRPr>
           </a:p>
           <a:p>
             <a:pPr marL="0" indent="0"/>
@@ -20994,10 +20967,44 @@
           </a:p>
         </p:txBody>
       </p:sp>
+      <p:sp>
+        <p:nvSpPr>
+          <p:cNvPr id="6" name="TextBox 5"/>
+          <p:cNvSpPr txBox="1"/>
+          <p:nvPr/>
+        </p:nvSpPr>
+        <p:spPr>
+          <a:xfrm>
+            <a:off x="7286601" y="866997"/>
+            <a:ext cx="2835007" cy="369332"/>
+          </a:xfrm>
+          <a:prstGeom prst="rect">
+            <a:avLst/>
+          </a:prstGeom>
+          <a:noFill/>
+        </p:spPr>
+        <p:txBody>
+          <a:bodyPr wrap="none" rtlCol="0">
+            <a:spAutoFit/>
+          </a:bodyPr>
+          <a:lstStyle/>
+          <a:p>
+            <a:r>
+              <a:rPr lang="en-GB">
+                <a:latin typeface="Arial" pitchFamily="-112" charset="0"/>
+                <a:ea typeface="ＭＳ Ｐゴシック" pitchFamily="-112" charset="-128"/>
+                <a:cs typeface="ＭＳ Ｐゴシック" pitchFamily="-112" charset="-128"/>
+              </a:rPr>
+              <a:t>[dePoel&amp;Royakkers2011] </a:t>
+            </a:r>
+            <a:endParaRPr lang="en-US" dirty="0"/>
+          </a:p>
+        </p:txBody>
+      </p:sp>
     </p:spTree>
     <p:extLst>
       <p:ext uri="{BB962C8B-B14F-4D97-AF65-F5344CB8AC3E}">
-        <p14:creationId xmlns:p14="http://schemas.microsoft.com/office/powerpoint/2010/main" val="1619683934"/>
+        <p14:creationId xmlns:p14="http://schemas.microsoft.com/office/powerpoint/2010/main" val="28277954"/>
       </p:ext>
     </p:extLst>
   </p:cSld>
@@ -21026,6 +21033,392 @@
       </p:grpSpPr>
       <p:sp>
         <p:nvSpPr>
+          <p:cNvPr id="32772" name="Rectangle 2"/>
+          <p:cNvSpPr>
+            <a:spLocks noGrp="1" noChangeArrowheads="1"/>
+          </p:cNvSpPr>
+          <p:nvPr>
+            <p:ph type="title"/>
+          </p:nvPr>
+        </p:nvSpPr>
+        <p:spPr>
+          <a:xfrm>
+            <a:off x="478369" y="144001"/>
+            <a:ext cx="9169401" cy="637849"/>
+          </a:xfrm>
+        </p:spPr>
+        <p:txBody>
+          <a:bodyPr/>
+          <a:lstStyle/>
+          <a:p>
+            <a:pPr eaLnBrk="1" hangingPunct="1"/>
+            <a:r>
+              <a:rPr lang="en-US" sz="3200" b="1" dirty="0">
+                <a:ea typeface="ＭＳ Ｐゴシック" pitchFamily="-106" charset="-128"/>
+                <a:cs typeface="ＭＳ Ｐゴシック" pitchFamily="-106" charset="-128"/>
+              </a:rPr>
+              <a:t>Summary</a:t>
+            </a:r>
+            <a:endParaRPr lang="de-DE" sz="3200" b="1" dirty="0">
+              <a:ea typeface="ＭＳ Ｐゴシック" pitchFamily="-106" charset="-128"/>
+              <a:cs typeface="ＭＳ Ｐゴシック" pitchFamily="-106" charset="-128"/>
+            </a:endParaRPr>
+          </a:p>
+        </p:txBody>
+      </p:sp>
+      <p:sp>
+        <p:nvSpPr>
+          <p:cNvPr id="32773" name="Rectangle 3"/>
+          <p:cNvSpPr>
+            <a:spLocks noGrp="1" noChangeArrowheads="1"/>
+          </p:cNvSpPr>
+          <p:nvPr>
+            <p:ph idx="1"/>
+          </p:nvPr>
+        </p:nvSpPr>
+        <p:spPr>
+          <a:xfrm>
+            <a:off x="478369" y="1213308"/>
+            <a:ext cx="11473384" cy="4176110"/>
+          </a:xfrm>
+        </p:spPr>
+        <p:txBody>
+          <a:bodyPr>
+            <a:normAutofit fontScale="92500"/>
+          </a:bodyPr>
+          <a:lstStyle/>
+          <a:p>
+            <a:pPr eaLnBrk="1" hangingPunct="1">
+              <a:buClr>
+                <a:schemeClr val="accent1"/>
+              </a:buClr>
+              <a:buSzPct val="80000"/>
+              <a:buFont typeface=".AppleSDGothicNeoI-Regular" charset="-127"/>
+              <a:buChar char="◼︎"/>
+            </a:pPr>
+            <a:r>
+              <a:rPr lang="en-US" dirty="0">
+                <a:ea typeface="ＭＳ Ｐゴシック" pitchFamily="-106" charset="-128"/>
+                <a:cs typeface="ＭＳ Ｐゴシック" pitchFamily="-106" charset="-128"/>
+              </a:rPr>
+              <a:t>Disaster or major failures of engineered systems result in the question of </a:t>
+            </a:r>
+            <a:r>
+              <a:rPr lang="en-US" b="1" dirty="0">
+                <a:solidFill>
+                  <a:schemeClr val="accent1"/>
+                </a:solidFill>
+                <a:ea typeface="ＭＳ Ｐゴシック" pitchFamily="-106" charset="-128"/>
+                <a:cs typeface="ＭＳ Ｐゴシック" pitchFamily="-106" charset="-128"/>
+              </a:rPr>
+              <a:t>(moral) responsibility</a:t>
+            </a:r>
+            <a:r>
+              <a:rPr lang="en-US" dirty="0">
+                <a:ea typeface="ＭＳ Ｐゴシック" pitchFamily="-106" charset="-128"/>
+                <a:cs typeface="ＭＳ Ｐゴシック" pitchFamily="-106" charset="-128"/>
+              </a:rPr>
+              <a:t>.</a:t>
+            </a:r>
+          </a:p>
+          <a:p>
+            <a:pPr eaLnBrk="1" hangingPunct="1">
+              <a:buClr>
+                <a:schemeClr val="accent1"/>
+              </a:buClr>
+              <a:buSzPct val="80000"/>
+              <a:buFont typeface=".AppleSDGothicNeoI-Regular" charset="-127"/>
+              <a:buChar char="◼︎"/>
+            </a:pPr>
+            <a:r>
+              <a:rPr lang="en-US" b="1" dirty="0">
+                <a:solidFill>
+                  <a:schemeClr val="accent1"/>
+                </a:solidFill>
+                <a:ea typeface="ＭＳ Ｐゴシック" pitchFamily="-106" charset="-128"/>
+                <a:cs typeface="ＭＳ Ｐゴシック" pitchFamily="-106" charset="-128"/>
+              </a:rPr>
+              <a:t>Normative Ethics</a:t>
+            </a:r>
+            <a:r>
+              <a:rPr lang="en-US" dirty="0">
+                <a:ea typeface="ＭＳ Ｐゴシック" pitchFamily="-106" charset="-128"/>
+                <a:cs typeface="ＭＳ Ｐゴシック" pitchFamily="-106" charset="-128"/>
+              </a:rPr>
+              <a:t> tries to formulate normative recommendations about how to act or live, but no ethic theory is generally accepted and depending on the case the consequences, actions, nature of the acting person, or the group may all matter. </a:t>
+            </a:r>
+          </a:p>
+          <a:p>
+            <a:pPr eaLnBrk="1" hangingPunct="1">
+              <a:buClr>
+                <a:schemeClr val="accent1"/>
+              </a:buClr>
+              <a:buSzPct val="80000"/>
+              <a:buFont typeface=".AppleSDGothicNeoI-Regular" charset="-127"/>
+              <a:buChar char="◼︎"/>
+            </a:pPr>
+            <a:r>
+              <a:rPr lang="en-US" dirty="0">
+                <a:ea typeface="ＭＳ Ｐゴシック" pitchFamily="-106" charset="-128"/>
+                <a:cs typeface="ＭＳ Ｐゴシック" pitchFamily="-106" charset="-128"/>
+              </a:rPr>
+              <a:t>Therefore, it is suggested to use </a:t>
+            </a:r>
+            <a:r>
+              <a:rPr lang="en-US" b="1" dirty="0">
+                <a:solidFill>
+                  <a:schemeClr val="accent1"/>
+                </a:solidFill>
+                <a:ea typeface="ＭＳ Ｐゴシック" pitchFamily="-106" charset="-128"/>
+                <a:cs typeface="ＭＳ Ｐゴシック" pitchFamily="-106" charset="-128"/>
+              </a:rPr>
+              <a:t>normative argumentation </a:t>
+            </a:r>
+            <a:r>
+              <a:rPr lang="en-US" dirty="0">
+                <a:ea typeface="ＭＳ Ｐゴシック" pitchFamily="-106" charset="-128"/>
+                <a:cs typeface="ＭＳ Ｐゴシック" pitchFamily="-106" charset="-128"/>
+              </a:rPr>
+              <a:t>for specific moral problems and study possible actions rather than try to simply apply only </a:t>
+            </a:r>
+            <a:r>
+              <a:rPr lang="en-US" b="1" dirty="0">
+                <a:solidFill>
+                  <a:schemeClr val="accent1"/>
+                </a:solidFill>
+                <a:ea typeface="ＭＳ Ｐゴシック" pitchFamily="-106" charset="-128"/>
+                <a:cs typeface="ＭＳ Ｐゴシック" pitchFamily="-106" charset="-128"/>
+              </a:rPr>
+              <a:t>one</a:t>
+            </a:r>
+            <a:r>
+              <a:rPr lang="en-US" dirty="0">
+                <a:solidFill>
+                  <a:schemeClr val="accent1"/>
+                </a:solidFill>
+                <a:ea typeface="ＭＳ Ｐゴシック" pitchFamily="-106" charset="-128"/>
+                <a:cs typeface="ＭＳ Ｐゴシック" pitchFamily="-106" charset="-128"/>
+              </a:rPr>
+              <a:t> </a:t>
+            </a:r>
+            <a:r>
+              <a:rPr lang="en-US" dirty="0">
+                <a:ea typeface="ＭＳ Ｐゴシック" pitchFamily="-106" charset="-128"/>
+                <a:cs typeface="ＭＳ Ｐゴシック" pitchFamily="-106" charset="-128"/>
+              </a:rPr>
+              <a:t>specific ethic theory.</a:t>
+            </a:r>
+            <a:endParaRPr lang="en-US" i="1" dirty="0">
+              <a:ea typeface="ＭＳ Ｐゴシック" pitchFamily="-106" charset="-128"/>
+              <a:cs typeface="ＭＳ Ｐゴシック" pitchFamily="-106" charset="-128"/>
+            </a:endParaRPr>
+          </a:p>
+          <a:p>
+            <a:pPr eaLnBrk="1" hangingPunct="1">
+              <a:buClr>
+                <a:schemeClr val="accent1"/>
+              </a:buClr>
+              <a:buSzPct val="80000"/>
+              <a:buFont typeface=".AppleSDGothicNeoI-Regular" charset="-127"/>
+              <a:buChar char="◼︎"/>
+            </a:pPr>
+            <a:r>
+              <a:rPr lang="en-US" dirty="0">
+                <a:ea typeface="ＭＳ Ｐゴシック" pitchFamily="-106" charset="-128"/>
+                <a:cs typeface="ＭＳ Ｐゴシック" pitchFamily="-106" charset="-128"/>
+              </a:rPr>
+              <a:t>Normative argumentation can employ the </a:t>
+            </a:r>
+            <a:r>
+              <a:rPr lang="en-US" b="1" dirty="0">
+                <a:solidFill>
+                  <a:schemeClr val="accent1"/>
+                </a:solidFill>
+                <a:ea typeface="ＭＳ Ｐゴシック" pitchFamily="-106" charset="-128"/>
+                <a:cs typeface="ＭＳ Ｐゴシック" pitchFamily="-106" charset="-128"/>
+              </a:rPr>
+              <a:t>ethical cycle</a:t>
+            </a:r>
+            <a:r>
+              <a:rPr lang="en-US" dirty="0">
+                <a:ea typeface="ＭＳ Ｐゴシック" pitchFamily="-106" charset="-128"/>
+                <a:cs typeface="ＭＳ Ｐゴシック" pitchFamily="-106" charset="-128"/>
+              </a:rPr>
+              <a:t> and</a:t>
+            </a:r>
+            <a:r>
+              <a:rPr lang="en-US" b="1" dirty="0">
+                <a:solidFill>
+                  <a:schemeClr val="accent1"/>
+                </a:solidFill>
+                <a:ea typeface="ＭＳ Ｐゴシック" pitchFamily="-106" charset="-128"/>
+                <a:cs typeface="ＭＳ Ｐゴシック" pitchFamily="-106" charset="-128"/>
+              </a:rPr>
+              <a:t> valid</a:t>
+            </a:r>
+            <a:r>
+              <a:rPr lang="en-US" dirty="0">
+                <a:ea typeface="ＭＳ Ｐゴシック" pitchFamily="-106" charset="-128"/>
+                <a:cs typeface="ＭＳ Ｐゴシック" pitchFamily="-106" charset="-128"/>
+              </a:rPr>
+              <a:t> or </a:t>
+            </a:r>
+            <a:r>
+              <a:rPr lang="en-US" b="1" dirty="0">
+                <a:solidFill>
+                  <a:schemeClr val="accent1"/>
+                </a:solidFill>
+                <a:ea typeface="ＭＳ Ｐゴシック" pitchFamily="-106" charset="-128"/>
+                <a:cs typeface="ＭＳ Ｐゴシック" pitchFamily="-106" charset="-128"/>
+              </a:rPr>
+              <a:t>plausible</a:t>
+            </a:r>
+            <a:r>
+              <a:rPr lang="en-US" dirty="0">
+                <a:solidFill>
+                  <a:schemeClr val="accent1"/>
+                </a:solidFill>
+                <a:ea typeface="ＭＳ Ｐゴシック" pitchFamily="-106" charset="-128"/>
+                <a:cs typeface="ＭＳ Ｐゴシック" pitchFamily="-106" charset="-128"/>
+              </a:rPr>
+              <a:t> </a:t>
+            </a:r>
+            <a:r>
+              <a:rPr lang="en-US" dirty="0">
+                <a:ea typeface="ＭＳ Ｐゴシック" pitchFamily="-106" charset="-128"/>
+                <a:cs typeface="ＭＳ Ｐゴシック" pitchFamily="-106" charset="-128"/>
+              </a:rPr>
+              <a:t>arguments and has to uncover </a:t>
+            </a:r>
+            <a:r>
+              <a:rPr lang="en-US" b="1" dirty="0">
+                <a:solidFill>
+                  <a:schemeClr val="accent1"/>
+                </a:solidFill>
+                <a:ea typeface="ＭＳ Ｐゴシック" pitchFamily="-106" charset="-128"/>
+                <a:cs typeface="ＭＳ Ｐゴシック" pitchFamily="-106" charset="-128"/>
+              </a:rPr>
+              <a:t>fallacies</a:t>
+            </a:r>
+            <a:r>
+              <a:rPr lang="en-US" dirty="0">
+                <a:ea typeface="ＭＳ Ｐゴシック" pitchFamily="-106" charset="-128"/>
+                <a:cs typeface="ＭＳ Ｐゴシック" pitchFamily="-106" charset="-128"/>
+              </a:rPr>
+              <a:t>.</a:t>
+            </a:r>
+          </a:p>
+          <a:p>
+            <a:pPr eaLnBrk="1" hangingPunct="1">
+              <a:buClr>
+                <a:schemeClr val="accent1"/>
+              </a:buClr>
+              <a:buSzPct val="80000"/>
+              <a:buFont typeface=".AppleSDGothicNeoI-Regular" charset="-127"/>
+              <a:buChar char="◼︎"/>
+            </a:pPr>
+            <a:r>
+              <a:rPr lang="en-US" dirty="0">
+                <a:ea typeface="ＭＳ Ｐゴシック" pitchFamily="-106" charset="-128"/>
+                <a:cs typeface="ＭＳ Ｐゴシック" pitchFamily="-106" charset="-128"/>
+              </a:rPr>
+              <a:t>Several methods allow to study related </a:t>
+            </a:r>
+            <a:r>
+              <a:rPr lang="en-US" b="1" dirty="0">
+                <a:solidFill>
+                  <a:schemeClr val="accent1"/>
+                </a:solidFill>
+                <a:ea typeface="ＭＳ Ｐゴシック" pitchFamily="-106" charset="-128"/>
+                <a:cs typeface="ＭＳ Ｐゴシック" pitchFamily="-106" charset="-128"/>
+              </a:rPr>
+              <a:t>value conflicts </a:t>
+            </a:r>
+            <a:r>
+              <a:rPr lang="en-US" dirty="0">
+                <a:ea typeface="ＭＳ Ｐゴシック" pitchFamily="-106" charset="-128"/>
+                <a:cs typeface="ＭＳ Ｐゴシック" pitchFamily="-106" charset="-128"/>
+              </a:rPr>
+              <a:t>including the related moral problems (in particular risk) also during design. </a:t>
+            </a:r>
+          </a:p>
+          <a:p>
+            <a:pPr marL="0" indent="0"/>
+            <a:endParaRPr lang="en-US" dirty="0">
+              <a:ea typeface="ＭＳ Ｐゴシック" pitchFamily="-106" charset="-128"/>
+              <a:cs typeface="ＭＳ Ｐゴシック" pitchFamily="-106" charset="-128"/>
+            </a:endParaRPr>
+          </a:p>
+          <a:p>
+            <a:pPr marL="0" indent="0"/>
+            <a:endParaRPr lang="de-DE" dirty="0">
+              <a:ea typeface="ＭＳ Ｐゴシック" pitchFamily="-106" charset="-128"/>
+              <a:cs typeface="ＭＳ Ｐゴシック" pitchFamily="-106" charset="-128"/>
+            </a:endParaRPr>
+          </a:p>
+        </p:txBody>
+      </p:sp>
+      <p:sp>
+        <p:nvSpPr>
+          <p:cNvPr id="5" name="Slide Number Placeholder 4"/>
+          <p:cNvSpPr>
+            <a:spLocks noGrp="1"/>
+          </p:cNvSpPr>
+          <p:nvPr>
+            <p:ph type="sldNum" sz="quarter" idx="12"/>
+          </p:nvPr>
+        </p:nvSpPr>
+        <p:spPr/>
+        <p:txBody>
+          <a:bodyPr/>
+          <a:lstStyle/>
+          <a:p>
+            <a:pPr>
+              <a:defRPr/>
+            </a:pPr>
+            <a:fld id="{0DF685E1-000B-FF46-B3AC-A509A8EDE44A}" type="slidenum">
+              <a:rPr lang="de-DE" smtClean="0"/>
+              <a:pPr>
+                <a:defRPr/>
+              </a:pPr>
+              <a:t>27</a:t>
+            </a:fld>
+            <a:endParaRPr lang="de-DE"/>
+          </a:p>
+        </p:txBody>
+      </p:sp>
+    </p:spTree>
+    <p:extLst>
+      <p:ext uri="{BB962C8B-B14F-4D97-AF65-F5344CB8AC3E}">
+        <p14:creationId xmlns:p14="http://schemas.microsoft.com/office/powerpoint/2010/main" val="1619683934"/>
+      </p:ext>
+    </p:extLst>
+  </p:cSld>
+  <p:clrMapOvr>
+    <a:masterClrMapping/>
+  </p:clrMapOvr>
+</p:sld>
+</file>
+
+<file path=ppt/slides/slide28.xml><?xml version="1.0" encoding="utf-8"?>
+<p:sld xmlns:a="http://schemas.openxmlformats.org/drawingml/2006/main" xmlns:r="http://schemas.openxmlformats.org/officeDocument/2006/relationships" xmlns:p="http://schemas.openxmlformats.org/presentationml/2006/main">
+  <p:cSld>
+    <p:spTree>
+      <p:nvGrpSpPr>
+        <p:cNvPr id="1" name=""/>
+        <p:cNvGrpSpPr/>
+        <p:nvPr/>
+      </p:nvGrpSpPr>
+      <p:grpSpPr>
+        <a:xfrm>
+          <a:off x="0" y="0"/>
+          <a:ext cx="0" cy="0"/>
+          <a:chOff x="0" y="0"/>
+          <a:chExt cx="0" cy="0"/>
+        </a:xfrm>
+      </p:grpSpPr>
+      <p:sp>
+        <p:nvSpPr>
           <p:cNvPr id="2" name="Title 1">
             <a:extLst>
               <a:ext uri="{FF2B5EF4-FFF2-40B4-BE49-F238E27FC236}">
@@ -21138,7 +21531,7 @@
 </p:sld>
 </file>
 
-<file path=ppt/slides/slide28.xml><?xml version="1.0" encoding="utf-8"?>
+<file path=ppt/slides/slide29.xml><?xml version="1.0" encoding="utf-8"?>
 <p:sld xmlns:a="http://schemas.openxmlformats.org/drawingml/2006/main" xmlns:r="http://schemas.openxmlformats.org/officeDocument/2006/relationships" xmlns:p="http://schemas.openxmlformats.org/presentationml/2006/main">
   <p:cSld>
     <p:spTree>
@@ -22477,6 +22870,649 @@
       </p:grpSpPr>
       <p:sp>
         <p:nvSpPr>
+          <p:cNvPr id="3" name="Title 2">
+            <a:extLst>
+              <a:ext uri="{FF2B5EF4-FFF2-40B4-BE49-F238E27FC236}">
+                <a16:creationId xmlns:a16="http://schemas.microsoft.com/office/drawing/2014/main" id="{F8DC775A-2FC8-436C-8B0D-A137A5E619D3}"/>
+              </a:ext>
+            </a:extLst>
+          </p:cNvPr>
+          <p:cNvSpPr>
+            <a:spLocks noGrp="1"/>
+          </p:cNvSpPr>
+          <p:nvPr>
+            <p:ph type="title"/>
+          </p:nvPr>
+        </p:nvSpPr>
+        <p:spPr/>
+        <p:txBody>
+          <a:bodyPr/>
+          <a:lstStyle/>
+          <a:p>
+            <a:r>
+              <a:rPr lang="en-US" dirty="0"/>
+              <a:t>Validity of Arguments</a:t>
+            </a:r>
+          </a:p>
+        </p:txBody>
+      </p:sp>
+      <p:sp>
+        <p:nvSpPr>
+          <p:cNvPr id="4" name="Rectangle 3">
+            <a:extLst>
+              <a:ext uri="{FF2B5EF4-FFF2-40B4-BE49-F238E27FC236}">
+                <a16:creationId xmlns:a16="http://schemas.microsoft.com/office/drawing/2014/main" id="{9E984554-FEBE-4EDD-9D79-4890C12FD2A7}"/>
+              </a:ext>
+            </a:extLst>
+          </p:cNvPr>
+          <p:cNvSpPr/>
+          <p:nvPr/>
+        </p:nvSpPr>
+        <p:spPr bwMode="gray">
+          <a:xfrm>
+            <a:off x="2838450" y="2333625"/>
+            <a:ext cx="2286000" cy="1645920"/>
+          </a:xfrm>
+          <a:prstGeom prst="rect">
+            <a:avLst/>
+          </a:prstGeom>
+          <a:ln w="9525">
+            <a:solidFill>
+              <a:schemeClr val="bg1">
+                <a:lumMod val="50000"/>
+              </a:schemeClr>
+            </a:solidFill>
+          </a:ln>
+        </p:spPr>
+        <p:style>
+          <a:lnRef idx="2">
+            <a:schemeClr val="dk1"/>
+          </a:lnRef>
+          <a:fillRef idx="1">
+            <a:schemeClr val="lt1"/>
+          </a:fillRef>
+          <a:effectRef idx="0">
+            <a:schemeClr val="dk1"/>
+          </a:effectRef>
+          <a:fontRef idx="minor">
+            <a:schemeClr val="dk1"/>
+          </a:fontRef>
+        </p:style>
+        <p:txBody>
+          <a:bodyPr rot="0" spcFirstLastPara="0" vertOverflow="overflow" horzOverflow="overflow" vert="horz" wrap="square" lIns="108000" tIns="72000" rIns="108000" bIns="72000" numCol="1" spcCol="0" rtlCol="0" fromWordArt="0" anchor="ctr" anchorCtr="0" forceAA="0" compatLnSpc="1">
+            <a:prstTxWarp prst="textNoShape">
+              <a:avLst/>
+            </a:prstTxWarp>
+            <a:noAutofit/>
+          </a:bodyPr>
+          <a:lstStyle/>
+          <a:p>
+            <a:pPr algn="ctr">
+              <a:spcBef>
+                <a:spcPts val="300"/>
+              </a:spcBef>
+              <a:spcAft>
+                <a:spcPts val="300"/>
+              </a:spcAft>
+            </a:pPr>
+            <a:r>
+              <a:rPr lang="en-US" sz="2000" b="1" dirty="0">
+                <a:solidFill>
+                  <a:srgbClr val="00B050"/>
+                </a:solidFill>
+              </a:rPr>
+              <a:t>Sound argument</a:t>
+            </a:r>
+          </a:p>
+        </p:txBody>
+      </p:sp>
+      <p:sp>
+        <p:nvSpPr>
+          <p:cNvPr id="5" name="Rectangle 4">
+            <a:extLst>
+              <a:ext uri="{FF2B5EF4-FFF2-40B4-BE49-F238E27FC236}">
+                <a16:creationId xmlns:a16="http://schemas.microsoft.com/office/drawing/2014/main" id="{CADB9442-6E3C-40E2-AF08-AB3A33FBB21E}"/>
+              </a:ext>
+            </a:extLst>
+          </p:cNvPr>
+          <p:cNvSpPr/>
+          <p:nvPr/>
+        </p:nvSpPr>
+        <p:spPr bwMode="gray">
+          <a:xfrm>
+            <a:off x="5124450" y="2333625"/>
+            <a:ext cx="2286000" cy="1645920"/>
+          </a:xfrm>
+          <a:prstGeom prst="rect">
+            <a:avLst/>
+          </a:prstGeom>
+          <a:ln w="9525">
+            <a:solidFill>
+              <a:schemeClr val="bg1">
+                <a:lumMod val="50000"/>
+              </a:schemeClr>
+            </a:solidFill>
+          </a:ln>
+        </p:spPr>
+        <p:style>
+          <a:lnRef idx="2">
+            <a:schemeClr val="dk1"/>
+          </a:lnRef>
+          <a:fillRef idx="1">
+            <a:schemeClr val="lt1"/>
+          </a:fillRef>
+          <a:effectRef idx="0">
+            <a:schemeClr val="dk1"/>
+          </a:effectRef>
+          <a:fontRef idx="minor">
+            <a:schemeClr val="dk1"/>
+          </a:fontRef>
+        </p:style>
+        <p:txBody>
+          <a:bodyPr rot="0" spcFirstLastPara="0" vertOverflow="overflow" horzOverflow="overflow" vert="horz" wrap="square" lIns="108000" tIns="72000" rIns="108000" bIns="72000" numCol="1" spcCol="0" rtlCol="0" fromWordArt="0" anchor="ctr" anchorCtr="0" forceAA="0" compatLnSpc="1">
+            <a:prstTxWarp prst="textNoShape">
+              <a:avLst/>
+            </a:prstTxWarp>
+            <a:noAutofit/>
+          </a:bodyPr>
+          <a:lstStyle/>
+          <a:p>
+            <a:pPr algn="ctr">
+              <a:spcBef>
+                <a:spcPts val="300"/>
+              </a:spcBef>
+              <a:spcAft>
+                <a:spcPts val="300"/>
+              </a:spcAft>
+            </a:pPr>
+            <a:r>
+              <a:rPr lang="en-US" sz="2000" b="1" dirty="0">
+                <a:solidFill>
+                  <a:schemeClr val="accent4">
+                    <a:lumMod val="75000"/>
+                  </a:schemeClr>
+                </a:solidFill>
+              </a:rPr>
+              <a:t>Valid argument</a:t>
+            </a:r>
+          </a:p>
+        </p:txBody>
+      </p:sp>
+      <p:sp>
+        <p:nvSpPr>
+          <p:cNvPr id="6" name="Rectangle 5">
+            <a:extLst>
+              <a:ext uri="{FF2B5EF4-FFF2-40B4-BE49-F238E27FC236}">
+                <a16:creationId xmlns:a16="http://schemas.microsoft.com/office/drawing/2014/main" id="{8612812E-D980-4266-8163-C44502C19A07}"/>
+              </a:ext>
+            </a:extLst>
+          </p:cNvPr>
+          <p:cNvSpPr/>
+          <p:nvPr/>
+        </p:nvSpPr>
+        <p:spPr bwMode="gray">
+          <a:xfrm>
+            <a:off x="2838450" y="3979545"/>
+            <a:ext cx="2286000" cy="1645920"/>
+          </a:xfrm>
+          <a:prstGeom prst="rect">
+            <a:avLst/>
+          </a:prstGeom>
+          <a:ln w="9525">
+            <a:solidFill>
+              <a:schemeClr val="bg1">
+                <a:lumMod val="50000"/>
+              </a:schemeClr>
+            </a:solidFill>
+          </a:ln>
+        </p:spPr>
+        <p:style>
+          <a:lnRef idx="2">
+            <a:schemeClr val="dk1"/>
+          </a:lnRef>
+          <a:fillRef idx="1">
+            <a:schemeClr val="lt1"/>
+          </a:fillRef>
+          <a:effectRef idx="0">
+            <a:schemeClr val="dk1"/>
+          </a:effectRef>
+          <a:fontRef idx="minor">
+            <a:schemeClr val="dk1"/>
+          </a:fontRef>
+        </p:style>
+        <p:txBody>
+          <a:bodyPr rot="0" spcFirstLastPara="0" vertOverflow="overflow" horzOverflow="overflow" vert="horz" wrap="square" lIns="108000" tIns="72000" rIns="108000" bIns="72000" numCol="1" spcCol="0" rtlCol="0" fromWordArt="0" anchor="ctr" anchorCtr="0" forceAA="0" compatLnSpc="1">
+            <a:prstTxWarp prst="textNoShape">
+              <a:avLst/>
+            </a:prstTxWarp>
+            <a:noAutofit/>
+          </a:bodyPr>
+          <a:lstStyle/>
+          <a:p>
+            <a:pPr algn="ctr">
+              <a:spcBef>
+                <a:spcPts val="300"/>
+              </a:spcBef>
+              <a:spcAft>
+                <a:spcPts val="300"/>
+              </a:spcAft>
+            </a:pPr>
+            <a:r>
+              <a:rPr lang="en-US" sz="2000" b="1">
+                <a:solidFill>
+                  <a:schemeClr val="accent1">
+                    <a:lumMod val="50000"/>
+                  </a:schemeClr>
+                </a:solidFill>
+              </a:rPr>
+              <a:t>Invalid argument</a:t>
+            </a:r>
+            <a:endParaRPr lang="en-US" sz="2000" b="1" dirty="0">
+              <a:solidFill>
+                <a:schemeClr val="accent1">
+                  <a:lumMod val="50000"/>
+                </a:schemeClr>
+              </a:solidFill>
+            </a:endParaRPr>
+          </a:p>
+        </p:txBody>
+      </p:sp>
+      <p:sp>
+        <p:nvSpPr>
+          <p:cNvPr id="7" name="Rectangle 6">
+            <a:extLst>
+              <a:ext uri="{FF2B5EF4-FFF2-40B4-BE49-F238E27FC236}">
+                <a16:creationId xmlns:a16="http://schemas.microsoft.com/office/drawing/2014/main" id="{E3C1D9AC-086C-4937-869D-E1C32AF9994A}"/>
+              </a:ext>
+            </a:extLst>
+          </p:cNvPr>
+          <p:cNvSpPr/>
+          <p:nvPr/>
+        </p:nvSpPr>
+        <p:spPr bwMode="gray">
+          <a:xfrm>
+            <a:off x="5124450" y="3979545"/>
+            <a:ext cx="2286000" cy="1645920"/>
+          </a:xfrm>
+          <a:prstGeom prst="rect">
+            <a:avLst/>
+          </a:prstGeom>
+          <a:ln w="9525">
+            <a:solidFill>
+              <a:schemeClr val="bg1">
+                <a:lumMod val="50000"/>
+              </a:schemeClr>
+            </a:solidFill>
+          </a:ln>
+        </p:spPr>
+        <p:style>
+          <a:lnRef idx="2">
+            <a:schemeClr val="dk1"/>
+          </a:lnRef>
+          <a:fillRef idx="1">
+            <a:schemeClr val="lt1"/>
+          </a:fillRef>
+          <a:effectRef idx="0">
+            <a:schemeClr val="dk1"/>
+          </a:effectRef>
+          <a:fontRef idx="minor">
+            <a:schemeClr val="dk1"/>
+          </a:fontRef>
+        </p:style>
+        <p:txBody>
+          <a:bodyPr rot="0" spcFirstLastPara="0" vertOverflow="overflow" horzOverflow="overflow" vert="horz" wrap="square" lIns="108000" tIns="72000" rIns="108000" bIns="72000" numCol="1" spcCol="0" rtlCol="0" fromWordArt="0" anchor="ctr" anchorCtr="0" forceAA="0" compatLnSpc="1">
+            <a:prstTxWarp prst="textNoShape">
+              <a:avLst/>
+            </a:prstTxWarp>
+            <a:noAutofit/>
+          </a:bodyPr>
+          <a:lstStyle/>
+          <a:p>
+            <a:pPr algn="ctr">
+              <a:spcBef>
+                <a:spcPts val="300"/>
+              </a:spcBef>
+              <a:spcAft>
+                <a:spcPts val="300"/>
+              </a:spcAft>
+            </a:pPr>
+            <a:r>
+              <a:rPr lang="en-US" sz="2000" b="1">
+                <a:solidFill>
+                  <a:schemeClr val="accent1">
+                    <a:lumMod val="50000"/>
+                  </a:schemeClr>
+                </a:solidFill>
+              </a:rPr>
+              <a:t>Invalid argument</a:t>
+            </a:r>
+            <a:endParaRPr lang="en-US" sz="2000" b="1" dirty="0">
+              <a:solidFill>
+                <a:schemeClr val="accent1">
+                  <a:lumMod val="50000"/>
+                </a:schemeClr>
+              </a:solidFill>
+            </a:endParaRPr>
+          </a:p>
+        </p:txBody>
+      </p:sp>
+      <p:sp>
+        <p:nvSpPr>
+          <p:cNvPr id="8" name="TextBox 7">
+            <a:extLst>
+              <a:ext uri="{FF2B5EF4-FFF2-40B4-BE49-F238E27FC236}">
+                <a16:creationId xmlns:a16="http://schemas.microsoft.com/office/drawing/2014/main" id="{32E23623-897B-4020-B960-8D66FA947B1A}"/>
+              </a:ext>
+            </a:extLst>
+          </p:cNvPr>
+          <p:cNvSpPr txBox="1"/>
+          <p:nvPr/>
+        </p:nvSpPr>
+        <p:spPr bwMode="gray">
+          <a:xfrm>
+            <a:off x="3812381" y="1283370"/>
+            <a:ext cx="2690814" cy="466725"/>
+          </a:xfrm>
+          <a:prstGeom prst="rect">
+            <a:avLst/>
+          </a:prstGeom>
+          <a:noFill/>
+        </p:spPr>
+        <p:txBody>
+          <a:bodyPr wrap="square" lIns="0" tIns="0" rIns="0" bIns="0" rtlCol="0">
+            <a:noAutofit/>
+          </a:bodyPr>
+          <a:lstStyle/>
+          <a:p>
+            <a:pPr algn="ctr">
+              <a:spcBef>
+                <a:spcPts val="300"/>
+              </a:spcBef>
+              <a:spcAft>
+                <a:spcPts val="300"/>
+              </a:spcAft>
+              <a:buClr>
+                <a:schemeClr val="accent1"/>
+              </a:buClr>
+              <a:buSzPct val="90000"/>
+            </a:pPr>
+            <a:r>
+              <a:rPr lang="en-US" sz="2400" dirty="0"/>
+              <a:t>Premises</a:t>
+            </a:r>
+          </a:p>
+        </p:txBody>
+      </p:sp>
+      <p:sp>
+        <p:nvSpPr>
+          <p:cNvPr id="9" name="TextBox 8">
+            <a:extLst>
+              <a:ext uri="{FF2B5EF4-FFF2-40B4-BE49-F238E27FC236}">
+                <a16:creationId xmlns:a16="http://schemas.microsoft.com/office/drawing/2014/main" id="{444B71CD-24F9-4BB5-B4C1-5027D94884D2}"/>
+              </a:ext>
+            </a:extLst>
+          </p:cNvPr>
+          <p:cNvSpPr txBox="1"/>
+          <p:nvPr/>
+        </p:nvSpPr>
+        <p:spPr bwMode="gray">
+          <a:xfrm rot="16200000">
+            <a:off x="303610" y="3579256"/>
+            <a:ext cx="2355056" cy="466725"/>
+          </a:xfrm>
+          <a:prstGeom prst="rect">
+            <a:avLst/>
+          </a:prstGeom>
+          <a:noFill/>
+        </p:spPr>
+        <p:txBody>
+          <a:bodyPr wrap="square" lIns="0" tIns="0" rIns="0" bIns="0" rtlCol="0">
+            <a:noAutofit/>
+          </a:bodyPr>
+          <a:lstStyle/>
+          <a:p>
+            <a:pPr algn="ctr">
+              <a:spcBef>
+                <a:spcPts val="300"/>
+              </a:spcBef>
+              <a:spcAft>
+                <a:spcPts val="300"/>
+              </a:spcAft>
+              <a:buClr>
+                <a:schemeClr val="accent1"/>
+              </a:buClr>
+              <a:buSzPct val="90000"/>
+            </a:pPr>
+            <a:r>
+              <a:rPr lang="en-US" sz="2400" dirty="0"/>
+              <a:t>Reasoning</a:t>
+            </a:r>
+          </a:p>
+        </p:txBody>
+      </p:sp>
+      <p:sp>
+        <p:nvSpPr>
+          <p:cNvPr id="10" name="TextBox 9">
+            <a:extLst>
+              <a:ext uri="{FF2B5EF4-FFF2-40B4-BE49-F238E27FC236}">
+                <a16:creationId xmlns:a16="http://schemas.microsoft.com/office/drawing/2014/main" id="{187EBB01-6428-4771-A6BF-2D7CD5E8BEDB}"/>
+              </a:ext>
+            </a:extLst>
+          </p:cNvPr>
+          <p:cNvSpPr txBox="1"/>
+          <p:nvPr/>
+        </p:nvSpPr>
+        <p:spPr bwMode="gray">
+          <a:xfrm>
+            <a:off x="3374234" y="1739084"/>
+            <a:ext cx="1354931" cy="594541"/>
+          </a:xfrm>
+          <a:prstGeom prst="rect">
+            <a:avLst/>
+          </a:prstGeom>
+          <a:noFill/>
+        </p:spPr>
+        <p:txBody>
+          <a:bodyPr wrap="square" lIns="0" tIns="0" rIns="0" bIns="0" rtlCol="0">
+            <a:noAutofit/>
+          </a:bodyPr>
+          <a:lstStyle/>
+          <a:p>
+            <a:pPr algn="ctr">
+              <a:spcBef>
+                <a:spcPts val="300"/>
+              </a:spcBef>
+              <a:spcAft>
+                <a:spcPts val="300"/>
+              </a:spcAft>
+              <a:buClr>
+                <a:schemeClr val="accent1"/>
+              </a:buClr>
+              <a:buSzPct val="90000"/>
+            </a:pPr>
+            <a:r>
+              <a:rPr lang="en-US" sz="2000" dirty="0"/>
+              <a:t>All are True</a:t>
+            </a:r>
+          </a:p>
+        </p:txBody>
+      </p:sp>
+      <p:sp>
+        <p:nvSpPr>
+          <p:cNvPr id="11" name="TextBox 10">
+            <a:extLst>
+              <a:ext uri="{FF2B5EF4-FFF2-40B4-BE49-F238E27FC236}">
+                <a16:creationId xmlns:a16="http://schemas.microsoft.com/office/drawing/2014/main" id="{0E87F5A4-18BA-4B9A-AD95-E756133ED0C7}"/>
+              </a:ext>
+            </a:extLst>
+          </p:cNvPr>
+          <p:cNvSpPr txBox="1"/>
+          <p:nvPr/>
+        </p:nvSpPr>
+        <p:spPr bwMode="gray">
+          <a:xfrm>
+            <a:off x="1762125" y="4523422"/>
+            <a:ext cx="914400" cy="466725"/>
+          </a:xfrm>
+          <a:prstGeom prst="rect">
+            <a:avLst/>
+          </a:prstGeom>
+          <a:noFill/>
+        </p:spPr>
+        <p:txBody>
+          <a:bodyPr wrap="square" lIns="0" tIns="0" rIns="0" bIns="0" rtlCol="0">
+            <a:noAutofit/>
+          </a:bodyPr>
+          <a:lstStyle/>
+          <a:p>
+            <a:pPr algn="ctr">
+              <a:spcBef>
+                <a:spcPts val="300"/>
+              </a:spcBef>
+              <a:spcAft>
+                <a:spcPts val="300"/>
+              </a:spcAft>
+              <a:buClr>
+                <a:schemeClr val="accent1"/>
+              </a:buClr>
+              <a:buSzPct val="90000"/>
+            </a:pPr>
+            <a:r>
+              <a:rPr lang="en-US" sz="2000" dirty="0"/>
+              <a:t>Invalid</a:t>
+            </a:r>
+          </a:p>
+        </p:txBody>
+      </p:sp>
+      <p:sp>
+        <p:nvSpPr>
+          <p:cNvPr id="12" name="TextBox 11">
+            <a:extLst>
+              <a:ext uri="{FF2B5EF4-FFF2-40B4-BE49-F238E27FC236}">
+                <a16:creationId xmlns:a16="http://schemas.microsoft.com/office/drawing/2014/main" id="{9C8B3E7A-DC61-4FED-98F4-48B30CAECC49}"/>
+              </a:ext>
+            </a:extLst>
+          </p:cNvPr>
+          <p:cNvSpPr txBox="1"/>
+          <p:nvPr/>
+        </p:nvSpPr>
+        <p:spPr bwMode="gray">
+          <a:xfrm>
+            <a:off x="5237560" y="1750095"/>
+            <a:ext cx="1774030" cy="466725"/>
+          </a:xfrm>
+          <a:prstGeom prst="rect">
+            <a:avLst/>
+          </a:prstGeom>
+          <a:noFill/>
+        </p:spPr>
+        <p:txBody>
+          <a:bodyPr wrap="square" lIns="0" tIns="0" rIns="0" bIns="0" rtlCol="0">
+            <a:noAutofit/>
+          </a:bodyPr>
+          <a:lstStyle/>
+          <a:p>
+            <a:pPr algn="ctr">
+              <a:spcBef>
+                <a:spcPts val="300"/>
+              </a:spcBef>
+              <a:spcAft>
+                <a:spcPts val="300"/>
+              </a:spcAft>
+              <a:buClr>
+                <a:schemeClr val="accent1"/>
+              </a:buClr>
+              <a:buSzPct val="90000"/>
+            </a:pPr>
+            <a:r>
+              <a:rPr lang="en-US" sz="2000" dirty="0"/>
+              <a:t>Some are False</a:t>
+            </a:r>
+          </a:p>
+        </p:txBody>
+      </p:sp>
+      <p:sp>
+        <p:nvSpPr>
+          <p:cNvPr id="15" name="TextBox 14">
+            <a:extLst>
+              <a:ext uri="{FF2B5EF4-FFF2-40B4-BE49-F238E27FC236}">
+                <a16:creationId xmlns:a16="http://schemas.microsoft.com/office/drawing/2014/main" id="{720CC102-8D5D-4B05-B0CD-026EA3AFCA7B}"/>
+              </a:ext>
+            </a:extLst>
+          </p:cNvPr>
+          <p:cNvSpPr txBox="1"/>
+          <p:nvPr/>
+        </p:nvSpPr>
+        <p:spPr bwMode="gray">
+          <a:xfrm>
+            <a:off x="1876425" y="3034665"/>
+            <a:ext cx="914400" cy="466725"/>
+          </a:xfrm>
+          <a:prstGeom prst="rect">
+            <a:avLst/>
+          </a:prstGeom>
+          <a:noFill/>
+        </p:spPr>
+        <p:txBody>
+          <a:bodyPr wrap="square" lIns="0" tIns="0" rIns="0" bIns="0" rtlCol="0">
+            <a:noAutofit/>
+          </a:bodyPr>
+          <a:lstStyle/>
+          <a:p>
+            <a:pPr algn="ctr">
+              <a:spcBef>
+                <a:spcPts val="300"/>
+              </a:spcBef>
+              <a:spcAft>
+                <a:spcPts val="300"/>
+              </a:spcAft>
+              <a:buClr>
+                <a:schemeClr val="accent1"/>
+              </a:buClr>
+              <a:buSzPct val="90000"/>
+            </a:pPr>
+            <a:r>
+              <a:rPr lang="en-US" sz="2000" dirty="0"/>
+              <a:t>Valid</a:t>
+            </a:r>
+          </a:p>
+        </p:txBody>
+      </p:sp>
+    </p:spTree>
+    <p:extLst>
+      <p:ext uri="{BB962C8B-B14F-4D97-AF65-F5344CB8AC3E}">
+        <p14:creationId xmlns:p14="http://schemas.microsoft.com/office/powerpoint/2010/main" val="396939150"/>
+      </p:ext>
+    </p:extLst>
+  </p:cSld>
+  <p:clrMapOvr>
+    <a:masterClrMapping/>
+  </p:clrMapOvr>
+  <p:transition>
+    <p:fade/>
+  </p:transition>
+</p:sld>
+</file>
+
+<file path=ppt/slides/slide7.xml><?xml version="1.0" encoding="utf-8"?>
+<p:sld xmlns:a="http://schemas.openxmlformats.org/drawingml/2006/main" xmlns:r="http://schemas.openxmlformats.org/officeDocument/2006/relationships" xmlns:p="http://schemas.openxmlformats.org/presentationml/2006/main">
+  <p:cSld>
+    <p:spTree>
+      <p:nvGrpSpPr>
+        <p:cNvPr id="1" name=""/>
+        <p:cNvGrpSpPr/>
+        <p:nvPr/>
+      </p:nvGrpSpPr>
+      <p:grpSpPr>
+        <a:xfrm>
+          <a:off x="0" y="0"/>
+          <a:ext cx="0" cy="0"/>
+          <a:chOff x="0" y="0"/>
+          <a:chExt cx="0" cy="0"/>
+        </a:xfrm>
+      </p:grpSpPr>
+      <p:sp>
+        <p:nvSpPr>
           <p:cNvPr id="2" name="Text Placeholder 1">
             <a:extLst>
               <a:ext uri="{FF2B5EF4-FFF2-40B4-BE49-F238E27FC236}">
@@ -22703,246 +23739,6 @@
 </p:sld>
 </file>
 
-<file path=ppt/slides/slide7.xml><?xml version="1.0" encoding="utf-8"?>
-<p:sld xmlns:a="http://schemas.openxmlformats.org/drawingml/2006/main" xmlns:r="http://schemas.openxmlformats.org/officeDocument/2006/relationships" xmlns:p="http://schemas.openxmlformats.org/presentationml/2006/main">
-  <p:cSld>
-    <p:spTree>
-      <p:nvGrpSpPr>
-        <p:cNvPr id="1" name=""/>
-        <p:cNvGrpSpPr/>
-        <p:nvPr/>
-      </p:nvGrpSpPr>
-      <p:grpSpPr>
-        <a:xfrm>
-          <a:off x="0" y="0"/>
-          <a:ext cx="0" cy="0"/>
-          <a:chOff x="0" y="0"/>
-          <a:chExt cx="0" cy="0"/>
-        </a:xfrm>
-      </p:grpSpPr>
-      <p:sp>
-        <p:nvSpPr>
-          <p:cNvPr id="2" name="Text Placeholder 1">
-            <a:extLst>
-              <a:ext uri="{FF2B5EF4-FFF2-40B4-BE49-F238E27FC236}">
-                <a16:creationId xmlns:a16="http://schemas.microsoft.com/office/drawing/2014/main" id="{78B906DA-0D6F-4611-BC57-57FE128EC2EC}"/>
-              </a:ext>
-            </a:extLst>
-          </p:cNvPr>
-          <p:cNvSpPr>
-            <a:spLocks noGrp="1"/>
-          </p:cNvSpPr>
-          <p:nvPr>
-            <p:ph type="body" sz="quarter" idx="13"/>
-          </p:nvPr>
-        </p:nvSpPr>
-        <p:spPr>
-          <a:xfrm>
-            <a:off x="478369" y="1282046"/>
-            <a:ext cx="11474451" cy="1655838"/>
-          </a:xfrm>
-        </p:spPr>
-        <p:txBody>
-          <a:bodyPr/>
-          <a:lstStyle/>
-          <a:p>
-            <a:endParaRPr lang="en-US" dirty="0"/>
-          </a:p>
-          <a:p>
-            <a:r>
-              <a:rPr lang="en-US" dirty="0"/>
-              <a:t>Premise-1: Most technology that evolves tends to become safer than older technology</a:t>
-            </a:r>
-          </a:p>
-          <a:p>
-            <a:r>
-              <a:rPr lang="en-US" dirty="0"/>
-              <a:t>Premise-2: Self-Driving cars are an evolving technology</a:t>
-            </a:r>
-          </a:p>
-          <a:p>
-            <a:r>
-              <a:rPr lang="en-US" dirty="0"/>
-              <a:t>Conclusion: Hence, self-driving cars will probably be safer than regular cars</a:t>
-            </a:r>
-          </a:p>
-        </p:txBody>
-      </p:sp>
-      <p:sp>
-        <p:nvSpPr>
-          <p:cNvPr id="3" name="Title 2">
-            <a:extLst>
-              <a:ext uri="{FF2B5EF4-FFF2-40B4-BE49-F238E27FC236}">
-                <a16:creationId xmlns:a16="http://schemas.microsoft.com/office/drawing/2014/main" id="{A05AB9CC-F540-4D10-8B22-D266AEE7414E}"/>
-              </a:ext>
-            </a:extLst>
-          </p:cNvPr>
-          <p:cNvSpPr>
-            <a:spLocks noGrp="1"/>
-          </p:cNvSpPr>
-          <p:nvPr>
-            <p:ph type="title"/>
-          </p:nvPr>
-        </p:nvSpPr>
-        <p:spPr>
-          <a:xfrm>
-            <a:off x="478369" y="144001"/>
-            <a:ext cx="9169401" cy="555840"/>
-          </a:xfrm>
-        </p:spPr>
-        <p:txBody>
-          <a:bodyPr/>
-          <a:lstStyle/>
-          <a:p>
-            <a:r>
-              <a:rPr lang="en-US" dirty="0"/>
-              <a:t>Inductive Arguments</a:t>
-            </a:r>
-          </a:p>
-        </p:txBody>
-      </p:sp>
-      <p:sp>
-        <p:nvSpPr>
-          <p:cNvPr id="5" name="TextBox 4">
-            <a:extLst>
-              <a:ext uri="{FF2B5EF4-FFF2-40B4-BE49-F238E27FC236}">
-                <a16:creationId xmlns:a16="http://schemas.microsoft.com/office/drawing/2014/main" id="{73272494-0B82-43B8-9547-8998F63CA764}"/>
-              </a:ext>
-            </a:extLst>
-          </p:cNvPr>
-          <p:cNvSpPr txBox="1"/>
-          <p:nvPr/>
-        </p:nvSpPr>
-        <p:spPr bwMode="gray">
-          <a:xfrm>
-            <a:off x="2533651" y="3788125"/>
-            <a:ext cx="6244936" cy="646331"/>
-          </a:xfrm>
-          <a:prstGeom prst="rect">
-            <a:avLst/>
-          </a:prstGeom>
-          <a:solidFill>
-            <a:schemeClr val="accent3">
-              <a:lumMod val="20000"/>
-              <a:lumOff val="80000"/>
-            </a:schemeClr>
-          </a:solidFill>
-        </p:spPr>
-        <p:txBody>
-          <a:bodyPr wrap="square">
-            <a:spAutoFit/>
-          </a:bodyPr>
-          <a:lstStyle/>
-          <a:p>
-            <a:pPr algn="ctr"/>
-            <a:r>
-              <a:rPr lang="en-US" b="1" dirty="0"/>
-              <a:t>Caveat</a:t>
-            </a:r>
-          </a:p>
-          <a:p>
-            <a:pPr algn="ctr"/>
-            <a:r>
-              <a:rPr lang="en-US" dirty="0"/>
-              <a:t>Future not always resembles the past</a:t>
-            </a:r>
-          </a:p>
-        </p:txBody>
-      </p:sp>
-    </p:spTree>
-    <p:extLst>
-      <p:ext uri="{BB962C8B-B14F-4D97-AF65-F5344CB8AC3E}">
-        <p14:creationId xmlns:p14="http://schemas.microsoft.com/office/powerpoint/2010/main" val="3257781662"/>
-      </p:ext>
-    </p:extLst>
-  </p:cSld>
-  <p:clrMapOvr>
-    <a:masterClrMapping/>
-  </p:clrMapOvr>
-  <p:transition>
-    <p:fade/>
-  </p:transition>
-  <p:timing>
-    <p:tnLst>
-      <p:par>
-        <p:cTn id="1" dur="indefinite" restart="never" nodeType="tmRoot">
-          <p:childTnLst>
-            <p:seq concurrent="1" nextAc="seek">
-              <p:cTn id="2" dur="indefinite" nodeType="mainSeq">
-                <p:childTnLst>
-                  <p:par>
-                    <p:cTn id="3" fill="hold">
-                      <p:stCondLst>
-                        <p:cond delay="indefinite"/>
-                      </p:stCondLst>
-                      <p:childTnLst>
-                        <p:par>
-                          <p:cTn id="4" fill="hold">
-                            <p:stCondLst>
-                              <p:cond delay="0"/>
-                            </p:stCondLst>
-                            <p:childTnLst>
-                              <p:par>
-                                <p:cTn id="5" presetID="1" presetClass="entr" presetSubtype="0" fill="hold" grpId="0" nodeType="clickEffect">
-                                  <p:stCondLst>
-                                    <p:cond delay="0"/>
-                                  </p:stCondLst>
-                                  <p:childTnLst>
-                                    <p:set>
-                                      <p:cBhvr>
-                                        <p:cTn id="6" dur="1" fill="hold">
-                                          <p:stCondLst>
-                                            <p:cond delay="0"/>
-                                          </p:stCondLst>
-                                        </p:cTn>
-                                        <p:tgtEl>
-                                          <p:spTgt spid="5"/>
-                                        </p:tgtEl>
-                                        <p:attrNameLst>
-                                          <p:attrName>style.visibility</p:attrName>
-                                        </p:attrNameLst>
-                                      </p:cBhvr>
-                                      <p:to>
-                                        <p:strVal val="visible"/>
-                                      </p:to>
-                                    </p:set>
-                                  </p:childTnLst>
-                                </p:cTn>
-                              </p:par>
-                            </p:childTnLst>
-                          </p:cTn>
-                        </p:par>
-                      </p:childTnLst>
-                    </p:cTn>
-                  </p:par>
-                </p:childTnLst>
-              </p:cTn>
-              <p:prevCondLst>
-                <p:cond evt="onPrev" delay="0">
-                  <p:tgtEl>
-                    <p:sldTgt/>
-                  </p:tgtEl>
-                </p:cond>
-              </p:prevCondLst>
-              <p:nextCondLst>
-                <p:cond evt="onNext" delay="0">
-                  <p:tgtEl>
-                    <p:sldTgt/>
-                  </p:tgtEl>
-                </p:cond>
-              </p:nextCondLst>
-            </p:seq>
-          </p:childTnLst>
-        </p:cTn>
-      </p:par>
-    </p:tnLst>
-    <p:bldLst>
-      <p:bldP spid="5" grpId="0" animBg="1"/>
-    </p:bldLst>
-  </p:timing>
-</p:sld>
-</file>
-
 <file path=ppt/slides/slide8.xml><?xml version="1.0" encoding="utf-8"?>
 <p:sld xmlns:a="http://schemas.openxmlformats.org/drawingml/2006/main" xmlns:r="http://schemas.openxmlformats.org/officeDocument/2006/relationships" xmlns:p="http://schemas.openxmlformats.org/presentationml/2006/main">
   <p:cSld>
@@ -22965,7 +23761,7 @@
           <p:cNvPr id="2" name="Text Placeholder 1">
             <a:extLst>
               <a:ext uri="{FF2B5EF4-FFF2-40B4-BE49-F238E27FC236}">
-                <a16:creationId xmlns:a16="http://schemas.microsoft.com/office/drawing/2014/main" id="{678CF1F7-0E18-4D25-8F31-A53EA311138C}"/>
+                <a16:creationId xmlns:a16="http://schemas.microsoft.com/office/drawing/2014/main" id="{78B906DA-0D6F-4611-BC57-57FE128EC2EC}"/>
               </a:ext>
             </a:extLst>
           </p:cNvPr>
@@ -22979,20 +23775,32 @@
         <p:spPr>
           <a:xfrm>
             <a:off x="478369" y="1282046"/>
-            <a:ext cx="11474451" cy="1450654"/>
+            <a:ext cx="11474451" cy="1655838"/>
           </a:xfrm>
         </p:spPr>
         <p:txBody>
           <a:bodyPr/>
           <a:lstStyle/>
           <a:p>
+            <a:endParaRPr lang="en-US" dirty="0"/>
+          </a:p>
+          <a:p>
             <a:r>
               <a:rPr lang="en-US" dirty="0"/>
-              <a:t>Drawing a conclusion based on the explanation that best explains a state of events, rather from evidence provided by the premises. Also known as "inference to the best explanation".	</a:t>
-            </a:r>
-          </a:p>
-          <a:p>
-            <a:endParaRPr lang="en-US" dirty="0"/>
+              <a:t>Premise-1: Most technology that evolves tends to become safer than older technology</a:t>
+            </a:r>
+          </a:p>
+          <a:p>
+            <a:r>
+              <a:rPr lang="en-US" dirty="0"/>
+              <a:t>Premise-2: Self-Driving cars are an evolving technology</a:t>
+            </a:r>
+          </a:p>
+          <a:p>
+            <a:r>
+              <a:rPr lang="en-US" dirty="0"/>
+              <a:t>Conclusion: Hence, self-driving cars will probably be safer than regular cars</a:t>
+            </a:r>
           </a:p>
         </p:txBody>
       </p:sp>
@@ -23001,7 +23809,7 @@
           <p:cNvPr id="3" name="Title 2">
             <a:extLst>
               <a:ext uri="{FF2B5EF4-FFF2-40B4-BE49-F238E27FC236}">
-                <a16:creationId xmlns:a16="http://schemas.microsoft.com/office/drawing/2014/main" id="{03FA8C6D-A62D-4D45-8AF5-0F0ED938AEEF}"/>
+                <a16:creationId xmlns:a16="http://schemas.microsoft.com/office/drawing/2014/main" id="{A05AB9CC-F540-4D10-8B22-D266AEE7414E}"/>
               </a:ext>
             </a:extLst>
           </p:cNvPr>
@@ -23024,7 +23832,7 @@
           <a:p>
             <a:r>
               <a:rPr lang="en-US" dirty="0"/>
-              <a:t>Abduction</a:t>
+              <a:t>Inductive Arguments</a:t>
             </a:r>
           </a:p>
         </p:txBody>
@@ -23034,7 +23842,7 @@
           <p:cNvPr id="5" name="TextBox 4">
             <a:extLst>
               <a:ext uri="{FF2B5EF4-FFF2-40B4-BE49-F238E27FC236}">
-                <a16:creationId xmlns:a16="http://schemas.microsoft.com/office/drawing/2014/main" id="{2B0588ED-31D5-46AB-AE06-7148C4AF4C9C}"/>
+                <a16:creationId xmlns:a16="http://schemas.microsoft.com/office/drawing/2014/main" id="{73272494-0B82-43B8-9547-8998F63CA764}"/>
               </a:ext>
             </a:extLst>
           </p:cNvPr>
@@ -23043,8 +23851,8 @@
         </p:nvSpPr>
         <p:spPr bwMode="gray">
           <a:xfrm>
-            <a:off x="2983923" y="2977726"/>
-            <a:ext cx="6244936" cy="923330"/>
+            <a:off x="2533651" y="3788125"/>
+            <a:ext cx="6244936" cy="646331"/>
           </a:xfrm>
           <a:prstGeom prst="rect">
             <a:avLst/>
@@ -23064,12 +23872,15 @@
           <a:p>
             <a:pPr algn="ctr"/>
             <a:r>
-              <a:rPr lang="en-US" i="1" dirty="0"/>
-              <a:t>“When you eliminate all the impossible, whatever remains, however improbable, must be the truth</a:t>
-            </a:r>
+              <a:rPr lang="en-US" b="1" dirty="0"/>
+              <a:t>Caveat</a:t>
+            </a:r>
+          </a:p>
+          <a:p>
+            <a:pPr algn="ctr"/>
             <a:r>
               <a:rPr lang="en-US" dirty="0"/>
-              <a:t>.” Sherlock Holmes</a:t>
+              <a:t>Future not always resembles the past</a:t>
             </a:r>
           </a:p>
         </p:txBody>
@@ -23077,7 +23888,7 @@
     </p:spTree>
     <p:extLst>
       <p:ext uri="{BB962C8B-B14F-4D97-AF65-F5344CB8AC3E}">
-        <p14:creationId xmlns:p14="http://schemas.microsoft.com/office/powerpoint/2010/main" val="530617816"/>
+        <p14:creationId xmlns:p14="http://schemas.microsoft.com/office/powerpoint/2010/main" val="3257781662"/>
       </p:ext>
     </p:extLst>
   </p:cSld>
@@ -23187,9 +23998,51 @@
       </p:grpSpPr>
       <p:sp>
         <p:nvSpPr>
-          <p:cNvPr id="32772" name="Rectangle 2"/>
-          <p:cNvSpPr>
-            <a:spLocks noGrp="1" noChangeArrowheads="1"/>
+          <p:cNvPr id="2" name="Text Placeholder 1">
+            <a:extLst>
+              <a:ext uri="{FF2B5EF4-FFF2-40B4-BE49-F238E27FC236}">
+                <a16:creationId xmlns:a16="http://schemas.microsoft.com/office/drawing/2014/main" id="{678CF1F7-0E18-4D25-8F31-A53EA311138C}"/>
+              </a:ext>
+            </a:extLst>
+          </p:cNvPr>
+          <p:cNvSpPr>
+            <a:spLocks noGrp="1"/>
+          </p:cNvSpPr>
+          <p:nvPr>
+            <p:ph type="body" sz="quarter" idx="13"/>
+          </p:nvPr>
+        </p:nvSpPr>
+        <p:spPr>
+          <a:xfrm>
+            <a:off x="478369" y="1282046"/>
+            <a:ext cx="11474451" cy="1450654"/>
+          </a:xfrm>
+        </p:spPr>
+        <p:txBody>
+          <a:bodyPr/>
+          <a:lstStyle/>
+          <a:p>
+            <a:r>
+              <a:rPr lang="en-US" dirty="0"/>
+              <a:t>Drawing a conclusion based on the explanation that best explains a state of events, rather from evidence provided by the premises. Also known as "inference to the best explanation".	</a:t>
+            </a:r>
+          </a:p>
+          <a:p>
+            <a:endParaRPr lang="en-US" dirty="0"/>
+          </a:p>
+        </p:txBody>
+      </p:sp>
+      <p:sp>
+        <p:nvSpPr>
+          <p:cNvPr id="3" name="Title 2">
+            <a:extLst>
+              <a:ext uri="{FF2B5EF4-FFF2-40B4-BE49-F238E27FC236}">
+                <a16:creationId xmlns:a16="http://schemas.microsoft.com/office/drawing/2014/main" id="{03FA8C6D-A62D-4D45-8AF5-0F0ED938AEEF}"/>
+              </a:ext>
+            </a:extLst>
+          </p:cNvPr>
+          <p:cNvSpPr>
+            <a:spLocks noGrp="1"/>
           </p:cNvSpPr>
           <p:nvPr>
             <p:ph type="title"/>
@@ -23198,281 +24051,156 @@
         <p:spPr>
           <a:xfrm>
             <a:off x="478369" y="144001"/>
-            <a:ext cx="9169401" cy="576293"/>
+            <a:ext cx="9169401" cy="555840"/>
           </a:xfrm>
         </p:spPr>
         <p:txBody>
           <a:bodyPr/>
           <a:lstStyle/>
           <a:p>
-            <a:pPr eaLnBrk="1" hangingPunct="1"/>
-            <a:r>
-              <a:rPr lang="en-US" sz="2800" b="1" dirty="0">
-                <a:ea typeface="ＭＳ Ｐゴシック" pitchFamily="-106" charset="-128"/>
-                <a:cs typeface="ＭＳ Ｐゴシック" pitchFamily="-106" charset="-128"/>
-              </a:rPr>
-              <a:t>Deductive and Non-Deductive Arguments</a:t>
-            </a:r>
-            <a:endParaRPr lang="de-DE" sz="2800" b="1" dirty="0">
-              <a:ea typeface="ＭＳ Ｐゴシック" pitchFamily="-106" charset="-128"/>
-              <a:cs typeface="ＭＳ Ｐゴシック" pitchFamily="-106" charset="-128"/>
-            </a:endParaRPr>
-          </a:p>
-        </p:txBody>
-      </p:sp>
-      <p:sp>
-        <p:nvSpPr>
-          <p:cNvPr id="32773" name="Rectangle 3"/>
-          <p:cNvSpPr>
-            <a:spLocks noGrp="1" noChangeArrowheads="1"/>
-          </p:cNvSpPr>
-          <p:nvPr>
-            <p:ph sz="half" idx="1"/>
-          </p:nvPr>
-        </p:nvSpPr>
-        <p:spPr/>
-        <p:txBody>
-          <a:bodyPr/>
-          <a:lstStyle/>
-          <a:p>
-            <a:pPr marL="0" indent="0"/>
-            <a:endParaRPr lang="en-US" sz="2400" dirty="0">
-              <a:ea typeface="ＭＳ Ｐゴシック" pitchFamily="-106" charset="-128"/>
-              <a:cs typeface="ＭＳ Ｐゴシック" pitchFamily="-106" charset="-128"/>
-            </a:endParaRPr>
-          </a:p>
-          <a:p>
-            <a:pPr marL="0" indent="0"/>
-            <a:endParaRPr lang="de-DE" dirty="0">
-              <a:ea typeface="ＭＳ Ｐゴシック" pitchFamily="-106" charset="-128"/>
-              <a:cs typeface="ＭＳ Ｐゴシック" pitchFamily="-106" charset="-128"/>
-            </a:endParaRPr>
-          </a:p>
-        </p:txBody>
-      </p:sp>
-      <p:sp>
-        <p:nvSpPr>
-          <p:cNvPr id="4" name="Content Placeholder 3"/>
-          <p:cNvSpPr>
-            <a:spLocks noGrp="1"/>
-          </p:cNvSpPr>
-          <p:nvPr>
-            <p:ph sz="half" idx="2"/>
-          </p:nvPr>
-        </p:nvSpPr>
-        <p:spPr>
-          <a:xfrm>
-            <a:off x="415637" y="1700809"/>
-            <a:ext cx="10001540" cy="3390608"/>
-          </a:xfrm>
-        </p:spPr>
-        <p:txBody>
-          <a:bodyPr/>
-          <a:lstStyle/>
-          <a:p>
-            <a:pPr eaLnBrk="1" hangingPunct="1">
-              <a:buClr>
-                <a:schemeClr val="accent1"/>
-              </a:buClr>
-              <a:buSzPct val="80000"/>
-              <a:buFont typeface=".AppleSDGothicNeoI-Regular" charset="-127"/>
-              <a:buChar char="◼︎"/>
-            </a:pPr>
-            <a:r>
-              <a:rPr lang="en-US" sz="2000" b="1" dirty="0">
-                <a:solidFill>
-                  <a:schemeClr val="accent1"/>
-                </a:solidFill>
-                <a:ea typeface="ＭＳ Ｐゴシック" pitchFamily="-106" charset="-128"/>
-                <a:cs typeface="ＭＳ Ｐゴシック" pitchFamily="-106" charset="-128"/>
-              </a:rPr>
-              <a:t>Deductive Argument</a:t>
-            </a:r>
-            <a:r>
-              <a:rPr lang="en-US" sz="2000" dirty="0">
-                <a:ea typeface="ＭＳ Ｐゴシック" pitchFamily="-106" charset="-128"/>
-                <a:cs typeface="ＭＳ Ｐゴシック" pitchFamily="-106" charset="-128"/>
-              </a:rPr>
-              <a:t>: An argument which has a conclusion that is enclosed in (implied by) the premises.</a:t>
-            </a:r>
-          </a:p>
-          <a:p>
-            <a:pPr eaLnBrk="1" hangingPunct="1">
-              <a:buClr>
-                <a:schemeClr val="accent1"/>
-              </a:buClr>
-              <a:buSzPct val="80000"/>
-              <a:buFont typeface=".AppleSDGothicNeoI-Regular" charset="-127"/>
-              <a:buChar char="◼︎"/>
-            </a:pPr>
-            <a:r>
-              <a:rPr lang="en-US" sz="2000" dirty="0">
-                <a:ea typeface="ＭＳ Ｐゴシック" pitchFamily="-106" charset="-128"/>
-                <a:cs typeface="ＭＳ Ｐゴシック" pitchFamily="-106" charset="-128"/>
-              </a:rPr>
-              <a:t>Valid arguments are deductive (monotonic), but in practice we often use non-deductive (non-monotonic) arguments where the conclusion is logically stronger than the premises.</a:t>
-            </a:r>
-          </a:p>
-          <a:p>
-            <a:pPr eaLnBrk="1" hangingPunct="1">
-              <a:buClr>
-                <a:schemeClr val="accent1"/>
-              </a:buClr>
-              <a:buSzPct val="80000"/>
-              <a:buFont typeface=".AppleSDGothicNeoI-Regular" charset="-127"/>
-              <a:buChar char="◼︎"/>
-            </a:pPr>
-            <a:endParaRPr lang="en-US" sz="2000" dirty="0">
-              <a:ea typeface="ＭＳ Ｐゴシック" pitchFamily="-106" charset="-128"/>
-              <a:cs typeface="ＭＳ Ｐゴシック" pitchFamily="-106" charset="-128"/>
-            </a:endParaRPr>
-          </a:p>
-          <a:p>
-            <a:pPr eaLnBrk="1" hangingPunct="1">
-              <a:buClr>
-                <a:schemeClr val="accent1"/>
-              </a:buClr>
-              <a:buSzPct val="80000"/>
-              <a:buFont typeface=".AppleSDGothicNeoI-Regular" charset="-127"/>
-              <a:buChar char="◼︎"/>
-            </a:pPr>
-            <a:r>
-              <a:rPr lang="en-US" sz="2000" b="1" dirty="0">
-                <a:solidFill>
-                  <a:schemeClr val="accent1"/>
-                </a:solidFill>
-                <a:ea typeface="ＭＳ Ｐゴシック" pitchFamily="-106" charset="-128"/>
-                <a:cs typeface="ＭＳ Ｐゴシック" pitchFamily="-106" charset="-128"/>
-              </a:rPr>
-              <a:t>Plausibility Principle</a:t>
-            </a:r>
-            <a:r>
-              <a:rPr lang="en-US" sz="2000" dirty="0">
-                <a:ea typeface="ＭＳ Ｐゴシック" pitchFamily="-106" charset="-128"/>
-                <a:cs typeface="ＭＳ Ｐゴシック" pitchFamily="-106" charset="-128"/>
-              </a:rPr>
-              <a:t>: The principle that enumeration and supplementary argumentation in a non-deductive argumentation can make the conclusion </a:t>
-            </a:r>
-            <a:r>
-              <a:rPr lang="en-US" sz="2000" b="1" dirty="0">
-                <a:solidFill>
-                  <a:schemeClr val="accent1"/>
-                </a:solidFill>
-                <a:ea typeface="ＭＳ Ｐゴシック" pitchFamily="-106" charset="-128"/>
-                <a:cs typeface="ＭＳ Ｐゴシック" pitchFamily="-106" charset="-128"/>
-              </a:rPr>
-              <a:t>plausible</a:t>
-            </a:r>
-            <a:r>
-              <a:rPr lang="en-US" sz="2000" dirty="0">
-                <a:solidFill>
-                  <a:schemeClr val="accent1"/>
-                </a:solidFill>
-                <a:ea typeface="ＭＳ Ｐゴシック" pitchFamily="-106" charset="-128"/>
-                <a:cs typeface="ＭＳ Ｐゴシック" pitchFamily="-106" charset="-128"/>
-              </a:rPr>
-              <a:t> </a:t>
-            </a:r>
-            <a:r>
-              <a:rPr lang="en-US" sz="2000" dirty="0">
-                <a:ea typeface="ＭＳ Ｐゴシック" pitchFamily="-106" charset="-128"/>
-                <a:cs typeface="ＭＳ Ｐゴシック" pitchFamily="-106" charset="-128"/>
-              </a:rPr>
-              <a:t>(</a:t>
-            </a:r>
-            <a:r>
-              <a:rPr lang="en-US" sz="2000" b="1" dirty="0">
-                <a:solidFill>
-                  <a:schemeClr val="accent1"/>
-                </a:solidFill>
-                <a:ea typeface="ＭＳ Ｐゴシック" pitchFamily="-106" charset="-128"/>
-                <a:cs typeface="ＭＳ Ｐゴシック" pitchFamily="-106" charset="-128"/>
-              </a:rPr>
-              <a:t>acceptable</a:t>
-            </a:r>
-            <a:r>
-              <a:rPr lang="en-US" sz="2000" dirty="0">
-                <a:ea typeface="ＭＳ Ｐゴシック" pitchFamily="-106" charset="-128"/>
-                <a:cs typeface="ＭＳ Ｐゴシック" pitchFamily="-106" charset="-128"/>
-              </a:rPr>
-              <a:t>). </a:t>
-            </a:r>
-          </a:p>
-        </p:txBody>
-      </p:sp>
-      <p:sp>
-        <p:nvSpPr>
-          <p:cNvPr id="5" name="Slide Number Placeholder 4"/>
-          <p:cNvSpPr>
-            <a:spLocks noGrp="1"/>
-          </p:cNvSpPr>
-          <p:nvPr>
-            <p:ph type="sldNum" sz="quarter" idx="12"/>
-          </p:nvPr>
-        </p:nvSpPr>
-        <p:spPr/>
-        <p:txBody>
-          <a:bodyPr/>
-          <a:lstStyle/>
-          <a:p>
-            <a:pPr>
-              <a:defRPr/>
-            </a:pPr>
-            <a:fld id="{0DF685E1-000B-FF46-B3AC-A509A8EDE44A}" type="slidenum">
-              <a:rPr lang="de-DE" smtClean="0"/>
-              <a:pPr>
-                <a:defRPr/>
-              </a:pPr>
-              <a:t>9</a:t>
-            </a:fld>
-            <a:endParaRPr lang="de-DE"/>
-          </a:p>
-        </p:txBody>
-      </p:sp>
-      <p:sp>
-        <p:nvSpPr>
-          <p:cNvPr id="7" name="TextBox 6"/>
+            <a:r>
+              <a:rPr lang="en-US" dirty="0"/>
+              <a:t>Abduction</a:t>
+            </a:r>
+          </a:p>
+        </p:txBody>
+      </p:sp>
+      <p:sp>
+        <p:nvSpPr>
+          <p:cNvPr id="5" name="TextBox 4">
+            <a:extLst>
+              <a:ext uri="{FF2B5EF4-FFF2-40B4-BE49-F238E27FC236}">
+                <a16:creationId xmlns:a16="http://schemas.microsoft.com/office/drawing/2014/main" id="{2B0588ED-31D5-46AB-AE06-7148C4AF4C9C}"/>
+              </a:ext>
+            </a:extLst>
+          </p:cNvPr>
           <p:cNvSpPr txBox="1"/>
           <p:nvPr/>
         </p:nvSpPr>
-        <p:spPr>
+        <p:spPr bwMode="gray">
           <a:xfrm>
-            <a:off x="7418219" y="1025885"/>
-            <a:ext cx="2835007" cy="369332"/>
+            <a:off x="2983923" y="2977726"/>
+            <a:ext cx="6244936" cy="923330"/>
           </a:xfrm>
           <a:prstGeom prst="rect">
             <a:avLst/>
           </a:prstGeom>
-          <a:noFill/>
+          <a:solidFill>
+            <a:schemeClr val="accent3">
+              <a:lumMod val="20000"/>
+              <a:lumOff val="80000"/>
+            </a:schemeClr>
+          </a:solidFill>
         </p:spPr>
         <p:txBody>
-          <a:bodyPr wrap="none" rtlCol="0">
+          <a:bodyPr wrap="square">
             <a:spAutoFit/>
           </a:bodyPr>
           <a:lstStyle/>
           <a:p>
-            <a:r>
-              <a:rPr lang="en-GB" dirty="0">
-                <a:latin typeface="Arial" pitchFamily="-112" charset="0"/>
-                <a:ea typeface="ＭＳ Ｐゴシック" pitchFamily="-112" charset="-128"/>
-                <a:cs typeface="ＭＳ Ｐゴシック" pitchFamily="-112" charset="-128"/>
-              </a:rPr>
-              <a:t>[dePoel&amp;Royakkers2011] </a:t>
-            </a:r>
-            <a:endParaRPr lang="en-US" dirty="0"/>
+            <a:pPr algn="ctr"/>
+            <a:r>
+              <a:rPr lang="en-US" i="1" dirty="0"/>
+              <a:t>“When you eliminate all the impossible, whatever remains, however improbable, must be the truth</a:t>
+            </a:r>
+            <a:r>
+              <a:rPr lang="en-US" dirty="0"/>
+              <a:t>.” Sherlock Holmes</a:t>
+            </a:r>
           </a:p>
         </p:txBody>
       </p:sp>
     </p:spTree>
     <p:extLst>
       <p:ext uri="{BB962C8B-B14F-4D97-AF65-F5344CB8AC3E}">
-        <p14:creationId xmlns:p14="http://schemas.microsoft.com/office/powerpoint/2010/main" val="68387372"/>
+        <p14:creationId xmlns:p14="http://schemas.microsoft.com/office/powerpoint/2010/main" val="530617816"/>
       </p:ext>
     </p:extLst>
   </p:cSld>
   <p:clrMapOvr>
     <a:masterClrMapping/>
   </p:clrMapOvr>
+  <p:transition>
+    <p:fade/>
+  </p:transition>
+  <p:timing>
+    <p:tnLst>
+      <p:par>
+        <p:cTn id="1" dur="indefinite" restart="never" nodeType="tmRoot">
+          <p:childTnLst>
+            <p:seq concurrent="1" nextAc="seek">
+              <p:cTn id="2" dur="indefinite" nodeType="mainSeq">
+                <p:childTnLst>
+                  <p:par>
+                    <p:cTn id="3" fill="hold">
+                      <p:stCondLst>
+                        <p:cond delay="indefinite"/>
+                      </p:stCondLst>
+                      <p:childTnLst>
+                        <p:par>
+                          <p:cTn id="4" fill="hold">
+                            <p:stCondLst>
+                              <p:cond delay="0"/>
+                            </p:stCondLst>
+                            <p:childTnLst>
+                              <p:par>
+                                <p:cTn id="5" presetID="1" presetClass="entr" presetSubtype="0" fill="hold" grpId="0" nodeType="clickEffect">
+                                  <p:stCondLst>
+                                    <p:cond delay="0"/>
+                                  </p:stCondLst>
+                                  <p:childTnLst>
+                                    <p:set>
+                                      <p:cBhvr>
+                                        <p:cTn id="6" dur="1" fill="hold">
+                                          <p:stCondLst>
+                                            <p:cond delay="0"/>
+                                          </p:stCondLst>
+                                        </p:cTn>
+                                        <p:tgtEl>
+                                          <p:spTgt spid="5"/>
+                                        </p:tgtEl>
+                                        <p:attrNameLst>
+                                          <p:attrName>style.visibility</p:attrName>
+                                        </p:attrNameLst>
+                                      </p:cBhvr>
+                                      <p:to>
+                                        <p:strVal val="visible"/>
+                                      </p:to>
+                                    </p:set>
+                                  </p:childTnLst>
+                                </p:cTn>
+                              </p:par>
+                            </p:childTnLst>
+                          </p:cTn>
+                        </p:par>
+                      </p:childTnLst>
+                    </p:cTn>
+                  </p:par>
+                </p:childTnLst>
+              </p:cTn>
+              <p:prevCondLst>
+                <p:cond evt="onPrev" delay="0">
+                  <p:tgtEl>
+                    <p:sldTgt/>
+                  </p:tgtEl>
+                </p:cond>
+              </p:prevCondLst>
+              <p:nextCondLst>
+                <p:cond evt="onNext" delay="0">
+                  <p:tgtEl>
+                    <p:sldTgt/>
+                  </p:tgtEl>
+                </p:cond>
+              </p:nextCondLst>
+            </p:seq>
+          </p:childTnLst>
+        </p:cTn>
+      </p:par>
+    </p:tnLst>
+    <p:bldLst>
+      <p:bldP spid="5" grpId="0" animBg="1"/>
+    </p:bldLst>
+  </p:timing>
 </p:sld>
 </file>
 
